--- a/ppt_projet_java.pptx
+++ b/ppt_projet_java.pptx
@@ -4,8 +4,22 @@
   <p:sldMasterIdLst>
     <p:sldMasterId id="2147483648" r:id="rId1"/>
   </p:sldMasterIdLst>
+  <p:notesMasterIdLst>
+    <p:notesMasterId r:id="rId14"/>
+  </p:notesMasterIdLst>
   <p:sldIdLst>
     <p:sldId id="256" r:id="rId2"/>
+    <p:sldId id="257" r:id="rId3"/>
+    <p:sldId id="258" r:id="rId4"/>
+    <p:sldId id="259" r:id="rId5"/>
+    <p:sldId id="260" r:id="rId6"/>
+    <p:sldId id="261" r:id="rId7"/>
+    <p:sldId id="262" r:id="rId8"/>
+    <p:sldId id="263" r:id="rId9"/>
+    <p:sldId id="264" r:id="rId10"/>
+    <p:sldId id="265" r:id="rId11"/>
+    <p:sldId id="266" r:id="rId12"/>
+    <p:sldId id="267" r:id="rId13"/>
   </p:sldIdLst>
   <p:sldSz cx="12192000" cy="6858000"/>
   <p:notesSz cx="6858000" cy="9144000"/>
@@ -107,6 +121,355 @@
 </p:presentation>
 </file>
 
+<file path=ppt/notesMasters/notesMaster1.xml><?xml version="1.0" encoding="utf-8"?>
+<p:notesMaster xmlns:a="http://schemas.openxmlformats.org/drawingml/2006/main" xmlns:r="http://schemas.openxmlformats.org/officeDocument/2006/relationships" xmlns:p="http://schemas.openxmlformats.org/presentationml/2006/main">
+  <p:cSld>
+    <p:bg>
+      <p:bgRef idx="1001">
+        <a:schemeClr val="bg1"/>
+      </p:bgRef>
+    </p:bg>
+    <p:spTree>
+      <p:nvGrpSpPr>
+        <p:cNvPr id="1" name=""/>
+        <p:cNvGrpSpPr/>
+        <p:nvPr/>
+      </p:nvGrpSpPr>
+      <p:grpSpPr>
+        <a:xfrm>
+          <a:off x="0" y="0"/>
+          <a:ext cx="0" cy="0"/>
+          <a:chOff x="0" y="0"/>
+          <a:chExt cx="0" cy="0"/>
+        </a:xfrm>
+      </p:grpSpPr>
+      <p:sp>
+        <p:nvSpPr>
+          <p:cNvPr id="2" name="Espace réservé de l'en-tête 1"/>
+          <p:cNvSpPr>
+            <a:spLocks noGrp="1"/>
+          </p:cNvSpPr>
+          <p:nvPr>
+            <p:ph type="hdr" sz="quarter"/>
+          </p:nvPr>
+        </p:nvSpPr>
+        <p:spPr>
+          <a:xfrm>
+            <a:off x="0" y="0"/>
+            <a:ext cx="2971800" cy="458788"/>
+          </a:xfrm>
+          <a:prstGeom prst="rect">
+            <a:avLst/>
+          </a:prstGeom>
+        </p:spPr>
+        <p:txBody>
+          <a:bodyPr vert="horz" lIns="91440" tIns="45720" rIns="91440" bIns="45720" rtlCol="0"/>
+          <a:lstStyle>
+            <a:lvl1pPr algn="l">
+              <a:defRPr sz="1200"/>
+            </a:lvl1pPr>
+          </a:lstStyle>
+          <a:p>
+            <a:endParaRPr lang="fr-FR"/>
+          </a:p>
+        </p:txBody>
+      </p:sp>
+      <p:sp>
+        <p:nvSpPr>
+          <p:cNvPr id="3" name="Espace réservé de la date 2"/>
+          <p:cNvSpPr>
+            <a:spLocks noGrp="1"/>
+          </p:cNvSpPr>
+          <p:nvPr>
+            <p:ph type="dt" idx="1"/>
+          </p:nvPr>
+        </p:nvSpPr>
+        <p:spPr>
+          <a:xfrm>
+            <a:off x="3884613" y="0"/>
+            <a:ext cx="2971800" cy="458788"/>
+          </a:xfrm>
+          <a:prstGeom prst="rect">
+            <a:avLst/>
+          </a:prstGeom>
+        </p:spPr>
+        <p:txBody>
+          <a:bodyPr vert="horz" lIns="91440" tIns="45720" rIns="91440" bIns="45720" rtlCol="0"/>
+          <a:lstStyle>
+            <a:lvl1pPr algn="r">
+              <a:defRPr sz="1200"/>
+            </a:lvl1pPr>
+          </a:lstStyle>
+          <a:p>
+            <a:fld id="{0DCC85DF-5DCC-489F-9481-56F842B0ED12}" type="datetimeFigureOut">
+              <a:rPr lang="fr-FR" smtClean="0"/>
+              <a:t>07/06/2020</a:t>
+            </a:fld>
+            <a:endParaRPr lang="fr-FR"/>
+          </a:p>
+        </p:txBody>
+      </p:sp>
+      <p:sp>
+        <p:nvSpPr>
+          <p:cNvPr id="4" name="Espace réservé de l'image des diapositives 3"/>
+          <p:cNvSpPr>
+            <a:spLocks noGrp="1" noRot="1" noChangeAspect="1"/>
+          </p:cNvSpPr>
+          <p:nvPr>
+            <p:ph type="sldImg" idx="2"/>
+          </p:nvPr>
+        </p:nvSpPr>
+        <p:spPr>
+          <a:xfrm>
+            <a:off x="685800" y="1143000"/>
+            <a:ext cx="5486400" cy="3086100"/>
+          </a:xfrm>
+          <a:prstGeom prst="rect">
+            <a:avLst/>
+          </a:prstGeom>
+          <a:noFill/>
+          <a:ln w="12700">
+            <a:solidFill>
+              <a:prstClr val="black"/>
+            </a:solidFill>
+          </a:ln>
+        </p:spPr>
+        <p:txBody>
+          <a:bodyPr vert="horz" lIns="91440" tIns="45720" rIns="91440" bIns="45720" rtlCol="0" anchor="ctr"/>
+          <a:lstStyle/>
+          <a:p>
+            <a:endParaRPr lang="fr-FR"/>
+          </a:p>
+        </p:txBody>
+      </p:sp>
+      <p:sp>
+        <p:nvSpPr>
+          <p:cNvPr id="5" name="Espace réservé des notes 4"/>
+          <p:cNvSpPr>
+            <a:spLocks noGrp="1"/>
+          </p:cNvSpPr>
+          <p:nvPr>
+            <p:ph type="body" sz="quarter" idx="3"/>
+          </p:nvPr>
+        </p:nvSpPr>
+        <p:spPr>
+          <a:xfrm>
+            <a:off x="685800" y="4400550"/>
+            <a:ext cx="5486400" cy="3600450"/>
+          </a:xfrm>
+          <a:prstGeom prst="rect">
+            <a:avLst/>
+          </a:prstGeom>
+        </p:spPr>
+        <p:txBody>
+          <a:bodyPr vert="horz" lIns="91440" tIns="45720" rIns="91440" bIns="45720" rtlCol="0"/>
+          <a:lstStyle/>
+          <a:p>
+            <a:pPr lvl="0"/>
+            <a:r>
+              <a:rPr lang="fr-FR"/>
+              <a:t>Cliquez pour modifier les styles du texte du masque</a:t>
+            </a:r>
+          </a:p>
+          <a:p>
+            <a:pPr lvl="1"/>
+            <a:r>
+              <a:rPr lang="fr-FR"/>
+              <a:t>Deuxième niveau</a:t>
+            </a:r>
+          </a:p>
+          <a:p>
+            <a:pPr lvl="2"/>
+            <a:r>
+              <a:rPr lang="fr-FR"/>
+              <a:t>Troisième niveau</a:t>
+            </a:r>
+          </a:p>
+          <a:p>
+            <a:pPr lvl="3"/>
+            <a:r>
+              <a:rPr lang="fr-FR"/>
+              <a:t>Quatrième niveau</a:t>
+            </a:r>
+          </a:p>
+          <a:p>
+            <a:pPr lvl="4"/>
+            <a:r>
+              <a:rPr lang="fr-FR"/>
+              <a:t>Cinquième niveau</a:t>
+            </a:r>
+          </a:p>
+        </p:txBody>
+      </p:sp>
+      <p:sp>
+        <p:nvSpPr>
+          <p:cNvPr id="6" name="Espace réservé du pied de page 5"/>
+          <p:cNvSpPr>
+            <a:spLocks noGrp="1"/>
+          </p:cNvSpPr>
+          <p:nvPr>
+            <p:ph type="ftr" sz="quarter" idx="4"/>
+          </p:nvPr>
+        </p:nvSpPr>
+        <p:spPr>
+          <a:xfrm>
+            <a:off x="0" y="8685213"/>
+            <a:ext cx="2971800" cy="458787"/>
+          </a:xfrm>
+          <a:prstGeom prst="rect">
+            <a:avLst/>
+          </a:prstGeom>
+        </p:spPr>
+        <p:txBody>
+          <a:bodyPr vert="horz" lIns="91440" tIns="45720" rIns="91440" bIns="45720" rtlCol="0" anchor="b"/>
+          <a:lstStyle>
+            <a:lvl1pPr algn="l">
+              <a:defRPr sz="1200"/>
+            </a:lvl1pPr>
+          </a:lstStyle>
+          <a:p>
+            <a:endParaRPr lang="fr-FR"/>
+          </a:p>
+        </p:txBody>
+      </p:sp>
+      <p:sp>
+        <p:nvSpPr>
+          <p:cNvPr id="7" name="Espace réservé du numéro de diapositive 6"/>
+          <p:cNvSpPr>
+            <a:spLocks noGrp="1"/>
+          </p:cNvSpPr>
+          <p:nvPr>
+            <p:ph type="sldNum" sz="quarter" idx="5"/>
+          </p:nvPr>
+        </p:nvSpPr>
+        <p:spPr>
+          <a:xfrm>
+            <a:off x="3884613" y="8685213"/>
+            <a:ext cx="2971800" cy="458787"/>
+          </a:xfrm>
+          <a:prstGeom prst="rect">
+            <a:avLst/>
+          </a:prstGeom>
+        </p:spPr>
+        <p:txBody>
+          <a:bodyPr vert="horz" lIns="91440" tIns="45720" rIns="91440" bIns="45720" rtlCol="0" anchor="b"/>
+          <a:lstStyle>
+            <a:lvl1pPr algn="r">
+              <a:defRPr sz="1200"/>
+            </a:lvl1pPr>
+          </a:lstStyle>
+          <a:p>
+            <a:fld id="{B98B57A1-6F3F-4969-A88F-8C849C7BB4EA}" type="slidenum">
+              <a:rPr lang="fr-FR" smtClean="0"/>
+              <a:t>‹N°›</a:t>
+            </a:fld>
+            <a:endParaRPr lang="fr-FR"/>
+          </a:p>
+        </p:txBody>
+      </p:sp>
+    </p:spTree>
+    <p:extLst>
+      <p:ext uri="{BB962C8B-B14F-4D97-AF65-F5344CB8AC3E}">
+        <p14:creationId xmlns:p14="http://schemas.microsoft.com/office/powerpoint/2010/main" val="1778740825"/>
+      </p:ext>
+    </p:extLst>
+  </p:cSld>
+  <p:clrMap bg1="lt1" tx1="dk1" bg2="lt2" tx2="dk2" accent1="accent1" accent2="accent2" accent3="accent3" accent4="accent4" accent5="accent5" accent6="accent6" hlink="hlink" folHlink="folHlink"/>
+  <p:notesStyle>
+    <a:lvl1pPr marL="0" algn="l" defTabSz="914400" rtl="0" eaLnBrk="1" latinLnBrk="0" hangingPunct="1">
+      <a:defRPr sz="1200" kern="1200">
+        <a:solidFill>
+          <a:schemeClr val="tx1"/>
+        </a:solidFill>
+        <a:latin typeface="+mn-lt"/>
+        <a:ea typeface="+mn-ea"/>
+        <a:cs typeface="+mn-cs"/>
+      </a:defRPr>
+    </a:lvl1pPr>
+    <a:lvl2pPr marL="457200" algn="l" defTabSz="914400" rtl="0" eaLnBrk="1" latinLnBrk="0" hangingPunct="1">
+      <a:defRPr sz="1200" kern="1200">
+        <a:solidFill>
+          <a:schemeClr val="tx1"/>
+        </a:solidFill>
+        <a:latin typeface="+mn-lt"/>
+        <a:ea typeface="+mn-ea"/>
+        <a:cs typeface="+mn-cs"/>
+      </a:defRPr>
+    </a:lvl2pPr>
+    <a:lvl3pPr marL="914400" algn="l" defTabSz="914400" rtl="0" eaLnBrk="1" latinLnBrk="0" hangingPunct="1">
+      <a:defRPr sz="1200" kern="1200">
+        <a:solidFill>
+          <a:schemeClr val="tx1"/>
+        </a:solidFill>
+        <a:latin typeface="+mn-lt"/>
+        <a:ea typeface="+mn-ea"/>
+        <a:cs typeface="+mn-cs"/>
+      </a:defRPr>
+    </a:lvl3pPr>
+    <a:lvl4pPr marL="1371600" algn="l" defTabSz="914400" rtl="0" eaLnBrk="1" latinLnBrk="0" hangingPunct="1">
+      <a:defRPr sz="1200" kern="1200">
+        <a:solidFill>
+          <a:schemeClr val="tx1"/>
+        </a:solidFill>
+        <a:latin typeface="+mn-lt"/>
+        <a:ea typeface="+mn-ea"/>
+        <a:cs typeface="+mn-cs"/>
+      </a:defRPr>
+    </a:lvl4pPr>
+    <a:lvl5pPr marL="1828800" algn="l" defTabSz="914400" rtl="0" eaLnBrk="1" latinLnBrk="0" hangingPunct="1">
+      <a:defRPr sz="1200" kern="1200">
+        <a:solidFill>
+          <a:schemeClr val="tx1"/>
+        </a:solidFill>
+        <a:latin typeface="+mn-lt"/>
+        <a:ea typeface="+mn-ea"/>
+        <a:cs typeface="+mn-cs"/>
+      </a:defRPr>
+    </a:lvl5pPr>
+    <a:lvl6pPr marL="2286000" algn="l" defTabSz="914400" rtl="0" eaLnBrk="1" latinLnBrk="0" hangingPunct="1">
+      <a:defRPr sz="1200" kern="1200">
+        <a:solidFill>
+          <a:schemeClr val="tx1"/>
+        </a:solidFill>
+        <a:latin typeface="+mn-lt"/>
+        <a:ea typeface="+mn-ea"/>
+        <a:cs typeface="+mn-cs"/>
+      </a:defRPr>
+    </a:lvl6pPr>
+    <a:lvl7pPr marL="2743200" algn="l" defTabSz="914400" rtl="0" eaLnBrk="1" latinLnBrk="0" hangingPunct="1">
+      <a:defRPr sz="1200" kern="1200">
+        <a:solidFill>
+          <a:schemeClr val="tx1"/>
+        </a:solidFill>
+        <a:latin typeface="+mn-lt"/>
+        <a:ea typeface="+mn-ea"/>
+        <a:cs typeface="+mn-cs"/>
+      </a:defRPr>
+    </a:lvl7pPr>
+    <a:lvl8pPr marL="3200400" algn="l" defTabSz="914400" rtl="0" eaLnBrk="1" latinLnBrk="0" hangingPunct="1">
+      <a:defRPr sz="1200" kern="1200">
+        <a:solidFill>
+          <a:schemeClr val="tx1"/>
+        </a:solidFill>
+        <a:latin typeface="+mn-lt"/>
+        <a:ea typeface="+mn-ea"/>
+        <a:cs typeface="+mn-cs"/>
+      </a:defRPr>
+    </a:lvl8pPr>
+    <a:lvl9pPr marL="3657600" algn="l" defTabSz="914400" rtl="0" eaLnBrk="1" latinLnBrk="0" hangingPunct="1">
+      <a:defRPr sz="1200" kern="1200">
+        <a:solidFill>
+          <a:schemeClr val="tx1"/>
+        </a:solidFill>
+        <a:latin typeface="+mn-lt"/>
+        <a:ea typeface="+mn-ea"/>
+        <a:cs typeface="+mn-cs"/>
+      </a:defRPr>
+    </a:lvl9pPr>
+  </p:notesStyle>
+</p:notesMaster>
+</file>
+
 <file path=ppt/slideLayouts/slideLayout1.xml><?xml version="1.0" encoding="utf-8"?>
 <p:sldLayout xmlns:a="http://schemas.openxmlformats.org/drawingml/2006/main" xmlns:r="http://schemas.openxmlformats.org/officeDocument/2006/relationships" xmlns:p="http://schemas.openxmlformats.org/presentationml/2006/main" type="title" preserve="1">
   <p:cSld name="Diapositive de titre">
@@ -252,7 +615,7 @@
           <a:bodyPr/>
           <a:lstStyle/>
           <a:p>
-            <a:fld id="{09276C7D-D3C9-43CE-94FF-1A23106D334E}" type="datetimeFigureOut">
+            <a:fld id="{9554B1B9-65F8-4D41-A78F-E240AEE9E66E}" type="datetime1">
               <a:rPr lang="fr-FR" smtClean="0"/>
               <a:t>07/06/2020</a:t>
             </a:fld>
@@ -450,7 +813,7 @@
           <a:bodyPr/>
           <a:lstStyle/>
           <a:p>
-            <a:fld id="{09276C7D-D3C9-43CE-94FF-1A23106D334E}" type="datetimeFigureOut">
+            <a:fld id="{7A3D5DE5-8B21-4A51-88A5-43579B8CC9D0}" type="datetime1">
               <a:rPr lang="fr-FR" smtClean="0"/>
               <a:t>07/06/2020</a:t>
             </a:fld>
@@ -658,7 +1021,7 @@
           <a:bodyPr/>
           <a:lstStyle/>
           <a:p>
-            <a:fld id="{09276C7D-D3C9-43CE-94FF-1A23106D334E}" type="datetimeFigureOut">
+            <a:fld id="{1F42ED2B-CBF3-425E-8B74-0AA1093E9883}" type="datetime1">
               <a:rPr lang="fr-FR" smtClean="0"/>
               <a:t>07/06/2020</a:t>
             </a:fld>
@@ -856,7 +1219,7 @@
           <a:bodyPr/>
           <a:lstStyle/>
           <a:p>
-            <a:fld id="{09276C7D-D3C9-43CE-94FF-1A23106D334E}" type="datetimeFigureOut">
+            <a:fld id="{4D853EA3-BFC9-46D6-895A-6D79BA9AF3D7}" type="datetime1">
               <a:rPr lang="fr-FR" smtClean="0"/>
               <a:t>07/06/2020</a:t>
             </a:fld>
@@ -1131,7 +1494,7 @@
           <a:bodyPr/>
           <a:lstStyle/>
           <a:p>
-            <a:fld id="{09276C7D-D3C9-43CE-94FF-1A23106D334E}" type="datetimeFigureOut">
+            <a:fld id="{9650C1AE-C453-48D8-8883-8598366499DC}" type="datetime1">
               <a:rPr lang="fr-FR" smtClean="0"/>
               <a:t>07/06/2020</a:t>
             </a:fld>
@@ -1396,7 +1759,7 @@
           <a:bodyPr/>
           <a:lstStyle/>
           <a:p>
-            <a:fld id="{09276C7D-D3C9-43CE-94FF-1A23106D334E}" type="datetimeFigureOut">
+            <a:fld id="{101FAFC4-274C-4BAA-946D-DA72EF393166}" type="datetime1">
               <a:rPr lang="fr-FR" smtClean="0"/>
               <a:t>07/06/2020</a:t>
             </a:fld>
@@ -1808,7 +2171,7 @@
           <a:bodyPr/>
           <a:lstStyle/>
           <a:p>
-            <a:fld id="{09276C7D-D3C9-43CE-94FF-1A23106D334E}" type="datetimeFigureOut">
+            <a:fld id="{461189C2-E2C0-4001-9BD4-41D2D93631DC}" type="datetime1">
               <a:rPr lang="fr-FR" smtClean="0"/>
               <a:t>07/06/2020</a:t>
             </a:fld>
@@ -1949,7 +2312,7 @@
           <a:bodyPr/>
           <a:lstStyle/>
           <a:p>
-            <a:fld id="{09276C7D-D3C9-43CE-94FF-1A23106D334E}" type="datetimeFigureOut">
+            <a:fld id="{69650C31-F1B1-45A3-AD37-FBC11BA045BB}" type="datetime1">
               <a:rPr lang="fr-FR" smtClean="0"/>
               <a:t>07/06/2020</a:t>
             </a:fld>
@@ -2062,7 +2425,7 @@
           <a:bodyPr/>
           <a:lstStyle/>
           <a:p>
-            <a:fld id="{09276C7D-D3C9-43CE-94FF-1A23106D334E}" type="datetimeFigureOut">
+            <a:fld id="{F1576900-9EDC-412B-B68A-1EF0B6668702}" type="datetime1">
               <a:rPr lang="fr-FR" smtClean="0"/>
               <a:t>07/06/2020</a:t>
             </a:fld>
@@ -2373,7 +2736,7 @@
           <a:bodyPr/>
           <a:lstStyle/>
           <a:p>
-            <a:fld id="{09276C7D-D3C9-43CE-94FF-1A23106D334E}" type="datetimeFigureOut">
+            <a:fld id="{FF1566DF-A067-4A35-B662-11C9DFFB61BF}" type="datetime1">
               <a:rPr lang="fr-FR" smtClean="0"/>
               <a:t>07/06/2020</a:t>
             </a:fld>
@@ -2661,7 +3024,7 @@
           <a:bodyPr/>
           <a:lstStyle/>
           <a:p>
-            <a:fld id="{09276C7D-D3C9-43CE-94FF-1A23106D334E}" type="datetimeFigureOut">
+            <a:fld id="{181A4BDD-F76B-40BB-9F6C-46EEAB45C35E}" type="datetime1">
               <a:rPr lang="fr-FR" smtClean="0"/>
               <a:t>07/06/2020</a:t>
             </a:fld>
@@ -2902,7 +3265,7 @@
             </a:lvl1pPr>
           </a:lstStyle>
           <a:p>
-            <a:fld id="{09276C7D-D3C9-43CE-94FF-1A23106D334E}" type="datetimeFigureOut">
+            <a:fld id="{A602BC2F-D7F5-4CE4-8D89-279A56F3A329}" type="datetime1">
               <a:rPr lang="fr-FR" smtClean="0"/>
               <a:t>07/06/2020</a:t>
             </a:fld>
@@ -3021,6 +3384,7 @@
     <p:sldLayoutId id="2147483658" r:id="rId10"/>
     <p:sldLayoutId id="2147483659" r:id="rId11"/>
   </p:sldLayoutIdLst>
+  <p:hf hdr="0" ftr="0" dt="0"/>
   <p:txStyles>
     <p:titleStyle>
       <a:lvl1pPr algn="l" defTabSz="914400" rtl="0" eaLnBrk="1" latinLnBrk="0" hangingPunct="1">
@@ -3307,6 +3671,14 @@
 <file path=ppt/slides/slide1.xml><?xml version="1.0" encoding="utf-8"?>
 <p:sld xmlns:a="http://schemas.openxmlformats.org/drawingml/2006/main" xmlns:r="http://schemas.openxmlformats.org/officeDocument/2006/relationships" xmlns:p="http://schemas.openxmlformats.org/presentationml/2006/main">
   <p:cSld>
+    <p:bg>
+      <p:bgPr>
+        <a:solidFill>
+          <a:schemeClr val="bg1"/>
+        </a:solidFill>
+        <a:effectLst/>
+      </p:bgPr>
+    </p:bg>
     <p:spTree>
       <p:nvGrpSpPr>
         <p:cNvPr id="1" name=""/>
@@ -3321,6 +3693,66 @@
           <a:chExt cx="0" cy="0"/>
         </a:xfrm>
       </p:grpSpPr>
+      <p:sp useBgFill="1">
+        <p:nvSpPr>
+          <p:cNvPr id="16" name="Rectangle 15">
+            <a:extLst>
+              <a:ext uri="{FF2B5EF4-FFF2-40B4-BE49-F238E27FC236}">
+                <a16:creationId xmlns:a16="http://schemas.microsoft.com/office/drawing/2014/main" id="{E45B1D5C-0827-4AF0-8186-11FC5A8B8B92}"/>
+              </a:ext>
+              <a:ext uri="{C183D7F6-B498-43B3-948B-1728B52AA6E4}">
+                <adec:decorative xmlns:adec="http://schemas.microsoft.com/office/drawing/2017/decorative" val="1"/>
+              </a:ext>
+            </a:extLst>
+          </p:cNvPr>
+          <p:cNvSpPr>
+            <a:spLocks noGrp="1" noRot="1" noChangeAspect="1" noMove="1" noResize="1" noEditPoints="1" noAdjustHandles="1" noChangeArrowheads="1" noChangeShapeType="1" noTextEdit="1"/>
+          </p:cNvSpPr>
+          <p:nvPr>
+            <p:extLst>
+              <p:ext uri="{386F3935-93C4-4BCD-93E2-E3B085C9AB24}">
+                <p16:designElem xmlns:p16="http://schemas.microsoft.com/office/powerpoint/2015/main" val="1"/>
+              </p:ext>
+            </p:extLst>
+          </p:nvPr>
+        </p:nvSpPr>
+        <p:spPr>
+          <a:xfrm>
+            <a:off x="0" y="0"/>
+            <a:ext cx="12191999" cy="6857365"/>
+          </a:xfrm>
+          <a:prstGeom prst="rect">
+            <a:avLst/>
+          </a:prstGeom>
+          <a:ln>
+            <a:noFill/>
+          </a:ln>
+        </p:spPr>
+        <p:style>
+          <a:lnRef idx="2">
+            <a:schemeClr val="accent1">
+              <a:shade val="50000"/>
+            </a:schemeClr>
+          </a:lnRef>
+          <a:fillRef idx="1">
+            <a:schemeClr val="accent1"/>
+          </a:fillRef>
+          <a:effectRef idx="0">
+            <a:schemeClr val="accent1"/>
+          </a:effectRef>
+          <a:fontRef idx="minor">
+            <a:schemeClr val="lt1"/>
+          </a:fontRef>
+        </p:style>
+        <p:txBody>
+          <a:bodyPr rtlCol="0" anchor="ctr"/>
+          <a:lstStyle/>
+          <a:p>
+            <a:pPr algn="ctr"/>
+            <a:endParaRPr lang="en-US"/>
+          </a:p>
+        </p:txBody>
+      </p:sp>
       <p:sp>
         <p:nvSpPr>
           <p:cNvPr id="2" name="Titre 1">
@@ -3337,37 +3769,403 @@
             <p:ph type="ctrTitle"/>
           </p:nvPr>
         </p:nvSpPr>
-        <p:spPr/>
-        <p:txBody>
-          <a:bodyPr/>
-          <a:lstStyle/>
-          <a:p>
-            <a:endParaRPr lang="fr-FR"/>
-          </a:p>
-        </p:txBody>
-      </p:sp>
-      <p:sp>
-        <p:nvSpPr>
-          <p:cNvPr id="3" name="Sous-titre 2">
-            <a:extLst>
-              <a:ext uri="{FF2B5EF4-FFF2-40B4-BE49-F238E27FC236}">
-                <a16:creationId xmlns:a16="http://schemas.microsoft.com/office/drawing/2014/main" id="{59161FFB-12FA-42F6-853F-7B3DA45C5C88}"/>
-              </a:ext>
-            </a:extLst>
-          </p:cNvPr>
-          <p:cNvSpPr>
-            <a:spLocks noGrp="1"/>
-          </p:cNvSpPr>
-          <p:nvPr>
-            <p:ph type="subTitle" idx="1"/>
-          </p:nvPr>
-        </p:nvSpPr>
-        <p:spPr/>
-        <p:txBody>
-          <a:bodyPr/>
-          <a:lstStyle/>
-          <a:p>
-            <a:endParaRPr lang="fr-FR"/>
+        <p:spPr>
+          <a:xfrm>
+            <a:off x="9036543" y="1476147"/>
+            <a:ext cx="2945907" cy="2846070"/>
+          </a:xfrm>
+        </p:spPr>
+        <p:txBody>
+          <a:bodyPr vert="horz" lIns="91440" tIns="45720" rIns="91440" bIns="45720" rtlCol="0" anchor="ctr">
+            <a:normAutofit/>
+          </a:bodyPr>
+          <a:lstStyle/>
+          <a:p>
+            <a:pPr algn="l"/>
+            <a:r>
+              <a:rPr lang="en-US" sz="3400" b="1" kern="1200" dirty="0">
+                <a:latin typeface="+mj-lt"/>
+                <a:ea typeface="+mj-ea"/>
+                <a:cs typeface="+mj-cs"/>
+              </a:rPr>
+              <a:t>Gestion </a:t>
+            </a:r>
+            <a:r>
+              <a:rPr lang="en-US" sz="3400" b="1" kern="1200" dirty="0" err="1">
+                <a:latin typeface="+mj-lt"/>
+                <a:ea typeface="+mj-ea"/>
+                <a:cs typeface="+mj-cs"/>
+              </a:rPr>
+              <a:t>informatique</a:t>
+            </a:r>
+            <a:r>
+              <a:rPr lang="en-US" sz="3400" b="1" kern="1200" dirty="0">
+                <a:latin typeface="+mj-lt"/>
+                <a:ea typeface="+mj-ea"/>
+                <a:cs typeface="+mj-cs"/>
+              </a:rPr>
+              <a:t> d’un </a:t>
+            </a:r>
+            <a:r>
+              <a:rPr lang="en-US" sz="3400" b="1" kern="1200" dirty="0" err="1">
+                <a:latin typeface="+mj-lt"/>
+                <a:ea typeface="+mj-ea"/>
+                <a:cs typeface="+mj-cs"/>
+              </a:rPr>
+              <a:t>emploi</a:t>
+            </a:r>
+            <a:r>
+              <a:rPr lang="en-US" sz="3400" b="1" kern="1200" dirty="0">
+                <a:latin typeface="+mj-lt"/>
+                <a:ea typeface="+mj-ea"/>
+                <a:cs typeface="+mj-cs"/>
+              </a:rPr>
+              <a:t> du temps</a:t>
+            </a:r>
+          </a:p>
+        </p:txBody>
+      </p:sp>
+      <p:sp>
+        <p:nvSpPr>
+          <p:cNvPr id="18" name="Rectangle 17">
+            <a:extLst>
+              <a:ext uri="{FF2B5EF4-FFF2-40B4-BE49-F238E27FC236}">
+                <a16:creationId xmlns:a16="http://schemas.microsoft.com/office/drawing/2014/main" id="{99413ED5-9ED4-4772-BCE4-2BCAE6B12E35}"/>
+              </a:ext>
+              <a:ext uri="{C183D7F6-B498-43B3-948B-1728B52AA6E4}">
+                <adec:decorative xmlns:adec="http://schemas.microsoft.com/office/drawing/2017/decorative" val="1"/>
+              </a:ext>
+            </a:extLst>
+          </p:cNvPr>
+          <p:cNvSpPr>
+            <a:spLocks noGrp="1" noRot="1" noChangeAspect="1" noMove="1" noResize="1" noEditPoints="1" noAdjustHandles="1" noChangeArrowheads="1" noChangeShapeType="1" noTextEdit="1"/>
+          </p:cNvSpPr>
+          <p:nvPr>
+            <p:extLst>
+              <p:ext uri="{386F3935-93C4-4BCD-93E2-E3B085C9AB24}">
+                <p16:designElem xmlns:p16="http://schemas.microsoft.com/office/powerpoint/2015/main" val="1"/>
+              </p:ext>
+            </p:extLst>
+          </p:nvPr>
+        </p:nvSpPr>
+        <p:spPr>
+          <a:xfrm rot="16200000">
+            <a:off x="3433973" y="-827233"/>
+            <a:ext cx="1715478" cy="8583421"/>
+          </a:xfrm>
+          <a:prstGeom prst="rect">
+            <a:avLst/>
+          </a:prstGeom>
+          <a:solidFill>
+            <a:schemeClr val="accent4"/>
+          </a:solidFill>
+          <a:ln>
+            <a:noFill/>
+          </a:ln>
+        </p:spPr>
+        <p:style>
+          <a:lnRef idx="2">
+            <a:schemeClr val="accent1">
+              <a:shade val="50000"/>
+            </a:schemeClr>
+          </a:lnRef>
+          <a:fillRef idx="1">
+            <a:schemeClr val="accent1"/>
+          </a:fillRef>
+          <a:effectRef idx="0">
+            <a:schemeClr val="accent1"/>
+          </a:effectRef>
+          <a:fontRef idx="minor">
+            <a:schemeClr val="lt1"/>
+          </a:fontRef>
+        </p:style>
+        <p:txBody>
+          <a:bodyPr rtlCol="0" anchor="ctr"/>
+          <a:lstStyle/>
+          <a:p>
+            <a:pPr algn="ctr"/>
+            <a:endParaRPr lang="en-US" dirty="0"/>
+          </a:p>
+        </p:txBody>
+      </p:sp>
+      <p:sp>
+        <p:nvSpPr>
+          <p:cNvPr id="20" name="Rectangle 19">
+            <a:extLst>
+              <a:ext uri="{FF2B5EF4-FFF2-40B4-BE49-F238E27FC236}">
+                <a16:creationId xmlns:a16="http://schemas.microsoft.com/office/drawing/2014/main" id="{04357C93-F0CB-4A1C-8F77-4E9063789819}"/>
+              </a:ext>
+              <a:ext uri="{C183D7F6-B498-43B3-948B-1728B52AA6E4}">
+                <adec:decorative xmlns:adec="http://schemas.microsoft.com/office/drawing/2017/decorative" val="1"/>
+              </a:ext>
+            </a:extLst>
+          </p:cNvPr>
+          <p:cNvSpPr>
+            <a:spLocks noGrp="1" noRot="1" noChangeAspect="1" noMove="1" noResize="1" noEditPoints="1" noAdjustHandles="1" noChangeArrowheads="1" noChangeShapeType="1" noTextEdit="1"/>
+          </p:cNvSpPr>
+          <p:nvPr>
+            <p:extLst>
+              <p:ext uri="{386F3935-93C4-4BCD-93E2-E3B085C9AB24}">
+                <p16:designElem xmlns:p16="http://schemas.microsoft.com/office/powerpoint/2015/main" val="1"/>
+              </p:ext>
+            </p:extLst>
+          </p:nvPr>
+        </p:nvSpPr>
+        <p:spPr>
+          <a:xfrm>
+            <a:off x="302085" y="664308"/>
+            <a:ext cx="8082632" cy="5600340"/>
+          </a:xfrm>
+          <a:prstGeom prst="rect">
+            <a:avLst/>
+          </a:prstGeom>
+          <a:solidFill>
+            <a:schemeClr val="bg1"/>
+          </a:solidFill>
+          <a:ln>
+            <a:noFill/>
+          </a:ln>
+          <a:effectLst>
+            <a:outerShdw blurRad="139700" dist="127000" dir="5400000" algn="t" rotWithShape="0">
+              <a:prstClr val="black">
+                <a:alpha val="15000"/>
+              </a:prstClr>
+            </a:outerShdw>
+          </a:effectLst>
+        </p:spPr>
+        <p:style>
+          <a:lnRef idx="2">
+            <a:schemeClr val="accent1">
+              <a:shade val="50000"/>
+            </a:schemeClr>
+          </a:lnRef>
+          <a:fillRef idx="1">
+            <a:schemeClr val="accent1"/>
+          </a:fillRef>
+          <a:effectRef idx="0">
+            <a:schemeClr val="accent1"/>
+          </a:effectRef>
+          <a:fontRef idx="minor">
+            <a:schemeClr val="lt1"/>
+          </a:fontRef>
+        </p:style>
+        <p:txBody>
+          <a:bodyPr rtlCol="0" anchor="ctr"/>
+          <a:lstStyle/>
+          <a:p>
+            <a:pPr algn="ctr"/>
+            <a:endParaRPr lang="en-US"/>
+          </a:p>
+        </p:txBody>
+      </p:sp>
+      <p:pic>
+        <p:nvPicPr>
+          <p:cNvPr id="4" name="Image 3">
+            <a:extLst>
+              <a:ext uri="{FF2B5EF4-FFF2-40B4-BE49-F238E27FC236}">
+                <a16:creationId xmlns:a16="http://schemas.microsoft.com/office/drawing/2014/main" id="{AEEA27A4-A5A0-4464-9453-4FA6190104B9}"/>
+              </a:ext>
+            </a:extLst>
+          </p:cNvPr>
+          <p:cNvPicPr>
+            <a:picLocks noChangeAspect="1"/>
+          </p:cNvPicPr>
+          <p:nvPr/>
+        </p:nvPicPr>
+        <p:blipFill rotWithShape="1">
+          <a:blip r:embed="rId2"/>
+          <a:srcRect l="24091" r="-1" b="-1"/>
+          <a:stretch/>
+        </p:blipFill>
+        <p:spPr>
+          <a:xfrm>
+            <a:off x="545238" y="858525"/>
+            <a:ext cx="7608304" cy="5211906"/>
+          </a:xfrm>
+          <a:prstGeom prst="rect">
+            <a:avLst/>
+          </a:prstGeom>
+        </p:spPr>
+      </p:pic>
+      <p:sp>
+        <p:nvSpPr>
+          <p:cNvPr id="22" name="Rectangle 21">
+            <a:extLst>
+              <a:ext uri="{FF2B5EF4-FFF2-40B4-BE49-F238E27FC236}">
+                <a16:creationId xmlns:a16="http://schemas.microsoft.com/office/drawing/2014/main" id="{90F533E9-6690-41A8-A372-4C6C622D028D}"/>
+              </a:ext>
+              <a:ext uri="{C183D7F6-B498-43B3-948B-1728B52AA6E4}">
+                <adec:decorative xmlns:adec="http://schemas.microsoft.com/office/drawing/2017/decorative" val="1"/>
+              </a:ext>
+            </a:extLst>
+          </p:cNvPr>
+          <p:cNvSpPr>
+            <a:spLocks noGrp="1" noRot="1" noChangeAspect="1" noMove="1" noResize="1" noEditPoints="1" noAdjustHandles="1" noChangeArrowheads="1" noChangeShapeType="1" noTextEdit="1"/>
+          </p:cNvSpPr>
+          <p:nvPr>
+            <p:extLst>
+              <p:ext uri="{386F3935-93C4-4BCD-93E2-E3B085C9AB24}">
+                <p16:designElem xmlns:p16="http://schemas.microsoft.com/office/powerpoint/2015/main" val="1"/>
+              </p:ext>
+            </p:extLst>
+          </p:nvPr>
+        </p:nvSpPr>
+        <p:spPr>
+          <a:xfrm rot="5400000">
+            <a:off x="7950447" y="3392097"/>
+            <a:ext cx="1719072" cy="152382"/>
+          </a:xfrm>
+          <a:prstGeom prst="rect">
+            <a:avLst/>
+          </a:prstGeom>
+          <a:solidFill>
+            <a:schemeClr val="accent4"/>
+          </a:solidFill>
+          <a:ln>
+            <a:noFill/>
+          </a:ln>
+        </p:spPr>
+        <p:style>
+          <a:lnRef idx="2">
+            <a:schemeClr val="accent1">
+              <a:shade val="50000"/>
+            </a:schemeClr>
+          </a:lnRef>
+          <a:fillRef idx="1">
+            <a:schemeClr val="accent1"/>
+          </a:fillRef>
+          <a:effectRef idx="0">
+            <a:schemeClr val="accent1"/>
+          </a:effectRef>
+          <a:fontRef idx="minor">
+            <a:schemeClr val="lt1"/>
+          </a:fontRef>
+        </p:style>
+        <p:txBody>
+          <a:bodyPr rtlCol="0" anchor="ctr"/>
+          <a:lstStyle/>
+          <a:p>
+            <a:pPr algn="ctr"/>
+            <a:endParaRPr lang="en-US"/>
+          </a:p>
+        </p:txBody>
+      </p:sp>
+      <p:sp>
+        <p:nvSpPr>
+          <p:cNvPr id="5" name="Espace réservé du numéro de diapositive 4">
+            <a:extLst>
+              <a:ext uri="{FF2B5EF4-FFF2-40B4-BE49-F238E27FC236}">
+                <a16:creationId xmlns:a16="http://schemas.microsoft.com/office/drawing/2014/main" id="{AB41CE20-4786-4F2E-A240-0AD0DF5AF1B4}"/>
+              </a:ext>
+            </a:extLst>
+          </p:cNvPr>
+          <p:cNvSpPr>
+            <a:spLocks noGrp="1"/>
+          </p:cNvSpPr>
+          <p:nvPr>
+            <p:ph type="sldNum" sz="quarter" idx="12"/>
+          </p:nvPr>
+        </p:nvSpPr>
+        <p:spPr>
+          <a:xfrm>
+            <a:off x="8610599" y="6492240"/>
+            <a:ext cx="3126933" cy="365125"/>
+          </a:xfrm>
+        </p:spPr>
+        <p:txBody>
+          <a:bodyPr vert="horz" lIns="91440" tIns="45720" rIns="91440" bIns="45720" rtlCol="0">
+            <a:normAutofit/>
+          </a:bodyPr>
+          <a:lstStyle/>
+          <a:p>
+            <a:pPr>
+              <a:spcAft>
+                <a:spcPts val="600"/>
+              </a:spcAft>
+            </a:pPr>
+            <a:fld id="{34019804-9289-4BBC-AA3C-DA6C70866F0C}" type="slidenum">
+              <a:rPr lang="en-US" smtClean="0"/>
+              <a:pPr>
+                <a:spcAft>
+                  <a:spcPts val="600"/>
+                </a:spcAft>
+              </a:pPr>
+              <a:t>1</a:t>
+            </a:fld>
+            <a:endParaRPr lang="en-US"/>
+          </a:p>
+        </p:txBody>
+      </p:sp>
+      <p:sp>
+        <p:nvSpPr>
+          <p:cNvPr id="6" name="ZoneTexte 5">
+            <a:extLst>
+              <a:ext uri="{FF2B5EF4-FFF2-40B4-BE49-F238E27FC236}">
+                <a16:creationId xmlns:a16="http://schemas.microsoft.com/office/drawing/2014/main" id="{9A8AE61C-1019-43DE-9BCB-3470F4E1A5CA}"/>
+              </a:ext>
+            </a:extLst>
+          </p:cNvPr>
+          <p:cNvSpPr txBox="1"/>
+          <p:nvPr/>
+        </p:nvSpPr>
+        <p:spPr>
+          <a:xfrm>
+            <a:off x="9590103" y="4869180"/>
+            <a:ext cx="1633491" cy="1308050"/>
+          </a:xfrm>
+          <a:prstGeom prst="rect">
+            <a:avLst/>
+          </a:prstGeom>
+          <a:noFill/>
+        </p:spPr>
+        <p:txBody>
+          <a:bodyPr wrap="square" rtlCol="0">
+            <a:spAutoFit/>
+          </a:bodyPr>
+          <a:lstStyle/>
+          <a:p>
+            <a:pPr>
+              <a:spcAft>
+                <a:spcPts val="600"/>
+              </a:spcAft>
+            </a:pPr>
+            <a:r>
+              <a:rPr lang="fr-FR" sz="1600" dirty="0"/>
+              <a:t>AYLLON Jorge</a:t>
+            </a:r>
+          </a:p>
+          <a:p>
+            <a:pPr>
+              <a:spcAft>
+                <a:spcPts val="600"/>
+              </a:spcAft>
+            </a:pPr>
+            <a:r>
+              <a:rPr lang="fr-FR" sz="1600" dirty="0"/>
+              <a:t>BEAUJOIS Théo</a:t>
+            </a:r>
+          </a:p>
+          <a:p>
+            <a:pPr>
+              <a:spcAft>
+                <a:spcPts val="600"/>
+              </a:spcAft>
+            </a:pPr>
+            <a:r>
+              <a:rPr lang="fr-FR" sz="1600" dirty="0"/>
+              <a:t>WANG David</a:t>
+            </a:r>
+          </a:p>
+          <a:p>
+            <a:pPr>
+              <a:spcAft>
+                <a:spcPts val="600"/>
+              </a:spcAft>
+            </a:pPr>
+            <a:r>
+              <a:rPr lang="fr-FR" sz="1600" dirty="0"/>
+              <a:t>ING 3 TD10</a:t>
+            </a:r>
           </a:p>
         </p:txBody>
       </p:sp>
@@ -3375,6 +4173,2155 @@
     <p:extLst>
       <p:ext uri="{BB962C8B-B14F-4D97-AF65-F5344CB8AC3E}">
         <p14:creationId xmlns:p14="http://schemas.microsoft.com/office/powerpoint/2010/main" val="2893117742"/>
+      </p:ext>
+    </p:extLst>
+  </p:cSld>
+  <p:clrMapOvr>
+    <a:masterClrMapping/>
+  </p:clrMapOvr>
+</p:sld>
+</file>
+
+<file path=ppt/slides/slide10.xml><?xml version="1.0" encoding="utf-8"?>
+<p:sld xmlns:a="http://schemas.openxmlformats.org/drawingml/2006/main" xmlns:r="http://schemas.openxmlformats.org/officeDocument/2006/relationships" xmlns:p="http://schemas.openxmlformats.org/presentationml/2006/main">
+  <p:cSld>
+    <p:spTree>
+      <p:nvGrpSpPr>
+        <p:cNvPr id="1" name=""/>
+        <p:cNvGrpSpPr/>
+        <p:nvPr/>
+      </p:nvGrpSpPr>
+      <p:grpSpPr>
+        <a:xfrm>
+          <a:off x="0" y="0"/>
+          <a:ext cx="0" cy="0"/>
+          <a:chOff x="0" y="0"/>
+          <a:chExt cx="0" cy="0"/>
+        </a:xfrm>
+      </p:grpSpPr>
+      <p:sp>
+        <p:nvSpPr>
+          <p:cNvPr id="2" name="Titre 1">
+            <a:extLst>
+              <a:ext uri="{FF2B5EF4-FFF2-40B4-BE49-F238E27FC236}">
+                <a16:creationId xmlns:a16="http://schemas.microsoft.com/office/drawing/2014/main" id="{3AB85C1C-A29E-4B38-B9AF-D0A23BB44C7D}"/>
+              </a:ext>
+            </a:extLst>
+          </p:cNvPr>
+          <p:cNvSpPr>
+            <a:spLocks noGrp="1"/>
+          </p:cNvSpPr>
+          <p:nvPr>
+            <p:ph type="title"/>
+          </p:nvPr>
+        </p:nvSpPr>
+        <p:spPr/>
+        <p:txBody>
+          <a:bodyPr/>
+          <a:lstStyle/>
+          <a:p>
+            <a:pPr algn="ctr"/>
+            <a:r>
+              <a:rPr lang="fr-FR" dirty="0"/>
+              <a:t>Bilan individuel</a:t>
+            </a:r>
+          </a:p>
+        </p:txBody>
+      </p:sp>
+      <p:graphicFrame>
+        <p:nvGraphicFramePr>
+          <p:cNvPr id="5" name="Tableau 5">
+            <a:extLst>
+              <a:ext uri="{FF2B5EF4-FFF2-40B4-BE49-F238E27FC236}">
+                <a16:creationId xmlns:a16="http://schemas.microsoft.com/office/drawing/2014/main" id="{BFD82EE0-0E87-4A56-867A-FEA81ABAB8C9}"/>
+              </a:ext>
+            </a:extLst>
+          </p:cNvPr>
+          <p:cNvGraphicFramePr>
+            <a:graphicFrameLocks noGrp="1"/>
+          </p:cNvGraphicFramePr>
+          <p:nvPr>
+            <p:ph idx="1"/>
+            <p:extLst>
+              <p:ext uri="{D42A27DB-BD31-4B8C-83A1-F6EECF244321}">
+                <p14:modId xmlns:p14="http://schemas.microsoft.com/office/powerpoint/2010/main" val="111332020"/>
+              </p:ext>
+            </p:extLst>
+          </p:nvPr>
+        </p:nvGraphicFramePr>
+        <p:xfrm>
+          <a:off x="838200" y="1825624"/>
+          <a:ext cx="10515600" cy="3456588"/>
+        </p:xfrm>
+        <a:graphic>
+          <a:graphicData uri="http://schemas.openxmlformats.org/drawingml/2006/table">
+            <a:tbl>
+              <a:tblPr firstRow="1" bandRow="1">
+                <a:tableStyleId>{5C22544A-7EE6-4342-B048-85BDC9FD1C3A}</a:tableStyleId>
+              </a:tblPr>
+              <a:tblGrid>
+                <a:gridCol w="5257800">
+                  <a:extLst>
+                    <a:ext uri="{9D8B030D-6E8A-4147-A177-3AD203B41FA5}">
+                      <a16:colId xmlns:a16="http://schemas.microsoft.com/office/drawing/2014/main" val="409251304"/>
+                    </a:ext>
+                  </a:extLst>
+                </a:gridCol>
+                <a:gridCol w="5257800">
+                  <a:extLst>
+                    <a:ext uri="{9D8B030D-6E8A-4147-A177-3AD203B41FA5}">
+                      <a16:colId xmlns:a16="http://schemas.microsoft.com/office/drawing/2014/main" val="1169417829"/>
+                    </a:ext>
+                  </a:extLst>
+                </a:gridCol>
+              </a:tblGrid>
+              <a:tr h="1152196">
+                <a:tc>
+                  <a:txBody>
+                    <a:bodyPr/>
+                    <a:lstStyle/>
+                    <a:p>
+                      <a:endParaRPr lang="fr-FR" dirty="0"/>
+                    </a:p>
+                  </a:txBody>
+                  <a:tcPr/>
+                </a:tc>
+                <a:tc>
+                  <a:txBody>
+                    <a:bodyPr/>
+                    <a:lstStyle/>
+                    <a:p>
+                      <a:endParaRPr lang="fr-FR"/>
+                    </a:p>
+                  </a:txBody>
+                  <a:tcPr/>
+                </a:tc>
+                <a:extLst>
+                  <a:ext uri="{0D108BD9-81ED-4DB2-BD59-A6C34878D82A}">
+                    <a16:rowId xmlns:a16="http://schemas.microsoft.com/office/drawing/2014/main" val="2762283251"/>
+                  </a:ext>
+                </a:extLst>
+              </a:tr>
+              <a:tr h="1152196">
+                <a:tc>
+                  <a:txBody>
+                    <a:bodyPr/>
+                    <a:lstStyle/>
+                    <a:p>
+                      <a:endParaRPr lang="fr-FR"/>
+                    </a:p>
+                  </a:txBody>
+                  <a:tcPr/>
+                </a:tc>
+                <a:tc>
+                  <a:txBody>
+                    <a:bodyPr/>
+                    <a:lstStyle/>
+                    <a:p>
+                      <a:endParaRPr lang="fr-FR"/>
+                    </a:p>
+                  </a:txBody>
+                  <a:tcPr/>
+                </a:tc>
+                <a:extLst>
+                  <a:ext uri="{0D108BD9-81ED-4DB2-BD59-A6C34878D82A}">
+                    <a16:rowId xmlns:a16="http://schemas.microsoft.com/office/drawing/2014/main" val="918876694"/>
+                  </a:ext>
+                </a:extLst>
+              </a:tr>
+              <a:tr h="1152196">
+                <a:tc>
+                  <a:txBody>
+                    <a:bodyPr/>
+                    <a:lstStyle/>
+                    <a:p>
+                      <a:endParaRPr lang="fr-FR"/>
+                    </a:p>
+                  </a:txBody>
+                  <a:tcPr/>
+                </a:tc>
+                <a:tc>
+                  <a:txBody>
+                    <a:bodyPr/>
+                    <a:lstStyle/>
+                    <a:p>
+                      <a:endParaRPr lang="fr-FR" dirty="0"/>
+                    </a:p>
+                  </a:txBody>
+                  <a:tcPr/>
+                </a:tc>
+                <a:extLst>
+                  <a:ext uri="{0D108BD9-81ED-4DB2-BD59-A6C34878D82A}">
+                    <a16:rowId xmlns:a16="http://schemas.microsoft.com/office/drawing/2014/main" val="3891384176"/>
+                  </a:ext>
+                </a:extLst>
+              </a:tr>
+            </a:tbl>
+          </a:graphicData>
+        </a:graphic>
+      </p:graphicFrame>
+      <p:sp>
+        <p:nvSpPr>
+          <p:cNvPr id="4" name="Espace réservé du numéro de diapositive 3">
+            <a:extLst>
+              <a:ext uri="{FF2B5EF4-FFF2-40B4-BE49-F238E27FC236}">
+                <a16:creationId xmlns:a16="http://schemas.microsoft.com/office/drawing/2014/main" id="{D43D607B-FBFA-4560-ADD9-DE91AFDC2721}"/>
+              </a:ext>
+            </a:extLst>
+          </p:cNvPr>
+          <p:cNvSpPr>
+            <a:spLocks noGrp="1"/>
+          </p:cNvSpPr>
+          <p:nvPr>
+            <p:ph type="sldNum" sz="quarter" idx="12"/>
+          </p:nvPr>
+        </p:nvSpPr>
+        <p:spPr/>
+        <p:txBody>
+          <a:bodyPr/>
+          <a:lstStyle/>
+          <a:p>
+            <a:fld id="{34019804-9289-4BBC-AA3C-DA6C70866F0C}" type="slidenum">
+              <a:rPr lang="fr-FR" smtClean="0"/>
+              <a:t>10</a:t>
+            </a:fld>
+            <a:endParaRPr lang="fr-FR"/>
+          </a:p>
+        </p:txBody>
+      </p:sp>
+    </p:spTree>
+    <p:extLst>
+      <p:ext uri="{BB962C8B-B14F-4D97-AF65-F5344CB8AC3E}">
+        <p14:creationId xmlns:p14="http://schemas.microsoft.com/office/powerpoint/2010/main" val="1435220565"/>
+      </p:ext>
+    </p:extLst>
+  </p:cSld>
+  <p:clrMapOvr>
+    <a:masterClrMapping/>
+  </p:clrMapOvr>
+</p:sld>
+</file>
+
+<file path=ppt/slides/slide11.xml><?xml version="1.0" encoding="utf-8"?>
+<p:sld xmlns:a="http://schemas.openxmlformats.org/drawingml/2006/main" xmlns:r="http://schemas.openxmlformats.org/officeDocument/2006/relationships" xmlns:p="http://schemas.openxmlformats.org/presentationml/2006/main">
+  <p:cSld>
+    <p:spTree>
+      <p:nvGrpSpPr>
+        <p:cNvPr id="1" name=""/>
+        <p:cNvGrpSpPr/>
+        <p:nvPr/>
+      </p:nvGrpSpPr>
+      <p:grpSpPr>
+        <a:xfrm>
+          <a:off x="0" y="0"/>
+          <a:ext cx="0" cy="0"/>
+          <a:chOff x="0" y="0"/>
+          <a:chExt cx="0" cy="0"/>
+        </a:xfrm>
+      </p:grpSpPr>
+      <p:sp>
+        <p:nvSpPr>
+          <p:cNvPr id="2" name="Titre 1">
+            <a:extLst>
+              <a:ext uri="{FF2B5EF4-FFF2-40B4-BE49-F238E27FC236}">
+                <a16:creationId xmlns:a16="http://schemas.microsoft.com/office/drawing/2014/main" id="{D61309B3-B1BA-4BBB-AD1C-2CD711AE1B7A}"/>
+              </a:ext>
+            </a:extLst>
+          </p:cNvPr>
+          <p:cNvSpPr>
+            <a:spLocks noGrp="1"/>
+          </p:cNvSpPr>
+          <p:nvPr>
+            <p:ph type="title"/>
+          </p:nvPr>
+        </p:nvSpPr>
+        <p:spPr/>
+        <p:txBody>
+          <a:bodyPr/>
+          <a:lstStyle/>
+          <a:p>
+            <a:pPr algn="ctr"/>
+            <a:r>
+              <a:rPr lang="fr-FR" dirty="0"/>
+              <a:t>Bilan collectif</a:t>
+            </a:r>
+          </a:p>
+        </p:txBody>
+      </p:sp>
+      <p:sp>
+        <p:nvSpPr>
+          <p:cNvPr id="3" name="Espace réservé du contenu 2">
+            <a:extLst>
+              <a:ext uri="{FF2B5EF4-FFF2-40B4-BE49-F238E27FC236}">
+                <a16:creationId xmlns:a16="http://schemas.microsoft.com/office/drawing/2014/main" id="{595D5B2F-3BFD-43DB-98EC-4C52E1CD09DD}"/>
+              </a:ext>
+            </a:extLst>
+          </p:cNvPr>
+          <p:cNvSpPr>
+            <a:spLocks noGrp="1"/>
+          </p:cNvSpPr>
+          <p:nvPr>
+            <p:ph idx="1"/>
+          </p:nvPr>
+        </p:nvSpPr>
+        <p:spPr/>
+        <p:txBody>
+          <a:bodyPr/>
+          <a:lstStyle/>
+          <a:p>
+            <a:endParaRPr lang="fr-FR"/>
+          </a:p>
+        </p:txBody>
+      </p:sp>
+      <p:sp>
+        <p:nvSpPr>
+          <p:cNvPr id="4" name="Espace réservé du numéro de diapositive 3">
+            <a:extLst>
+              <a:ext uri="{FF2B5EF4-FFF2-40B4-BE49-F238E27FC236}">
+                <a16:creationId xmlns:a16="http://schemas.microsoft.com/office/drawing/2014/main" id="{4AAF1A6A-CB57-4440-99F0-DEDC0E20B470}"/>
+              </a:ext>
+            </a:extLst>
+          </p:cNvPr>
+          <p:cNvSpPr>
+            <a:spLocks noGrp="1"/>
+          </p:cNvSpPr>
+          <p:nvPr>
+            <p:ph type="sldNum" sz="quarter" idx="12"/>
+          </p:nvPr>
+        </p:nvSpPr>
+        <p:spPr/>
+        <p:txBody>
+          <a:bodyPr/>
+          <a:lstStyle/>
+          <a:p>
+            <a:fld id="{34019804-9289-4BBC-AA3C-DA6C70866F0C}" type="slidenum">
+              <a:rPr lang="fr-FR" smtClean="0"/>
+              <a:t>11</a:t>
+            </a:fld>
+            <a:endParaRPr lang="fr-FR"/>
+          </a:p>
+        </p:txBody>
+      </p:sp>
+    </p:spTree>
+    <p:extLst>
+      <p:ext uri="{BB962C8B-B14F-4D97-AF65-F5344CB8AC3E}">
+        <p14:creationId xmlns:p14="http://schemas.microsoft.com/office/powerpoint/2010/main" val="3212153657"/>
+      </p:ext>
+    </p:extLst>
+  </p:cSld>
+  <p:clrMapOvr>
+    <a:masterClrMapping/>
+  </p:clrMapOvr>
+</p:sld>
+</file>
+
+<file path=ppt/slides/slide12.xml><?xml version="1.0" encoding="utf-8"?>
+<p:sld xmlns:a="http://schemas.openxmlformats.org/drawingml/2006/main" xmlns:r="http://schemas.openxmlformats.org/officeDocument/2006/relationships" xmlns:p="http://schemas.openxmlformats.org/presentationml/2006/main">
+  <p:cSld>
+    <p:spTree>
+      <p:nvGrpSpPr>
+        <p:cNvPr id="1" name=""/>
+        <p:cNvGrpSpPr/>
+        <p:nvPr/>
+      </p:nvGrpSpPr>
+      <p:grpSpPr>
+        <a:xfrm>
+          <a:off x="0" y="0"/>
+          <a:ext cx="0" cy="0"/>
+          <a:chOff x="0" y="0"/>
+          <a:chExt cx="0" cy="0"/>
+        </a:xfrm>
+      </p:grpSpPr>
+      <p:sp>
+        <p:nvSpPr>
+          <p:cNvPr id="2" name="Titre 1">
+            <a:extLst>
+              <a:ext uri="{FF2B5EF4-FFF2-40B4-BE49-F238E27FC236}">
+                <a16:creationId xmlns:a16="http://schemas.microsoft.com/office/drawing/2014/main" id="{20B61059-76D6-4149-BCCF-CA19682D4C88}"/>
+              </a:ext>
+            </a:extLst>
+          </p:cNvPr>
+          <p:cNvSpPr>
+            <a:spLocks noGrp="1"/>
+          </p:cNvSpPr>
+          <p:nvPr>
+            <p:ph type="title"/>
+          </p:nvPr>
+        </p:nvSpPr>
+        <p:spPr/>
+        <p:txBody>
+          <a:bodyPr/>
+          <a:lstStyle/>
+          <a:p>
+            <a:pPr algn="ctr"/>
+            <a:r>
+              <a:rPr lang="fr-FR" dirty="0"/>
+              <a:t>Sources</a:t>
+            </a:r>
+          </a:p>
+        </p:txBody>
+      </p:sp>
+      <p:sp>
+        <p:nvSpPr>
+          <p:cNvPr id="3" name="Espace réservé du contenu 2">
+            <a:extLst>
+              <a:ext uri="{FF2B5EF4-FFF2-40B4-BE49-F238E27FC236}">
+                <a16:creationId xmlns:a16="http://schemas.microsoft.com/office/drawing/2014/main" id="{A0926B53-9D5D-4061-A971-CF3F0A24B508}"/>
+              </a:ext>
+            </a:extLst>
+          </p:cNvPr>
+          <p:cNvSpPr>
+            <a:spLocks noGrp="1"/>
+          </p:cNvSpPr>
+          <p:nvPr>
+            <p:ph idx="1"/>
+          </p:nvPr>
+        </p:nvSpPr>
+        <p:spPr/>
+        <p:txBody>
+          <a:bodyPr/>
+          <a:lstStyle/>
+          <a:p>
+            <a:r>
+              <a:rPr lang="fr-FR" sz="1200" dirty="0">
+                <a:hlinkClick r:id="rId2"/>
+              </a:rPr>
+              <a:t>https://openclassrooms.com/fr/courses/26832-apprenez-a-programmer-en-java/25552-structurez-mieux-votre-code-avec-le-pattern-mvc</a:t>
+            </a:r>
+            <a:endParaRPr lang="fr-FR" sz="1200" dirty="0"/>
+          </a:p>
+          <a:p>
+            <a:r>
+              <a:rPr lang="fr-FR" sz="1200" dirty="0">
+                <a:hlinkClick r:id="rId3"/>
+              </a:rPr>
+              <a:t>https://openclassrooms.com/fr/courses/26832-apprenez-a-programmer-en-java/26830-liez-vos-tables-avec-des-objets-java-le-pattern-dao</a:t>
+            </a:r>
+            <a:endParaRPr lang="fr-FR" sz="1200" dirty="0"/>
+          </a:p>
+          <a:p>
+            <a:r>
+              <a:rPr lang="fr-FR" sz="1200" dirty="0">
+                <a:hlinkClick r:id="rId4"/>
+              </a:rPr>
+              <a:t>https://cyrille-herby.developpez.com/tutoriels/java/mapper-sa-base-donnees-avec-pattern-dao/</a:t>
+            </a:r>
+            <a:endParaRPr lang="fr-FR" sz="1200" dirty="0"/>
+          </a:p>
+          <a:p>
+            <a:r>
+              <a:rPr lang="fr-FR" sz="1200" dirty="0">
+                <a:hlinkClick r:id="rId5"/>
+              </a:rPr>
+              <a:t>https://pedago-ece.campusonline.me/pluginfile.php/233754/mod_resource/content/1/JFreeChart.pdf</a:t>
+            </a:r>
+            <a:endParaRPr lang="fr-FR" sz="1200" dirty="0"/>
+          </a:p>
+          <a:p>
+            <a:r>
+              <a:rPr lang="fr-FR" sz="1200" dirty="0">
+                <a:hlinkClick r:id="rId6"/>
+              </a:rPr>
+              <a:t>https://stackoverflow.com/questions/31189811/how-to-get-date-value-from-jspinner</a:t>
+            </a:r>
+            <a:endParaRPr lang="fr-FR" sz="1200" dirty="0"/>
+          </a:p>
+          <a:p>
+            <a:r>
+              <a:rPr lang="fr-FR" sz="1200" dirty="0">
+                <a:hlinkClick r:id="rId7"/>
+              </a:rPr>
+              <a:t>https://examples.javacodegeeks.com/core-java/util/date/java-util-date-to-java-sql-date/</a:t>
+            </a:r>
+            <a:endParaRPr lang="fr-FR" sz="1200" dirty="0"/>
+          </a:p>
+          <a:p>
+            <a:r>
+              <a:rPr lang="fr-FR" sz="1200" dirty="0">
+                <a:hlinkClick r:id="rId8"/>
+              </a:rPr>
+              <a:t>https://stackoverflow.com/questions/7350893/click-event-on-jtable-java</a:t>
+            </a:r>
+            <a:endParaRPr lang="fr-FR" sz="1200" dirty="0"/>
+          </a:p>
+          <a:p>
+            <a:r>
+              <a:rPr lang="fr-FR" sz="1200" dirty="0">
+                <a:hlinkClick r:id="rId9"/>
+              </a:rPr>
+              <a:t>https://javanepal.wordpress.com/2010/06/30/adding-jlabel-in-jtable/</a:t>
+            </a:r>
+            <a:endParaRPr lang="fr-FR" sz="1200" dirty="0"/>
+          </a:p>
+          <a:p>
+            <a:r>
+              <a:rPr lang="fr-FR" sz="1200" dirty="0">
+                <a:hlinkClick r:id="rId10"/>
+              </a:rPr>
+              <a:t>https://www.programmez.com/content/jtable-mettre-un-jlabel-et-un-jbutton</a:t>
+            </a:r>
+            <a:endParaRPr lang="fr-FR" sz="1200" dirty="0"/>
+          </a:p>
+          <a:p>
+            <a:r>
+              <a:rPr lang="fr-FR" sz="1200" dirty="0">
+                <a:hlinkClick r:id="rId11"/>
+              </a:rPr>
+              <a:t>https://koor.fr/Java/TutorialSwing/swing_JToolBar.wp</a:t>
+            </a:r>
+            <a:endParaRPr lang="fr-FR" sz="1200" dirty="0"/>
+          </a:p>
+          <a:p>
+            <a:r>
+              <a:rPr lang="fr-FR" sz="1200" dirty="0">
+                <a:hlinkClick r:id="rId12"/>
+              </a:rPr>
+              <a:t>https://www.flaticon.com/home</a:t>
+            </a:r>
+            <a:endParaRPr lang="fr-FR" sz="1200" dirty="0"/>
+          </a:p>
+          <a:p>
+            <a:endParaRPr lang="fr-FR" dirty="0"/>
+          </a:p>
+        </p:txBody>
+      </p:sp>
+      <p:sp>
+        <p:nvSpPr>
+          <p:cNvPr id="4" name="Espace réservé du numéro de diapositive 3">
+            <a:extLst>
+              <a:ext uri="{FF2B5EF4-FFF2-40B4-BE49-F238E27FC236}">
+                <a16:creationId xmlns:a16="http://schemas.microsoft.com/office/drawing/2014/main" id="{8AF6E026-F932-4D27-AF98-323782830E80}"/>
+              </a:ext>
+            </a:extLst>
+          </p:cNvPr>
+          <p:cNvSpPr>
+            <a:spLocks noGrp="1"/>
+          </p:cNvSpPr>
+          <p:nvPr>
+            <p:ph type="sldNum" sz="quarter" idx="12"/>
+          </p:nvPr>
+        </p:nvSpPr>
+        <p:spPr/>
+        <p:txBody>
+          <a:bodyPr/>
+          <a:lstStyle/>
+          <a:p>
+            <a:fld id="{34019804-9289-4BBC-AA3C-DA6C70866F0C}" type="slidenum">
+              <a:rPr lang="fr-FR" smtClean="0"/>
+              <a:t>12</a:t>
+            </a:fld>
+            <a:endParaRPr lang="fr-FR"/>
+          </a:p>
+        </p:txBody>
+      </p:sp>
+    </p:spTree>
+    <p:extLst>
+      <p:ext uri="{BB962C8B-B14F-4D97-AF65-F5344CB8AC3E}">
+        <p14:creationId xmlns:p14="http://schemas.microsoft.com/office/powerpoint/2010/main" val="2532340195"/>
+      </p:ext>
+    </p:extLst>
+  </p:cSld>
+  <p:clrMapOvr>
+    <a:masterClrMapping/>
+  </p:clrMapOvr>
+</p:sld>
+</file>
+
+<file path=ppt/slides/slide2.xml><?xml version="1.0" encoding="utf-8"?>
+<p:sld xmlns:a="http://schemas.openxmlformats.org/drawingml/2006/main" xmlns:r="http://schemas.openxmlformats.org/officeDocument/2006/relationships" xmlns:p="http://schemas.openxmlformats.org/presentationml/2006/main">
+  <p:cSld>
+    <p:bg>
+      <p:bgPr>
+        <a:solidFill>
+          <a:schemeClr val="bg1"/>
+        </a:solidFill>
+        <a:effectLst/>
+      </p:bgPr>
+    </p:bg>
+    <p:spTree>
+      <p:nvGrpSpPr>
+        <p:cNvPr id="1" name=""/>
+        <p:cNvGrpSpPr/>
+        <p:nvPr/>
+      </p:nvGrpSpPr>
+      <p:grpSpPr>
+        <a:xfrm>
+          <a:off x="0" y="0"/>
+          <a:ext cx="0" cy="0"/>
+          <a:chOff x="0" y="0"/>
+          <a:chExt cx="0" cy="0"/>
+        </a:xfrm>
+      </p:grpSpPr>
+      <p:sp>
+        <p:nvSpPr>
+          <p:cNvPr id="9" name="Rectangle 8">
+            <a:extLst>
+              <a:ext uri="{FF2B5EF4-FFF2-40B4-BE49-F238E27FC236}">
+                <a16:creationId xmlns:a16="http://schemas.microsoft.com/office/drawing/2014/main" id="{2B566528-1B12-4246-9431-5C2D7D081168}"/>
+              </a:ext>
+              <a:ext uri="{C183D7F6-B498-43B3-948B-1728B52AA6E4}">
+                <adec:decorative xmlns:adec="http://schemas.microsoft.com/office/drawing/2017/decorative" val="1"/>
+              </a:ext>
+            </a:extLst>
+          </p:cNvPr>
+          <p:cNvSpPr>
+            <a:spLocks noGrp="1" noRot="1" noChangeAspect="1" noMove="1" noResize="1" noEditPoints="1" noAdjustHandles="1" noChangeArrowheads="1" noChangeShapeType="1" noTextEdit="1"/>
+          </p:cNvSpPr>
+          <p:nvPr>
+            <p:extLst>
+              <p:ext uri="{386F3935-93C4-4BCD-93E2-E3B085C9AB24}">
+                <p16:designElem xmlns:p16="http://schemas.microsoft.com/office/powerpoint/2015/main" val="1"/>
+              </p:ext>
+            </p:extLst>
+          </p:nvPr>
+        </p:nvSpPr>
+        <p:spPr>
+          <a:xfrm>
+            <a:off x="0" y="0"/>
+            <a:ext cx="12192000" cy="6858000"/>
+          </a:xfrm>
+          <a:prstGeom prst="rect">
+            <a:avLst/>
+          </a:prstGeom>
+          <a:solidFill>
+            <a:schemeClr val="bg1"/>
+          </a:solidFill>
+          <a:ln>
+            <a:noFill/>
+          </a:ln>
+        </p:spPr>
+        <p:style>
+          <a:lnRef idx="2">
+            <a:schemeClr val="accent1">
+              <a:shade val="50000"/>
+            </a:schemeClr>
+          </a:lnRef>
+          <a:fillRef idx="1">
+            <a:schemeClr val="accent1"/>
+          </a:fillRef>
+          <a:effectRef idx="0">
+            <a:schemeClr val="accent1"/>
+          </a:effectRef>
+          <a:fontRef idx="minor">
+            <a:schemeClr val="lt1"/>
+          </a:fontRef>
+        </p:style>
+        <p:txBody>
+          <a:bodyPr rtlCol="0" anchor="ctr"/>
+          <a:lstStyle/>
+          <a:p>
+            <a:pPr algn="ctr"/>
+            <a:endParaRPr lang="en-US" dirty="0"/>
+          </a:p>
+        </p:txBody>
+      </p:sp>
+      <p:sp>
+        <p:nvSpPr>
+          <p:cNvPr id="2" name="Titre 1">
+            <a:extLst>
+              <a:ext uri="{FF2B5EF4-FFF2-40B4-BE49-F238E27FC236}">
+                <a16:creationId xmlns:a16="http://schemas.microsoft.com/office/drawing/2014/main" id="{CF0B543D-0DFB-4992-9E58-7D8D2C986158}"/>
+              </a:ext>
+            </a:extLst>
+          </p:cNvPr>
+          <p:cNvSpPr>
+            <a:spLocks noGrp="1"/>
+          </p:cNvSpPr>
+          <p:nvPr>
+            <p:ph type="title"/>
+          </p:nvPr>
+        </p:nvSpPr>
+        <p:spPr>
+          <a:xfrm>
+            <a:off x="643467" y="321734"/>
+            <a:ext cx="10905066" cy="1135737"/>
+          </a:xfrm>
+        </p:spPr>
+        <p:txBody>
+          <a:bodyPr>
+            <a:normAutofit/>
+          </a:bodyPr>
+          <a:lstStyle/>
+          <a:p>
+            <a:pPr algn="ctr"/>
+            <a:r>
+              <a:rPr lang="fr-FR" sz="3600" dirty="0"/>
+              <a:t>SOMMAIRE</a:t>
+            </a:r>
+          </a:p>
+        </p:txBody>
+      </p:sp>
+      <p:sp>
+        <p:nvSpPr>
+          <p:cNvPr id="3" name="Espace réservé du contenu 2">
+            <a:extLst>
+              <a:ext uri="{FF2B5EF4-FFF2-40B4-BE49-F238E27FC236}">
+                <a16:creationId xmlns:a16="http://schemas.microsoft.com/office/drawing/2014/main" id="{442AEB99-AD57-4DAD-90AF-DA6A6B31E57C}"/>
+              </a:ext>
+            </a:extLst>
+          </p:cNvPr>
+          <p:cNvSpPr>
+            <a:spLocks noGrp="1"/>
+          </p:cNvSpPr>
+          <p:nvPr>
+            <p:ph idx="1"/>
+          </p:nvPr>
+        </p:nvSpPr>
+        <p:spPr>
+          <a:xfrm>
+            <a:off x="643467" y="1782981"/>
+            <a:ext cx="10905066" cy="4393982"/>
+          </a:xfrm>
+        </p:spPr>
+        <p:txBody>
+          <a:bodyPr>
+            <a:normAutofit/>
+          </a:bodyPr>
+          <a:lstStyle/>
+          <a:p>
+            <a:endParaRPr lang="fr-FR" sz="2000"/>
+          </a:p>
+        </p:txBody>
+      </p:sp>
+      <p:sp>
+        <p:nvSpPr>
+          <p:cNvPr id="11" name="Rectangle 10">
+            <a:extLst>
+              <a:ext uri="{FF2B5EF4-FFF2-40B4-BE49-F238E27FC236}">
+                <a16:creationId xmlns:a16="http://schemas.microsoft.com/office/drawing/2014/main" id="{2E80C965-DB6D-4F81-9E9E-B027384D0BD6}"/>
+              </a:ext>
+              <a:ext uri="{C183D7F6-B498-43B3-948B-1728B52AA6E4}">
+                <adec:decorative xmlns:adec="http://schemas.microsoft.com/office/drawing/2017/decorative" val="1"/>
+              </a:ext>
+            </a:extLst>
+          </p:cNvPr>
+          <p:cNvSpPr>
+            <a:spLocks noGrp="1" noRot="1" noChangeAspect="1" noMove="1" noResize="1" noEditPoints="1" noAdjustHandles="1" noChangeArrowheads="1" noChangeShapeType="1" noTextEdit="1"/>
+          </p:cNvSpPr>
+          <p:nvPr>
+            <p:extLst>
+              <p:ext uri="{386F3935-93C4-4BCD-93E2-E3B085C9AB24}">
+                <p16:designElem xmlns:p16="http://schemas.microsoft.com/office/powerpoint/2015/main" val="1"/>
+              </p:ext>
+            </p:extLst>
+          </p:nvPr>
+        </p:nvSpPr>
+        <p:spPr>
+          <a:xfrm rot="2700000">
+            <a:off x="11052629" y="2120024"/>
+            <a:ext cx="645368" cy="645368"/>
+          </a:xfrm>
+          <a:prstGeom prst="rect">
+            <a:avLst/>
+          </a:prstGeom>
+          <a:solidFill>
+            <a:schemeClr val="accent4">
+              <a:alpha val="30000"/>
+            </a:schemeClr>
+          </a:solidFill>
+          <a:ln>
+            <a:noFill/>
+          </a:ln>
+        </p:spPr>
+        <p:style>
+          <a:lnRef idx="2">
+            <a:schemeClr val="accent1">
+              <a:shade val="50000"/>
+            </a:schemeClr>
+          </a:lnRef>
+          <a:fillRef idx="1">
+            <a:schemeClr val="accent1"/>
+          </a:fillRef>
+          <a:effectRef idx="0">
+            <a:schemeClr val="accent1"/>
+          </a:effectRef>
+          <a:fontRef idx="minor">
+            <a:schemeClr val="lt1"/>
+          </a:fontRef>
+        </p:style>
+        <p:txBody>
+          <a:bodyPr rtlCol="0" anchor="ctr"/>
+          <a:lstStyle/>
+          <a:p>
+            <a:pPr algn="ctr"/>
+            <a:endParaRPr lang="en-US"/>
+          </a:p>
+        </p:txBody>
+      </p:sp>
+      <p:sp>
+        <p:nvSpPr>
+          <p:cNvPr id="13" name="Isosceles Triangle 12">
+            <a:extLst>
+              <a:ext uri="{FF2B5EF4-FFF2-40B4-BE49-F238E27FC236}">
+                <a16:creationId xmlns:a16="http://schemas.microsoft.com/office/drawing/2014/main" id="{A580F890-B085-4E95-96AA-55AEBEC5CE6E}"/>
+              </a:ext>
+              <a:ext uri="{C183D7F6-B498-43B3-948B-1728B52AA6E4}">
+                <adec:decorative xmlns:adec="http://schemas.microsoft.com/office/drawing/2017/decorative" val="1"/>
+              </a:ext>
+            </a:extLst>
+          </p:cNvPr>
+          <p:cNvSpPr>
+            <a:spLocks noGrp="1" noRot="1" noChangeAspect="1" noMove="1" noResize="1" noEditPoints="1" noAdjustHandles="1" noChangeArrowheads="1" noChangeShapeType="1" noTextEdit="1"/>
+          </p:cNvSpPr>
+          <p:nvPr>
+            <p:extLst>
+              <p:ext uri="{386F3935-93C4-4BCD-93E2-E3B085C9AB24}">
+                <p16:designElem xmlns:p16="http://schemas.microsoft.com/office/powerpoint/2015/main" val="1"/>
+              </p:ext>
+            </p:extLst>
+          </p:nvPr>
+        </p:nvSpPr>
+        <p:spPr>
+          <a:xfrm rot="16200000">
+            <a:off x="10289068" y="1343027"/>
+            <a:ext cx="2532832" cy="1273032"/>
+          </a:xfrm>
+          <a:prstGeom prst="triangle">
+            <a:avLst>
+              <a:gd name="adj" fmla="val 50000"/>
+            </a:avLst>
+          </a:prstGeom>
+          <a:solidFill>
+            <a:schemeClr val="accent4">
+              <a:alpha val="30000"/>
+            </a:schemeClr>
+          </a:solidFill>
+          <a:ln>
+            <a:noFill/>
+          </a:ln>
+        </p:spPr>
+        <p:style>
+          <a:lnRef idx="2">
+            <a:schemeClr val="accent1">
+              <a:shade val="50000"/>
+            </a:schemeClr>
+          </a:lnRef>
+          <a:fillRef idx="1">
+            <a:schemeClr val="accent1"/>
+          </a:fillRef>
+          <a:effectRef idx="0">
+            <a:schemeClr val="accent1"/>
+          </a:effectRef>
+          <a:fontRef idx="minor">
+            <a:schemeClr val="lt1"/>
+          </a:fontRef>
+        </p:style>
+        <p:txBody>
+          <a:bodyPr rtlCol="0" anchor="ctr"/>
+          <a:lstStyle/>
+          <a:p>
+            <a:pPr algn="ctr"/>
+            <a:endParaRPr lang="en-US"/>
+          </a:p>
+        </p:txBody>
+      </p:sp>
+      <p:sp>
+        <p:nvSpPr>
+          <p:cNvPr id="15" name="Isosceles Triangle 14">
+            <a:extLst>
+              <a:ext uri="{FF2B5EF4-FFF2-40B4-BE49-F238E27FC236}">
+                <a16:creationId xmlns:a16="http://schemas.microsoft.com/office/drawing/2014/main" id="{D3F51FEB-38FB-4F6C-9F7B-2F2AFAB65463}"/>
+              </a:ext>
+              <a:ext uri="{C183D7F6-B498-43B3-948B-1728B52AA6E4}">
+                <adec:decorative xmlns:adec="http://schemas.microsoft.com/office/drawing/2017/decorative" val="1"/>
+              </a:ext>
+            </a:extLst>
+          </p:cNvPr>
+          <p:cNvSpPr>
+            <a:spLocks noGrp="1" noRot="1" noChangeAspect="1" noMove="1" noResize="1" noEditPoints="1" noAdjustHandles="1" noChangeArrowheads="1" noChangeShapeType="1" noTextEdit="1"/>
+          </p:cNvSpPr>
+          <p:nvPr>
+            <p:extLst>
+              <p:ext uri="{386F3935-93C4-4BCD-93E2-E3B085C9AB24}">
+                <p16:designElem xmlns:p16="http://schemas.microsoft.com/office/powerpoint/2015/main" val="1"/>
+              </p:ext>
+            </p:extLst>
+          </p:nvPr>
+        </p:nvSpPr>
+        <p:spPr>
+          <a:xfrm rot="5400000">
+            <a:off x="-501760" y="5103257"/>
+            <a:ext cx="2017580" cy="1014060"/>
+          </a:xfrm>
+          <a:prstGeom prst="triangle">
+            <a:avLst>
+              <a:gd name="adj" fmla="val 50000"/>
+            </a:avLst>
+          </a:prstGeom>
+          <a:solidFill>
+            <a:schemeClr val="accent1">
+              <a:alpha val="30000"/>
+            </a:schemeClr>
+          </a:solidFill>
+          <a:ln>
+            <a:noFill/>
+          </a:ln>
+        </p:spPr>
+        <p:style>
+          <a:lnRef idx="2">
+            <a:schemeClr val="accent1">
+              <a:shade val="50000"/>
+            </a:schemeClr>
+          </a:lnRef>
+          <a:fillRef idx="1">
+            <a:schemeClr val="accent1"/>
+          </a:fillRef>
+          <a:effectRef idx="0">
+            <a:schemeClr val="accent1"/>
+          </a:effectRef>
+          <a:fontRef idx="minor">
+            <a:schemeClr val="lt1"/>
+          </a:fontRef>
+        </p:style>
+        <p:txBody>
+          <a:bodyPr wrap="square" rtlCol="0" anchor="ctr">
+            <a:noAutofit/>
+          </a:bodyPr>
+          <a:lstStyle/>
+          <a:p>
+            <a:pPr algn="ctr"/>
+            <a:endParaRPr lang="en-US"/>
+          </a:p>
+        </p:txBody>
+      </p:sp>
+      <p:sp>
+        <p:nvSpPr>
+          <p:cNvPr id="17" name="Rectangle 16">
+            <a:extLst>
+              <a:ext uri="{FF2B5EF4-FFF2-40B4-BE49-F238E27FC236}">
+                <a16:creationId xmlns:a16="http://schemas.microsoft.com/office/drawing/2014/main" id="{1E547BA6-BAE0-43BB-A7CA-60F69CE252F0}"/>
+              </a:ext>
+              <a:ext uri="{C183D7F6-B498-43B3-948B-1728B52AA6E4}">
+                <adec:decorative xmlns:adec="http://schemas.microsoft.com/office/drawing/2017/decorative" val="1"/>
+              </a:ext>
+            </a:extLst>
+          </p:cNvPr>
+          <p:cNvSpPr>
+            <a:spLocks noGrp="1" noRot="1" noChangeAspect="1" noMove="1" noResize="1" noEditPoints="1" noAdjustHandles="1" noChangeArrowheads="1" noChangeShapeType="1" noTextEdit="1"/>
+          </p:cNvSpPr>
+          <p:nvPr>
+            <p:extLst>
+              <p:ext uri="{386F3935-93C4-4BCD-93E2-E3B085C9AB24}">
+                <p16:designElem xmlns:p16="http://schemas.microsoft.com/office/powerpoint/2015/main" val="1"/>
+              </p:ext>
+            </p:extLst>
+          </p:nvPr>
+        </p:nvSpPr>
+        <p:spPr>
+          <a:xfrm rot="2700000">
+            <a:off x="427916" y="5728708"/>
+            <a:ext cx="485578" cy="485578"/>
+          </a:xfrm>
+          <a:prstGeom prst="rect">
+            <a:avLst/>
+          </a:prstGeom>
+          <a:solidFill>
+            <a:schemeClr val="accent1">
+              <a:alpha val="30000"/>
+            </a:schemeClr>
+          </a:solidFill>
+          <a:ln>
+            <a:noFill/>
+          </a:ln>
+        </p:spPr>
+        <p:style>
+          <a:lnRef idx="2">
+            <a:schemeClr val="accent1">
+              <a:shade val="50000"/>
+            </a:schemeClr>
+          </a:lnRef>
+          <a:fillRef idx="1">
+            <a:schemeClr val="accent1"/>
+          </a:fillRef>
+          <a:effectRef idx="0">
+            <a:schemeClr val="accent1"/>
+          </a:effectRef>
+          <a:fontRef idx="minor">
+            <a:schemeClr val="lt1"/>
+          </a:fontRef>
+        </p:style>
+        <p:txBody>
+          <a:bodyPr wrap="square" rtlCol="0" anchor="ctr">
+            <a:noAutofit/>
+          </a:bodyPr>
+          <a:lstStyle/>
+          <a:p>
+            <a:pPr algn="ctr"/>
+            <a:endParaRPr lang="en-US"/>
+          </a:p>
+        </p:txBody>
+      </p:sp>
+      <p:sp>
+        <p:nvSpPr>
+          <p:cNvPr id="4" name="Espace réservé du numéro de diapositive 3">
+            <a:extLst>
+              <a:ext uri="{FF2B5EF4-FFF2-40B4-BE49-F238E27FC236}">
+                <a16:creationId xmlns:a16="http://schemas.microsoft.com/office/drawing/2014/main" id="{F55F4BEA-2A64-4B10-863B-EE98C2D428C0}"/>
+              </a:ext>
+            </a:extLst>
+          </p:cNvPr>
+          <p:cNvSpPr>
+            <a:spLocks noGrp="1"/>
+          </p:cNvSpPr>
+          <p:nvPr>
+            <p:ph type="sldNum" sz="quarter" idx="12"/>
+          </p:nvPr>
+        </p:nvSpPr>
+        <p:spPr>
+          <a:xfrm>
+            <a:off x="8805333" y="6356350"/>
+            <a:ext cx="2743200" cy="365125"/>
+          </a:xfrm>
+        </p:spPr>
+        <p:txBody>
+          <a:bodyPr>
+            <a:normAutofit/>
+          </a:bodyPr>
+          <a:lstStyle/>
+          <a:p>
+            <a:pPr>
+              <a:spcAft>
+                <a:spcPts val="600"/>
+              </a:spcAft>
+            </a:pPr>
+            <a:fld id="{34019804-9289-4BBC-AA3C-DA6C70866F0C}" type="slidenum">
+              <a:rPr lang="fr-FR" smtClean="0"/>
+              <a:pPr>
+                <a:spcAft>
+                  <a:spcPts val="600"/>
+                </a:spcAft>
+              </a:pPr>
+              <a:t>2</a:t>
+            </a:fld>
+            <a:endParaRPr lang="fr-FR"/>
+          </a:p>
+        </p:txBody>
+      </p:sp>
+    </p:spTree>
+    <p:extLst>
+      <p:ext uri="{BB962C8B-B14F-4D97-AF65-F5344CB8AC3E}">
+        <p14:creationId xmlns:p14="http://schemas.microsoft.com/office/powerpoint/2010/main" val="691675673"/>
+      </p:ext>
+    </p:extLst>
+  </p:cSld>
+  <p:clrMapOvr>
+    <a:masterClrMapping/>
+  </p:clrMapOvr>
+</p:sld>
+</file>
+
+<file path=ppt/slides/slide3.xml><?xml version="1.0" encoding="utf-8"?>
+<p:sld xmlns:a="http://schemas.openxmlformats.org/drawingml/2006/main" xmlns:r="http://schemas.openxmlformats.org/officeDocument/2006/relationships" xmlns:p="http://schemas.openxmlformats.org/presentationml/2006/main">
+  <p:cSld>
+    <p:spTree>
+      <p:nvGrpSpPr>
+        <p:cNvPr id="1" name=""/>
+        <p:cNvGrpSpPr/>
+        <p:nvPr/>
+      </p:nvGrpSpPr>
+      <p:grpSpPr>
+        <a:xfrm>
+          <a:off x="0" y="0"/>
+          <a:ext cx="0" cy="0"/>
+          <a:chOff x="0" y="0"/>
+          <a:chExt cx="0" cy="0"/>
+        </a:xfrm>
+      </p:grpSpPr>
+      <p:sp>
+        <p:nvSpPr>
+          <p:cNvPr id="2" name="Titre 1">
+            <a:extLst>
+              <a:ext uri="{FF2B5EF4-FFF2-40B4-BE49-F238E27FC236}">
+                <a16:creationId xmlns:a16="http://schemas.microsoft.com/office/drawing/2014/main" id="{C9EE397B-4DAE-4167-A396-B732B119AF51}"/>
+              </a:ext>
+            </a:extLst>
+          </p:cNvPr>
+          <p:cNvSpPr>
+            <a:spLocks noGrp="1"/>
+          </p:cNvSpPr>
+          <p:nvPr>
+            <p:ph type="title"/>
+          </p:nvPr>
+        </p:nvSpPr>
+        <p:spPr/>
+        <p:txBody>
+          <a:bodyPr/>
+          <a:lstStyle/>
+          <a:p>
+            <a:pPr algn="ctr"/>
+            <a:r>
+              <a:rPr lang="fr-FR" dirty="0"/>
+              <a:t>Répartition des tâches</a:t>
+            </a:r>
+          </a:p>
+        </p:txBody>
+      </p:sp>
+      <p:graphicFrame>
+        <p:nvGraphicFramePr>
+          <p:cNvPr id="5" name="Tableau 5">
+            <a:extLst>
+              <a:ext uri="{FF2B5EF4-FFF2-40B4-BE49-F238E27FC236}">
+                <a16:creationId xmlns:a16="http://schemas.microsoft.com/office/drawing/2014/main" id="{79FA2C5F-502C-4C20-9386-30F0942F85E7}"/>
+              </a:ext>
+            </a:extLst>
+          </p:cNvPr>
+          <p:cNvGraphicFramePr>
+            <a:graphicFrameLocks noGrp="1"/>
+          </p:cNvGraphicFramePr>
+          <p:nvPr>
+            <p:ph idx="1"/>
+            <p:extLst>
+              <p:ext uri="{D42A27DB-BD31-4B8C-83A1-F6EECF244321}">
+                <p14:modId xmlns:p14="http://schemas.microsoft.com/office/powerpoint/2010/main" val="1560480853"/>
+              </p:ext>
+            </p:extLst>
+          </p:nvPr>
+        </p:nvGraphicFramePr>
+        <p:xfrm>
+          <a:off x="838200" y="1825625"/>
+          <a:ext cx="10515597" cy="2966720"/>
+        </p:xfrm>
+        <a:graphic>
+          <a:graphicData uri="http://schemas.openxmlformats.org/drawingml/2006/table">
+            <a:tbl>
+              <a:tblPr firstRow="1" bandRow="1">
+                <a:tableStyleId>{00A15C55-8517-42AA-B614-E9B94910E393}</a:tableStyleId>
+              </a:tblPr>
+              <a:tblGrid>
+                <a:gridCol w="3505199">
+                  <a:extLst>
+                    <a:ext uri="{9D8B030D-6E8A-4147-A177-3AD203B41FA5}">
+                      <a16:colId xmlns:a16="http://schemas.microsoft.com/office/drawing/2014/main" val="645116682"/>
+                    </a:ext>
+                  </a:extLst>
+                </a:gridCol>
+                <a:gridCol w="3505199">
+                  <a:extLst>
+                    <a:ext uri="{9D8B030D-6E8A-4147-A177-3AD203B41FA5}">
+                      <a16:colId xmlns:a16="http://schemas.microsoft.com/office/drawing/2014/main" val="1723906097"/>
+                    </a:ext>
+                  </a:extLst>
+                </a:gridCol>
+                <a:gridCol w="3505199">
+                  <a:extLst>
+                    <a:ext uri="{9D8B030D-6E8A-4147-A177-3AD203B41FA5}">
+                      <a16:colId xmlns:a16="http://schemas.microsoft.com/office/drawing/2014/main" val="92464795"/>
+                    </a:ext>
+                  </a:extLst>
+                </a:gridCol>
+              </a:tblGrid>
+              <a:tr h="370840">
+                <a:tc>
+                  <a:txBody>
+                    <a:bodyPr/>
+                    <a:lstStyle/>
+                    <a:p>
+                      <a:r>
+                        <a:rPr lang="fr-FR" dirty="0"/>
+                        <a:t>WANG David</a:t>
+                      </a:r>
+                    </a:p>
+                  </a:txBody>
+                  <a:tcPr/>
+                </a:tc>
+                <a:tc>
+                  <a:txBody>
+                    <a:bodyPr/>
+                    <a:lstStyle/>
+                    <a:p>
+                      <a:r>
+                        <a:rPr lang="fr-FR" dirty="0"/>
+                        <a:t>AYLLON Jorge</a:t>
+                      </a:r>
+                    </a:p>
+                  </a:txBody>
+                  <a:tcPr/>
+                </a:tc>
+                <a:tc>
+                  <a:txBody>
+                    <a:bodyPr/>
+                    <a:lstStyle/>
+                    <a:p>
+                      <a:r>
+                        <a:rPr lang="fr-FR" dirty="0"/>
+                        <a:t>BEAUJOIS Théo</a:t>
+                      </a:r>
+                    </a:p>
+                  </a:txBody>
+                  <a:tcPr/>
+                </a:tc>
+                <a:extLst>
+                  <a:ext uri="{0D108BD9-81ED-4DB2-BD59-A6C34878D82A}">
+                    <a16:rowId xmlns:a16="http://schemas.microsoft.com/office/drawing/2014/main" val="1803787022"/>
+                  </a:ext>
+                </a:extLst>
+              </a:tr>
+              <a:tr h="370840">
+                <a:tc>
+                  <a:txBody>
+                    <a:bodyPr/>
+                    <a:lstStyle/>
+                    <a:p>
+                      <a:endParaRPr lang="fr-FR"/>
+                    </a:p>
+                  </a:txBody>
+                  <a:tcPr/>
+                </a:tc>
+                <a:tc>
+                  <a:txBody>
+                    <a:bodyPr/>
+                    <a:lstStyle/>
+                    <a:p>
+                      <a:endParaRPr lang="fr-FR"/>
+                    </a:p>
+                  </a:txBody>
+                  <a:tcPr/>
+                </a:tc>
+                <a:tc>
+                  <a:txBody>
+                    <a:bodyPr/>
+                    <a:lstStyle/>
+                    <a:p>
+                      <a:endParaRPr lang="fr-FR"/>
+                    </a:p>
+                  </a:txBody>
+                  <a:tcPr/>
+                </a:tc>
+                <a:extLst>
+                  <a:ext uri="{0D108BD9-81ED-4DB2-BD59-A6C34878D82A}">
+                    <a16:rowId xmlns:a16="http://schemas.microsoft.com/office/drawing/2014/main" val="4085399074"/>
+                  </a:ext>
+                </a:extLst>
+              </a:tr>
+              <a:tr h="370840">
+                <a:tc>
+                  <a:txBody>
+                    <a:bodyPr/>
+                    <a:lstStyle/>
+                    <a:p>
+                      <a:endParaRPr lang="fr-FR"/>
+                    </a:p>
+                  </a:txBody>
+                  <a:tcPr/>
+                </a:tc>
+                <a:tc>
+                  <a:txBody>
+                    <a:bodyPr/>
+                    <a:lstStyle/>
+                    <a:p>
+                      <a:endParaRPr lang="fr-FR"/>
+                    </a:p>
+                  </a:txBody>
+                  <a:tcPr/>
+                </a:tc>
+                <a:tc>
+                  <a:txBody>
+                    <a:bodyPr/>
+                    <a:lstStyle/>
+                    <a:p>
+                      <a:endParaRPr lang="fr-FR"/>
+                    </a:p>
+                  </a:txBody>
+                  <a:tcPr/>
+                </a:tc>
+                <a:extLst>
+                  <a:ext uri="{0D108BD9-81ED-4DB2-BD59-A6C34878D82A}">
+                    <a16:rowId xmlns:a16="http://schemas.microsoft.com/office/drawing/2014/main" val="2007479152"/>
+                  </a:ext>
+                </a:extLst>
+              </a:tr>
+              <a:tr h="370840">
+                <a:tc>
+                  <a:txBody>
+                    <a:bodyPr/>
+                    <a:lstStyle/>
+                    <a:p>
+                      <a:endParaRPr lang="fr-FR"/>
+                    </a:p>
+                  </a:txBody>
+                  <a:tcPr/>
+                </a:tc>
+                <a:tc>
+                  <a:txBody>
+                    <a:bodyPr/>
+                    <a:lstStyle/>
+                    <a:p>
+                      <a:endParaRPr lang="fr-FR"/>
+                    </a:p>
+                  </a:txBody>
+                  <a:tcPr/>
+                </a:tc>
+                <a:tc>
+                  <a:txBody>
+                    <a:bodyPr/>
+                    <a:lstStyle/>
+                    <a:p>
+                      <a:endParaRPr lang="fr-FR"/>
+                    </a:p>
+                  </a:txBody>
+                  <a:tcPr/>
+                </a:tc>
+                <a:extLst>
+                  <a:ext uri="{0D108BD9-81ED-4DB2-BD59-A6C34878D82A}">
+                    <a16:rowId xmlns:a16="http://schemas.microsoft.com/office/drawing/2014/main" val="792978148"/>
+                  </a:ext>
+                </a:extLst>
+              </a:tr>
+              <a:tr h="370840">
+                <a:tc>
+                  <a:txBody>
+                    <a:bodyPr/>
+                    <a:lstStyle/>
+                    <a:p>
+                      <a:endParaRPr lang="fr-FR"/>
+                    </a:p>
+                  </a:txBody>
+                  <a:tcPr/>
+                </a:tc>
+                <a:tc>
+                  <a:txBody>
+                    <a:bodyPr/>
+                    <a:lstStyle/>
+                    <a:p>
+                      <a:endParaRPr lang="fr-FR"/>
+                    </a:p>
+                  </a:txBody>
+                  <a:tcPr/>
+                </a:tc>
+                <a:tc>
+                  <a:txBody>
+                    <a:bodyPr/>
+                    <a:lstStyle/>
+                    <a:p>
+                      <a:endParaRPr lang="fr-FR"/>
+                    </a:p>
+                  </a:txBody>
+                  <a:tcPr/>
+                </a:tc>
+                <a:extLst>
+                  <a:ext uri="{0D108BD9-81ED-4DB2-BD59-A6C34878D82A}">
+                    <a16:rowId xmlns:a16="http://schemas.microsoft.com/office/drawing/2014/main" val="2346672000"/>
+                  </a:ext>
+                </a:extLst>
+              </a:tr>
+              <a:tr h="370840">
+                <a:tc>
+                  <a:txBody>
+                    <a:bodyPr/>
+                    <a:lstStyle/>
+                    <a:p>
+                      <a:endParaRPr lang="fr-FR"/>
+                    </a:p>
+                  </a:txBody>
+                  <a:tcPr/>
+                </a:tc>
+                <a:tc>
+                  <a:txBody>
+                    <a:bodyPr/>
+                    <a:lstStyle/>
+                    <a:p>
+                      <a:endParaRPr lang="fr-FR"/>
+                    </a:p>
+                  </a:txBody>
+                  <a:tcPr/>
+                </a:tc>
+                <a:tc>
+                  <a:txBody>
+                    <a:bodyPr/>
+                    <a:lstStyle/>
+                    <a:p>
+                      <a:endParaRPr lang="fr-FR"/>
+                    </a:p>
+                  </a:txBody>
+                  <a:tcPr/>
+                </a:tc>
+                <a:extLst>
+                  <a:ext uri="{0D108BD9-81ED-4DB2-BD59-A6C34878D82A}">
+                    <a16:rowId xmlns:a16="http://schemas.microsoft.com/office/drawing/2014/main" val="1262179944"/>
+                  </a:ext>
+                </a:extLst>
+              </a:tr>
+              <a:tr h="370840">
+                <a:tc>
+                  <a:txBody>
+                    <a:bodyPr/>
+                    <a:lstStyle/>
+                    <a:p>
+                      <a:endParaRPr lang="fr-FR"/>
+                    </a:p>
+                  </a:txBody>
+                  <a:tcPr/>
+                </a:tc>
+                <a:tc>
+                  <a:txBody>
+                    <a:bodyPr/>
+                    <a:lstStyle/>
+                    <a:p>
+                      <a:endParaRPr lang="fr-FR"/>
+                    </a:p>
+                  </a:txBody>
+                  <a:tcPr/>
+                </a:tc>
+                <a:tc>
+                  <a:txBody>
+                    <a:bodyPr/>
+                    <a:lstStyle/>
+                    <a:p>
+                      <a:endParaRPr lang="fr-FR"/>
+                    </a:p>
+                  </a:txBody>
+                  <a:tcPr/>
+                </a:tc>
+                <a:extLst>
+                  <a:ext uri="{0D108BD9-81ED-4DB2-BD59-A6C34878D82A}">
+                    <a16:rowId xmlns:a16="http://schemas.microsoft.com/office/drawing/2014/main" val="732736296"/>
+                  </a:ext>
+                </a:extLst>
+              </a:tr>
+              <a:tr h="370840">
+                <a:tc>
+                  <a:txBody>
+                    <a:bodyPr/>
+                    <a:lstStyle/>
+                    <a:p>
+                      <a:endParaRPr lang="fr-FR"/>
+                    </a:p>
+                  </a:txBody>
+                  <a:tcPr/>
+                </a:tc>
+                <a:tc>
+                  <a:txBody>
+                    <a:bodyPr/>
+                    <a:lstStyle/>
+                    <a:p>
+                      <a:endParaRPr lang="fr-FR"/>
+                    </a:p>
+                  </a:txBody>
+                  <a:tcPr/>
+                </a:tc>
+                <a:tc>
+                  <a:txBody>
+                    <a:bodyPr/>
+                    <a:lstStyle/>
+                    <a:p>
+                      <a:endParaRPr lang="fr-FR" dirty="0"/>
+                    </a:p>
+                  </a:txBody>
+                  <a:tcPr/>
+                </a:tc>
+                <a:extLst>
+                  <a:ext uri="{0D108BD9-81ED-4DB2-BD59-A6C34878D82A}">
+                    <a16:rowId xmlns:a16="http://schemas.microsoft.com/office/drawing/2014/main" val="1965885153"/>
+                  </a:ext>
+                </a:extLst>
+              </a:tr>
+            </a:tbl>
+          </a:graphicData>
+        </a:graphic>
+      </p:graphicFrame>
+      <p:sp>
+        <p:nvSpPr>
+          <p:cNvPr id="4" name="Espace réservé du numéro de diapositive 3">
+            <a:extLst>
+              <a:ext uri="{FF2B5EF4-FFF2-40B4-BE49-F238E27FC236}">
+                <a16:creationId xmlns:a16="http://schemas.microsoft.com/office/drawing/2014/main" id="{CF75D16C-175B-4E4C-8D96-D97061E02896}"/>
+              </a:ext>
+            </a:extLst>
+          </p:cNvPr>
+          <p:cNvSpPr>
+            <a:spLocks noGrp="1"/>
+          </p:cNvSpPr>
+          <p:nvPr>
+            <p:ph type="sldNum" sz="quarter" idx="12"/>
+          </p:nvPr>
+        </p:nvSpPr>
+        <p:spPr/>
+        <p:txBody>
+          <a:bodyPr/>
+          <a:lstStyle/>
+          <a:p>
+            <a:fld id="{34019804-9289-4BBC-AA3C-DA6C70866F0C}" type="slidenum">
+              <a:rPr lang="fr-FR" smtClean="0"/>
+              <a:t>3</a:t>
+            </a:fld>
+            <a:endParaRPr lang="fr-FR"/>
+          </a:p>
+        </p:txBody>
+      </p:sp>
+    </p:spTree>
+    <p:extLst>
+      <p:ext uri="{BB962C8B-B14F-4D97-AF65-F5344CB8AC3E}">
+        <p14:creationId xmlns:p14="http://schemas.microsoft.com/office/powerpoint/2010/main" val="4217013574"/>
+      </p:ext>
+    </p:extLst>
+  </p:cSld>
+  <p:clrMapOvr>
+    <a:masterClrMapping/>
+  </p:clrMapOvr>
+</p:sld>
+</file>
+
+<file path=ppt/slides/slide4.xml><?xml version="1.0" encoding="utf-8"?>
+<p:sld xmlns:a="http://schemas.openxmlformats.org/drawingml/2006/main" xmlns:r="http://schemas.openxmlformats.org/officeDocument/2006/relationships" xmlns:p="http://schemas.openxmlformats.org/presentationml/2006/main">
+  <p:cSld>
+    <p:spTree>
+      <p:nvGrpSpPr>
+        <p:cNvPr id="1" name=""/>
+        <p:cNvGrpSpPr/>
+        <p:nvPr/>
+      </p:nvGrpSpPr>
+      <p:grpSpPr>
+        <a:xfrm>
+          <a:off x="0" y="0"/>
+          <a:ext cx="0" cy="0"/>
+          <a:chOff x="0" y="0"/>
+          <a:chExt cx="0" cy="0"/>
+        </a:xfrm>
+      </p:grpSpPr>
+      <p:sp>
+        <p:nvSpPr>
+          <p:cNvPr id="2" name="Titre 1">
+            <a:extLst>
+              <a:ext uri="{FF2B5EF4-FFF2-40B4-BE49-F238E27FC236}">
+                <a16:creationId xmlns:a16="http://schemas.microsoft.com/office/drawing/2014/main" id="{5FA9B18A-BFDF-4105-B599-DB5BD556F8A8}"/>
+              </a:ext>
+            </a:extLst>
+          </p:cNvPr>
+          <p:cNvSpPr>
+            <a:spLocks noGrp="1"/>
+          </p:cNvSpPr>
+          <p:nvPr>
+            <p:ph type="title"/>
+          </p:nvPr>
+        </p:nvSpPr>
+        <p:spPr/>
+        <p:txBody>
+          <a:bodyPr/>
+          <a:lstStyle/>
+          <a:p>
+            <a:pPr algn="ctr"/>
+            <a:r>
+              <a:rPr lang="fr-FR" dirty="0"/>
+              <a:t>Diagramme de classe</a:t>
+            </a:r>
+          </a:p>
+        </p:txBody>
+      </p:sp>
+      <p:sp>
+        <p:nvSpPr>
+          <p:cNvPr id="3" name="Espace réservé du contenu 2">
+            <a:extLst>
+              <a:ext uri="{FF2B5EF4-FFF2-40B4-BE49-F238E27FC236}">
+                <a16:creationId xmlns:a16="http://schemas.microsoft.com/office/drawing/2014/main" id="{8DE0F868-4786-4B2A-B883-CAF31C902810}"/>
+              </a:ext>
+            </a:extLst>
+          </p:cNvPr>
+          <p:cNvSpPr>
+            <a:spLocks noGrp="1"/>
+          </p:cNvSpPr>
+          <p:nvPr>
+            <p:ph idx="1"/>
+          </p:nvPr>
+        </p:nvSpPr>
+        <p:spPr/>
+        <p:txBody>
+          <a:bodyPr/>
+          <a:lstStyle/>
+          <a:p>
+            <a:endParaRPr lang="fr-FR"/>
+          </a:p>
+        </p:txBody>
+      </p:sp>
+      <p:sp>
+        <p:nvSpPr>
+          <p:cNvPr id="4" name="Espace réservé du numéro de diapositive 3">
+            <a:extLst>
+              <a:ext uri="{FF2B5EF4-FFF2-40B4-BE49-F238E27FC236}">
+                <a16:creationId xmlns:a16="http://schemas.microsoft.com/office/drawing/2014/main" id="{91417B97-0EF7-4631-839C-027E3163C07A}"/>
+              </a:ext>
+            </a:extLst>
+          </p:cNvPr>
+          <p:cNvSpPr>
+            <a:spLocks noGrp="1"/>
+          </p:cNvSpPr>
+          <p:nvPr>
+            <p:ph type="sldNum" sz="quarter" idx="12"/>
+          </p:nvPr>
+        </p:nvSpPr>
+        <p:spPr/>
+        <p:txBody>
+          <a:bodyPr/>
+          <a:lstStyle/>
+          <a:p>
+            <a:fld id="{34019804-9289-4BBC-AA3C-DA6C70866F0C}" type="slidenum">
+              <a:rPr lang="fr-FR" smtClean="0"/>
+              <a:t>4</a:t>
+            </a:fld>
+            <a:endParaRPr lang="fr-FR"/>
+          </a:p>
+        </p:txBody>
+      </p:sp>
+    </p:spTree>
+    <p:extLst>
+      <p:ext uri="{BB962C8B-B14F-4D97-AF65-F5344CB8AC3E}">
+        <p14:creationId xmlns:p14="http://schemas.microsoft.com/office/powerpoint/2010/main" val="1394033186"/>
+      </p:ext>
+    </p:extLst>
+  </p:cSld>
+  <p:clrMapOvr>
+    <a:masterClrMapping/>
+  </p:clrMapOvr>
+</p:sld>
+</file>
+
+<file path=ppt/slides/slide5.xml><?xml version="1.0" encoding="utf-8"?>
+<p:sld xmlns:a="http://schemas.openxmlformats.org/drawingml/2006/main" xmlns:r="http://schemas.openxmlformats.org/officeDocument/2006/relationships" xmlns:p="http://schemas.openxmlformats.org/presentationml/2006/main">
+  <p:cSld>
+    <p:spTree>
+      <p:nvGrpSpPr>
+        <p:cNvPr id="1" name=""/>
+        <p:cNvGrpSpPr/>
+        <p:nvPr/>
+      </p:nvGrpSpPr>
+      <p:grpSpPr>
+        <a:xfrm>
+          <a:off x="0" y="0"/>
+          <a:ext cx="0" cy="0"/>
+          <a:chOff x="0" y="0"/>
+          <a:chExt cx="0" cy="0"/>
+        </a:xfrm>
+      </p:grpSpPr>
+      <p:sp>
+        <p:nvSpPr>
+          <p:cNvPr id="2" name="Titre 1">
+            <a:extLst>
+              <a:ext uri="{FF2B5EF4-FFF2-40B4-BE49-F238E27FC236}">
+                <a16:creationId xmlns:a16="http://schemas.microsoft.com/office/drawing/2014/main" id="{BC64FE57-DD0D-4A85-882E-5F873D8F02F3}"/>
+              </a:ext>
+            </a:extLst>
+          </p:cNvPr>
+          <p:cNvSpPr>
+            <a:spLocks noGrp="1"/>
+          </p:cNvSpPr>
+          <p:nvPr>
+            <p:ph type="title"/>
+          </p:nvPr>
+        </p:nvSpPr>
+        <p:spPr/>
+        <p:txBody>
+          <a:bodyPr/>
+          <a:lstStyle/>
+          <a:p>
+            <a:endParaRPr lang="fr-FR"/>
+          </a:p>
+        </p:txBody>
+      </p:sp>
+      <p:sp>
+        <p:nvSpPr>
+          <p:cNvPr id="3" name="Espace réservé du contenu 2">
+            <a:extLst>
+              <a:ext uri="{FF2B5EF4-FFF2-40B4-BE49-F238E27FC236}">
+                <a16:creationId xmlns:a16="http://schemas.microsoft.com/office/drawing/2014/main" id="{AEF7DCBD-778E-4FC4-8CF4-19AAB1D4DC24}"/>
+              </a:ext>
+            </a:extLst>
+          </p:cNvPr>
+          <p:cNvSpPr>
+            <a:spLocks noGrp="1"/>
+          </p:cNvSpPr>
+          <p:nvPr>
+            <p:ph idx="1"/>
+          </p:nvPr>
+        </p:nvSpPr>
+        <p:spPr/>
+        <p:txBody>
+          <a:bodyPr/>
+          <a:lstStyle/>
+          <a:p>
+            <a:endParaRPr lang="fr-FR"/>
+          </a:p>
+        </p:txBody>
+      </p:sp>
+      <p:sp>
+        <p:nvSpPr>
+          <p:cNvPr id="4" name="Espace réservé du numéro de diapositive 3">
+            <a:extLst>
+              <a:ext uri="{FF2B5EF4-FFF2-40B4-BE49-F238E27FC236}">
+                <a16:creationId xmlns:a16="http://schemas.microsoft.com/office/drawing/2014/main" id="{58AA5917-6CEA-4758-AA58-8FAA68D33F84}"/>
+              </a:ext>
+            </a:extLst>
+          </p:cNvPr>
+          <p:cNvSpPr>
+            <a:spLocks noGrp="1"/>
+          </p:cNvSpPr>
+          <p:nvPr>
+            <p:ph type="sldNum" sz="quarter" idx="12"/>
+          </p:nvPr>
+        </p:nvSpPr>
+        <p:spPr/>
+        <p:txBody>
+          <a:bodyPr/>
+          <a:lstStyle/>
+          <a:p>
+            <a:fld id="{34019804-9289-4BBC-AA3C-DA6C70866F0C}" type="slidenum">
+              <a:rPr lang="fr-FR" smtClean="0"/>
+              <a:t>5</a:t>
+            </a:fld>
+            <a:endParaRPr lang="fr-FR"/>
+          </a:p>
+        </p:txBody>
+      </p:sp>
+    </p:spTree>
+    <p:extLst>
+      <p:ext uri="{BB962C8B-B14F-4D97-AF65-F5344CB8AC3E}">
+        <p14:creationId xmlns:p14="http://schemas.microsoft.com/office/powerpoint/2010/main" val="3835042229"/>
+      </p:ext>
+    </p:extLst>
+  </p:cSld>
+  <p:clrMapOvr>
+    <a:masterClrMapping/>
+  </p:clrMapOvr>
+</p:sld>
+</file>
+
+<file path=ppt/slides/slide6.xml><?xml version="1.0" encoding="utf-8"?>
+<p:sld xmlns:a="http://schemas.openxmlformats.org/drawingml/2006/main" xmlns:r="http://schemas.openxmlformats.org/officeDocument/2006/relationships" xmlns:p="http://schemas.openxmlformats.org/presentationml/2006/main">
+  <p:cSld>
+    <p:spTree>
+      <p:nvGrpSpPr>
+        <p:cNvPr id="1" name=""/>
+        <p:cNvGrpSpPr/>
+        <p:nvPr/>
+      </p:nvGrpSpPr>
+      <p:grpSpPr>
+        <a:xfrm>
+          <a:off x="0" y="0"/>
+          <a:ext cx="0" cy="0"/>
+          <a:chOff x="0" y="0"/>
+          <a:chExt cx="0" cy="0"/>
+        </a:xfrm>
+      </p:grpSpPr>
+      <p:sp>
+        <p:nvSpPr>
+          <p:cNvPr id="2" name="Titre 1">
+            <a:extLst>
+              <a:ext uri="{FF2B5EF4-FFF2-40B4-BE49-F238E27FC236}">
+                <a16:creationId xmlns:a16="http://schemas.microsoft.com/office/drawing/2014/main" id="{207C4E78-A099-4899-8C0D-D3339CB33F59}"/>
+              </a:ext>
+            </a:extLst>
+          </p:cNvPr>
+          <p:cNvSpPr>
+            <a:spLocks noGrp="1"/>
+          </p:cNvSpPr>
+          <p:nvPr>
+            <p:ph type="title"/>
+          </p:nvPr>
+        </p:nvSpPr>
+        <p:spPr/>
+        <p:txBody>
+          <a:bodyPr/>
+          <a:lstStyle/>
+          <a:p>
+            <a:endParaRPr lang="fr-FR"/>
+          </a:p>
+        </p:txBody>
+      </p:sp>
+      <p:sp>
+        <p:nvSpPr>
+          <p:cNvPr id="3" name="Espace réservé du contenu 2">
+            <a:extLst>
+              <a:ext uri="{FF2B5EF4-FFF2-40B4-BE49-F238E27FC236}">
+                <a16:creationId xmlns:a16="http://schemas.microsoft.com/office/drawing/2014/main" id="{04915310-4BE3-42DB-806A-959D817217BF}"/>
+              </a:ext>
+            </a:extLst>
+          </p:cNvPr>
+          <p:cNvSpPr>
+            <a:spLocks noGrp="1"/>
+          </p:cNvSpPr>
+          <p:nvPr>
+            <p:ph idx="1"/>
+          </p:nvPr>
+        </p:nvSpPr>
+        <p:spPr/>
+        <p:txBody>
+          <a:bodyPr/>
+          <a:lstStyle/>
+          <a:p>
+            <a:endParaRPr lang="fr-FR"/>
+          </a:p>
+        </p:txBody>
+      </p:sp>
+      <p:sp>
+        <p:nvSpPr>
+          <p:cNvPr id="4" name="Espace réservé du numéro de diapositive 3">
+            <a:extLst>
+              <a:ext uri="{FF2B5EF4-FFF2-40B4-BE49-F238E27FC236}">
+                <a16:creationId xmlns:a16="http://schemas.microsoft.com/office/drawing/2014/main" id="{5E2C9A61-228F-410B-9EB0-64AE90D627A9}"/>
+              </a:ext>
+            </a:extLst>
+          </p:cNvPr>
+          <p:cNvSpPr>
+            <a:spLocks noGrp="1"/>
+          </p:cNvSpPr>
+          <p:nvPr>
+            <p:ph type="sldNum" sz="quarter" idx="12"/>
+          </p:nvPr>
+        </p:nvSpPr>
+        <p:spPr/>
+        <p:txBody>
+          <a:bodyPr/>
+          <a:lstStyle/>
+          <a:p>
+            <a:fld id="{34019804-9289-4BBC-AA3C-DA6C70866F0C}" type="slidenum">
+              <a:rPr lang="fr-FR" smtClean="0"/>
+              <a:t>6</a:t>
+            </a:fld>
+            <a:endParaRPr lang="fr-FR"/>
+          </a:p>
+        </p:txBody>
+      </p:sp>
+    </p:spTree>
+    <p:extLst>
+      <p:ext uri="{BB962C8B-B14F-4D97-AF65-F5344CB8AC3E}">
+        <p14:creationId xmlns:p14="http://schemas.microsoft.com/office/powerpoint/2010/main" val="953186924"/>
+      </p:ext>
+    </p:extLst>
+  </p:cSld>
+  <p:clrMapOvr>
+    <a:masterClrMapping/>
+  </p:clrMapOvr>
+</p:sld>
+</file>
+
+<file path=ppt/slides/slide7.xml><?xml version="1.0" encoding="utf-8"?>
+<p:sld xmlns:a="http://schemas.openxmlformats.org/drawingml/2006/main" xmlns:r="http://schemas.openxmlformats.org/officeDocument/2006/relationships" xmlns:p="http://schemas.openxmlformats.org/presentationml/2006/main">
+  <p:cSld>
+    <p:spTree>
+      <p:nvGrpSpPr>
+        <p:cNvPr id="1" name=""/>
+        <p:cNvGrpSpPr/>
+        <p:nvPr/>
+      </p:nvGrpSpPr>
+      <p:grpSpPr>
+        <a:xfrm>
+          <a:off x="0" y="0"/>
+          <a:ext cx="0" cy="0"/>
+          <a:chOff x="0" y="0"/>
+          <a:chExt cx="0" cy="0"/>
+        </a:xfrm>
+      </p:grpSpPr>
+      <p:sp>
+        <p:nvSpPr>
+          <p:cNvPr id="2" name="Titre 1">
+            <a:extLst>
+              <a:ext uri="{FF2B5EF4-FFF2-40B4-BE49-F238E27FC236}">
+                <a16:creationId xmlns:a16="http://schemas.microsoft.com/office/drawing/2014/main" id="{6B15AD6C-28FF-4442-9897-FBAC3A904E97}"/>
+              </a:ext>
+            </a:extLst>
+          </p:cNvPr>
+          <p:cNvSpPr>
+            <a:spLocks noGrp="1"/>
+          </p:cNvSpPr>
+          <p:nvPr>
+            <p:ph type="title"/>
+          </p:nvPr>
+        </p:nvSpPr>
+        <p:spPr/>
+        <p:txBody>
+          <a:bodyPr/>
+          <a:lstStyle/>
+          <a:p>
+            <a:endParaRPr lang="fr-FR"/>
+          </a:p>
+        </p:txBody>
+      </p:sp>
+      <p:sp>
+        <p:nvSpPr>
+          <p:cNvPr id="3" name="Espace réservé du contenu 2">
+            <a:extLst>
+              <a:ext uri="{FF2B5EF4-FFF2-40B4-BE49-F238E27FC236}">
+                <a16:creationId xmlns:a16="http://schemas.microsoft.com/office/drawing/2014/main" id="{305E99F0-275C-4CE1-877E-9FD3261B85DF}"/>
+              </a:ext>
+            </a:extLst>
+          </p:cNvPr>
+          <p:cNvSpPr>
+            <a:spLocks noGrp="1"/>
+          </p:cNvSpPr>
+          <p:nvPr>
+            <p:ph idx="1"/>
+          </p:nvPr>
+        </p:nvSpPr>
+        <p:spPr/>
+        <p:txBody>
+          <a:bodyPr/>
+          <a:lstStyle/>
+          <a:p>
+            <a:endParaRPr lang="fr-FR"/>
+          </a:p>
+        </p:txBody>
+      </p:sp>
+      <p:sp>
+        <p:nvSpPr>
+          <p:cNvPr id="4" name="Espace réservé du numéro de diapositive 3">
+            <a:extLst>
+              <a:ext uri="{FF2B5EF4-FFF2-40B4-BE49-F238E27FC236}">
+                <a16:creationId xmlns:a16="http://schemas.microsoft.com/office/drawing/2014/main" id="{8F5943A1-8DBB-4F84-8AB6-F9FB3AA4FC8F}"/>
+              </a:ext>
+            </a:extLst>
+          </p:cNvPr>
+          <p:cNvSpPr>
+            <a:spLocks noGrp="1"/>
+          </p:cNvSpPr>
+          <p:nvPr>
+            <p:ph type="sldNum" sz="quarter" idx="12"/>
+          </p:nvPr>
+        </p:nvSpPr>
+        <p:spPr/>
+        <p:txBody>
+          <a:bodyPr/>
+          <a:lstStyle/>
+          <a:p>
+            <a:fld id="{34019804-9289-4BBC-AA3C-DA6C70866F0C}" type="slidenum">
+              <a:rPr lang="fr-FR" smtClean="0"/>
+              <a:t>7</a:t>
+            </a:fld>
+            <a:endParaRPr lang="fr-FR"/>
+          </a:p>
+        </p:txBody>
+      </p:sp>
+    </p:spTree>
+    <p:extLst>
+      <p:ext uri="{BB962C8B-B14F-4D97-AF65-F5344CB8AC3E}">
+        <p14:creationId xmlns:p14="http://schemas.microsoft.com/office/powerpoint/2010/main" val="3020873225"/>
+      </p:ext>
+    </p:extLst>
+  </p:cSld>
+  <p:clrMapOvr>
+    <a:masterClrMapping/>
+  </p:clrMapOvr>
+</p:sld>
+</file>
+
+<file path=ppt/slides/slide8.xml><?xml version="1.0" encoding="utf-8"?>
+<p:sld xmlns:a="http://schemas.openxmlformats.org/drawingml/2006/main" xmlns:r="http://schemas.openxmlformats.org/officeDocument/2006/relationships" xmlns:p="http://schemas.openxmlformats.org/presentationml/2006/main">
+  <p:cSld>
+    <p:spTree>
+      <p:nvGrpSpPr>
+        <p:cNvPr id="1" name=""/>
+        <p:cNvGrpSpPr/>
+        <p:nvPr/>
+      </p:nvGrpSpPr>
+      <p:grpSpPr>
+        <a:xfrm>
+          <a:off x="0" y="0"/>
+          <a:ext cx="0" cy="0"/>
+          <a:chOff x="0" y="0"/>
+          <a:chExt cx="0" cy="0"/>
+        </a:xfrm>
+      </p:grpSpPr>
+      <p:sp>
+        <p:nvSpPr>
+          <p:cNvPr id="2" name="Titre 1">
+            <a:extLst>
+              <a:ext uri="{FF2B5EF4-FFF2-40B4-BE49-F238E27FC236}">
+                <a16:creationId xmlns:a16="http://schemas.microsoft.com/office/drawing/2014/main" id="{479E9604-470D-4233-82A3-DB4536BE5346}"/>
+              </a:ext>
+            </a:extLst>
+          </p:cNvPr>
+          <p:cNvSpPr>
+            <a:spLocks noGrp="1"/>
+          </p:cNvSpPr>
+          <p:nvPr>
+            <p:ph type="title"/>
+          </p:nvPr>
+        </p:nvSpPr>
+        <p:spPr/>
+        <p:txBody>
+          <a:bodyPr/>
+          <a:lstStyle/>
+          <a:p>
+            <a:pPr algn="ctr"/>
+            <a:r>
+              <a:rPr lang="fr-FR" dirty="0"/>
+              <a:t>Design de la maquette</a:t>
+            </a:r>
+          </a:p>
+        </p:txBody>
+      </p:sp>
+      <p:sp>
+        <p:nvSpPr>
+          <p:cNvPr id="3" name="Espace réservé du contenu 2">
+            <a:extLst>
+              <a:ext uri="{FF2B5EF4-FFF2-40B4-BE49-F238E27FC236}">
+                <a16:creationId xmlns:a16="http://schemas.microsoft.com/office/drawing/2014/main" id="{AF476C8E-CF24-4575-AD88-AD46F16E260C}"/>
+              </a:ext>
+            </a:extLst>
+          </p:cNvPr>
+          <p:cNvSpPr>
+            <a:spLocks noGrp="1"/>
+          </p:cNvSpPr>
+          <p:nvPr>
+            <p:ph idx="1"/>
+          </p:nvPr>
+        </p:nvSpPr>
+        <p:spPr/>
+        <p:txBody>
+          <a:bodyPr/>
+          <a:lstStyle/>
+          <a:p>
+            <a:endParaRPr lang="fr-FR"/>
+          </a:p>
+        </p:txBody>
+      </p:sp>
+      <p:sp>
+        <p:nvSpPr>
+          <p:cNvPr id="4" name="Espace réservé du numéro de diapositive 3">
+            <a:extLst>
+              <a:ext uri="{FF2B5EF4-FFF2-40B4-BE49-F238E27FC236}">
+                <a16:creationId xmlns:a16="http://schemas.microsoft.com/office/drawing/2014/main" id="{C8E11FA6-7D7F-4B05-A25A-130E8AD8EB4B}"/>
+              </a:ext>
+            </a:extLst>
+          </p:cNvPr>
+          <p:cNvSpPr>
+            <a:spLocks noGrp="1"/>
+          </p:cNvSpPr>
+          <p:nvPr>
+            <p:ph type="sldNum" sz="quarter" idx="12"/>
+          </p:nvPr>
+        </p:nvSpPr>
+        <p:spPr/>
+        <p:txBody>
+          <a:bodyPr/>
+          <a:lstStyle/>
+          <a:p>
+            <a:fld id="{34019804-9289-4BBC-AA3C-DA6C70866F0C}" type="slidenum">
+              <a:rPr lang="fr-FR" smtClean="0"/>
+              <a:t>8</a:t>
+            </a:fld>
+            <a:endParaRPr lang="fr-FR"/>
+          </a:p>
+        </p:txBody>
+      </p:sp>
+    </p:spTree>
+    <p:extLst>
+      <p:ext uri="{BB962C8B-B14F-4D97-AF65-F5344CB8AC3E}">
+        <p14:creationId xmlns:p14="http://schemas.microsoft.com/office/powerpoint/2010/main" val="895276188"/>
+      </p:ext>
+    </p:extLst>
+  </p:cSld>
+  <p:clrMapOvr>
+    <a:masterClrMapping/>
+  </p:clrMapOvr>
+</p:sld>
+</file>
+
+<file path=ppt/slides/slide9.xml><?xml version="1.0" encoding="utf-8"?>
+<p:sld xmlns:a="http://schemas.openxmlformats.org/drawingml/2006/main" xmlns:r="http://schemas.openxmlformats.org/officeDocument/2006/relationships" xmlns:p="http://schemas.openxmlformats.org/presentationml/2006/main">
+  <p:cSld>
+    <p:spTree>
+      <p:nvGrpSpPr>
+        <p:cNvPr id="1" name=""/>
+        <p:cNvGrpSpPr/>
+        <p:nvPr/>
+      </p:nvGrpSpPr>
+      <p:grpSpPr>
+        <a:xfrm>
+          <a:off x="0" y="0"/>
+          <a:ext cx="0" cy="0"/>
+          <a:chOff x="0" y="0"/>
+          <a:chExt cx="0" cy="0"/>
+        </a:xfrm>
+      </p:grpSpPr>
+      <p:sp>
+        <p:nvSpPr>
+          <p:cNvPr id="2" name="Titre 1">
+            <a:extLst>
+              <a:ext uri="{FF2B5EF4-FFF2-40B4-BE49-F238E27FC236}">
+                <a16:creationId xmlns:a16="http://schemas.microsoft.com/office/drawing/2014/main" id="{7A845F41-CD09-4F52-9A79-7615F984CA51}"/>
+              </a:ext>
+            </a:extLst>
+          </p:cNvPr>
+          <p:cNvSpPr>
+            <a:spLocks noGrp="1"/>
+          </p:cNvSpPr>
+          <p:nvPr>
+            <p:ph type="title"/>
+          </p:nvPr>
+        </p:nvSpPr>
+        <p:spPr/>
+        <p:txBody>
+          <a:bodyPr/>
+          <a:lstStyle/>
+          <a:p>
+            <a:pPr algn="ctr"/>
+            <a:r>
+              <a:rPr lang="fr-FR" dirty="0" err="1"/>
+              <a:t>Versionning</a:t>
+            </a:r>
+            <a:r>
+              <a:rPr lang="fr-FR" dirty="0"/>
+              <a:t> GIT</a:t>
+            </a:r>
+          </a:p>
+        </p:txBody>
+      </p:sp>
+      <p:sp>
+        <p:nvSpPr>
+          <p:cNvPr id="3" name="Espace réservé du contenu 2">
+            <a:extLst>
+              <a:ext uri="{FF2B5EF4-FFF2-40B4-BE49-F238E27FC236}">
+                <a16:creationId xmlns:a16="http://schemas.microsoft.com/office/drawing/2014/main" id="{C26AAE68-0F10-47ED-A5E3-D78C60B4C462}"/>
+              </a:ext>
+            </a:extLst>
+          </p:cNvPr>
+          <p:cNvSpPr>
+            <a:spLocks noGrp="1"/>
+          </p:cNvSpPr>
+          <p:nvPr>
+            <p:ph idx="1"/>
+          </p:nvPr>
+        </p:nvSpPr>
+        <p:spPr/>
+        <p:txBody>
+          <a:bodyPr/>
+          <a:lstStyle/>
+          <a:p>
+            <a:endParaRPr lang="fr-FR"/>
+          </a:p>
+        </p:txBody>
+      </p:sp>
+      <p:sp>
+        <p:nvSpPr>
+          <p:cNvPr id="4" name="Espace réservé du numéro de diapositive 3">
+            <a:extLst>
+              <a:ext uri="{FF2B5EF4-FFF2-40B4-BE49-F238E27FC236}">
+                <a16:creationId xmlns:a16="http://schemas.microsoft.com/office/drawing/2014/main" id="{36E81925-A54E-4BD5-BA05-7684DFD38052}"/>
+              </a:ext>
+            </a:extLst>
+          </p:cNvPr>
+          <p:cNvSpPr>
+            <a:spLocks noGrp="1"/>
+          </p:cNvSpPr>
+          <p:nvPr>
+            <p:ph type="sldNum" sz="quarter" idx="12"/>
+          </p:nvPr>
+        </p:nvSpPr>
+        <p:spPr/>
+        <p:txBody>
+          <a:bodyPr/>
+          <a:lstStyle/>
+          <a:p>
+            <a:fld id="{34019804-9289-4BBC-AA3C-DA6C70866F0C}" type="slidenum">
+              <a:rPr lang="fr-FR" smtClean="0"/>
+              <a:t>9</a:t>
+            </a:fld>
+            <a:endParaRPr lang="fr-FR"/>
+          </a:p>
+        </p:txBody>
+      </p:sp>
+    </p:spTree>
+    <p:extLst>
+      <p:ext uri="{BB962C8B-B14F-4D97-AF65-F5344CB8AC3E}">
+        <p14:creationId xmlns:p14="http://schemas.microsoft.com/office/powerpoint/2010/main" val="3190798979"/>
       </p:ext>
     </p:extLst>
   </p:cSld>
@@ -3677,4 +6624,299 @@
     </a:ext>
   </a:extLst>
 </a:theme>
+</file>
+
+<file path=ppt/theme/theme2.xml><?xml version="1.0" encoding="utf-8"?>
+<a:theme xmlns:a="http://schemas.openxmlformats.org/drawingml/2006/main" name="Thème Office">
+  <a:themeElements>
+    <a:clrScheme name="Office">
+      <a:dk1>
+        <a:sysClr val="windowText" lastClr="000000"/>
+      </a:dk1>
+      <a:lt1>
+        <a:sysClr val="window" lastClr="FFFFFF"/>
+      </a:lt1>
+      <a:dk2>
+        <a:srgbClr val="44546A"/>
+      </a:dk2>
+      <a:lt2>
+        <a:srgbClr val="E7E6E6"/>
+      </a:lt2>
+      <a:accent1>
+        <a:srgbClr val="4472C4"/>
+      </a:accent1>
+      <a:accent2>
+        <a:srgbClr val="ED7D31"/>
+      </a:accent2>
+      <a:accent3>
+        <a:srgbClr val="A5A5A5"/>
+      </a:accent3>
+      <a:accent4>
+        <a:srgbClr val="FFC000"/>
+      </a:accent4>
+      <a:accent5>
+        <a:srgbClr val="5B9BD5"/>
+      </a:accent5>
+      <a:accent6>
+        <a:srgbClr val="70AD47"/>
+      </a:accent6>
+      <a:hlink>
+        <a:srgbClr val="0563C1"/>
+      </a:hlink>
+      <a:folHlink>
+        <a:srgbClr val="954F72"/>
+      </a:folHlink>
+    </a:clrScheme>
+    <a:fontScheme name="Office">
+      <a:majorFont>
+        <a:latin typeface="Calibri Light" panose="020F0302020204030204"/>
+        <a:ea typeface=""/>
+        <a:cs typeface=""/>
+        <a:font script="Jpan" typeface="游ゴシック Light"/>
+        <a:font script="Hang" typeface="맑은 고딕"/>
+        <a:font script="Hans" typeface="等线 Light"/>
+        <a:font script="Hant" typeface="新細明體"/>
+        <a:font script="Arab" typeface="Times New Roman"/>
+        <a:font script="Hebr" typeface="Times New Roman"/>
+        <a:font script="Thai" typeface="Angsana New"/>
+        <a:font script="Ethi" typeface="Nyala"/>
+        <a:font script="Beng" typeface="Vrinda"/>
+        <a:font script="Gujr" typeface="Shruti"/>
+        <a:font script="Khmr" typeface="MoolBoran"/>
+        <a:font script="Knda" typeface="Tunga"/>
+        <a:font script="Guru" typeface="Raavi"/>
+        <a:font script="Cans" typeface="Euphemia"/>
+        <a:font script="Cher" typeface="Plantagenet Cherokee"/>
+        <a:font script="Yiii" typeface="Microsoft Yi Baiti"/>
+        <a:font script="Tibt" typeface="Microsoft Himalaya"/>
+        <a:font script="Thaa" typeface="MV Boli"/>
+        <a:font script="Deva" typeface="Mangal"/>
+        <a:font script="Telu" typeface="Gautami"/>
+        <a:font script="Taml" typeface="Latha"/>
+        <a:font script="Syrc" typeface="Estrangelo Edessa"/>
+        <a:font script="Orya" typeface="Kalinga"/>
+        <a:font script="Mlym" typeface="Kartika"/>
+        <a:font script="Laoo" typeface="DokChampa"/>
+        <a:font script="Sinh" typeface="Iskoola Pota"/>
+        <a:font script="Mong" typeface="Mongolian Baiti"/>
+        <a:font script="Viet" typeface="Times New Roman"/>
+        <a:font script="Uigh" typeface="Microsoft Uighur"/>
+        <a:font script="Geor" typeface="Sylfaen"/>
+        <a:font script="Armn" typeface="Arial"/>
+        <a:font script="Bugi" typeface="Leelawadee UI"/>
+        <a:font script="Bopo" typeface="Microsoft JhengHei"/>
+        <a:font script="Java" typeface="Javanese Text"/>
+        <a:font script="Lisu" typeface="Segoe UI"/>
+        <a:font script="Mymr" typeface="Myanmar Text"/>
+        <a:font script="Nkoo" typeface="Ebrima"/>
+        <a:font script="Olck" typeface="Nirmala UI"/>
+        <a:font script="Osma" typeface="Ebrima"/>
+        <a:font script="Phag" typeface="Phagspa"/>
+        <a:font script="Syrn" typeface="Estrangelo Edessa"/>
+        <a:font script="Syrj" typeface="Estrangelo Edessa"/>
+        <a:font script="Syre" typeface="Estrangelo Edessa"/>
+        <a:font script="Sora" typeface="Nirmala UI"/>
+        <a:font script="Tale" typeface="Microsoft Tai Le"/>
+        <a:font script="Talu" typeface="Microsoft New Tai Lue"/>
+        <a:font script="Tfng" typeface="Ebrima"/>
+      </a:majorFont>
+      <a:minorFont>
+        <a:latin typeface="Calibri" panose="020F0502020204030204"/>
+        <a:ea typeface=""/>
+        <a:cs typeface=""/>
+        <a:font script="Jpan" typeface="游ゴシック"/>
+        <a:font script="Hang" typeface="맑은 고딕"/>
+        <a:font script="Hans" typeface="等线"/>
+        <a:font script="Hant" typeface="新細明體"/>
+        <a:font script="Arab" typeface="Arial"/>
+        <a:font script="Hebr" typeface="Arial"/>
+        <a:font script="Thai" typeface="Cordia New"/>
+        <a:font script="Ethi" typeface="Nyala"/>
+        <a:font script="Beng" typeface="Vrinda"/>
+        <a:font script="Gujr" typeface="Shruti"/>
+        <a:font script="Khmr" typeface="DaunPenh"/>
+        <a:font script="Knda" typeface="Tunga"/>
+        <a:font script="Guru" typeface="Raavi"/>
+        <a:font script="Cans" typeface="Euphemia"/>
+        <a:font script="Cher" typeface="Plantagenet Cherokee"/>
+        <a:font script="Yiii" typeface="Microsoft Yi Baiti"/>
+        <a:font script="Tibt" typeface="Microsoft Himalaya"/>
+        <a:font script="Thaa" typeface="MV Boli"/>
+        <a:font script="Deva" typeface="Mangal"/>
+        <a:font script="Telu" typeface="Gautami"/>
+        <a:font script="Taml" typeface="Latha"/>
+        <a:font script="Syrc" typeface="Estrangelo Edessa"/>
+        <a:font script="Orya" typeface="Kalinga"/>
+        <a:font script="Mlym" typeface="Kartika"/>
+        <a:font script="Laoo" typeface="DokChampa"/>
+        <a:font script="Sinh" typeface="Iskoola Pota"/>
+        <a:font script="Mong" typeface="Mongolian Baiti"/>
+        <a:font script="Viet" typeface="Arial"/>
+        <a:font script="Uigh" typeface="Microsoft Uighur"/>
+        <a:font script="Geor" typeface="Sylfaen"/>
+        <a:font script="Armn" typeface="Arial"/>
+        <a:font script="Bugi" typeface="Leelawadee UI"/>
+        <a:font script="Bopo" typeface="Microsoft JhengHei"/>
+        <a:font script="Java" typeface="Javanese Text"/>
+        <a:font script="Lisu" typeface="Segoe UI"/>
+        <a:font script="Mymr" typeface="Myanmar Text"/>
+        <a:font script="Nkoo" typeface="Ebrima"/>
+        <a:font script="Olck" typeface="Nirmala UI"/>
+        <a:font script="Osma" typeface="Ebrima"/>
+        <a:font script="Phag" typeface="Phagspa"/>
+        <a:font script="Syrn" typeface="Estrangelo Edessa"/>
+        <a:font script="Syrj" typeface="Estrangelo Edessa"/>
+        <a:font script="Syre" typeface="Estrangelo Edessa"/>
+        <a:font script="Sora" typeface="Nirmala UI"/>
+        <a:font script="Tale" typeface="Microsoft Tai Le"/>
+        <a:font script="Talu" typeface="Microsoft New Tai Lue"/>
+        <a:font script="Tfng" typeface="Ebrima"/>
+      </a:minorFont>
+    </a:fontScheme>
+    <a:fmtScheme name="Office">
+      <a:fillStyleLst>
+        <a:solidFill>
+          <a:schemeClr val="phClr"/>
+        </a:solidFill>
+        <a:gradFill rotWithShape="1">
+          <a:gsLst>
+            <a:gs pos="0">
+              <a:schemeClr val="phClr">
+                <a:lumMod val="110000"/>
+                <a:satMod val="105000"/>
+                <a:tint val="67000"/>
+              </a:schemeClr>
+            </a:gs>
+            <a:gs pos="50000">
+              <a:schemeClr val="phClr">
+                <a:lumMod val="105000"/>
+                <a:satMod val="103000"/>
+                <a:tint val="73000"/>
+              </a:schemeClr>
+            </a:gs>
+            <a:gs pos="100000">
+              <a:schemeClr val="phClr">
+                <a:lumMod val="105000"/>
+                <a:satMod val="109000"/>
+                <a:tint val="81000"/>
+              </a:schemeClr>
+            </a:gs>
+          </a:gsLst>
+          <a:lin ang="5400000" scaled="0"/>
+        </a:gradFill>
+        <a:gradFill rotWithShape="1">
+          <a:gsLst>
+            <a:gs pos="0">
+              <a:schemeClr val="phClr">
+                <a:satMod val="103000"/>
+                <a:lumMod val="102000"/>
+                <a:tint val="94000"/>
+              </a:schemeClr>
+            </a:gs>
+            <a:gs pos="50000">
+              <a:schemeClr val="phClr">
+                <a:satMod val="110000"/>
+                <a:lumMod val="100000"/>
+                <a:shade val="100000"/>
+              </a:schemeClr>
+            </a:gs>
+            <a:gs pos="100000">
+              <a:schemeClr val="phClr">
+                <a:lumMod val="99000"/>
+                <a:satMod val="120000"/>
+                <a:shade val="78000"/>
+              </a:schemeClr>
+            </a:gs>
+          </a:gsLst>
+          <a:lin ang="5400000" scaled="0"/>
+        </a:gradFill>
+      </a:fillStyleLst>
+      <a:lnStyleLst>
+        <a:ln w="6350" cap="flat" cmpd="sng" algn="ctr">
+          <a:solidFill>
+            <a:schemeClr val="phClr"/>
+          </a:solidFill>
+          <a:prstDash val="solid"/>
+          <a:miter lim="800000"/>
+        </a:ln>
+        <a:ln w="12700" cap="flat" cmpd="sng" algn="ctr">
+          <a:solidFill>
+            <a:schemeClr val="phClr"/>
+          </a:solidFill>
+          <a:prstDash val="solid"/>
+          <a:miter lim="800000"/>
+        </a:ln>
+        <a:ln w="19050" cap="flat" cmpd="sng" algn="ctr">
+          <a:solidFill>
+            <a:schemeClr val="phClr"/>
+          </a:solidFill>
+          <a:prstDash val="solid"/>
+          <a:miter lim="800000"/>
+        </a:ln>
+      </a:lnStyleLst>
+      <a:effectStyleLst>
+        <a:effectStyle>
+          <a:effectLst/>
+        </a:effectStyle>
+        <a:effectStyle>
+          <a:effectLst/>
+        </a:effectStyle>
+        <a:effectStyle>
+          <a:effectLst>
+            <a:outerShdw blurRad="57150" dist="19050" dir="5400000" algn="ctr" rotWithShape="0">
+              <a:srgbClr val="000000">
+                <a:alpha val="63000"/>
+              </a:srgbClr>
+            </a:outerShdw>
+          </a:effectLst>
+        </a:effectStyle>
+      </a:effectStyleLst>
+      <a:bgFillStyleLst>
+        <a:solidFill>
+          <a:schemeClr val="phClr"/>
+        </a:solidFill>
+        <a:solidFill>
+          <a:schemeClr val="phClr">
+            <a:tint val="95000"/>
+            <a:satMod val="170000"/>
+          </a:schemeClr>
+        </a:solidFill>
+        <a:gradFill rotWithShape="1">
+          <a:gsLst>
+            <a:gs pos="0">
+              <a:schemeClr val="phClr">
+                <a:tint val="93000"/>
+                <a:satMod val="150000"/>
+                <a:shade val="98000"/>
+                <a:lumMod val="102000"/>
+              </a:schemeClr>
+            </a:gs>
+            <a:gs pos="50000">
+              <a:schemeClr val="phClr">
+                <a:tint val="98000"/>
+                <a:satMod val="130000"/>
+                <a:shade val="90000"/>
+                <a:lumMod val="103000"/>
+              </a:schemeClr>
+            </a:gs>
+            <a:gs pos="100000">
+              <a:schemeClr val="phClr">
+                <a:shade val="63000"/>
+                <a:satMod val="120000"/>
+              </a:schemeClr>
+            </a:gs>
+          </a:gsLst>
+          <a:lin ang="5400000" scaled="0"/>
+        </a:gradFill>
+      </a:bgFillStyleLst>
+    </a:fmtScheme>
+  </a:themeElements>
+  <a:objectDefaults/>
+  <a:extraClrSchemeLst/>
+  <a:extLst>
+    <a:ext uri="{05A4C25C-085E-4340-85A3-A5531E510DB2}">
+      <thm15:themeFamily xmlns:thm15="http://schemas.microsoft.com/office/thememl/2012/main" name="Office Theme" id="{62F939B6-93AF-4DB8-9C6B-D6C7DFDC589F}" vid="{4A3C46E8-61CC-4603-A589-7422A47A8E4A}"/>
+    </a:ext>
+  </a:extLst>
+</a:theme>
 </file>
--- a/ppt_projet_java.pptx
+++ b/ppt_projet_java.pptx
@@ -5,7 +5,7 @@
     <p:sldMasterId id="2147483648" r:id="rId1"/>
   </p:sldMasterIdLst>
   <p:notesMasterIdLst>
-    <p:notesMasterId r:id="rId14"/>
+    <p:notesMasterId r:id="rId17"/>
   </p:notesMasterIdLst>
   <p:sldIdLst>
     <p:sldId id="256" r:id="rId2"/>
@@ -16,10 +16,13 @@
     <p:sldId id="261" r:id="rId7"/>
     <p:sldId id="262" r:id="rId8"/>
     <p:sldId id="263" r:id="rId9"/>
-    <p:sldId id="264" r:id="rId10"/>
-    <p:sldId id="265" r:id="rId11"/>
-    <p:sldId id="266" r:id="rId12"/>
-    <p:sldId id="267" r:id="rId13"/>
+    <p:sldId id="270" r:id="rId10"/>
+    <p:sldId id="268" r:id="rId11"/>
+    <p:sldId id="269" r:id="rId12"/>
+    <p:sldId id="264" r:id="rId13"/>
+    <p:sldId id="265" r:id="rId14"/>
+    <p:sldId id="266" r:id="rId15"/>
+    <p:sldId id="267" r:id="rId16"/>
   </p:sldIdLst>
   <p:sldSz cx="12192000" cy="6858000"/>
   <p:notesSz cx="6858000" cy="9144000"/>
@@ -119,6 +122,5610 @@
     </a:lvl9pPr>
   </p:defaultTextStyle>
 </p:presentation>
+</file>
+
+<file path=ppt/diagrams/colors1.xml><?xml version="1.0" encoding="utf-8"?>
+<dgm:colorsDef xmlns:dgm="http://schemas.openxmlformats.org/drawingml/2006/diagram" xmlns:a="http://schemas.openxmlformats.org/drawingml/2006/main" uniqueId="urn:microsoft.com/office/officeart/2005/8/colors/colorful5">
+  <dgm:title val=""/>
+  <dgm:desc val=""/>
+  <dgm:catLst>
+    <dgm:cat type="colorful" pri="10500"/>
+  </dgm:catLst>
+  <dgm:styleLbl name="node0">
+    <dgm:fillClrLst meth="repeat">
+      <a:schemeClr val="accent4"/>
+    </dgm:fillClrLst>
+    <dgm:linClrLst meth="repeat">
+      <a:schemeClr val="lt1"/>
+    </dgm:linClrLst>
+    <dgm:effectClrLst/>
+    <dgm:txLinClrLst/>
+    <dgm:txFillClrLst/>
+    <dgm:txEffectClrLst/>
+  </dgm:styleLbl>
+  <dgm:styleLbl name="node1">
+    <dgm:fillClrLst>
+      <a:schemeClr val="accent5"/>
+      <a:schemeClr val="accent6"/>
+    </dgm:fillClrLst>
+    <dgm:linClrLst meth="repeat">
+      <a:schemeClr val="lt1"/>
+    </dgm:linClrLst>
+    <dgm:effectClrLst/>
+    <dgm:txLinClrLst/>
+    <dgm:txFillClrLst/>
+    <dgm:txEffectClrLst/>
+  </dgm:styleLbl>
+  <dgm:styleLbl name="alignNode1">
+    <dgm:fillClrLst>
+      <a:schemeClr val="accent5"/>
+      <a:schemeClr val="accent6"/>
+    </dgm:fillClrLst>
+    <dgm:linClrLst>
+      <a:schemeClr val="accent5"/>
+      <a:schemeClr val="accent6"/>
+    </dgm:linClrLst>
+    <dgm:effectClrLst/>
+    <dgm:txLinClrLst/>
+    <dgm:txFillClrLst/>
+    <dgm:txEffectClrLst/>
+  </dgm:styleLbl>
+  <dgm:styleLbl name="lnNode1">
+    <dgm:fillClrLst>
+      <a:schemeClr val="accent5"/>
+      <a:schemeClr val="accent6"/>
+    </dgm:fillClrLst>
+    <dgm:linClrLst meth="repeat">
+      <a:schemeClr val="lt1"/>
+    </dgm:linClrLst>
+    <dgm:effectClrLst/>
+    <dgm:txLinClrLst/>
+    <dgm:txFillClrLst/>
+    <dgm:txEffectClrLst/>
+  </dgm:styleLbl>
+  <dgm:styleLbl name="vennNode1">
+    <dgm:fillClrLst>
+      <a:schemeClr val="accent5">
+        <a:alpha val="50000"/>
+      </a:schemeClr>
+      <a:schemeClr val="accent6">
+        <a:alpha val="50000"/>
+      </a:schemeClr>
+    </dgm:fillClrLst>
+    <dgm:linClrLst meth="repeat">
+      <a:schemeClr val="lt1"/>
+    </dgm:linClrLst>
+    <dgm:effectClrLst/>
+    <dgm:txLinClrLst/>
+    <dgm:txFillClrLst/>
+    <dgm:txEffectClrLst/>
+  </dgm:styleLbl>
+  <dgm:styleLbl name="node2">
+    <dgm:fillClrLst>
+      <a:schemeClr val="accent6"/>
+    </dgm:fillClrLst>
+    <dgm:linClrLst meth="repeat">
+      <a:schemeClr val="lt1"/>
+    </dgm:linClrLst>
+    <dgm:effectClrLst/>
+    <dgm:txLinClrLst/>
+    <dgm:txFillClrLst/>
+    <dgm:txEffectClrLst/>
+  </dgm:styleLbl>
+  <dgm:styleLbl name="node3">
+    <dgm:fillClrLst>
+      <a:schemeClr val="accent1"/>
+    </dgm:fillClrLst>
+    <dgm:linClrLst meth="repeat">
+      <a:schemeClr val="lt1"/>
+    </dgm:linClrLst>
+    <dgm:effectClrLst/>
+    <dgm:txLinClrLst/>
+    <dgm:txFillClrLst/>
+    <dgm:txEffectClrLst/>
+  </dgm:styleLbl>
+  <dgm:styleLbl name="node4">
+    <dgm:fillClrLst>
+      <a:schemeClr val="accent2"/>
+    </dgm:fillClrLst>
+    <dgm:linClrLst meth="repeat">
+      <a:schemeClr val="lt1"/>
+    </dgm:linClrLst>
+    <dgm:effectClrLst/>
+    <dgm:txLinClrLst/>
+    <dgm:txFillClrLst/>
+    <dgm:txEffectClrLst/>
+  </dgm:styleLbl>
+  <dgm:styleLbl name="fgImgPlace1">
+    <dgm:fillClrLst>
+      <a:schemeClr val="accent5">
+        <a:tint val="50000"/>
+      </a:schemeClr>
+      <a:schemeClr val="accent6">
+        <a:tint val="50000"/>
+      </a:schemeClr>
+    </dgm:fillClrLst>
+    <dgm:linClrLst meth="repeat">
+      <a:schemeClr val="lt1"/>
+    </dgm:linClrLst>
+    <dgm:effectClrLst/>
+    <dgm:txLinClrLst/>
+    <dgm:txFillClrLst meth="repeat">
+      <a:schemeClr val="lt1"/>
+    </dgm:txFillClrLst>
+    <dgm:txEffectClrLst/>
+  </dgm:styleLbl>
+  <dgm:styleLbl name="alignImgPlace1">
+    <dgm:fillClrLst>
+      <a:schemeClr val="accent5">
+        <a:tint val="50000"/>
+      </a:schemeClr>
+      <a:schemeClr val="accent6">
+        <a:tint val="20000"/>
+      </a:schemeClr>
+    </dgm:fillClrLst>
+    <dgm:linClrLst meth="repeat">
+      <a:schemeClr val="lt1"/>
+    </dgm:linClrLst>
+    <dgm:effectClrLst/>
+    <dgm:txLinClrLst/>
+    <dgm:txFillClrLst meth="repeat">
+      <a:schemeClr val="lt1"/>
+    </dgm:txFillClrLst>
+    <dgm:txEffectClrLst/>
+  </dgm:styleLbl>
+  <dgm:styleLbl name="bgImgPlace1">
+    <dgm:fillClrLst>
+      <a:schemeClr val="accent5">
+        <a:tint val="50000"/>
+      </a:schemeClr>
+      <a:schemeClr val="accent6">
+        <a:tint val="20000"/>
+      </a:schemeClr>
+    </dgm:fillClrLst>
+    <dgm:linClrLst meth="repeat">
+      <a:schemeClr val="lt1"/>
+    </dgm:linClrLst>
+    <dgm:effectClrLst/>
+    <dgm:txLinClrLst/>
+    <dgm:txFillClrLst meth="repeat">
+      <a:schemeClr val="lt1"/>
+    </dgm:txFillClrLst>
+    <dgm:txEffectClrLst/>
+  </dgm:styleLbl>
+  <dgm:styleLbl name="sibTrans2D1">
+    <dgm:fillClrLst>
+      <a:schemeClr val="accent5"/>
+      <a:schemeClr val="accent6"/>
+    </dgm:fillClrLst>
+    <dgm:linClrLst meth="repeat">
+      <a:schemeClr val="lt1"/>
+    </dgm:linClrLst>
+    <dgm:effectClrLst/>
+    <dgm:txLinClrLst/>
+    <dgm:txFillClrLst/>
+    <dgm:txEffectClrLst/>
+  </dgm:styleLbl>
+  <dgm:styleLbl name="fgSibTrans2D1">
+    <dgm:fillClrLst>
+      <a:schemeClr val="accent5"/>
+      <a:schemeClr val="accent6"/>
+    </dgm:fillClrLst>
+    <dgm:linClrLst meth="repeat">
+      <a:schemeClr val="lt1"/>
+    </dgm:linClrLst>
+    <dgm:effectClrLst/>
+    <dgm:txLinClrLst/>
+    <dgm:txFillClrLst meth="repeat">
+      <a:schemeClr val="lt1"/>
+    </dgm:txFillClrLst>
+    <dgm:txEffectClrLst/>
+  </dgm:styleLbl>
+  <dgm:styleLbl name="bgSibTrans2D1">
+    <dgm:fillClrLst>
+      <a:schemeClr val="accent5"/>
+      <a:schemeClr val="accent6"/>
+    </dgm:fillClrLst>
+    <dgm:linClrLst meth="repeat">
+      <a:schemeClr val="lt1"/>
+    </dgm:linClrLst>
+    <dgm:effectClrLst/>
+    <dgm:txLinClrLst/>
+    <dgm:txFillClrLst meth="repeat">
+      <a:schemeClr val="lt1"/>
+    </dgm:txFillClrLst>
+    <dgm:txEffectClrLst/>
+  </dgm:styleLbl>
+  <dgm:styleLbl name="sibTrans1D1">
+    <dgm:fillClrLst/>
+    <dgm:linClrLst>
+      <a:schemeClr val="accent5"/>
+      <a:schemeClr val="accent6"/>
+    </dgm:linClrLst>
+    <dgm:effectClrLst/>
+    <dgm:txLinClrLst/>
+    <dgm:txFillClrLst meth="repeat">
+      <a:schemeClr val="tx1"/>
+    </dgm:txFillClrLst>
+    <dgm:txEffectClrLst/>
+  </dgm:styleLbl>
+  <dgm:styleLbl name="callout">
+    <dgm:fillClrLst meth="repeat">
+      <a:schemeClr val="accent5"/>
+    </dgm:fillClrLst>
+    <dgm:linClrLst meth="repeat">
+      <a:schemeClr val="accent5">
+        <a:tint val="50000"/>
+      </a:schemeClr>
+    </dgm:linClrLst>
+    <dgm:effectClrLst/>
+    <dgm:txLinClrLst/>
+    <dgm:txFillClrLst meth="repeat">
+      <a:schemeClr val="tx1"/>
+    </dgm:txFillClrLst>
+    <dgm:txEffectClrLst/>
+  </dgm:styleLbl>
+  <dgm:styleLbl name="asst0">
+    <dgm:fillClrLst meth="repeat">
+      <a:schemeClr val="accent5"/>
+    </dgm:fillClrLst>
+    <dgm:linClrLst meth="repeat">
+      <a:schemeClr val="lt1">
+        <a:shade val="80000"/>
+      </a:schemeClr>
+    </dgm:linClrLst>
+    <dgm:effectClrLst/>
+    <dgm:txLinClrLst/>
+    <dgm:txFillClrLst/>
+    <dgm:txEffectClrLst/>
+  </dgm:styleLbl>
+  <dgm:styleLbl name="asst1">
+    <dgm:fillClrLst meth="repeat">
+      <a:schemeClr val="accent6"/>
+    </dgm:fillClrLst>
+    <dgm:linClrLst meth="repeat">
+      <a:schemeClr val="lt1">
+        <a:shade val="80000"/>
+      </a:schemeClr>
+    </dgm:linClrLst>
+    <dgm:effectClrLst/>
+    <dgm:txLinClrLst/>
+    <dgm:txFillClrLst/>
+    <dgm:txEffectClrLst/>
+  </dgm:styleLbl>
+  <dgm:styleLbl name="asst2">
+    <dgm:fillClrLst>
+      <a:schemeClr val="accent1"/>
+    </dgm:fillClrLst>
+    <dgm:linClrLst meth="repeat">
+      <a:schemeClr val="lt1"/>
+    </dgm:linClrLst>
+    <dgm:effectClrLst/>
+    <dgm:txLinClrLst/>
+    <dgm:txFillClrLst/>
+    <dgm:txEffectClrLst/>
+  </dgm:styleLbl>
+  <dgm:styleLbl name="asst3">
+    <dgm:fillClrLst>
+      <a:schemeClr val="accent2"/>
+    </dgm:fillClrLst>
+    <dgm:linClrLst meth="repeat">
+      <a:schemeClr val="lt1"/>
+    </dgm:linClrLst>
+    <dgm:effectClrLst/>
+    <dgm:txLinClrLst/>
+    <dgm:txFillClrLst/>
+    <dgm:txEffectClrLst/>
+  </dgm:styleLbl>
+  <dgm:styleLbl name="asst4">
+    <dgm:fillClrLst>
+      <a:schemeClr val="accent3"/>
+    </dgm:fillClrLst>
+    <dgm:linClrLst meth="repeat">
+      <a:schemeClr val="lt1"/>
+    </dgm:linClrLst>
+    <dgm:effectClrLst/>
+    <dgm:txLinClrLst/>
+    <dgm:txFillClrLst/>
+    <dgm:txEffectClrLst/>
+  </dgm:styleLbl>
+  <dgm:styleLbl name="parChTrans2D1">
+    <dgm:fillClrLst meth="repeat">
+      <a:schemeClr val="accent5"/>
+    </dgm:fillClrLst>
+    <dgm:linClrLst meth="repeat">
+      <a:schemeClr val="lt1"/>
+    </dgm:linClrLst>
+    <dgm:effectClrLst/>
+    <dgm:txLinClrLst/>
+    <dgm:txFillClrLst meth="repeat">
+      <a:schemeClr val="lt1"/>
+    </dgm:txFillClrLst>
+    <dgm:txEffectClrLst/>
+  </dgm:styleLbl>
+  <dgm:styleLbl name="parChTrans2D2">
+    <dgm:fillClrLst meth="repeat">
+      <a:schemeClr val="accent6"/>
+    </dgm:fillClrLst>
+    <dgm:linClrLst meth="repeat">
+      <a:schemeClr val="lt1"/>
+    </dgm:linClrLst>
+    <dgm:effectClrLst/>
+    <dgm:txLinClrLst/>
+    <dgm:txFillClrLst/>
+    <dgm:txEffectClrLst/>
+  </dgm:styleLbl>
+  <dgm:styleLbl name="parChTrans2D3">
+    <dgm:fillClrLst meth="repeat">
+      <a:schemeClr val="accent6"/>
+    </dgm:fillClrLst>
+    <dgm:linClrLst meth="repeat">
+      <a:schemeClr val="lt1"/>
+    </dgm:linClrLst>
+    <dgm:effectClrLst/>
+    <dgm:txLinClrLst/>
+    <dgm:txFillClrLst/>
+    <dgm:txEffectClrLst/>
+  </dgm:styleLbl>
+  <dgm:styleLbl name="parChTrans2D4">
+    <dgm:fillClrLst meth="repeat">
+      <a:schemeClr val="accent1"/>
+    </dgm:fillClrLst>
+    <dgm:linClrLst meth="repeat">
+      <a:schemeClr val="lt1"/>
+    </dgm:linClrLst>
+    <dgm:effectClrLst/>
+    <dgm:txLinClrLst/>
+    <dgm:txFillClrLst meth="repeat">
+      <a:schemeClr val="lt1"/>
+    </dgm:txFillClrLst>
+    <dgm:txEffectClrLst/>
+  </dgm:styleLbl>
+  <dgm:styleLbl name="parChTrans1D1">
+    <dgm:fillClrLst meth="repeat">
+      <a:schemeClr val="accent5"/>
+    </dgm:fillClrLst>
+    <dgm:linClrLst meth="repeat">
+      <a:schemeClr val="accent5"/>
+    </dgm:linClrLst>
+    <dgm:effectClrLst/>
+    <dgm:txLinClrLst/>
+    <dgm:txFillClrLst meth="repeat">
+      <a:schemeClr val="tx1"/>
+    </dgm:txFillClrLst>
+    <dgm:txEffectClrLst/>
+  </dgm:styleLbl>
+  <dgm:styleLbl name="parChTrans1D2">
+    <dgm:fillClrLst meth="repeat">
+      <a:schemeClr val="accent6">
+        <a:tint val="90000"/>
+      </a:schemeClr>
+    </dgm:fillClrLst>
+    <dgm:linClrLst meth="repeat">
+      <a:schemeClr val="accent6"/>
+    </dgm:linClrLst>
+    <dgm:effectClrLst/>
+    <dgm:txLinClrLst/>
+    <dgm:txFillClrLst meth="repeat">
+      <a:schemeClr val="tx1"/>
+    </dgm:txFillClrLst>
+    <dgm:txEffectClrLst/>
+  </dgm:styleLbl>
+  <dgm:styleLbl name="parChTrans1D3">
+    <dgm:fillClrLst meth="repeat">
+      <a:schemeClr val="accent6">
+        <a:tint val="70000"/>
+      </a:schemeClr>
+    </dgm:fillClrLst>
+    <dgm:linClrLst meth="repeat">
+      <a:schemeClr val="accent1"/>
+    </dgm:linClrLst>
+    <dgm:effectClrLst/>
+    <dgm:txLinClrLst/>
+    <dgm:txFillClrLst meth="repeat">
+      <a:schemeClr val="tx1"/>
+    </dgm:txFillClrLst>
+    <dgm:txEffectClrLst/>
+  </dgm:styleLbl>
+  <dgm:styleLbl name="parChTrans1D4">
+    <dgm:fillClrLst meth="repeat">
+      <a:schemeClr val="accent6">
+        <a:tint val="50000"/>
+      </a:schemeClr>
+    </dgm:fillClrLst>
+    <dgm:linClrLst meth="repeat">
+      <a:schemeClr val="accent2"/>
+    </dgm:linClrLst>
+    <dgm:effectClrLst/>
+    <dgm:txLinClrLst/>
+    <dgm:txFillClrLst meth="repeat">
+      <a:schemeClr val="tx1"/>
+    </dgm:txFillClrLst>
+    <dgm:txEffectClrLst/>
+  </dgm:styleLbl>
+  <dgm:styleLbl name="fgAcc1">
+    <dgm:fillClrLst meth="repeat">
+      <a:schemeClr val="lt1">
+        <a:alpha val="90000"/>
+      </a:schemeClr>
+    </dgm:fillClrLst>
+    <dgm:linClrLst>
+      <a:schemeClr val="accent5"/>
+      <a:schemeClr val="accent6"/>
+    </dgm:linClrLst>
+    <dgm:effectClrLst/>
+    <dgm:txLinClrLst/>
+    <dgm:txFillClrLst meth="repeat">
+      <a:schemeClr val="dk1"/>
+    </dgm:txFillClrLst>
+    <dgm:txEffectClrLst/>
+  </dgm:styleLbl>
+  <dgm:styleLbl name="conFgAcc1">
+    <dgm:fillClrLst meth="repeat">
+      <a:schemeClr val="lt1">
+        <a:alpha val="90000"/>
+      </a:schemeClr>
+    </dgm:fillClrLst>
+    <dgm:linClrLst>
+      <a:schemeClr val="accent5"/>
+      <a:schemeClr val="accent6"/>
+    </dgm:linClrLst>
+    <dgm:effectClrLst/>
+    <dgm:txLinClrLst/>
+    <dgm:txFillClrLst meth="repeat">
+      <a:schemeClr val="dk1"/>
+    </dgm:txFillClrLst>
+    <dgm:txEffectClrLst/>
+  </dgm:styleLbl>
+  <dgm:styleLbl name="alignAcc1">
+    <dgm:fillClrLst meth="repeat">
+      <a:schemeClr val="lt1">
+        <a:alpha val="90000"/>
+      </a:schemeClr>
+    </dgm:fillClrLst>
+    <dgm:linClrLst>
+      <a:schemeClr val="accent5"/>
+      <a:schemeClr val="accent6"/>
+    </dgm:linClrLst>
+    <dgm:effectClrLst/>
+    <dgm:txLinClrLst/>
+    <dgm:txFillClrLst meth="repeat">
+      <a:schemeClr val="dk1"/>
+    </dgm:txFillClrLst>
+    <dgm:txEffectClrLst/>
+  </dgm:styleLbl>
+  <dgm:styleLbl name="trAlignAcc1">
+    <dgm:fillClrLst meth="repeat">
+      <a:schemeClr val="lt1">
+        <a:alpha val="40000"/>
+      </a:schemeClr>
+    </dgm:fillClrLst>
+    <dgm:linClrLst meth="repeat">
+      <a:schemeClr val="accent5"/>
+    </dgm:linClrLst>
+    <dgm:effectClrLst/>
+    <dgm:txLinClrLst/>
+    <dgm:txFillClrLst meth="repeat">
+      <a:schemeClr val="dk1"/>
+    </dgm:txFillClrLst>
+    <dgm:txEffectClrLst/>
+  </dgm:styleLbl>
+  <dgm:styleLbl name="bgAcc1">
+    <dgm:fillClrLst meth="repeat">
+      <a:schemeClr val="lt1">
+        <a:alpha val="90000"/>
+      </a:schemeClr>
+    </dgm:fillClrLst>
+    <dgm:linClrLst>
+      <a:schemeClr val="accent5"/>
+      <a:schemeClr val="accent6"/>
+    </dgm:linClrLst>
+    <dgm:effectClrLst/>
+    <dgm:txLinClrLst/>
+    <dgm:txFillClrLst meth="repeat">
+      <a:schemeClr val="dk1"/>
+    </dgm:txFillClrLst>
+    <dgm:txEffectClrLst/>
+  </dgm:styleLbl>
+  <dgm:styleLbl name="solidFgAcc1">
+    <dgm:fillClrLst meth="repeat">
+      <a:schemeClr val="lt1"/>
+    </dgm:fillClrLst>
+    <dgm:linClrLst>
+      <a:schemeClr val="accent5"/>
+      <a:schemeClr val="accent6"/>
+    </dgm:linClrLst>
+    <dgm:effectClrLst/>
+    <dgm:txLinClrLst/>
+    <dgm:txFillClrLst meth="repeat">
+      <a:schemeClr val="dk1"/>
+    </dgm:txFillClrLst>
+    <dgm:txEffectClrLst/>
+  </dgm:styleLbl>
+  <dgm:styleLbl name="solidAlignAcc1">
+    <dgm:fillClrLst meth="repeat">
+      <a:schemeClr val="lt1"/>
+    </dgm:fillClrLst>
+    <dgm:linClrLst>
+      <a:schemeClr val="accent5"/>
+      <a:schemeClr val="accent6"/>
+    </dgm:linClrLst>
+    <dgm:effectClrLst/>
+    <dgm:txLinClrLst/>
+    <dgm:txFillClrLst meth="repeat">
+      <a:schemeClr val="dk1"/>
+    </dgm:txFillClrLst>
+    <dgm:txEffectClrLst/>
+  </dgm:styleLbl>
+  <dgm:styleLbl name="solidBgAcc1">
+    <dgm:fillClrLst meth="repeat">
+      <a:schemeClr val="lt1"/>
+    </dgm:fillClrLst>
+    <dgm:linClrLst>
+      <a:schemeClr val="accent5"/>
+      <a:schemeClr val="accent6"/>
+    </dgm:linClrLst>
+    <dgm:effectClrLst/>
+    <dgm:txLinClrLst/>
+    <dgm:txFillClrLst meth="repeat">
+      <a:schemeClr val="dk1"/>
+    </dgm:txFillClrLst>
+    <dgm:txEffectClrLst/>
+  </dgm:styleLbl>
+  <dgm:styleLbl name="fgAccFollowNode1">
+    <dgm:fillClrLst>
+      <a:schemeClr val="accent5">
+        <a:tint val="40000"/>
+        <a:alpha val="90000"/>
+      </a:schemeClr>
+      <a:schemeClr val="accent6">
+        <a:tint val="40000"/>
+        <a:alpha val="90000"/>
+      </a:schemeClr>
+    </dgm:fillClrLst>
+    <dgm:linClrLst>
+      <a:schemeClr val="accent5">
+        <a:tint val="40000"/>
+        <a:alpha val="90000"/>
+      </a:schemeClr>
+      <a:schemeClr val="accent5">
+        <a:tint val="40000"/>
+        <a:alpha val="90000"/>
+      </a:schemeClr>
+    </dgm:linClrLst>
+    <dgm:effectClrLst/>
+    <dgm:txLinClrLst/>
+    <dgm:txFillClrLst meth="repeat">
+      <a:schemeClr val="dk1"/>
+    </dgm:txFillClrLst>
+    <dgm:txEffectClrLst/>
+  </dgm:styleLbl>
+  <dgm:styleLbl name="alignAccFollowNode1">
+    <dgm:fillClrLst>
+      <a:schemeClr val="accent5">
+        <a:tint val="40000"/>
+        <a:alpha val="90000"/>
+      </a:schemeClr>
+      <a:schemeClr val="accent6">
+        <a:tint val="40000"/>
+        <a:alpha val="90000"/>
+      </a:schemeClr>
+    </dgm:fillClrLst>
+    <dgm:linClrLst>
+      <a:schemeClr val="accent5">
+        <a:tint val="40000"/>
+        <a:alpha val="90000"/>
+      </a:schemeClr>
+      <a:schemeClr val="accent6">
+        <a:tint val="40000"/>
+        <a:alpha val="90000"/>
+      </a:schemeClr>
+    </dgm:linClrLst>
+    <dgm:effectClrLst/>
+    <dgm:txLinClrLst/>
+    <dgm:txFillClrLst meth="repeat">
+      <a:schemeClr val="dk1"/>
+    </dgm:txFillClrLst>
+    <dgm:txEffectClrLst/>
+  </dgm:styleLbl>
+  <dgm:styleLbl name="bgAccFollowNode1">
+    <dgm:fillClrLst>
+      <a:schemeClr val="accent5">
+        <a:tint val="40000"/>
+        <a:alpha val="90000"/>
+      </a:schemeClr>
+      <a:schemeClr val="accent6">
+        <a:tint val="40000"/>
+        <a:alpha val="90000"/>
+      </a:schemeClr>
+    </dgm:fillClrLst>
+    <dgm:linClrLst>
+      <a:schemeClr val="accent5">
+        <a:tint val="40000"/>
+        <a:alpha val="90000"/>
+      </a:schemeClr>
+      <a:schemeClr val="accent6">
+        <a:tint val="40000"/>
+        <a:alpha val="90000"/>
+      </a:schemeClr>
+    </dgm:linClrLst>
+    <dgm:effectClrLst/>
+    <dgm:txLinClrLst/>
+    <dgm:txFillClrLst meth="repeat">
+      <a:schemeClr val="dk1"/>
+    </dgm:txFillClrLst>
+    <dgm:txEffectClrLst/>
+  </dgm:styleLbl>
+  <dgm:styleLbl name="fgAcc0">
+    <dgm:fillClrLst meth="repeat">
+      <a:schemeClr val="lt1">
+        <a:alpha val="90000"/>
+      </a:schemeClr>
+    </dgm:fillClrLst>
+    <dgm:linClrLst>
+      <a:schemeClr val="accent4"/>
+    </dgm:linClrLst>
+    <dgm:effectClrLst/>
+    <dgm:txLinClrLst/>
+    <dgm:txFillClrLst meth="repeat">
+      <a:schemeClr val="dk1"/>
+    </dgm:txFillClrLst>
+    <dgm:txEffectClrLst/>
+  </dgm:styleLbl>
+  <dgm:styleLbl name="fgAcc2">
+    <dgm:fillClrLst meth="repeat">
+      <a:schemeClr val="lt1">
+        <a:alpha val="90000"/>
+      </a:schemeClr>
+    </dgm:fillClrLst>
+    <dgm:linClrLst>
+      <a:schemeClr val="accent6"/>
+    </dgm:linClrLst>
+    <dgm:effectClrLst/>
+    <dgm:txLinClrLst/>
+    <dgm:txFillClrLst meth="repeat">
+      <a:schemeClr val="dk1"/>
+    </dgm:txFillClrLst>
+    <dgm:txEffectClrLst/>
+  </dgm:styleLbl>
+  <dgm:styleLbl name="fgAcc3">
+    <dgm:fillClrLst meth="repeat">
+      <a:schemeClr val="lt1">
+        <a:alpha val="90000"/>
+      </a:schemeClr>
+    </dgm:fillClrLst>
+    <dgm:linClrLst>
+      <a:schemeClr val="accent1"/>
+    </dgm:linClrLst>
+    <dgm:effectClrLst/>
+    <dgm:txLinClrLst/>
+    <dgm:txFillClrLst meth="repeat">
+      <a:schemeClr val="dk1"/>
+    </dgm:txFillClrLst>
+    <dgm:txEffectClrLst/>
+  </dgm:styleLbl>
+  <dgm:styleLbl name="fgAcc4">
+    <dgm:fillClrLst meth="repeat">
+      <a:schemeClr val="lt1">
+        <a:alpha val="90000"/>
+      </a:schemeClr>
+    </dgm:fillClrLst>
+    <dgm:linClrLst>
+      <a:schemeClr val="accent2"/>
+    </dgm:linClrLst>
+    <dgm:effectClrLst/>
+    <dgm:txLinClrLst/>
+    <dgm:txFillClrLst meth="repeat">
+      <a:schemeClr val="dk1"/>
+    </dgm:txFillClrLst>
+    <dgm:txEffectClrLst/>
+  </dgm:styleLbl>
+  <dgm:styleLbl name="bgShp">
+    <dgm:fillClrLst meth="repeat">
+      <a:schemeClr val="accent5">
+        <a:tint val="40000"/>
+      </a:schemeClr>
+    </dgm:fillClrLst>
+    <dgm:linClrLst meth="repeat">
+      <a:schemeClr val="dk1"/>
+    </dgm:linClrLst>
+    <dgm:effectClrLst/>
+    <dgm:txLinClrLst/>
+    <dgm:txFillClrLst meth="repeat">
+      <a:schemeClr val="dk1"/>
+    </dgm:txFillClrLst>
+    <dgm:txEffectClrLst/>
+  </dgm:styleLbl>
+  <dgm:styleLbl name="dkBgShp">
+    <dgm:fillClrLst meth="repeat">
+      <a:schemeClr val="accent5">
+        <a:shade val="90000"/>
+      </a:schemeClr>
+    </dgm:fillClrLst>
+    <dgm:linClrLst meth="repeat">
+      <a:schemeClr val="dk1"/>
+    </dgm:linClrLst>
+    <dgm:effectClrLst/>
+    <dgm:txLinClrLst/>
+    <dgm:txFillClrLst meth="repeat">
+      <a:schemeClr val="lt1"/>
+    </dgm:txFillClrLst>
+    <dgm:txEffectClrLst/>
+  </dgm:styleLbl>
+  <dgm:styleLbl name="trBgShp">
+    <dgm:fillClrLst meth="repeat">
+      <a:schemeClr val="accent5">
+        <a:tint val="50000"/>
+        <a:alpha val="40000"/>
+      </a:schemeClr>
+    </dgm:fillClrLst>
+    <dgm:linClrLst meth="repeat">
+      <a:schemeClr val="accent5"/>
+    </dgm:linClrLst>
+    <dgm:effectClrLst/>
+    <dgm:txLinClrLst/>
+    <dgm:txFillClrLst meth="repeat">
+      <a:schemeClr val="lt1"/>
+    </dgm:txFillClrLst>
+    <dgm:txEffectClrLst/>
+  </dgm:styleLbl>
+  <dgm:styleLbl name="fgShp">
+    <dgm:fillClrLst meth="repeat">
+      <a:schemeClr val="accent5">
+        <a:tint val="40000"/>
+      </a:schemeClr>
+    </dgm:fillClrLst>
+    <dgm:linClrLst meth="repeat">
+      <a:schemeClr val="lt1"/>
+    </dgm:linClrLst>
+    <dgm:effectClrLst/>
+    <dgm:txLinClrLst/>
+    <dgm:txFillClrLst meth="repeat">
+      <a:schemeClr val="dk1"/>
+    </dgm:txFillClrLst>
+    <dgm:txEffectClrLst/>
+  </dgm:styleLbl>
+  <dgm:styleLbl name="revTx">
+    <dgm:fillClrLst meth="repeat">
+      <a:schemeClr val="lt1">
+        <a:alpha val="0"/>
+      </a:schemeClr>
+    </dgm:fillClrLst>
+    <dgm:linClrLst meth="repeat">
+      <a:schemeClr val="dk1">
+        <a:alpha val="0"/>
+      </a:schemeClr>
+    </dgm:linClrLst>
+    <dgm:effectClrLst/>
+    <dgm:txLinClrLst/>
+    <dgm:txFillClrLst meth="repeat">
+      <a:schemeClr val="tx1"/>
+    </dgm:txFillClrLst>
+    <dgm:txEffectClrLst/>
+  </dgm:styleLbl>
+</dgm:colorsDef>
+</file>
+
+<file path=ppt/diagrams/colors2.xml><?xml version="1.0" encoding="utf-8"?>
+<dgm:colorsDef xmlns:dgm="http://schemas.openxmlformats.org/drawingml/2006/diagram" xmlns:a="http://schemas.openxmlformats.org/drawingml/2006/main" uniqueId="urn:microsoft.com/office/officeart/2005/8/colors/colorful5">
+  <dgm:title val=""/>
+  <dgm:desc val=""/>
+  <dgm:catLst>
+    <dgm:cat type="colorful" pri="10500"/>
+  </dgm:catLst>
+  <dgm:styleLbl name="node0">
+    <dgm:fillClrLst meth="repeat">
+      <a:schemeClr val="accent4"/>
+    </dgm:fillClrLst>
+    <dgm:linClrLst meth="repeat">
+      <a:schemeClr val="lt1"/>
+    </dgm:linClrLst>
+    <dgm:effectClrLst/>
+    <dgm:txLinClrLst/>
+    <dgm:txFillClrLst/>
+    <dgm:txEffectClrLst/>
+  </dgm:styleLbl>
+  <dgm:styleLbl name="node1">
+    <dgm:fillClrLst>
+      <a:schemeClr val="accent5"/>
+      <a:schemeClr val="accent6"/>
+    </dgm:fillClrLst>
+    <dgm:linClrLst meth="repeat">
+      <a:schemeClr val="lt1"/>
+    </dgm:linClrLst>
+    <dgm:effectClrLst/>
+    <dgm:txLinClrLst/>
+    <dgm:txFillClrLst/>
+    <dgm:txEffectClrLst/>
+  </dgm:styleLbl>
+  <dgm:styleLbl name="alignNode1">
+    <dgm:fillClrLst>
+      <a:schemeClr val="accent5"/>
+      <a:schemeClr val="accent6"/>
+    </dgm:fillClrLst>
+    <dgm:linClrLst>
+      <a:schemeClr val="accent5"/>
+      <a:schemeClr val="accent6"/>
+    </dgm:linClrLst>
+    <dgm:effectClrLst/>
+    <dgm:txLinClrLst/>
+    <dgm:txFillClrLst/>
+    <dgm:txEffectClrLst/>
+  </dgm:styleLbl>
+  <dgm:styleLbl name="lnNode1">
+    <dgm:fillClrLst>
+      <a:schemeClr val="accent5"/>
+      <a:schemeClr val="accent6"/>
+    </dgm:fillClrLst>
+    <dgm:linClrLst meth="repeat">
+      <a:schemeClr val="lt1"/>
+    </dgm:linClrLst>
+    <dgm:effectClrLst/>
+    <dgm:txLinClrLst/>
+    <dgm:txFillClrLst/>
+    <dgm:txEffectClrLst/>
+  </dgm:styleLbl>
+  <dgm:styleLbl name="vennNode1">
+    <dgm:fillClrLst>
+      <a:schemeClr val="accent5">
+        <a:alpha val="50000"/>
+      </a:schemeClr>
+      <a:schemeClr val="accent6">
+        <a:alpha val="50000"/>
+      </a:schemeClr>
+    </dgm:fillClrLst>
+    <dgm:linClrLst meth="repeat">
+      <a:schemeClr val="lt1"/>
+    </dgm:linClrLst>
+    <dgm:effectClrLst/>
+    <dgm:txLinClrLst/>
+    <dgm:txFillClrLst/>
+    <dgm:txEffectClrLst/>
+  </dgm:styleLbl>
+  <dgm:styleLbl name="node2">
+    <dgm:fillClrLst>
+      <a:schemeClr val="accent6"/>
+    </dgm:fillClrLst>
+    <dgm:linClrLst meth="repeat">
+      <a:schemeClr val="lt1"/>
+    </dgm:linClrLst>
+    <dgm:effectClrLst/>
+    <dgm:txLinClrLst/>
+    <dgm:txFillClrLst/>
+    <dgm:txEffectClrLst/>
+  </dgm:styleLbl>
+  <dgm:styleLbl name="node3">
+    <dgm:fillClrLst>
+      <a:schemeClr val="accent1"/>
+    </dgm:fillClrLst>
+    <dgm:linClrLst meth="repeat">
+      <a:schemeClr val="lt1"/>
+    </dgm:linClrLst>
+    <dgm:effectClrLst/>
+    <dgm:txLinClrLst/>
+    <dgm:txFillClrLst/>
+    <dgm:txEffectClrLst/>
+  </dgm:styleLbl>
+  <dgm:styleLbl name="node4">
+    <dgm:fillClrLst>
+      <a:schemeClr val="accent2"/>
+    </dgm:fillClrLst>
+    <dgm:linClrLst meth="repeat">
+      <a:schemeClr val="lt1"/>
+    </dgm:linClrLst>
+    <dgm:effectClrLst/>
+    <dgm:txLinClrLst/>
+    <dgm:txFillClrLst/>
+    <dgm:txEffectClrLst/>
+  </dgm:styleLbl>
+  <dgm:styleLbl name="fgImgPlace1">
+    <dgm:fillClrLst>
+      <a:schemeClr val="accent5">
+        <a:tint val="50000"/>
+      </a:schemeClr>
+      <a:schemeClr val="accent6">
+        <a:tint val="50000"/>
+      </a:schemeClr>
+    </dgm:fillClrLst>
+    <dgm:linClrLst meth="repeat">
+      <a:schemeClr val="lt1"/>
+    </dgm:linClrLst>
+    <dgm:effectClrLst/>
+    <dgm:txLinClrLst/>
+    <dgm:txFillClrLst meth="repeat">
+      <a:schemeClr val="lt1"/>
+    </dgm:txFillClrLst>
+    <dgm:txEffectClrLst/>
+  </dgm:styleLbl>
+  <dgm:styleLbl name="alignImgPlace1">
+    <dgm:fillClrLst>
+      <a:schemeClr val="accent5">
+        <a:tint val="50000"/>
+      </a:schemeClr>
+      <a:schemeClr val="accent6">
+        <a:tint val="20000"/>
+      </a:schemeClr>
+    </dgm:fillClrLst>
+    <dgm:linClrLst meth="repeat">
+      <a:schemeClr val="lt1"/>
+    </dgm:linClrLst>
+    <dgm:effectClrLst/>
+    <dgm:txLinClrLst/>
+    <dgm:txFillClrLst meth="repeat">
+      <a:schemeClr val="lt1"/>
+    </dgm:txFillClrLst>
+    <dgm:txEffectClrLst/>
+  </dgm:styleLbl>
+  <dgm:styleLbl name="bgImgPlace1">
+    <dgm:fillClrLst>
+      <a:schemeClr val="accent5">
+        <a:tint val="50000"/>
+      </a:schemeClr>
+      <a:schemeClr val="accent6">
+        <a:tint val="20000"/>
+      </a:schemeClr>
+    </dgm:fillClrLst>
+    <dgm:linClrLst meth="repeat">
+      <a:schemeClr val="lt1"/>
+    </dgm:linClrLst>
+    <dgm:effectClrLst/>
+    <dgm:txLinClrLst/>
+    <dgm:txFillClrLst meth="repeat">
+      <a:schemeClr val="lt1"/>
+    </dgm:txFillClrLst>
+    <dgm:txEffectClrLst/>
+  </dgm:styleLbl>
+  <dgm:styleLbl name="sibTrans2D1">
+    <dgm:fillClrLst>
+      <a:schemeClr val="accent5"/>
+      <a:schemeClr val="accent6"/>
+    </dgm:fillClrLst>
+    <dgm:linClrLst meth="repeat">
+      <a:schemeClr val="lt1"/>
+    </dgm:linClrLst>
+    <dgm:effectClrLst/>
+    <dgm:txLinClrLst/>
+    <dgm:txFillClrLst/>
+    <dgm:txEffectClrLst/>
+  </dgm:styleLbl>
+  <dgm:styleLbl name="fgSibTrans2D1">
+    <dgm:fillClrLst>
+      <a:schemeClr val="accent5"/>
+      <a:schemeClr val="accent6"/>
+    </dgm:fillClrLst>
+    <dgm:linClrLst meth="repeat">
+      <a:schemeClr val="lt1"/>
+    </dgm:linClrLst>
+    <dgm:effectClrLst/>
+    <dgm:txLinClrLst/>
+    <dgm:txFillClrLst meth="repeat">
+      <a:schemeClr val="lt1"/>
+    </dgm:txFillClrLst>
+    <dgm:txEffectClrLst/>
+  </dgm:styleLbl>
+  <dgm:styleLbl name="bgSibTrans2D1">
+    <dgm:fillClrLst>
+      <a:schemeClr val="accent5"/>
+      <a:schemeClr val="accent6"/>
+    </dgm:fillClrLst>
+    <dgm:linClrLst meth="repeat">
+      <a:schemeClr val="lt1"/>
+    </dgm:linClrLst>
+    <dgm:effectClrLst/>
+    <dgm:txLinClrLst/>
+    <dgm:txFillClrLst meth="repeat">
+      <a:schemeClr val="lt1"/>
+    </dgm:txFillClrLst>
+    <dgm:txEffectClrLst/>
+  </dgm:styleLbl>
+  <dgm:styleLbl name="sibTrans1D1">
+    <dgm:fillClrLst/>
+    <dgm:linClrLst>
+      <a:schemeClr val="accent5"/>
+      <a:schemeClr val="accent6"/>
+    </dgm:linClrLst>
+    <dgm:effectClrLst/>
+    <dgm:txLinClrLst/>
+    <dgm:txFillClrLst meth="repeat">
+      <a:schemeClr val="tx1"/>
+    </dgm:txFillClrLst>
+    <dgm:txEffectClrLst/>
+  </dgm:styleLbl>
+  <dgm:styleLbl name="callout">
+    <dgm:fillClrLst meth="repeat">
+      <a:schemeClr val="accent5"/>
+    </dgm:fillClrLst>
+    <dgm:linClrLst meth="repeat">
+      <a:schemeClr val="accent5">
+        <a:tint val="50000"/>
+      </a:schemeClr>
+    </dgm:linClrLst>
+    <dgm:effectClrLst/>
+    <dgm:txLinClrLst/>
+    <dgm:txFillClrLst meth="repeat">
+      <a:schemeClr val="tx1"/>
+    </dgm:txFillClrLst>
+    <dgm:txEffectClrLst/>
+  </dgm:styleLbl>
+  <dgm:styleLbl name="asst0">
+    <dgm:fillClrLst meth="repeat">
+      <a:schemeClr val="accent5"/>
+    </dgm:fillClrLst>
+    <dgm:linClrLst meth="repeat">
+      <a:schemeClr val="lt1">
+        <a:shade val="80000"/>
+      </a:schemeClr>
+    </dgm:linClrLst>
+    <dgm:effectClrLst/>
+    <dgm:txLinClrLst/>
+    <dgm:txFillClrLst/>
+    <dgm:txEffectClrLst/>
+  </dgm:styleLbl>
+  <dgm:styleLbl name="asst1">
+    <dgm:fillClrLst meth="repeat">
+      <a:schemeClr val="accent6"/>
+    </dgm:fillClrLst>
+    <dgm:linClrLst meth="repeat">
+      <a:schemeClr val="lt1">
+        <a:shade val="80000"/>
+      </a:schemeClr>
+    </dgm:linClrLst>
+    <dgm:effectClrLst/>
+    <dgm:txLinClrLst/>
+    <dgm:txFillClrLst/>
+    <dgm:txEffectClrLst/>
+  </dgm:styleLbl>
+  <dgm:styleLbl name="asst2">
+    <dgm:fillClrLst>
+      <a:schemeClr val="accent1"/>
+    </dgm:fillClrLst>
+    <dgm:linClrLst meth="repeat">
+      <a:schemeClr val="lt1"/>
+    </dgm:linClrLst>
+    <dgm:effectClrLst/>
+    <dgm:txLinClrLst/>
+    <dgm:txFillClrLst/>
+    <dgm:txEffectClrLst/>
+  </dgm:styleLbl>
+  <dgm:styleLbl name="asst3">
+    <dgm:fillClrLst>
+      <a:schemeClr val="accent2"/>
+    </dgm:fillClrLst>
+    <dgm:linClrLst meth="repeat">
+      <a:schemeClr val="lt1"/>
+    </dgm:linClrLst>
+    <dgm:effectClrLst/>
+    <dgm:txLinClrLst/>
+    <dgm:txFillClrLst/>
+    <dgm:txEffectClrLst/>
+  </dgm:styleLbl>
+  <dgm:styleLbl name="asst4">
+    <dgm:fillClrLst>
+      <a:schemeClr val="accent3"/>
+    </dgm:fillClrLst>
+    <dgm:linClrLst meth="repeat">
+      <a:schemeClr val="lt1"/>
+    </dgm:linClrLst>
+    <dgm:effectClrLst/>
+    <dgm:txLinClrLst/>
+    <dgm:txFillClrLst/>
+    <dgm:txEffectClrLst/>
+  </dgm:styleLbl>
+  <dgm:styleLbl name="parChTrans2D1">
+    <dgm:fillClrLst meth="repeat">
+      <a:schemeClr val="accent5"/>
+    </dgm:fillClrLst>
+    <dgm:linClrLst meth="repeat">
+      <a:schemeClr val="lt1"/>
+    </dgm:linClrLst>
+    <dgm:effectClrLst/>
+    <dgm:txLinClrLst/>
+    <dgm:txFillClrLst meth="repeat">
+      <a:schemeClr val="lt1"/>
+    </dgm:txFillClrLst>
+    <dgm:txEffectClrLst/>
+  </dgm:styleLbl>
+  <dgm:styleLbl name="parChTrans2D2">
+    <dgm:fillClrLst meth="repeat">
+      <a:schemeClr val="accent6"/>
+    </dgm:fillClrLst>
+    <dgm:linClrLst meth="repeat">
+      <a:schemeClr val="lt1"/>
+    </dgm:linClrLst>
+    <dgm:effectClrLst/>
+    <dgm:txLinClrLst/>
+    <dgm:txFillClrLst/>
+    <dgm:txEffectClrLst/>
+  </dgm:styleLbl>
+  <dgm:styleLbl name="parChTrans2D3">
+    <dgm:fillClrLst meth="repeat">
+      <a:schemeClr val="accent6"/>
+    </dgm:fillClrLst>
+    <dgm:linClrLst meth="repeat">
+      <a:schemeClr val="lt1"/>
+    </dgm:linClrLst>
+    <dgm:effectClrLst/>
+    <dgm:txLinClrLst/>
+    <dgm:txFillClrLst/>
+    <dgm:txEffectClrLst/>
+  </dgm:styleLbl>
+  <dgm:styleLbl name="parChTrans2D4">
+    <dgm:fillClrLst meth="repeat">
+      <a:schemeClr val="accent1"/>
+    </dgm:fillClrLst>
+    <dgm:linClrLst meth="repeat">
+      <a:schemeClr val="lt1"/>
+    </dgm:linClrLst>
+    <dgm:effectClrLst/>
+    <dgm:txLinClrLst/>
+    <dgm:txFillClrLst meth="repeat">
+      <a:schemeClr val="lt1"/>
+    </dgm:txFillClrLst>
+    <dgm:txEffectClrLst/>
+  </dgm:styleLbl>
+  <dgm:styleLbl name="parChTrans1D1">
+    <dgm:fillClrLst meth="repeat">
+      <a:schemeClr val="accent5"/>
+    </dgm:fillClrLst>
+    <dgm:linClrLst meth="repeat">
+      <a:schemeClr val="accent5"/>
+    </dgm:linClrLst>
+    <dgm:effectClrLst/>
+    <dgm:txLinClrLst/>
+    <dgm:txFillClrLst meth="repeat">
+      <a:schemeClr val="tx1"/>
+    </dgm:txFillClrLst>
+    <dgm:txEffectClrLst/>
+  </dgm:styleLbl>
+  <dgm:styleLbl name="parChTrans1D2">
+    <dgm:fillClrLst meth="repeat">
+      <a:schemeClr val="accent6">
+        <a:tint val="90000"/>
+      </a:schemeClr>
+    </dgm:fillClrLst>
+    <dgm:linClrLst meth="repeat">
+      <a:schemeClr val="accent6"/>
+    </dgm:linClrLst>
+    <dgm:effectClrLst/>
+    <dgm:txLinClrLst/>
+    <dgm:txFillClrLst meth="repeat">
+      <a:schemeClr val="tx1"/>
+    </dgm:txFillClrLst>
+    <dgm:txEffectClrLst/>
+  </dgm:styleLbl>
+  <dgm:styleLbl name="parChTrans1D3">
+    <dgm:fillClrLst meth="repeat">
+      <a:schemeClr val="accent6">
+        <a:tint val="70000"/>
+      </a:schemeClr>
+    </dgm:fillClrLst>
+    <dgm:linClrLst meth="repeat">
+      <a:schemeClr val="accent1"/>
+    </dgm:linClrLst>
+    <dgm:effectClrLst/>
+    <dgm:txLinClrLst/>
+    <dgm:txFillClrLst meth="repeat">
+      <a:schemeClr val="tx1"/>
+    </dgm:txFillClrLst>
+    <dgm:txEffectClrLst/>
+  </dgm:styleLbl>
+  <dgm:styleLbl name="parChTrans1D4">
+    <dgm:fillClrLst meth="repeat">
+      <a:schemeClr val="accent6">
+        <a:tint val="50000"/>
+      </a:schemeClr>
+    </dgm:fillClrLst>
+    <dgm:linClrLst meth="repeat">
+      <a:schemeClr val="accent2"/>
+    </dgm:linClrLst>
+    <dgm:effectClrLst/>
+    <dgm:txLinClrLst/>
+    <dgm:txFillClrLst meth="repeat">
+      <a:schemeClr val="tx1"/>
+    </dgm:txFillClrLst>
+    <dgm:txEffectClrLst/>
+  </dgm:styleLbl>
+  <dgm:styleLbl name="fgAcc1">
+    <dgm:fillClrLst meth="repeat">
+      <a:schemeClr val="lt1">
+        <a:alpha val="90000"/>
+      </a:schemeClr>
+    </dgm:fillClrLst>
+    <dgm:linClrLst>
+      <a:schemeClr val="accent5"/>
+      <a:schemeClr val="accent6"/>
+    </dgm:linClrLst>
+    <dgm:effectClrLst/>
+    <dgm:txLinClrLst/>
+    <dgm:txFillClrLst meth="repeat">
+      <a:schemeClr val="dk1"/>
+    </dgm:txFillClrLst>
+    <dgm:txEffectClrLst/>
+  </dgm:styleLbl>
+  <dgm:styleLbl name="conFgAcc1">
+    <dgm:fillClrLst meth="repeat">
+      <a:schemeClr val="lt1">
+        <a:alpha val="90000"/>
+      </a:schemeClr>
+    </dgm:fillClrLst>
+    <dgm:linClrLst>
+      <a:schemeClr val="accent5"/>
+      <a:schemeClr val="accent6"/>
+    </dgm:linClrLst>
+    <dgm:effectClrLst/>
+    <dgm:txLinClrLst/>
+    <dgm:txFillClrLst meth="repeat">
+      <a:schemeClr val="dk1"/>
+    </dgm:txFillClrLst>
+    <dgm:txEffectClrLst/>
+  </dgm:styleLbl>
+  <dgm:styleLbl name="alignAcc1">
+    <dgm:fillClrLst meth="repeat">
+      <a:schemeClr val="lt1">
+        <a:alpha val="90000"/>
+      </a:schemeClr>
+    </dgm:fillClrLst>
+    <dgm:linClrLst>
+      <a:schemeClr val="accent5"/>
+      <a:schemeClr val="accent6"/>
+    </dgm:linClrLst>
+    <dgm:effectClrLst/>
+    <dgm:txLinClrLst/>
+    <dgm:txFillClrLst meth="repeat">
+      <a:schemeClr val="dk1"/>
+    </dgm:txFillClrLst>
+    <dgm:txEffectClrLst/>
+  </dgm:styleLbl>
+  <dgm:styleLbl name="trAlignAcc1">
+    <dgm:fillClrLst meth="repeat">
+      <a:schemeClr val="lt1">
+        <a:alpha val="40000"/>
+      </a:schemeClr>
+    </dgm:fillClrLst>
+    <dgm:linClrLst meth="repeat">
+      <a:schemeClr val="accent5"/>
+    </dgm:linClrLst>
+    <dgm:effectClrLst/>
+    <dgm:txLinClrLst/>
+    <dgm:txFillClrLst meth="repeat">
+      <a:schemeClr val="dk1"/>
+    </dgm:txFillClrLst>
+    <dgm:txEffectClrLst/>
+  </dgm:styleLbl>
+  <dgm:styleLbl name="bgAcc1">
+    <dgm:fillClrLst meth="repeat">
+      <a:schemeClr val="lt1">
+        <a:alpha val="90000"/>
+      </a:schemeClr>
+    </dgm:fillClrLst>
+    <dgm:linClrLst>
+      <a:schemeClr val="accent5"/>
+      <a:schemeClr val="accent6"/>
+    </dgm:linClrLst>
+    <dgm:effectClrLst/>
+    <dgm:txLinClrLst/>
+    <dgm:txFillClrLst meth="repeat">
+      <a:schemeClr val="dk1"/>
+    </dgm:txFillClrLst>
+    <dgm:txEffectClrLst/>
+  </dgm:styleLbl>
+  <dgm:styleLbl name="solidFgAcc1">
+    <dgm:fillClrLst meth="repeat">
+      <a:schemeClr val="lt1"/>
+    </dgm:fillClrLst>
+    <dgm:linClrLst>
+      <a:schemeClr val="accent5"/>
+      <a:schemeClr val="accent6"/>
+    </dgm:linClrLst>
+    <dgm:effectClrLst/>
+    <dgm:txLinClrLst/>
+    <dgm:txFillClrLst meth="repeat">
+      <a:schemeClr val="dk1"/>
+    </dgm:txFillClrLst>
+    <dgm:txEffectClrLst/>
+  </dgm:styleLbl>
+  <dgm:styleLbl name="solidAlignAcc1">
+    <dgm:fillClrLst meth="repeat">
+      <a:schemeClr val="lt1"/>
+    </dgm:fillClrLst>
+    <dgm:linClrLst>
+      <a:schemeClr val="accent5"/>
+      <a:schemeClr val="accent6"/>
+    </dgm:linClrLst>
+    <dgm:effectClrLst/>
+    <dgm:txLinClrLst/>
+    <dgm:txFillClrLst meth="repeat">
+      <a:schemeClr val="dk1"/>
+    </dgm:txFillClrLst>
+    <dgm:txEffectClrLst/>
+  </dgm:styleLbl>
+  <dgm:styleLbl name="solidBgAcc1">
+    <dgm:fillClrLst meth="repeat">
+      <a:schemeClr val="lt1"/>
+    </dgm:fillClrLst>
+    <dgm:linClrLst>
+      <a:schemeClr val="accent5"/>
+      <a:schemeClr val="accent6"/>
+    </dgm:linClrLst>
+    <dgm:effectClrLst/>
+    <dgm:txLinClrLst/>
+    <dgm:txFillClrLst meth="repeat">
+      <a:schemeClr val="dk1"/>
+    </dgm:txFillClrLst>
+    <dgm:txEffectClrLst/>
+  </dgm:styleLbl>
+  <dgm:styleLbl name="fgAccFollowNode1">
+    <dgm:fillClrLst>
+      <a:schemeClr val="accent5">
+        <a:tint val="40000"/>
+        <a:alpha val="90000"/>
+      </a:schemeClr>
+      <a:schemeClr val="accent6">
+        <a:tint val="40000"/>
+        <a:alpha val="90000"/>
+      </a:schemeClr>
+    </dgm:fillClrLst>
+    <dgm:linClrLst>
+      <a:schemeClr val="accent5">
+        <a:tint val="40000"/>
+        <a:alpha val="90000"/>
+      </a:schemeClr>
+      <a:schemeClr val="accent5">
+        <a:tint val="40000"/>
+        <a:alpha val="90000"/>
+      </a:schemeClr>
+    </dgm:linClrLst>
+    <dgm:effectClrLst/>
+    <dgm:txLinClrLst/>
+    <dgm:txFillClrLst meth="repeat">
+      <a:schemeClr val="dk1"/>
+    </dgm:txFillClrLst>
+    <dgm:txEffectClrLst/>
+  </dgm:styleLbl>
+  <dgm:styleLbl name="alignAccFollowNode1">
+    <dgm:fillClrLst>
+      <a:schemeClr val="accent5">
+        <a:tint val="40000"/>
+        <a:alpha val="90000"/>
+      </a:schemeClr>
+      <a:schemeClr val="accent6">
+        <a:tint val="40000"/>
+        <a:alpha val="90000"/>
+      </a:schemeClr>
+    </dgm:fillClrLst>
+    <dgm:linClrLst>
+      <a:schemeClr val="accent5">
+        <a:tint val="40000"/>
+        <a:alpha val="90000"/>
+      </a:schemeClr>
+      <a:schemeClr val="accent6">
+        <a:tint val="40000"/>
+        <a:alpha val="90000"/>
+      </a:schemeClr>
+    </dgm:linClrLst>
+    <dgm:effectClrLst/>
+    <dgm:txLinClrLst/>
+    <dgm:txFillClrLst meth="repeat">
+      <a:schemeClr val="dk1"/>
+    </dgm:txFillClrLst>
+    <dgm:txEffectClrLst/>
+  </dgm:styleLbl>
+  <dgm:styleLbl name="bgAccFollowNode1">
+    <dgm:fillClrLst>
+      <a:schemeClr val="accent5">
+        <a:tint val="40000"/>
+        <a:alpha val="90000"/>
+      </a:schemeClr>
+      <a:schemeClr val="accent6">
+        <a:tint val="40000"/>
+        <a:alpha val="90000"/>
+      </a:schemeClr>
+    </dgm:fillClrLst>
+    <dgm:linClrLst>
+      <a:schemeClr val="accent5">
+        <a:tint val="40000"/>
+        <a:alpha val="90000"/>
+      </a:schemeClr>
+      <a:schemeClr val="accent6">
+        <a:tint val="40000"/>
+        <a:alpha val="90000"/>
+      </a:schemeClr>
+    </dgm:linClrLst>
+    <dgm:effectClrLst/>
+    <dgm:txLinClrLst/>
+    <dgm:txFillClrLst meth="repeat">
+      <a:schemeClr val="dk1"/>
+    </dgm:txFillClrLst>
+    <dgm:txEffectClrLst/>
+  </dgm:styleLbl>
+  <dgm:styleLbl name="fgAcc0">
+    <dgm:fillClrLst meth="repeat">
+      <a:schemeClr val="lt1">
+        <a:alpha val="90000"/>
+      </a:schemeClr>
+    </dgm:fillClrLst>
+    <dgm:linClrLst>
+      <a:schemeClr val="accent4"/>
+    </dgm:linClrLst>
+    <dgm:effectClrLst/>
+    <dgm:txLinClrLst/>
+    <dgm:txFillClrLst meth="repeat">
+      <a:schemeClr val="dk1"/>
+    </dgm:txFillClrLst>
+    <dgm:txEffectClrLst/>
+  </dgm:styleLbl>
+  <dgm:styleLbl name="fgAcc2">
+    <dgm:fillClrLst meth="repeat">
+      <a:schemeClr val="lt1">
+        <a:alpha val="90000"/>
+      </a:schemeClr>
+    </dgm:fillClrLst>
+    <dgm:linClrLst>
+      <a:schemeClr val="accent6"/>
+    </dgm:linClrLst>
+    <dgm:effectClrLst/>
+    <dgm:txLinClrLst/>
+    <dgm:txFillClrLst meth="repeat">
+      <a:schemeClr val="dk1"/>
+    </dgm:txFillClrLst>
+    <dgm:txEffectClrLst/>
+  </dgm:styleLbl>
+  <dgm:styleLbl name="fgAcc3">
+    <dgm:fillClrLst meth="repeat">
+      <a:schemeClr val="lt1">
+        <a:alpha val="90000"/>
+      </a:schemeClr>
+    </dgm:fillClrLst>
+    <dgm:linClrLst>
+      <a:schemeClr val="accent1"/>
+    </dgm:linClrLst>
+    <dgm:effectClrLst/>
+    <dgm:txLinClrLst/>
+    <dgm:txFillClrLst meth="repeat">
+      <a:schemeClr val="dk1"/>
+    </dgm:txFillClrLst>
+    <dgm:txEffectClrLst/>
+  </dgm:styleLbl>
+  <dgm:styleLbl name="fgAcc4">
+    <dgm:fillClrLst meth="repeat">
+      <a:schemeClr val="lt1">
+        <a:alpha val="90000"/>
+      </a:schemeClr>
+    </dgm:fillClrLst>
+    <dgm:linClrLst>
+      <a:schemeClr val="accent2"/>
+    </dgm:linClrLst>
+    <dgm:effectClrLst/>
+    <dgm:txLinClrLst/>
+    <dgm:txFillClrLst meth="repeat">
+      <a:schemeClr val="dk1"/>
+    </dgm:txFillClrLst>
+    <dgm:txEffectClrLst/>
+  </dgm:styleLbl>
+  <dgm:styleLbl name="bgShp">
+    <dgm:fillClrLst meth="repeat">
+      <a:schemeClr val="accent5">
+        <a:tint val="40000"/>
+      </a:schemeClr>
+    </dgm:fillClrLst>
+    <dgm:linClrLst meth="repeat">
+      <a:schemeClr val="dk1"/>
+    </dgm:linClrLst>
+    <dgm:effectClrLst/>
+    <dgm:txLinClrLst/>
+    <dgm:txFillClrLst meth="repeat">
+      <a:schemeClr val="dk1"/>
+    </dgm:txFillClrLst>
+    <dgm:txEffectClrLst/>
+  </dgm:styleLbl>
+  <dgm:styleLbl name="dkBgShp">
+    <dgm:fillClrLst meth="repeat">
+      <a:schemeClr val="accent5">
+        <a:shade val="90000"/>
+      </a:schemeClr>
+    </dgm:fillClrLst>
+    <dgm:linClrLst meth="repeat">
+      <a:schemeClr val="dk1"/>
+    </dgm:linClrLst>
+    <dgm:effectClrLst/>
+    <dgm:txLinClrLst/>
+    <dgm:txFillClrLst meth="repeat">
+      <a:schemeClr val="lt1"/>
+    </dgm:txFillClrLst>
+    <dgm:txEffectClrLst/>
+  </dgm:styleLbl>
+  <dgm:styleLbl name="trBgShp">
+    <dgm:fillClrLst meth="repeat">
+      <a:schemeClr val="accent5">
+        <a:tint val="50000"/>
+        <a:alpha val="40000"/>
+      </a:schemeClr>
+    </dgm:fillClrLst>
+    <dgm:linClrLst meth="repeat">
+      <a:schemeClr val="accent5"/>
+    </dgm:linClrLst>
+    <dgm:effectClrLst/>
+    <dgm:txLinClrLst/>
+    <dgm:txFillClrLst meth="repeat">
+      <a:schemeClr val="lt1"/>
+    </dgm:txFillClrLst>
+    <dgm:txEffectClrLst/>
+  </dgm:styleLbl>
+  <dgm:styleLbl name="fgShp">
+    <dgm:fillClrLst meth="repeat">
+      <a:schemeClr val="accent5">
+        <a:tint val="40000"/>
+      </a:schemeClr>
+    </dgm:fillClrLst>
+    <dgm:linClrLst meth="repeat">
+      <a:schemeClr val="lt1"/>
+    </dgm:linClrLst>
+    <dgm:effectClrLst/>
+    <dgm:txLinClrLst/>
+    <dgm:txFillClrLst meth="repeat">
+      <a:schemeClr val="dk1"/>
+    </dgm:txFillClrLst>
+    <dgm:txEffectClrLst/>
+  </dgm:styleLbl>
+  <dgm:styleLbl name="revTx">
+    <dgm:fillClrLst meth="repeat">
+      <a:schemeClr val="lt1">
+        <a:alpha val="0"/>
+      </a:schemeClr>
+    </dgm:fillClrLst>
+    <dgm:linClrLst meth="repeat">
+      <a:schemeClr val="dk1">
+        <a:alpha val="0"/>
+      </a:schemeClr>
+    </dgm:linClrLst>
+    <dgm:effectClrLst/>
+    <dgm:txLinClrLst/>
+    <dgm:txFillClrLst meth="repeat">
+      <a:schemeClr val="tx1"/>
+    </dgm:txFillClrLst>
+    <dgm:txEffectClrLst/>
+  </dgm:styleLbl>
+</dgm:colorsDef>
+</file>
+
+<file path=ppt/diagrams/data1.xml><?xml version="1.0" encoding="utf-8"?>
+<dgm:dataModel xmlns:dgm="http://schemas.openxmlformats.org/drawingml/2006/diagram" xmlns:a="http://schemas.openxmlformats.org/drawingml/2006/main">
+  <dgm:ptLst>
+    <dgm:pt modelId="{16E361CC-F518-4188-A6BD-CD46E52BC8BA}" type="doc">
+      <dgm:prSet loTypeId="urn:microsoft.com/office/officeart/2005/8/layout/vList2" loCatId="list" qsTypeId="urn:microsoft.com/office/officeart/2005/8/quickstyle/simple1" qsCatId="simple" csTypeId="urn:microsoft.com/office/officeart/2005/8/colors/colorful5" csCatId="colorful"/>
+      <dgm:spPr/>
+      <dgm:t>
+        <a:bodyPr/>
+        <a:lstStyle/>
+        <a:p>
+          <a:endParaRPr lang="en-US"/>
+        </a:p>
+      </dgm:t>
+    </dgm:pt>
+    <dgm:pt modelId="{1FB5C92B-EACF-4AE3-B48A-8AF2BC3A0526}">
+      <dgm:prSet/>
+      <dgm:spPr/>
+      <dgm:t>
+        <a:bodyPr/>
+        <a:lstStyle/>
+        <a:p>
+          <a:r>
+            <a:rPr lang="fr-FR"/>
+            <a:t>Répartition des tâches………………………………………………………………………………………… 3</a:t>
+          </a:r>
+          <a:endParaRPr lang="en-US"/>
+        </a:p>
+      </dgm:t>
+    </dgm:pt>
+    <dgm:pt modelId="{5533C665-445D-40E7-B535-DB78EDA69273}" type="parTrans" cxnId="{50DE5D53-853E-46FA-8968-F5425935612C}">
+      <dgm:prSet/>
+      <dgm:spPr/>
+      <dgm:t>
+        <a:bodyPr/>
+        <a:lstStyle/>
+        <a:p>
+          <a:endParaRPr lang="en-US"/>
+        </a:p>
+      </dgm:t>
+    </dgm:pt>
+    <dgm:pt modelId="{B0AA9EC7-C67C-4E03-ADC1-512BC2FDB4CC}" type="sibTrans" cxnId="{50DE5D53-853E-46FA-8968-F5425935612C}">
+      <dgm:prSet/>
+      <dgm:spPr/>
+      <dgm:t>
+        <a:bodyPr/>
+        <a:lstStyle/>
+        <a:p>
+          <a:endParaRPr lang="en-US"/>
+        </a:p>
+      </dgm:t>
+    </dgm:pt>
+    <dgm:pt modelId="{FF56ECC8-DA3D-459D-BA8A-4DFB784B042B}">
+      <dgm:prSet/>
+      <dgm:spPr/>
+      <dgm:t>
+        <a:bodyPr/>
+        <a:lstStyle/>
+        <a:p>
+          <a:r>
+            <a:rPr lang="fr-FR"/>
+            <a:t>Diagramme de classe……………………………………………………………………………………………4</a:t>
+          </a:r>
+          <a:endParaRPr lang="en-US"/>
+        </a:p>
+      </dgm:t>
+    </dgm:pt>
+    <dgm:pt modelId="{2420063D-F56C-45CD-A4A3-6420B73283E9}" type="parTrans" cxnId="{7C5B3BE5-1312-4658-8050-1F64FD5492F7}">
+      <dgm:prSet/>
+      <dgm:spPr/>
+      <dgm:t>
+        <a:bodyPr/>
+        <a:lstStyle/>
+        <a:p>
+          <a:endParaRPr lang="en-US"/>
+        </a:p>
+      </dgm:t>
+    </dgm:pt>
+    <dgm:pt modelId="{6FC229F6-8763-439F-B2C2-7A1E135A8A94}" type="sibTrans" cxnId="{7C5B3BE5-1312-4658-8050-1F64FD5492F7}">
+      <dgm:prSet/>
+      <dgm:spPr/>
+      <dgm:t>
+        <a:bodyPr/>
+        <a:lstStyle/>
+        <a:p>
+          <a:endParaRPr lang="en-US"/>
+        </a:p>
+      </dgm:t>
+    </dgm:pt>
+    <dgm:pt modelId="{3B76B0A8-DAAB-4AA9-A486-C5C916328383}">
+      <dgm:prSet/>
+      <dgm:spPr/>
+      <dgm:t>
+        <a:bodyPr/>
+        <a:lstStyle/>
+        <a:p>
+          <a:r>
+            <a:rPr lang="fr-FR"/>
+            <a:t>Design de la maquette………………………………………………………………………………………….8</a:t>
+          </a:r>
+          <a:endParaRPr lang="en-US"/>
+        </a:p>
+      </dgm:t>
+    </dgm:pt>
+    <dgm:pt modelId="{D739D26B-D135-4D06-B2FD-EE87ADD1DA6B}" type="parTrans" cxnId="{51FD863B-4F81-4ACE-A860-6446BAEBE8E2}">
+      <dgm:prSet/>
+      <dgm:spPr/>
+      <dgm:t>
+        <a:bodyPr/>
+        <a:lstStyle/>
+        <a:p>
+          <a:endParaRPr lang="en-US"/>
+        </a:p>
+      </dgm:t>
+    </dgm:pt>
+    <dgm:pt modelId="{77AE1C32-8184-46D5-823C-67434C62B0A0}" type="sibTrans" cxnId="{51FD863B-4F81-4ACE-A860-6446BAEBE8E2}">
+      <dgm:prSet/>
+      <dgm:spPr/>
+      <dgm:t>
+        <a:bodyPr/>
+        <a:lstStyle/>
+        <a:p>
+          <a:endParaRPr lang="en-US"/>
+        </a:p>
+      </dgm:t>
+    </dgm:pt>
+    <dgm:pt modelId="{4684B0E4-E236-4995-BCEF-396E6711417E}">
+      <dgm:prSet/>
+      <dgm:spPr/>
+      <dgm:t>
+        <a:bodyPr/>
+        <a:lstStyle/>
+        <a:p>
+          <a:r>
+            <a:rPr lang="fr-FR"/>
+            <a:t>Versionning GIT……………………………………………………………………………………………………12</a:t>
+          </a:r>
+          <a:endParaRPr lang="en-US"/>
+        </a:p>
+      </dgm:t>
+    </dgm:pt>
+    <dgm:pt modelId="{1AFB9457-E5FD-4644-A723-266390D4BA8E}" type="parTrans" cxnId="{BB37464E-AAEB-441B-83DA-950BA0C6A557}">
+      <dgm:prSet/>
+      <dgm:spPr/>
+      <dgm:t>
+        <a:bodyPr/>
+        <a:lstStyle/>
+        <a:p>
+          <a:endParaRPr lang="en-US"/>
+        </a:p>
+      </dgm:t>
+    </dgm:pt>
+    <dgm:pt modelId="{620DE56A-102E-4A6C-93F4-DC67110A78B0}" type="sibTrans" cxnId="{BB37464E-AAEB-441B-83DA-950BA0C6A557}">
+      <dgm:prSet/>
+      <dgm:spPr/>
+      <dgm:t>
+        <a:bodyPr/>
+        <a:lstStyle/>
+        <a:p>
+          <a:endParaRPr lang="en-US"/>
+        </a:p>
+      </dgm:t>
+    </dgm:pt>
+    <dgm:pt modelId="{BA43D8F5-C130-43C2-8877-E4917499F757}">
+      <dgm:prSet/>
+      <dgm:spPr/>
+      <dgm:t>
+        <a:bodyPr/>
+        <a:lstStyle/>
+        <a:p>
+          <a:r>
+            <a:rPr lang="fr-FR"/>
+            <a:t>Bilan individuel…………………………………………………………………………………………………….13</a:t>
+          </a:r>
+          <a:endParaRPr lang="en-US"/>
+        </a:p>
+      </dgm:t>
+    </dgm:pt>
+    <dgm:pt modelId="{360BC262-8E86-486E-9DC6-0D6696F14766}" type="parTrans" cxnId="{30067D84-BF1A-4CA7-BF79-EAE3A9092850}">
+      <dgm:prSet/>
+      <dgm:spPr/>
+      <dgm:t>
+        <a:bodyPr/>
+        <a:lstStyle/>
+        <a:p>
+          <a:endParaRPr lang="en-US"/>
+        </a:p>
+      </dgm:t>
+    </dgm:pt>
+    <dgm:pt modelId="{C2B8930C-5B3E-4A69-8754-106990728A9C}" type="sibTrans" cxnId="{30067D84-BF1A-4CA7-BF79-EAE3A9092850}">
+      <dgm:prSet/>
+      <dgm:spPr/>
+      <dgm:t>
+        <a:bodyPr/>
+        <a:lstStyle/>
+        <a:p>
+          <a:endParaRPr lang="en-US"/>
+        </a:p>
+      </dgm:t>
+    </dgm:pt>
+    <dgm:pt modelId="{91A60B61-5DB4-4F40-A998-8904A9A29CB0}">
+      <dgm:prSet/>
+      <dgm:spPr/>
+      <dgm:t>
+        <a:bodyPr/>
+        <a:lstStyle/>
+        <a:p>
+          <a:r>
+            <a:rPr lang="fr-FR"/>
+            <a:t>Bilan collectif……………………………………………………………………………………………………….14</a:t>
+          </a:r>
+          <a:endParaRPr lang="en-US"/>
+        </a:p>
+      </dgm:t>
+    </dgm:pt>
+    <dgm:pt modelId="{9B899ECA-7D68-402B-9644-03F86331F85D}" type="parTrans" cxnId="{F003BFDA-151B-463F-978A-958C384B5D74}">
+      <dgm:prSet/>
+      <dgm:spPr/>
+      <dgm:t>
+        <a:bodyPr/>
+        <a:lstStyle/>
+        <a:p>
+          <a:endParaRPr lang="en-US"/>
+        </a:p>
+      </dgm:t>
+    </dgm:pt>
+    <dgm:pt modelId="{3D9E0710-FFB0-44C7-8096-DB945573918F}" type="sibTrans" cxnId="{F003BFDA-151B-463F-978A-958C384B5D74}">
+      <dgm:prSet/>
+      <dgm:spPr/>
+      <dgm:t>
+        <a:bodyPr/>
+        <a:lstStyle/>
+        <a:p>
+          <a:endParaRPr lang="en-US"/>
+        </a:p>
+      </dgm:t>
+    </dgm:pt>
+    <dgm:pt modelId="{22924839-BA9A-49B4-B0E9-E7B81BEC600A}">
+      <dgm:prSet/>
+      <dgm:spPr/>
+      <dgm:t>
+        <a:bodyPr/>
+        <a:lstStyle/>
+        <a:p>
+          <a:r>
+            <a:rPr lang="fr-FR"/>
+            <a:t>Sources…………………………………………………………………………………………………………………15</a:t>
+          </a:r>
+          <a:endParaRPr lang="en-US"/>
+        </a:p>
+      </dgm:t>
+    </dgm:pt>
+    <dgm:pt modelId="{8C69AEC9-75D8-4C39-8AAA-3E27BF56B569}" type="parTrans" cxnId="{6458A127-255B-4587-822D-1EA3DF47660F}">
+      <dgm:prSet/>
+      <dgm:spPr/>
+      <dgm:t>
+        <a:bodyPr/>
+        <a:lstStyle/>
+        <a:p>
+          <a:endParaRPr lang="en-US"/>
+        </a:p>
+      </dgm:t>
+    </dgm:pt>
+    <dgm:pt modelId="{8CF5F62E-B927-4A28-AEFB-D0ABE8F75D64}" type="sibTrans" cxnId="{6458A127-255B-4587-822D-1EA3DF47660F}">
+      <dgm:prSet/>
+      <dgm:spPr/>
+      <dgm:t>
+        <a:bodyPr/>
+        <a:lstStyle/>
+        <a:p>
+          <a:endParaRPr lang="en-US"/>
+        </a:p>
+      </dgm:t>
+    </dgm:pt>
+    <dgm:pt modelId="{C7F8AC67-5F91-430E-8D9C-9CF36730F1D5}" type="pres">
+      <dgm:prSet presAssocID="{16E361CC-F518-4188-A6BD-CD46E52BC8BA}" presName="linear" presStyleCnt="0">
+        <dgm:presLayoutVars>
+          <dgm:animLvl val="lvl"/>
+          <dgm:resizeHandles val="exact"/>
+        </dgm:presLayoutVars>
+      </dgm:prSet>
+      <dgm:spPr/>
+    </dgm:pt>
+    <dgm:pt modelId="{ECEDD872-A3AD-455C-A499-29B249F9DFAE}" type="pres">
+      <dgm:prSet presAssocID="{1FB5C92B-EACF-4AE3-B48A-8AF2BC3A0526}" presName="parentText" presStyleLbl="node1" presStyleIdx="0" presStyleCnt="7">
+        <dgm:presLayoutVars>
+          <dgm:chMax val="0"/>
+          <dgm:bulletEnabled val="1"/>
+        </dgm:presLayoutVars>
+      </dgm:prSet>
+      <dgm:spPr/>
+    </dgm:pt>
+    <dgm:pt modelId="{10076648-F257-4ED7-BF85-B79F951838BB}" type="pres">
+      <dgm:prSet presAssocID="{B0AA9EC7-C67C-4E03-ADC1-512BC2FDB4CC}" presName="spacer" presStyleCnt="0"/>
+      <dgm:spPr/>
+    </dgm:pt>
+    <dgm:pt modelId="{55C52258-1F48-4288-BB4F-C401F05722DB}" type="pres">
+      <dgm:prSet presAssocID="{FF56ECC8-DA3D-459D-BA8A-4DFB784B042B}" presName="parentText" presStyleLbl="node1" presStyleIdx="1" presStyleCnt="7">
+        <dgm:presLayoutVars>
+          <dgm:chMax val="0"/>
+          <dgm:bulletEnabled val="1"/>
+        </dgm:presLayoutVars>
+      </dgm:prSet>
+      <dgm:spPr/>
+    </dgm:pt>
+    <dgm:pt modelId="{EB5DA2FB-4E02-4CEB-90AA-D6E957469CDE}" type="pres">
+      <dgm:prSet presAssocID="{6FC229F6-8763-439F-B2C2-7A1E135A8A94}" presName="spacer" presStyleCnt="0"/>
+      <dgm:spPr/>
+    </dgm:pt>
+    <dgm:pt modelId="{71E27676-F01F-40CA-97C6-AF4A018A1771}" type="pres">
+      <dgm:prSet presAssocID="{3B76B0A8-DAAB-4AA9-A486-C5C916328383}" presName="parentText" presStyleLbl="node1" presStyleIdx="2" presStyleCnt="7">
+        <dgm:presLayoutVars>
+          <dgm:chMax val="0"/>
+          <dgm:bulletEnabled val="1"/>
+        </dgm:presLayoutVars>
+      </dgm:prSet>
+      <dgm:spPr/>
+    </dgm:pt>
+    <dgm:pt modelId="{F1433388-A4B1-4135-B6F5-4271BB56DD68}" type="pres">
+      <dgm:prSet presAssocID="{77AE1C32-8184-46D5-823C-67434C62B0A0}" presName="spacer" presStyleCnt="0"/>
+      <dgm:spPr/>
+    </dgm:pt>
+    <dgm:pt modelId="{9CBA2E9B-3FDD-4272-ACC4-058B56C9EBFC}" type="pres">
+      <dgm:prSet presAssocID="{4684B0E4-E236-4995-BCEF-396E6711417E}" presName="parentText" presStyleLbl="node1" presStyleIdx="3" presStyleCnt="7">
+        <dgm:presLayoutVars>
+          <dgm:chMax val="0"/>
+          <dgm:bulletEnabled val="1"/>
+        </dgm:presLayoutVars>
+      </dgm:prSet>
+      <dgm:spPr/>
+    </dgm:pt>
+    <dgm:pt modelId="{B182EB72-B8EC-4AF0-BCF9-3B47FD0864C4}" type="pres">
+      <dgm:prSet presAssocID="{620DE56A-102E-4A6C-93F4-DC67110A78B0}" presName="spacer" presStyleCnt="0"/>
+      <dgm:spPr/>
+    </dgm:pt>
+    <dgm:pt modelId="{B0C00B5A-CA1E-46C0-8846-DD87A6C6DFFA}" type="pres">
+      <dgm:prSet presAssocID="{BA43D8F5-C130-43C2-8877-E4917499F757}" presName="parentText" presStyleLbl="node1" presStyleIdx="4" presStyleCnt="7">
+        <dgm:presLayoutVars>
+          <dgm:chMax val="0"/>
+          <dgm:bulletEnabled val="1"/>
+        </dgm:presLayoutVars>
+      </dgm:prSet>
+      <dgm:spPr/>
+    </dgm:pt>
+    <dgm:pt modelId="{A21E9D15-5952-44A7-82BF-33D922B35C56}" type="pres">
+      <dgm:prSet presAssocID="{C2B8930C-5B3E-4A69-8754-106990728A9C}" presName="spacer" presStyleCnt="0"/>
+      <dgm:spPr/>
+    </dgm:pt>
+    <dgm:pt modelId="{E4F09737-0BE9-4DCD-96E5-95A2F8455D51}" type="pres">
+      <dgm:prSet presAssocID="{91A60B61-5DB4-4F40-A998-8904A9A29CB0}" presName="parentText" presStyleLbl="node1" presStyleIdx="5" presStyleCnt="7">
+        <dgm:presLayoutVars>
+          <dgm:chMax val="0"/>
+          <dgm:bulletEnabled val="1"/>
+        </dgm:presLayoutVars>
+      </dgm:prSet>
+      <dgm:spPr/>
+    </dgm:pt>
+    <dgm:pt modelId="{75CAB4A3-0A81-4FD2-85DC-2D7302F5F3B3}" type="pres">
+      <dgm:prSet presAssocID="{3D9E0710-FFB0-44C7-8096-DB945573918F}" presName="spacer" presStyleCnt="0"/>
+      <dgm:spPr/>
+    </dgm:pt>
+    <dgm:pt modelId="{F4A914BA-4F38-4E7F-BCA4-7BE75C649A65}" type="pres">
+      <dgm:prSet presAssocID="{22924839-BA9A-49B4-B0E9-E7B81BEC600A}" presName="parentText" presStyleLbl="node1" presStyleIdx="6" presStyleCnt="7">
+        <dgm:presLayoutVars>
+          <dgm:chMax val="0"/>
+          <dgm:bulletEnabled val="1"/>
+        </dgm:presLayoutVars>
+      </dgm:prSet>
+      <dgm:spPr/>
+    </dgm:pt>
+  </dgm:ptLst>
+  <dgm:cxnLst>
+    <dgm:cxn modelId="{FAEC4F05-1F5B-4BD0-8DCD-D6DAB1831E18}" type="presOf" srcId="{91A60B61-5DB4-4F40-A998-8904A9A29CB0}" destId="{E4F09737-0BE9-4DCD-96E5-95A2F8455D51}" srcOrd="0" destOrd="0" presId="urn:microsoft.com/office/officeart/2005/8/layout/vList2"/>
+    <dgm:cxn modelId="{817B9105-34CA-4A01-9597-DD16BC60F335}" type="presOf" srcId="{3B76B0A8-DAAB-4AA9-A486-C5C916328383}" destId="{71E27676-F01F-40CA-97C6-AF4A018A1771}" srcOrd="0" destOrd="0" presId="urn:microsoft.com/office/officeart/2005/8/layout/vList2"/>
+    <dgm:cxn modelId="{6458A127-255B-4587-822D-1EA3DF47660F}" srcId="{16E361CC-F518-4188-A6BD-CD46E52BC8BA}" destId="{22924839-BA9A-49B4-B0E9-E7B81BEC600A}" srcOrd="6" destOrd="0" parTransId="{8C69AEC9-75D8-4C39-8AAA-3E27BF56B569}" sibTransId="{8CF5F62E-B927-4A28-AEFB-D0ABE8F75D64}"/>
+    <dgm:cxn modelId="{51FD863B-4F81-4ACE-A860-6446BAEBE8E2}" srcId="{16E361CC-F518-4188-A6BD-CD46E52BC8BA}" destId="{3B76B0A8-DAAB-4AA9-A486-C5C916328383}" srcOrd="2" destOrd="0" parTransId="{D739D26B-D135-4D06-B2FD-EE87ADD1DA6B}" sibTransId="{77AE1C32-8184-46D5-823C-67434C62B0A0}"/>
+    <dgm:cxn modelId="{5263A764-BE43-469F-8824-15BC06AE6885}" type="presOf" srcId="{4684B0E4-E236-4995-BCEF-396E6711417E}" destId="{9CBA2E9B-3FDD-4272-ACC4-058B56C9EBFC}" srcOrd="0" destOrd="0" presId="urn:microsoft.com/office/officeart/2005/8/layout/vList2"/>
+    <dgm:cxn modelId="{BB37464E-AAEB-441B-83DA-950BA0C6A557}" srcId="{16E361CC-F518-4188-A6BD-CD46E52BC8BA}" destId="{4684B0E4-E236-4995-BCEF-396E6711417E}" srcOrd="3" destOrd="0" parTransId="{1AFB9457-E5FD-4644-A723-266390D4BA8E}" sibTransId="{620DE56A-102E-4A6C-93F4-DC67110A78B0}"/>
+    <dgm:cxn modelId="{50DE5D53-853E-46FA-8968-F5425935612C}" srcId="{16E361CC-F518-4188-A6BD-CD46E52BC8BA}" destId="{1FB5C92B-EACF-4AE3-B48A-8AF2BC3A0526}" srcOrd="0" destOrd="0" parTransId="{5533C665-445D-40E7-B535-DB78EDA69273}" sibTransId="{B0AA9EC7-C67C-4E03-ADC1-512BC2FDB4CC}"/>
+    <dgm:cxn modelId="{DB4B2376-F98D-42CD-B256-C804BF82A645}" type="presOf" srcId="{BA43D8F5-C130-43C2-8877-E4917499F757}" destId="{B0C00B5A-CA1E-46C0-8846-DD87A6C6DFFA}" srcOrd="0" destOrd="0" presId="urn:microsoft.com/office/officeart/2005/8/layout/vList2"/>
+    <dgm:cxn modelId="{EA2D8457-6C71-4220-B099-05D9245989C8}" type="presOf" srcId="{16E361CC-F518-4188-A6BD-CD46E52BC8BA}" destId="{C7F8AC67-5F91-430E-8D9C-9CF36730F1D5}" srcOrd="0" destOrd="0" presId="urn:microsoft.com/office/officeart/2005/8/layout/vList2"/>
+    <dgm:cxn modelId="{30067D84-BF1A-4CA7-BF79-EAE3A9092850}" srcId="{16E361CC-F518-4188-A6BD-CD46E52BC8BA}" destId="{BA43D8F5-C130-43C2-8877-E4917499F757}" srcOrd="4" destOrd="0" parTransId="{360BC262-8E86-486E-9DC6-0D6696F14766}" sibTransId="{C2B8930C-5B3E-4A69-8754-106990728A9C}"/>
+    <dgm:cxn modelId="{24BC91D1-2317-4717-B1D7-9EDDFB258656}" type="presOf" srcId="{1FB5C92B-EACF-4AE3-B48A-8AF2BC3A0526}" destId="{ECEDD872-A3AD-455C-A499-29B249F9DFAE}" srcOrd="0" destOrd="0" presId="urn:microsoft.com/office/officeart/2005/8/layout/vList2"/>
+    <dgm:cxn modelId="{F003BFDA-151B-463F-978A-958C384B5D74}" srcId="{16E361CC-F518-4188-A6BD-CD46E52BC8BA}" destId="{91A60B61-5DB4-4F40-A998-8904A9A29CB0}" srcOrd="5" destOrd="0" parTransId="{9B899ECA-7D68-402B-9644-03F86331F85D}" sibTransId="{3D9E0710-FFB0-44C7-8096-DB945573918F}"/>
+    <dgm:cxn modelId="{7C5B3BE5-1312-4658-8050-1F64FD5492F7}" srcId="{16E361CC-F518-4188-A6BD-CD46E52BC8BA}" destId="{FF56ECC8-DA3D-459D-BA8A-4DFB784B042B}" srcOrd="1" destOrd="0" parTransId="{2420063D-F56C-45CD-A4A3-6420B73283E9}" sibTransId="{6FC229F6-8763-439F-B2C2-7A1E135A8A94}"/>
+    <dgm:cxn modelId="{4A2DCCE6-C281-4F21-BDAE-BA9B8718B7EC}" type="presOf" srcId="{FF56ECC8-DA3D-459D-BA8A-4DFB784B042B}" destId="{55C52258-1F48-4288-BB4F-C401F05722DB}" srcOrd="0" destOrd="0" presId="urn:microsoft.com/office/officeart/2005/8/layout/vList2"/>
+    <dgm:cxn modelId="{0BA45CFE-DCBC-4974-954B-C06740105AF5}" type="presOf" srcId="{22924839-BA9A-49B4-B0E9-E7B81BEC600A}" destId="{F4A914BA-4F38-4E7F-BCA4-7BE75C649A65}" srcOrd="0" destOrd="0" presId="urn:microsoft.com/office/officeart/2005/8/layout/vList2"/>
+    <dgm:cxn modelId="{CC21694E-DBD3-44F9-A58C-B8E25407A519}" type="presParOf" srcId="{C7F8AC67-5F91-430E-8D9C-9CF36730F1D5}" destId="{ECEDD872-A3AD-455C-A499-29B249F9DFAE}" srcOrd="0" destOrd="0" presId="urn:microsoft.com/office/officeart/2005/8/layout/vList2"/>
+    <dgm:cxn modelId="{7E67EAD7-06B3-4A5D-866F-D1F520800CEB}" type="presParOf" srcId="{C7F8AC67-5F91-430E-8D9C-9CF36730F1D5}" destId="{10076648-F257-4ED7-BF85-B79F951838BB}" srcOrd="1" destOrd="0" presId="urn:microsoft.com/office/officeart/2005/8/layout/vList2"/>
+    <dgm:cxn modelId="{FB87942B-53D0-49D1-A1A7-4EF40EB17224}" type="presParOf" srcId="{C7F8AC67-5F91-430E-8D9C-9CF36730F1D5}" destId="{55C52258-1F48-4288-BB4F-C401F05722DB}" srcOrd="2" destOrd="0" presId="urn:microsoft.com/office/officeart/2005/8/layout/vList2"/>
+    <dgm:cxn modelId="{A5A6857F-D91B-47D7-83B6-64042C48E812}" type="presParOf" srcId="{C7F8AC67-5F91-430E-8D9C-9CF36730F1D5}" destId="{EB5DA2FB-4E02-4CEB-90AA-D6E957469CDE}" srcOrd="3" destOrd="0" presId="urn:microsoft.com/office/officeart/2005/8/layout/vList2"/>
+    <dgm:cxn modelId="{75E92FBE-26A6-472E-AB9D-69255542A15D}" type="presParOf" srcId="{C7F8AC67-5F91-430E-8D9C-9CF36730F1D5}" destId="{71E27676-F01F-40CA-97C6-AF4A018A1771}" srcOrd="4" destOrd="0" presId="urn:microsoft.com/office/officeart/2005/8/layout/vList2"/>
+    <dgm:cxn modelId="{0EFC1B9C-6A04-484E-872C-2408DA301B8B}" type="presParOf" srcId="{C7F8AC67-5F91-430E-8D9C-9CF36730F1D5}" destId="{F1433388-A4B1-4135-B6F5-4271BB56DD68}" srcOrd="5" destOrd="0" presId="urn:microsoft.com/office/officeart/2005/8/layout/vList2"/>
+    <dgm:cxn modelId="{4C8DE176-D311-4468-BA82-7CCB5D99C661}" type="presParOf" srcId="{C7F8AC67-5F91-430E-8D9C-9CF36730F1D5}" destId="{9CBA2E9B-3FDD-4272-ACC4-058B56C9EBFC}" srcOrd="6" destOrd="0" presId="urn:microsoft.com/office/officeart/2005/8/layout/vList2"/>
+    <dgm:cxn modelId="{DE558798-567D-4931-A43D-193C9CA81E06}" type="presParOf" srcId="{C7F8AC67-5F91-430E-8D9C-9CF36730F1D5}" destId="{B182EB72-B8EC-4AF0-BCF9-3B47FD0864C4}" srcOrd="7" destOrd="0" presId="urn:microsoft.com/office/officeart/2005/8/layout/vList2"/>
+    <dgm:cxn modelId="{61435C91-7287-4B4D-BC53-C51800C67FF8}" type="presParOf" srcId="{C7F8AC67-5F91-430E-8D9C-9CF36730F1D5}" destId="{B0C00B5A-CA1E-46C0-8846-DD87A6C6DFFA}" srcOrd="8" destOrd="0" presId="urn:microsoft.com/office/officeart/2005/8/layout/vList2"/>
+    <dgm:cxn modelId="{C5EB67A6-5907-45ED-AEBA-4B1AACB09C9D}" type="presParOf" srcId="{C7F8AC67-5F91-430E-8D9C-9CF36730F1D5}" destId="{A21E9D15-5952-44A7-82BF-33D922B35C56}" srcOrd="9" destOrd="0" presId="urn:microsoft.com/office/officeart/2005/8/layout/vList2"/>
+    <dgm:cxn modelId="{90F03DF3-2430-4897-A660-6A2F3CFAE8DA}" type="presParOf" srcId="{C7F8AC67-5F91-430E-8D9C-9CF36730F1D5}" destId="{E4F09737-0BE9-4DCD-96E5-95A2F8455D51}" srcOrd="10" destOrd="0" presId="urn:microsoft.com/office/officeart/2005/8/layout/vList2"/>
+    <dgm:cxn modelId="{9975E825-A650-474B-957B-BAB7DF4B77C4}" type="presParOf" srcId="{C7F8AC67-5F91-430E-8D9C-9CF36730F1D5}" destId="{75CAB4A3-0A81-4FD2-85DC-2D7302F5F3B3}" srcOrd="11" destOrd="0" presId="urn:microsoft.com/office/officeart/2005/8/layout/vList2"/>
+    <dgm:cxn modelId="{BBF51C20-696B-4CE6-A7EE-21FA30D77994}" type="presParOf" srcId="{C7F8AC67-5F91-430E-8D9C-9CF36730F1D5}" destId="{F4A914BA-4F38-4E7F-BCA4-7BE75C649A65}" srcOrd="12" destOrd="0" presId="urn:microsoft.com/office/officeart/2005/8/layout/vList2"/>
+  </dgm:cxnLst>
+  <dgm:bg/>
+  <dgm:whole/>
+  <dgm:extLst>
+    <a:ext uri="http://schemas.microsoft.com/office/drawing/2008/diagram">
+      <dsp:dataModelExt xmlns:dsp="http://schemas.microsoft.com/office/drawing/2008/diagram" relId="rId6" minVer="http://schemas.openxmlformats.org/drawingml/2006/diagram"/>
+    </a:ext>
+  </dgm:extLst>
+</dgm:dataModel>
+</file>
+
+<file path=ppt/diagrams/data2.xml><?xml version="1.0" encoding="utf-8"?>
+<dgm:dataModel xmlns:dgm="http://schemas.openxmlformats.org/drawingml/2006/diagram" xmlns:a="http://schemas.openxmlformats.org/drawingml/2006/main">
+  <dgm:ptLst>
+    <dgm:pt modelId="{6846F7CB-3363-459E-82FC-2DB2CD0F3AC0}" type="doc">
+      <dgm:prSet loTypeId="urn:microsoft.com/office/officeart/2005/8/layout/matrix3" loCatId="matrix" qsTypeId="urn:microsoft.com/office/officeart/2005/8/quickstyle/simple1" qsCatId="simple" csTypeId="urn:microsoft.com/office/officeart/2005/8/colors/colorful5" csCatId="colorful"/>
+      <dgm:spPr/>
+      <dgm:t>
+        <a:bodyPr/>
+        <a:lstStyle/>
+        <a:p>
+          <a:endParaRPr lang="en-US"/>
+        </a:p>
+      </dgm:t>
+    </dgm:pt>
+    <dgm:pt modelId="{73973FAD-415C-44C0-9AEB-BBCFBD2B211B}">
+      <dgm:prSet/>
+      <dgm:spPr/>
+      <dgm:t>
+        <a:bodyPr/>
+        <a:lstStyle/>
+        <a:p>
+          <a:r>
+            <a:rPr lang="fr-FR"/>
+            <a:t>Efficacité programmation orienté objet</a:t>
+          </a:r>
+          <a:endParaRPr lang="en-US"/>
+        </a:p>
+      </dgm:t>
+    </dgm:pt>
+    <dgm:pt modelId="{313CF1C4-ACB7-46DF-BF07-144F442B9E14}" type="parTrans" cxnId="{482948B6-F74B-421A-B80C-7B51344B9ABD}">
+      <dgm:prSet/>
+      <dgm:spPr/>
+      <dgm:t>
+        <a:bodyPr/>
+        <a:lstStyle/>
+        <a:p>
+          <a:endParaRPr lang="en-US"/>
+        </a:p>
+      </dgm:t>
+    </dgm:pt>
+    <dgm:pt modelId="{D033769E-26A1-451F-8471-49A44CFFB311}" type="sibTrans" cxnId="{482948B6-F74B-421A-B80C-7B51344B9ABD}">
+      <dgm:prSet/>
+      <dgm:spPr/>
+      <dgm:t>
+        <a:bodyPr/>
+        <a:lstStyle/>
+        <a:p>
+          <a:endParaRPr lang="en-US"/>
+        </a:p>
+      </dgm:t>
+    </dgm:pt>
+    <dgm:pt modelId="{B2F86F2A-A575-4310-A2D4-097B8A974640}">
+      <dgm:prSet/>
+      <dgm:spPr/>
+      <dgm:t>
+        <a:bodyPr/>
+        <a:lstStyle/>
+        <a:p>
+          <a:r>
+            <a:rPr lang="fr-FR"/>
+            <a:t>Utiliser l’API de JAVA</a:t>
+          </a:r>
+          <a:endParaRPr lang="en-US"/>
+        </a:p>
+      </dgm:t>
+    </dgm:pt>
+    <dgm:pt modelId="{46483E37-9509-4CA8-84A3-5F0991135584}" type="parTrans" cxnId="{EA0CD2CE-0BB9-4577-A6B2-3E9E1DF5A6E4}">
+      <dgm:prSet/>
+      <dgm:spPr/>
+      <dgm:t>
+        <a:bodyPr/>
+        <a:lstStyle/>
+        <a:p>
+          <a:endParaRPr lang="en-US"/>
+        </a:p>
+      </dgm:t>
+    </dgm:pt>
+    <dgm:pt modelId="{1B49BBA3-C661-4377-8A0A-2B48B2393B35}" type="sibTrans" cxnId="{EA0CD2CE-0BB9-4577-A6B2-3E9E1DF5A6E4}">
+      <dgm:prSet/>
+      <dgm:spPr/>
+      <dgm:t>
+        <a:bodyPr/>
+        <a:lstStyle/>
+        <a:p>
+          <a:endParaRPr lang="en-US"/>
+        </a:p>
+      </dgm:t>
+    </dgm:pt>
+    <dgm:pt modelId="{1A83ECCF-3F03-4F4A-8E2F-323D0A821837}">
+      <dgm:prSet/>
+      <dgm:spPr/>
+      <dgm:t>
+        <a:bodyPr/>
+        <a:lstStyle/>
+        <a:p>
+          <a:r>
+            <a:rPr lang="fr-FR"/>
+            <a:t>JAVADOC</a:t>
+          </a:r>
+          <a:endParaRPr lang="en-US"/>
+        </a:p>
+      </dgm:t>
+    </dgm:pt>
+    <dgm:pt modelId="{9453F133-A788-4865-A23C-512310DD35C9}" type="parTrans" cxnId="{501511A5-82A5-49BF-827F-F3E321F409A5}">
+      <dgm:prSet/>
+      <dgm:spPr/>
+      <dgm:t>
+        <a:bodyPr/>
+        <a:lstStyle/>
+        <a:p>
+          <a:endParaRPr lang="en-US"/>
+        </a:p>
+      </dgm:t>
+    </dgm:pt>
+    <dgm:pt modelId="{D2EE0FCC-3985-461C-8E6E-EF855FD4A5C0}" type="sibTrans" cxnId="{501511A5-82A5-49BF-827F-F3E321F409A5}">
+      <dgm:prSet/>
+      <dgm:spPr/>
+      <dgm:t>
+        <a:bodyPr/>
+        <a:lstStyle/>
+        <a:p>
+          <a:endParaRPr lang="en-US"/>
+        </a:p>
+      </dgm:t>
+    </dgm:pt>
+    <dgm:pt modelId="{79A84B6F-40D2-4370-A0EE-29DA1A7105AF}">
+      <dgm:prSet/>
+      <dgm:spPr/>
+      <dgm:t>
+        <a:bodyPr/>
+        <a:lstStyle/>
+        <a:p>
+          <a:r>
+            <a:rPr lang="fr-FR"/>
+            <a:t>Code long</a:t>
+          </a:r>
+          <a:endParaRPr lang="en-US"/>
+        </a:p>
+      </dgm:t>
+    </dgm:pt>
+    <dgm:pt modelId="{6644FCD8-A5CF-462C-B82A-D09C6A2E5F68}" type="parTrans" cxnId="{984F1677-8A22-47CA-9C07-954E9105C8B4}">
+      <dgm:prSet/>
+      <dgm:spPr/>
+      <dgm:t>
+        <a:bodyPr/>
+        <a:lstStyle/>
+        <a:p>
+          <a:endParaRPr lang="en-US"/>
+        </a:p>
+      </dgm:t>
+    </dgm:pt>
+    <dgm:pt modelId="{FED86EBB-4B00-474C-A814-9E7C7E33A082}" type="sibTrans" cxnId="{984F1677-8A22-47CA-9C07-954E9105C8B4}">
+      <dgm:prSet/>
+      <dgm:spPr/>
+      <dgm:t>
+        <a:bodyPr/>
+        <a:lstStyle/>
+        <a:p>
+          <a:endParaRPr lang="en-US"/>
+        </a:p>
+      </dgm:t>
+    </dgm:pt>
+    <dgm:pt modelId="{A4C10ED0-0CD1-4668-BD30-22B2DBF17EEC}" type="pres">
+      <dgm:prSet presAssocID="{6846F7CB-3363-459E-82FC-2DB2CD0F3AC0}" presName="matrix" presStyleCnt="0">
+        <dgm:presLayoutVars>
+          <dgm:chMax val="1"/>
+          <dgm:dir/>
+          <dgm:resizeHandles val="exact"/>
+        </dgm:presLayoutVars>
+      </dgm:prSet>
+      <dgm:spPr/>
+    </dgm:pt>
+    <dgm:pt modelId="{C8D22AB9-C598-4A6D-92B8-991EF3ADA5D9}" type="pres">
+      <dgm:prSet presAssocID="{6846F7CB-3363-459E-82FC-2DB2CD0F3AC0}" presName="diamond" presStyleLbl="bgShp" presStyleIdx="0" presStyleCnt="1"/>
+      <dgm:spPr/>
+    </dgm:pt>
+    <dgm:pt modelId="{505F3650-F57D-4743-8701-474F5ECDECE6}" type="pres">
+      <dgm:prSet presAssocID="{6846F7CB-3363-459E-82FC-2DB2CD0F3AC0}" presName="quad1" presStyleLbl="node1" presStyleIdx="0" presStyleCnt="4">
+        <dgm:presLayoutVars>
+          <dgm:chMax val="0"/>
+          <dgm:chPref val="0"/>
+          <dgm:bulletEnabled val="1"/>
+        </dgm:presLayoutVars>
+      </dgm:prSet>
+      <dgm:spPr/>
+    </dgm:pt>
+    <dgm:pt modelId="{039B392F-E92A-4FA2-ADEE-9D06C7F29CDC}" type="pres">
+      <dgm:prSet presAssocID="{6846F7CB-3363-459E-82FC-2DB2CD0F3AC0}" presName="quad2" presStyleLbl="node1" presStyleIdx="1" presStyleCnt="4">
+        <dgm:presLayoutVars>
+          <dgm:chMax val="0"/>
+          <dgm:chPref val="0"/>
+          <dgm:bulletEnabled val="1"/>
+        </dgm:presLayoutVars>
+      </dgm:prSet>
+      <dgm:spPr/>
+    </dgm:pt>
+    <dgm:pt modelId="{F873021D-BF78-4FEB-BF47-DD31D531AEE1}" type="pres">
+      <dgm:prSet presAssocID="{6846F7CB-3363-459E-82FC-2DB2CD0F3AC0}" presName="quad3" presStyleLbl="node1" presStyleIdx="2" presStyleCnt="4">
+        <dgm:presLayoutVars>
+          <dgm:chMax val="0"/>
+          <dgm:chPref val="0"/>
+          <dgm:bulletEnabled val="1"/>
+        </dgm:presLayoutVars>
+      </dgm:prSet>
+      <dgm:spPr/>
+    </dgm:pt>
+    <dgm:pt modelId="{6C0452CF-F8D3-474A-9ED0-B6BC3880744E}" type="pres">
+      <dgm:prSet presAssocID="{6846F7CB-3363-459E-82FC-2DB2CD0F3AC0}" presName="quad4" presStyleLbl="node1" presStyleIdx="3" presStyleCnt="4">
+        <dgm:presLayoutVars>
+          <dgm:chMax val="0"/>
+          <dgm:chPref val="0"/>
+          <dgm:bulletEnabled val="1"/>
+        </dgm:presLayoutVars>
+      </dgm:prSet>
+      <dgm:spPr/>
+    </dgm:pt>
+  </dgm:ptLst>
+  <dgm:cxnLst>
+    <dgm:cxn modelId="{BAC2A730-86B6-4D33-A8F1-0867EC4EAC4D}" type="presOf" srcId="{6846F7CB-3363-459E-82FC-2DB2CD0F3AC0}" destId="{A4C10ED0-0CD1-4668-BD30-22B2DBF17EEC}" srcOrd="0" destOrd="0" presId="urn:microsoft.com/office/officeart/2005/8/layout/matrix3"/>
+    <dgm:cxn modelId="{893C904E-7E99-4C54-B708-8394DB46ED2C}" type="presOf" srcId="{73973FAD-415C-44C0-9AEB-BBCFBD2B211B}" destId="{505F3650-F57D-4743-8701-474F5ECDECE6}" srcOrd="0" destOrd="0" presId="urn:microsoft.com/office/officeart/2005/8/layout/matrix3"/>
+    <dgm:cxn modelId="{984F1677-8A22-47CA-9C07-954E9105C8B4}" srcId="{6846F7CB-3363-459E-82FC-2DB2CD0F3AC0}" destId="{79A84B6F-40D2-4370-A0EE-29DA1A7105AF}" srcOrd="3" destOrd="0" parTransId="{6644FCD8-A5CF-462C-B82A-D09C6A2E5F68}" sibTransId="{FED86EBB-4B00-474C-A814-9E7C7E33A082}"/>
+    <dgm:cxn modelId="{501511A5-82A5-49BF-827F-F3E321F409A5}" srcId="{6846F7CB-3363-459E-82FC-2DB2CD0F3AC0}" destId="{1A83ECCF-3F03-4F4A-8E2F-323D0A821837}" srcOrd="2" destOrd="0" parTransId="{9453F133-A788-4865-A23C-512310DD35C9}" sibTransId="{D2EE0FCC-3985-461C-8E6E-EF855FD4A5C0}"/>
+    <dgm:cxn modelId="{09A5D8B0-834B-4243-8805-01357B98CB1F}" type="presOf" srcId="{1A83ECCF-3F03-4F4A-8E2F-323D0A821837}" destId="{F873021D-BF78-4FEB-BF47-DD31D531AEE1}" srcOrd="0" destOrd="0" presId="urn:microsoft.com/office/officeart/2005/8/layout/matrix3"/>
+    <dgm:cxn modelId="{482948B6-F74B-421A-B80C-7B51344B9ABD}" srcId="{6846F7CB-3363-459E-82FC-2DB2CD0F3AC0}" destId="{73973FAD-415C-44C0-9AEB-BBCFBD2B211B}" srcOrd="0" destOrd="0" parTransId="{313CF1C4-ACB7-46DF-BF07-144F442B9E14}" sibTransId="{D033769E-26A1-451F-8471-49A44CFFB311}"/>
+    <dgm:cxn modelId="{EA0CD2CE-0BB9-4577-A6B2-3E9E1DF5A6E4}" srcId="{6846F7CB-3363-459E-82FC-2DB2CD0F3AC0}" destId="{B2F86F2A-A575-4310-A2D4-097B8A974640}" srcOrd="1" destOrd="0" parTransId="{46483E37-9509-4CA8-84A3-5F0991135584}" sibTransId="{1B49BBA3-C661-4377-8A0A-2B48B2393B35}"/>
+    <dgm:cxn modelId="{DF212DD5-ABE9-4639-A1AA-8C3178DADC56}" type="presOf" srcId="{79A84B6F-40D2-4370-A0EE-29DA1A7105AF}" destId="{6C0452CF-F8D3-474A-9ED0-B6BC3880744E}" srcOrd="0" destOrd="0" presId="urn:microsoft.com/office/officeart/2005/8/layout/matrix3"/>
+    <dgm:cxn modelId="{453B9FEF-B4DC-482D-90EF-36801A8E9FDD}" type="presOf" srcId="{B2F86F2A-A575-4310-A2D4-097B8A974640}" destId="{039B392F-E92A-4FA2-ADEE-9D06C7F29CDC}" srcOrd="0" destOrd="0" presId="urn:microsoft.com/office/officeart/2005/8/layout/matrix3"/>
+    <dgm:cxn modelId="{3B755678-F266-45DA-AE34-7030D823F1CB}" type="presParOf" srcId="{A4C10ED0-0CD1-4668-BD30-22B2DBF17EEC}" destId="{C8D22AB9-C598-4A6D-92B8-991EF3ADA5D9}" srcOrd="0" destOrd="0" presId="urn:microsoft.com/office/officeart/2005/8/layout/matrix3"/>
+    <dgm:cxn modelId="{02398123-8188-4C39-9DBC-4F5C10EDE70F}" type="presParOf" srcId="{A4C10ED0-0CD1-4668-BD30-22B2DBF17EEC}" destId="{505F3650-F57D-4743-8701-474F5ECDECE6}" srcOrd="1" destOrd="0" presId="urn:microsoft.com/office/officeart/2005/8/layout/matrix3"/>
+    <dgm:cxn modelId="{54979C0B-FB99-45B6-8485-9300DB4A911A}" type="presParOf" srcId="{A4C10ED0-0CD1-4668-BD30-22B2DBF17EEC}" destId="{039B392F-E92A-4FA2-ADEE-9D06C7F29CDC}" srcOrd="2" destOrd="0" presId="urn:microsoft.com/office/officeart/2005/8/layout/matrix3"/>
+    <dgm:cxn modelId="{3477D28F-0E6E-4CC4-8B04-26D3ACA8673F}" type="presParOf" srcId="{A4C10ED0-0CD1-4668-BD30-22B2DBF17EEC}" destId="{F873021D-BF78-4FEB-BF47-DD31D531AEE1}" srcOrd="3" destOrd="0" presId="urn:microsoft.com/office/officeart/2005/8/layout/matrix3"/>
+    <dgm:cxn modelId="{97D82D30-14AA-4267-AD0E-171EC07F5EF1}" type="presParOf" srcId="{A4C10ED0-0CD1-4668-BD30-22B2DBF17EEC}" destId="{6C0452CF-F8D3-474A-9ED0-B6BC3880744E}" srcOrd="4" destOrd="0" presId="urn:microsoft.com/office/officeart/2005/8/layout/matrix3"/>
+  </dgm:cxnLst>
+  <dgm:bg/>
+  <dgm:whole/>
+  <dgm:extLst>
+    <a:ext uri="http://schemas.microsoft.com/office/drawing/2008/diagram">
+      <dsp:dataModelExt xmlns:dsp="http://schemas.microsoft.com/office/drawing/2008/diagram" relId="rId6" minVer="http://schemas.openxmlformats.org/drawingml/2006/diagram"/>
+    </a:ext>
+  </dgm:extLst>
+</dgm:dataModel>
+</file>
+
+<file path=ppt/diagrams/drawing1.xml><?xml version="1.0" encoding="utf-8"?>
+<dsp:drawing xmlns:dgm="http://schemas.openxmlformats.org/drawingml/2006/diagram" xmlns:dsp="http://schemas.microsoft.com/office/drawing/2008/diagram" xmlns:a="http://schemas.openxmlformats.org/drawingml/2006/main">
+  <dsp:spTree>
+    <dsp:nvGrpSpPr>
+      <dsp:cNvPr id="0" name=""/>
+      <dsp:cNvGrpSpPr/>
+    </dsp:nvGrpSpPr>
+    <dsp:grpSpPr/>
+    <dsp:sp modelId="{ECEDD872-A3AD-455C-A499-29B249F9DFAE}">
+      <dsp:nvSpPr>
+        <dsp:cNvPr id="0" name=""/>
+        <dsp:cNvSpPr/>
+      </dsp:nvSpPr>
+      <dsp:spPr>
+        <a:xfrm>
+          <a:off x="0" y="1568952"/>
+          <a:ext cx="6899148" cy="359774"/>
+        </a:xfrm>
+        <a:prstGeom prst="roundRect">
+          <a:avLst/>
+        </a:prstGeom>
+        <a:solidFill>
+          <a:schemeClr val="accent5">
+            <a:hueOff val="0"/>
+            <a:satOff val="0"/>
+            <a:lumOff val="0"/>
+            <a:alphaOff val="0"/>
+          </a:schemeClr>
+        </a:solidFill>
+        <a:ln w="12700" cap="flat" cmpd="sng" algn="ctr">
+          <a:solidFill>
+            <a:schemeClr val="lt1">
+              <a:hueOff val="0"/>
+              <a:satOff val="0"/>
+              <a:lumOff val="0"/>
+              <a:alphaOff val="0"/>
+            </a:schemeClr>
+          </a:solidFill>
+          <a:prstDash val="solid"/>
+          <a:miter lim="800000"/>
+        </a:ln>
+        <a:effectLst/>
+      </dsp:spPr>
+      <dsp:style>
+        <a:lnRef idx="2">
+          <a:scrgbClr r="0" g="0" b="0"/>
+        </a:lnRef>
+        <a:fillRef idx="1">
+          <a:scrgbClr r="0" g="0" b="0"/>
+        </a:fillRef>
+        <a:effectRef idx="0">
+          <a:scrgbClr r="0" g="0" b="0"/>
+        </a:effectRef>
+        <a:fontRef idx="minor">
+          <a:schemeClr val="lt1"/>
+        </a:fontRef>
+      </dsp:style>
+      <dsp:txBody>
+        <a:bodyPr spcFirstLastPara="0" vert="horz" wrap="square" lIns="57150" tIns="57150" rIns="57150" bIns="57150" numCol="1" spcCol="1270" anchor="ctr" anchorCtr="0">
+          <a:noAutofit/>
+        </a:bodyPr>
+        <a:lstStyle/>
+        <a:p>
+          <a:pPr marL="0" lvl="0" indent="0" algn="l" defTabSz="666750">
+            <a:lnSpc>
+              <a:spcPct val="90000"/>
+            </a:lnSpc>
+            <a:spcBef>
+              <a:spcPct val="0"/>
+            </a:spcBef>
+            <a:spcAft>
+              <a:spcPct val="35000"/>
+            </a:spcAft>
+            <a:buNone/>
+          </a:pPr>
+          <a:r>
+            <a:rPr lang="fr-FR" sz="1500" kern="1200"/>
+            <a:t>Répartition des tâches………………………………………………………………………………………… 3</a:t>
+          </a:r>
+          <a:endParaRPr lang="en-US" sz="1500" kern="1200"/>
+        </a:p>
+      </dsp:txBody>
+      <dsp:txXfrm>
+        <a:off x="17563" y="1586515"/>
+        <a:ext cx="6864022" cy="324648"/>
+      </dsp:txXfrm>
+    </dsp:sp>
+    <dsp:sp modelId="{55C52258-1F48-4288-BB4F-C401F05722DB}">
+      <dsp:nvSpPr>
+        <dsp:cNvPr id="0" name=""/>
+        <dsp:cNvSpPr/>
+      </dsp:nvSpPr>
+      <dsp:spPr>
+        <a:xfrm>
+          <a:off x="0" y="1971927"/>
+          <a:ext cx="6899148" cy="359774"/>
+        </a:xfrm>
+        <a:prstGeom prst="roundRect">
+          <a:avLst/>
+        </a:prstGeom>
+        <a:solidFill>
+          <a:schemeClr val="accent5">
+            <a:hueOff val="-1126424"/>
+            <a:satOff val="-2903"/>
+            <a:lumOff val="-1961"/>
+            <a:alphaOff val="0"/>
+          </a:schemeClr>
+        </a:solidFill>
+        <a:ln w="12700" cap="flat" cmpd="sng" algn="ctr">
+          <a:solidFill>
+            <a:schemeClr val="lt1">
+              <a:hueOff val="0"/>
+              <a:satOff val="0"/>
+              <a:lumOff val="0"/>
+              <a:alphaOff val="0"/>
+            </a:schemeClr>
+          </a:solidFill>
+          <a:prstDash val="solid"/>
+          <a:miter lim="800000"/>
+        </a:ln>
+        <a:effectLst/>
+      </dsp:spPr>
+      <dsp:style>
+        <a:lnRef idx="2">
+          <a:scrgbClr r="0" g="0" b="0"/>
+        </a:lnRef>
+        <a:fillRef idx="1">
+          <a:scrgbClr r="0" g="0" b="0"/>
+        </a:fillRef>
+        <a:effectRef idx="0">
+          <a:scrgbClr r="0" g="0" b="0"/>
+        </a:effectRef>
+        <a:fontRef idx="minor">
+          <a:schemeClr val="lt1"/>
+        </a:fontRef>
+      </dsp:style>
+      <dsp:txBody>
+        <a:bodyPr spcFirstLastPara="0" vert="horz" wrap="square" lIns="57150" tIns="57150" rIns="57150" bIns="57150" numCol="1" spcCol="1270" anchor="ctr" anchorCtr="0">
+          <a:noAutofit/>
+        </a:bodyPr>
+        <a:lstStyle/>
+        <a:p>
+          <a:pPr marL="0" lvl="0" indent="0" algn="l" defTabSz="666750">
+            <a:lnSpc>
+              <a:spcPct val="90000"/>
+            </a:lnSpc>
+            <a:spcBef>
+              <a:spcPct val="0"/>
+            </a:spcBef>
+            <a:spcAft>
+              <a:spcPct val="35000"/>
+            </a:spcAft>
+            <a:buNone/>
+          </a:pPr>
+          <a:r>
+            <a:rPr lang="fr-FR" sz="1500" kern="1200"/>
+            <a:t>Diagramme de classe……………………………………………………………………………………………4</a:t>
+          </a:r>
+          <a:endParaRPr lang="en-US" sz="1500" kern="1200"/>
+        </a:p>
+      </dsp:txBody>
+      <dsp:txXfrm>
+        <a:off x="17563" y="1989490"/>
+        <a:ext cx="6864022" cy="324648"/>
+      </dsp:txXfrm>
+    </dsp:sp>
+    <dsp:sp modelId="{71E27676-F01F-40CA-97C6-AF4A018A1771}">
+      <dsp:nvSpPr>
+        <dsp:cNvPr id="0" name=""/>
+        <dsp:cNvSpPr/>
+      </dsp:nvSpPr>
+      <dsp:spPr>
+        <a:xfrm>
+          <a:off x="0" y="2374902"/>
+          <a:ext cx="6899148" cy="359774"/>
+        </a:xfrm>
+        <a:prstGeom prst="roundRect">
+          <a:avLst/>
+        </a:prstGeom>
+        <a:solidFill>
+          <a:schemeClr val="accent5">
+            <a:hueOff val="-2252848"/>
+            <a:satOff val="-5806"/>
+            <a:lumOff val="-3922"/>
+            <a:alphaOff val="0"/>
+          </a:schemeClr>
+        </a:solidFill>
+        <a:ln w="12700" cap="flat" cmpd="sng" algn="ctr">
+          <a:solidFill>
+            <a:schemeClr val="lt1">
+              <a:hueOff val="0"/>
+              <a:satOff val="0"/>
+              <a:lumOff val="0"/>
+              <a:alphaOff val="0"/>
+            </a:schemeClr>
+          </a:solidFill>
+          <a:prstDash val="solid"/>
+          <a:miter lim="800000"/>
+        </a:ln>
+        <a:effectLst/>
+      </dsp:spPr>
+      <dsp:style>
+        <a:lnRef idx="2">
+          <a:scrgbClr r="0" g="0" b="0"/>
+        </a:lnRef>
+        <a:fillRef idx="1">
+          <a:scrgbClr r="0" g="0" b="0"/>
+        </a:fillRef>
+        <a:effectRef idx="0">
+          <a:scrgbClr r="0" g="0" b="0"/>
+        </a:effectRef>
+        <a:fontRef idx="minor">
+          <a:schemeClr val="lt1"/>
+        </a:fontRef>
+      </dsp:style>
+      <dsp:txBody>
+        <a:bodyPr spcFirstLastPara="0" vert="horz" wrap="square" lIns="57150" tIns="57150" rIns="57150" bIns="57150" numCol="1" spcCol="1270" anchor="ctr" anchorCtr="0">
+          <a:noAutofit/>
+        </a:bodyPr>
+        <a:lstStyle/>
+        <a:p>
+          <a:pPr marL="0" lvl="0" indent="0" algn="l" defTabSz="666750">
+            <a:lnSpc>
+              <a:spcPct val="90000"/>
+            </a:lnSpc>
+            <a:spcBef>
+              <a:spcPct val="0"/>
+            </a:spcBef>
+            <a:spcAft>
+              <a:spcPct val="35000"/>
+            </a:spcAft>
+            <a:buNone/>
+          </a:pPr>
+          <a:r>
+            <a:rPr lang="fr-FR" sz="1500" kern="1200"/>
+            <a:t>Design de la maquette………………………………………………………………………………………….8</a:t>
+          </a:r>
+          <a:endParaRPr lang="en-US" sz="1500" kern="1200"/>
+        </a:p>
+      </dsp:txBody>
+      <dsp:txXfrm>
+        <a:off x="17563" y="2392465"/>
+        <a:ext cx="6864022" cy="324648"/>
+      </dsp:txXfrm>
+    </dsp:sp>
+    <dsp:sp modelId="{9CBA2E9B-3FDD-4272-ACC4-058B56C9EBFC}">
+      <dsp:nvSpPr>
+        <dsp:cNvPr id="0" name=""/>
+        <dsp:cNvSpPr/>
+      </dsp:nvSpPr>
+      <dsp:spPr>
+        <a:xfrm>
+          <a:off x="0" y="2777877"/>
+          <a:ext cx="6899148" cy="359774"/>
+        </a:xfrm>
+        <a:prstGeom prst="roundRect">
+          <a:avLst/>
+        </a:prstGeom>
+        <a:solidFill>
+          <a:schemeClr val="accent5">
+            <a:hueOff val="-3379271"/>
+            <a:satOff val="-8710"/>
+            <a:lumOff val="-5883"/>
+            <a:alphaOff val="0"/>
+          </a:schemeClr>
+        </a:solidFill>
+        <a:ln w="12700" cap="flat" cmpd="sng" algn="ctr">
+          <a:solidFill>
+            <a:schemeClr val="lt1">
+              <a:hueOff val="0"/>
+              <a:satOff val="0"/>
+              <a:lumOff val="0"/>
+              <a:alphaOff val="0"/>
+            </a:schemeClr>
+          </a:solidFill>
+          <a:prstDash val="solid"/>
+          <a:miter lim="800000"/>
+        </a:ln>
+        <a:effectLst/>
+      </dsp:spPr>
+      <dsp:style>
+        <a:lnRef idx="2">
+          <a:scrgbClr r="0" g="0" b="0"/>
+        </a:lnRef>
+        <a:fillRef idx="1">
+          <a:scrgbClr r="0" g="0" b="0"/>
+        </a:fillRef>
+        <a:effectRef idx="0">
+          <a:scrgbClr r="0" g="0" b="0"/>
+        </a:effectRef>
+        <a:fontRef idx="minor">
+          <a:schemeClr val="lt1"/>
+        </a:fontRef>
+      </dsp:style>
+      <dsp:txBody>
+        <a:bodyPr spcFirstLastPara="0" vert="horz" wrap="square" lIns="57150" tIns="57150" rIns="57150" bIns="57150" numCol="1" spcCol="1270" anchor="ctr" anchorCtr="0">
+          <a:noAutofit/>
+        </a:bodyPr>
+        <a:lstStyle/>
+        <a:p>
+          <a:pPr marL="0" lvl="0" indent="0" algn="l" defTabSz="666750">
+            <a:lnSpc>
+              <a:spcPct val="90000"/>
+            </a:lnSpc>
+            <a:spcBef>
+              <a:spcPct val="0"/>
+            </a:spcBef>
+            <a:spcAft>
+              <a:spcPct val="35000"/>
+            </a:spcAft>
+            <a:buNone/>
+          </a:pPr>
+          <a:r>
+            <a:rPr lang="fr-FR" sz="1500" kern="1200"/>
+            <a:t>Versionning GIT……………………………………………………………………………………………………12</a:t>
+          </a:r>
+          <a:endParaRPr lang="en-US" sz="1500" kern="1200"/>
+        </a:p>
+      </dsp:txBody>
+      <dsp:txXfrm>
+        <a:off x="17563" y="2795440"/>
+        <a:ext cx="6864022" cy="324648"/>
+      </dsp:txXfrm>
+    </dsp:sp>
+    <dsp:sp modelId="{B0C00B5A-CA1E-46C0-8846-DD87A6C6DFFA}">
+      <dsp:nvSpPr>
+        <dsp:cNvPr id="0" name=""/>
+        <dsp:cNvSpPr/>
+      </dsp:nvSpPr>
+      <dsp:spPr>
+        <a:xfrm>
+          <a:off x="0" y="3180852"/>
+          <a:ext cx="6899148" cy="359774"/>
+        </a:xfrm>
+        <a:prstGeom prst="roundRect">
+          <a:avLst/>
+        </a:prstGeom>
+        <a:solidFill>
+          <a:schemeClr val="accent5">
+            <a:hueOff val="-4505695"/>
+            <a:satOff val="-11613"/>
+            <a:lumOff val="-7843"/>
+            <a:alphaOff val="0"/>
+          </a:schemeClr>
+        </a:solidFill>
+        <a:ln w="12700" cap="flat" cmpd="sng" algn="ctr">
+          <a:solidFill>
+            <a:schemeClr val="lt1">
+              <a:hueOff val="0"/>
+              <a:satOff val="0"/>
+              <a:lumOff val="0"/>
+              <a:alphaOff val="0"/>
+            </a:schemeClr>
+          </a:solidFill>
+          <a:prstDash val="solid"/>
+          <a:miter lim="800000"/>
+        </a:ln>
+        <a:effectLst/>
+      </dsp:spPr>
+      <dsp:style>
+        <a:lnRef idx="2">
+          <a:scrgbClr r="0" g="0" b="0"/>
+        </a:lnRef>
+        <a:fillRef idx="1">
+          <a:scrgbClr r="0" g="0" b="0"/>
+        </a:fillRef>
+        <a:effectRef idx="0">
+          <a:scrgbClr r="0" g="0" b="0"/>
+        </a:effectRef>
+        <a:fontRef idx="minor">
+          <a:schemeClr val="lt1"/>
+        </a:fontRef>
+      </dsp:style>
+      <dsp:txBody>
+        <a:bodyPr spcFirstLastPara="0" vert="horz" wrap="square" lIns="57150" tIns="57150" rIns="57150" bIns="57150" numCol="1" spcCol="1270" anchor="ctr" anchorCtr="0">
+          <a:noAutofit/>
+        </a:bodyPr>
+        <a:lstStyle/>
+        <a:p>
+          <a:pPr marL="0" lvl="0" indent="0" algn="l" defTabSz="666750">
+            <a:lnSpc>
+              <a:spcPct val="90000"/>
+            </a:lnSpc>
+            <a:spcBef>
+              <a:spcPct val="0"/>
+            </a:spcBef>
+            <a:spcAft>
+              <a:spcPct val="35000"/>
+            </a:spcAft>
+            <a:buNone/>
+          </a:pPr>
+          <a:r>
+            <a:rPr lang="fr-FR" sz="1500" kern="1200"/>
+            <a:t>Bilan individuel…………………………………………………………………………………………………….13</a:t>
+          </a:r>
+          <a:endParaRPr lang="en-US" sz="1500" kern="1200"/>
+        </a:p>
+      </dsp:txBody>
+      <dsp:txXfrm>
+        <a:off x="17563" y="3198415"/>
+        <a:ext cx="6864022" cy="324648"/>
+      </dsp:txXfrm>
+    </dsp:sp>
+    <dsp:sp modelId="{E4F09737-0BE9-4DCD-96E5-95A2F8455D51}">
+      <dsp:nvSpPr>
+        <dsp:cNvPr id="0" name=""/>
+        <dsp:cNvSpPr/>
+      </dsp:nvSpPr>
+      <dsp:spPr>
+        <a:xfrm>
+          <a:off x="0" y="3583827"/>
+          <a:ext cx="6899148" cy="359774"/>
+        </a:xfrm>
+        <a:prstGeom prst="roundRect">
+          <a:avLst/>
+        </a:prstGeom>
+        <a:solidFill>
+          <a:schemeClr val="accent5">
+            <a:hueOff val="-5632119"/>
+            <a:satOff val="-14516"/>
+            <a:lumOff val="-9804"/>
+            <a:alphaOff val="0"/>
+          </a:schemeClr>
+        </a:solidFill>
+        <a:ln w="12700" cap="flat" cmpd="sng" algn="ctr">
+          <a:solidFill>
+            <a:schemeClr val="lt1">
+              <a:hueOff val="0"/>
+              <a:satOff val="0"/>
+              <a:lumOff val="0"/>
+              <a:alphaOff val="0"/>
+            </a:schemeClr>
+          </a:solidFill>
+          <a:prstDash val="solid"/>
+          <a:miter lim="800000"/>
+        </a:ln>
+        <a:effectLst/>
+      </dsp:spPr>
+      <dsp:style>
+        <a:lnRef idx="2">
+          <a:scrgbClr r="0" g="0" b="0"/>
+        </a:lnRef>
+        <a:fillRef idx="1">
+          <a:scrgbClr r="0" g="0" b="0"/>
+        </a:fillRef>
+        <a:effectRef idx="0">
+          <a:scrgbClr r="0" g="0" b="0"/>
+        </a:effectRef>
+        <a:fontRef idx="minor">
+          <a:schemeClr val="lt1"/>
+        </a:fontRef>
+      </dsp:style>
+      <dsp:txBody>
+        <a:bodyPr spcFirstLastPara="0" vert="horz" wrap="square" lIns="57150" tIns="57150" rIns="57150" bIns="57150" numCol="1" spcCol="1270" anchor="ctr" anchorCtr="0">
+          <a:noAutofit/>
+        </a:bodyPr>
+        <a:lstStyle/>
+        <a:p>
+          <a:pPr marL="0" lvl="0" indent="0" algn="l" defTabSz="666750">
+            <a:lnSpc>
+              <a:spcPct val="90000"/>
+            </a:lnSpc>
+            <a:spcBef>
+              <a:spcPct val="0"/>
+            </a:spcBef>
+            <a:spcAft>
+              <a:spcPct val="35000"/>
+            </a:spcAft>
+            <a:buNone/>
+          </a:pPr>
+          <a:r>
+            <a:rPr lang="fr-FR" sz="1500" kern="1200"/>
+            <a:t>Bilan collectif……………………………………………………………………………………………………….14</a:t>
+          </a:r>
+          <a:endParaRPr lang="en-US" sz="1500" kern="1200"/>
+        </a:p>
+      </dsp:txBody>
+      <dsp:txXfrm>
+        <a:off x="17563" y="3601390"/>
+        <a:ext cx="6864022" cy="324648"/>
+      </dsp:txXfrm>
+    </dsp:sp>
+    <dsp:sp modelId="{F4A914BA-4F38-4E7F-BCA4-7BE75C649A65}">
+      <dsp:nvSpPr>
+        <dsp:cNvPr id="0" name=""/>
+        <dsp:cNvSpPr/>
+      </dsp:nvSpPr>
+      <dsp:spPr>
+        <a:xfrm>
+          <a:off x="0" y="3986802"/>
+          <a:ext cx="6899148" cy="359774"/>
+        </a:xfrm>
+        <a:prstGeom prst="roundRect">
+          <a:avLst/>
+        </a:prstGeom>
+        <a:solidFill>
+          <a:schemeClr val="accent5">
+            <a:hueOff val="-6758543"/>
+            <a:satOff val="-17419"/>
+            <a:lumOff val="-11765"/>
+            <a:alphaOff val="0"/>
+          </a:schemeClr>
+        </a:solidFill>
+        <a:ln w="12700" cap="flat" cmpd="sng" algn="ctr">
+          <a:solidFill>
+            <a:schemeClr val="lt1">
+              <a:hueOff val="0"/>
+              <a:satOff val="0"/>
+              <a:lumOff val="0"/>
+              <a:alphaOff val="0"/>
+            </a:schemeClr>
+          </a:solidFill>
+          <a:prstDash val="solid"/>
+          <a:miter lim="800000"/>
+        </a:ln>
+        <a:effectLst/>
+      </dsp:spPr>
+      <dsp:style>
+        <a:lnRef idx="2">
+          <a:scrgbClr r="0" g="0" b="0"/>
+        </a:lnRef>
+        <a:fillRef idx="1">
+          <a:scrgbClr r="0" g="0" b="0"/>
+        </a:fillRef>
+        <a:effectRef idx="0">
+          <a:scrgbClr r="0" g="0" b="0"/>
+        </a:effectRef>
+        <a:fontRef idx="minor">
+          <a:schemeClr val="lt1"/>
+        </a:fontRef>
+      </dsp:style>
+      <dsp:txBody>
+        <a:bodyPr spcFirstLastPara="0" vert="horz" wrap="square" lIns="57150" tIns="57150" rIns="57150" bIns="57150" numCol="1" spcCol="1270" anchor="ctr" anchorCtr="0">
+          <a:noAutofit/>
+        </a:bodyPr>
+        <a:lstStyle/>
+        <a:p>
+          <a:pPr marL="0" lvl="0" indent="0" algn="l" defTabSz="666750">
+            <a:lnSpc>
+              <a:spcPct val="90000"/>
+            </a:lnSpc>
+            <a:spcBef>
+              <a:spcPct val="0"/>
+            </a:spcBef>
+            <a:spcAft>
+              <a:spcPct val="35000"/>
+            </a:spcAft>
+            <a:buNone/>
+          </a:pPr>
+          <a:r>
+            <a:rPr lang="fr-FR" sz="1500" kern="1200"/>
+            <a:t>Sources…………………………………………………………………………………………………………………15</a:t>
+          </a:r>
+          <a:endParaRPr lang="en-US" sz="1500" kern="1200"/>
+        </a:p>
+      </dsp:txBody>
+      <dsp:txXfrm>
+        <a:off x="17563" y="4004365"/>
+        <a:ext cx="6864022" cy="324648"/>
+      </dsp:txXfrm>
+    </dsp:sp>
+  </dsp:spTree>
+</dsp:drawing>
+</file>
+
+<file path=ppt/diagrams/drawing2.xml><?xml version="1.0" encoding="utf-8"?>
+<dsp:drawing xmlns:dgm="http://schemas.openxmlformats.org/drawingml/2006/diagram" xmlns:dsp="http://schemas.microsoft.com/office/drawing/2008/diagram" xmlns:a="http://schemas.openxmlformats.org/drawingml/2006/main">
+  <dsp:spTree>
+    <dsp:nvGrpSpPr>
+      <dsp:cNvPr id="0" name=""/>
+      <dsp:cNvGrpSpPr/>
+    </dsp:nvGrpSpPr>
+    <dsp:grpSpPr/>
+    <dsp:sp modelId="{C8D22AB9-C598-4A6D-92B8-991EF3ADA5D9}">
+      <dsp:nvSpPr>
+        <dsp:cNvPr id="0" name=""/>
+        <dsp:cNvSpPr/>
+      </dsp:nvSpPr>
+      <dsp:spPr>
+        <a:xfrm>
+          <a:off x="379476" y="0"/>
+          <a:ext cx="5504687" cy="5504687"/>
+        </a:xfrm>
+        <a:prstGeom prst="diamond">
+          <a:avLst/>
+        </a:prstGeom>
+        <a:solidFill>
+          <a:schemeClr val="accent5">
+            <a:tint val="40000"/>
+            <a:hueOff val="0"/>
+            <a:satOff val="0"/>
+            <a:lumOff val="0"/>
+            <a:alphaOff val="0"/>
+          </a:schemeClr>
+        </a:solidFill>
+        <a:ln>
+          <a:noFill/>
+        </a:ln>
+        <a:effectLst/>
+      </dsp:spPr>
+      <dsp:style>
+        <a:lnRef idx="0">
+          <a:scrgbClr r="0" g="0" b="0"/>
+        </a:lnRef>
+        <a:fillRef idx="1">
+          <a:scrgbClr r="0" g="0" b="0"/>
+        </a:fillRef>
+        <a:effectRef idx="0">
+          <a:scrgbClr r="0" g="0" b="0"/>
+        </a:effectRef>
+        <a:fontRef idx="minor"/>
+      </dsp:style>
+    </dsp:sp>
+    <dsp:sp modelId="{505F3650-F57D-4743-8701-474F5ECDECE6}">
+      <dsp:nvSpPr>
+        <dsp:cNvPr id="0" name=""/>
+        <dsp:cNvSpPr/>
+      </dsp:nvSpPr>
+      <dsp:spPr>
+        <a:xfrm>
+          <a:off x="902421" y="522945"/>
+          <a:ext cx="2146828" cy="2146828"/>
+        </a:xfrm>
+        <a:prstGeom prst="roundRect">
+          <a:avLst/>
+        </a:prstGeom>
+        <a:solidFill>
+          <a:schemeClr val="accent5">
+            <a:hueOff val="0"/>
+            <a:satOff val="0"/>
+            <a:lumOff val="0"/>
+            <a:alphaOff val="0"/>
+          </a:schemeClr>
+        </a:solidFill>
+        <a:ln w="12700" cap="flat" cmpd="sng" algn="ctr">
+          <a:solidFill>
+            <a:schemeClr val="lt1">
+              <a:hueOff val="0"/>
+              <a:satOff val="0"/>
+              <a:lumOff val="0"/>
+              <a:alphaOff val="0"/>
+            </a:schemeClr>
+          </a:solidFill>
+          <a:prstDash val="solid"/>
+          <a:miter lim="800000"/>
+        </a:ln>
+        <a:effectLst/>
+      </dsp:spPr>
+      <dsp:style>
+        <a:lnRef idx="2">
+          <a:scrgbClr r="0" g="0" b="0"/>
+        </a:lnRef>
+        <a:fillRef idx="1">
+          <a:scrgbClr r="0" g="0" b="0"/>
+        </a:fillRef>
+        <a:effectRef idx="0">
+          <a:scrgbClr r="0" g="0" b="0"/>
+        </a:effectRef>
+        <a:fontRef idx="minor">
+          <a:schemeClr val="lt1"/>
+        </a:fontRef>
+      </dsp:style>
+      <dsp:txBody>
+        <a:bodyPr spcFirstLastPara="0" vert="horz" wrap="square" lIns="80010" tIns="80010" rIns="80010" bIns="80010" numCol="1" spcCol="1270" anchor="ctr" anchorCtr="0">
+          <a:noAutofit/>
+        </a:bodyPr>
+        <a:lstStyle/>
+        <a:p>
+          <a:pPr marL="0" lvl="0" indent="0" algn="ctr" defTabSz="933450">
+            <a:lnSpc>
+              <a:spcPct val="90000"/>
+            </a:lnSpc>
+            <a:spcBef>
+              <a:spcPct val="0"/>
+            </a:spcBef>
+            <a:spcAft>
+              <a:spcPct val="35000"/>
+            </a:spcAft>
+            <a:buNone/>
+          </a:pPr>
+          <a:r>
+            <a:rPr lang="fr-FR" sz="2100" kern="1200"/>
+            <a:t>Efficacité programmation orienté objet</a:t>
+          </a:r>
+          <a:endParaRPr lang="en-US" sz="2100" kern="1200"/>
+        </a:p>
+      </dsp:txBody>
+      <dsp:txXfrm>
+        <a:off x="1007221" y="627745"/>
+        <a:ext cx="1937228" cy="1937228"/>
+      </dsp:txXfrm>
+    </dsp:sp>
+    <dsp:sp modelId="{039B392F-E92A-4FA2-ADEE-9D06C7F29CDC}">
+      <dsp:nvSpPr>
+        <dsp:cNvPr id="0" name=""/>
+        <dsp:cNvSpPr/>
+      </dsp:nvSpPr>
+      <dsp:spPr>
+        <a:xfrm>
+          <a:off x="3214390" y="522945"/>
+          <a:ext cx="2146828" cy="2146828"/>
+        </a:xfrm>
+        <a:prstGeom prst="roundRect">
+          <a:avLst/>
+        </a:prstGeom>
+        <a:solidFill>
+          <a:schemeClr val="accent5">
+            <a:hueOff val="-2252848"/>
+            <a:satOff val="-5806"/>
+            <a:lumOff val="-3922"/>
+            <a:alphaOff val="0"/>
+          </a:schemeClr>
+        </a:solidFill>
+        <a:ln w="12700" cap="flat" cmpd="sng" algn="ctr">
+          <a:solidFill>
+            <a:schemeClr val="lt1">
+              <a:hueOff val="0"/>
+              <a:satOff val="0"/>
+              <a:lumOff val="0"/>
+              <a:alphaOff val="0"/>
+            </a:schemeClr>
+          </a:solidFill>
+          <a:prstDash val="solid"/>
+          <a:miter lim="800000"/>
+        </a:ln>
+        <a:effectLst/>
+      </dsp:spPr>
+      <dsp:style>
+        <a:lnRef idx="2">
+          <a:scrgbClr r="0" g="0" b="0"/>
+        </a:lnRef>
+        <a:fillRef idx="1">
+          <a:scrgbClr r="0" g="0" b="0"/>
+        </a:fillRef>
+        <a:effectRef idx="0">
+          <a:scrgbClr r="0" g="0" b="0"/>
+        </a:effectRef>
+        <a:fontRef idx="minor">
+          <a:schemeClr val="lt1"/>
+        </a:fontRef>
+      </dsp:style>
+      <dsp:txBody>
+        <a:bodyPr spcFirstLastPara="0" vert="horz" wrap="square" lIns="80010" tIns="80010" rIns="80010" bIns="80010" numCol="1" spcCol="1270" anchor="ctr" anchorCtr="0">
+          <a:noAutofit/>
+        </a:bodyPr>
+        <a:lstStyle/>
+        <a:p>
+          <a:pPr marL="0" lvl="0" indent="0" algn="ctr" defTabSz="933450">
+            <a:lnSpc>
+              <a:spcPct val="90000"/>
+            </a:lnSpc>
+            <a:spcBef>
+              <a:spcPct val="0"/>
+            </a:spcBef>
+            <a:spcAft>
+              <a:spcPct val="35000"/>
+            </a:spcAft>
+            <a:buNone/>
+          </a:pPr>
+          <a:r>
+            <a:rPr lang="fr-FR" sz="2100" kern="1200"/>
+            <a:t>Utiliser l’API de JAVA</a:t>
+          </a:r>
+          <a:endParaRPr lang="en-US" sz="2100" kern="1200"/>
+        </a:p>
+      </dsp:txBody>
+      <dsp:txXfrm>
+        <a:off x="3319190" y="627745"/>
+        <a:ext cx="1937228" cy="1937228"/>
+      </dsp:txXfrm>
+    </dsp:sp>
+    <dsp:sp modelId="{F873021D-BF78-4FEB-BF47-DD31D531AEE1}">
+      <dsp:nvSpPr>
+        <dsp:cNvPr id="0" name=""/>
+        <dsp:cNvSpPr/>
+      </dsp:nvSpPr>
+      <dsp:spPr>
+        <a:xfrm>
+          <a:off x="902421" y="2834914"/>
+          <a:ext cx="2146828" cy="2146828"/>
+        </a:xfrm>
+        <a:prstGeom prst="roundRect">
+          <a:avLst/>
+        </a:prstGeom>
+        <a:solidFill>
+          <a:schemeClr val="accent5">
+            <a:hueOff val="-4505695"/>
+            <a:satOff val="-11613"/>
+            <a:lumOff val="-7843"/>
+            <a:alphaOff val="0"/>
+          </a:schemeClr>
+        </a:solidFill>
+        <a:ln w="12700" cap="flat" cmpd="sng" algn="ctr">
+          <a:solidFill>
+            <a:schemeClr val="lt1">
+              <a:hueOff val="0"/>
+              <a:satOff val="0"/>
+              <a:lumOff val="0"/>
+              <a:alphaOff val="0"/>
+            </a:schemeClr>
+          </a:solidFill>
+          <a:prstDash val="solid"/>
+          <a:miter lim="800000"/>
+        </a:ln>
+        <a:effectLst/>
+      </dsp:spPr>
+      <dsp:style>
+        <a:lnRef idx="2">
+          <a:scrgbClr r="0" g="0" b="0"/>
+        </a:lnRef>
+        <a:fillRef idx="1">
+          <a:scrgbClr r="0" g="0" b="0"/>
+        </a:fillRef>
+        <a:effectRef idx="0">
+          <a:scrgbClr r="0" g="0" b="0"/>
+        </a:effectRef>
+        <a:fontRef idx="minor">
+          <a:schemeClr val="lt1"/>
+        </a:fontRef>
+      </dsp:style>
+      <dsp:txBody>
+        <a:bodyPr spcFirstLastPara="0" vert="horz" wrap="square" lIns="80010" tIns="80010" rIns="80010" bIns="80010" numCol="1" spcCol="1270" anchor="ctr" anchorCtr="0">
+          <a:noAutofit/>
+        </a:bodyPr>
+        <a:lstStyle/>
+        <a:p>
+          <a:pPr marL="0" lvl="0" indent="0" algn="ctr" defTabSz="933450">
+            <a:lnSpc>
+              <a:spcPct val="90000"/>
+            </a:lnSpc>
+            <a:spcBef>
+              <a:spcPct val="0"/>
+            </a:spcBef>
+            <a:spcAft>
+              <a:spcPct val="35000"/>
+            </a:spcAft>
+            <a:buNone/>
+          </a:pPr>
+          <a:r>
+            <a:rPr lang="fr-FR" sz="2100" kern="1200"/>
+            <a:t>JAVADOC</a:t>
+          </a:r>
+          <a:endParaRPr lang="en-US" sz="2100" kern="1200"/>
+        </a:p>
+      </dsp:txBody>
+      <dsp:txXfrm>
+        <a:off x="1007221" y="2939714"/>
+        <a:ext cx="1937228" cy="1937228"/>
+      </dsp:txXfrm>
+    </dsp:sp>
+    <dsp:sp modelId="{6C0452CF-F8D3-474A-9ED0-B6BC3880744E}">
+      <dsp:nvSpPr>
+        <dsp:cNvPr id="0" name=""/>
+        <dsp:cNvSpPr/>
+      </dsp:nvSpPr>
+      <dsp:spPr>
+        <a:xfrm>
+          <a:off x="3214390" y="2834914"/>
+          <a:ext cx="2146828" cy="2146828"/>
+        </a:xfrm>
+        <a:prstGeom prst="roundRect">
+          <a:avLst/>
+        </a:prstGeom>
+        <a:solidFill>
+          <a:schemeClr val="accent5">
+            <a:hueOff val="-6758543"/>
+            <a:satOff val="-17419"/>
+            <a:lumOff val="-11765"/>
+            <a:alphaOff val="0"/>
+          </a:schemeClr>
+        </a:solidFill>
+        <a:ln w="12700" cap="flat" cmpd="sng" algn="ctr">
+          <a:solidFill>
+            <a:schemeClr val="lt1">
+              <a:hueOff val="0"/>
+              <a:satOff val="0"/>
+              <a:lumOff val="0"/>
+              <a:alphaOff val="0"/>
+            </a:schemeClr>
+          </a:solidFill>
+          <a:prstDash val="solid"/>
+          <a:miter lim="800000"/>
+        </a:ln>
+        <a:effectLst/>
+      </dsp:spPr>
+      <dsp:style>
+        <a:lnRef idx="2">
+          <a:scrgbClr r="0" g="0" b="0"/>
+        </a:lnRef>
+        <a:fillRef idx="1">
+          <a:scrgbClr r="0" g="0" b="0"/>
+        </a:fillRef>
+        <a:effectRef idx="0">
+          <a:scrgbClr r="0" g="0" b="0"/>
+        </a:effectRef>
+        <a:fontRef idx="minor">
+          <a:schemeClr val="lt1"/>
+        </a:fontRef>
+      </dsp:style>
+      <dsp:txBody>
+        <a:bodyPr spcFirstLastPara="0" vert="horz" wrap="square" lIns="80010" tIns="80010" rIns="80010" bIns="80010" numCol="1" spcCol="1270" anchor="ctr" anchorCtr="0">
+          <a:noAutofit/>
+        </a:bodyPr>
+        <a:lstStyle/>
+        <a:p>
+          <a:pPr marL="0" lvl="0" indent="0" algn="ctr" defTabSz="933450">
+            <a:lnSpc>
+              <a:spcPct val="90000"/>
+            </a:lnSpc>
+            <a:spcBef>
+              <a:spcPct val="0"/>
+            </a:spcBef>
+            <a:spcAft>
+              <a:spcPct val="35000"/>
+            </a:spcAft>
+            <a:buNone/>
+          </a:pPr>
+          <a:r>
+            <a:rPr lang="fr-FR" sz="2100" kern="1200"/>
+            <a:t>Code long</a:t>
+          </a:r>
+          <a:endParaRPr lang="en-US" sz="2100" kern="1200"/>
+        </a:p>
+      </dsp:txBody>
+      <dsp:txXfrm>
+        <a:off x="3319190" y="2939714"/>
+        <a:ext cx="1937228" cy="1937228"/>
+      </dsp:txXfrm>
+    </dsp:sp>
+  </dsp:spTree>
+</dsp:drawing>
+</file>
+
+<file path=ppt/diagrams/layout1.xml><?xml version="1.0" encoding="utf-8"?>
+<dgm:layoutDef xmlns:dgm="http://schemas.openxmlformats.org/drawingml/2006/diagram" xmlns:a="http://schemas.openxmlformats.org/drawingml/2006/main" uniqueId="urn:microsoft.com/office/officeart/2005/8/layout/vList2">
+  <dgm:title val=""/>
+  <dgm:desc val=""/>
+  <dgm:catLst>
+    <dgm:cat type="list" pri="3000"/>
+    <dgm:cat type="convert" pri="1000"/>
+  </dgm:catLst>
+  <dgm:sampData>
+    <dgm:dataModel>
+      <dgm:ptLst>
+        <dgm:pt modelId="0" type="doc"/>
+        <dgm:pt modelId="1">
+          <dgm:prSet phldr="1"/>
+        </dgm:pt>
+        <dgm:pt modelId="11">
+          <dgm:prSet phldr="1"/>
+        </dgm:pt>
+        <dgm:pt modelId="2">
+          <dgm:prSet phldr="1"/>
+        </dgm:pt>
+        <dgm:pt modelId="21">
+          <dgm:prSet phldr="1"/>
+        </dgm:pt>
+      </dgm:ptLst>
+      <dgm:cxnLst>
+        <dgm:cxn modelId="4" srcId="0" destId="1" srcOrd="0" destOrd="0"/>
+        <dgm:cxn modelId="5" srcId="0" destId="2" srcOrd="1" destOrd="0"/>
+        <dgm:cxn modelId="12" srcId="1" destId="11" srcOrd="0" destOrd="0"/>
+        <dgm:cxn modelId="23" srcId="2" destId="21" srcOrd="0" destOrd="0"/>
+      </dgm:cxnLst>
+      <dgm:bg/>
+      <dgm:whole/>
+    </dgm:dataModel>
+  </dgm:sampData>
+  <dgm:styleData>
+    <dgm:dataModel>
+      <dgm:ptLst>
+        <dgm:pt modelId="0" type="doc"/>
+        <dgm:pt modelId="1"/>
+        <dgm:pt modelId="2"/>
+      </dgm:ptLst>
+      <dgm:cxnLst>
+        <dgm:cxn modelId="3" srcId="0" destId="1" srcOrd="0" destOrd="0"/>
+        <dgm:cxn modelId="4" srcId="0" destId="2" srcOrd="1" destOrd="0"/>
+      </dgm:cxnLst>
+      <dgm:bg/>
+      <dgm:whole/>
+    </dgm:dataModel>
+  </dgm:styleData>
+  <dgm:clrData>
+    <dgm:dataModel>
+      <dgm:ptLst>
+        <dgm:pt modelId="0" type="doc"/>
+        <dgm:pt modelId="1"/>
+        <dgm:pt modelId="2"/>
+        <dgm:pt modelId="3"/>
+        <dgm:pt modelId="4"/>
+      </dgm:ptLst>
+      <dgm:cxnLst>
+        <dgm:cxn modelId="5" srcId="0" destId="1" srcOrd="0" destOrd="0"/>
+        <dgm:cxn modelId="6" srcId="0" destId="2" srcOrd="1" destOrd="0"/>
+        <dgm:cxn modelId="7" srcId="0" destId="3" srcOrd="2" destOrd="0"/>
+        <dgm:cxn modelId="8" srcId="0" destId="4" srcOrd="3" destOrd="0"/>
+      </dgm:cxnLst>
+      <dgm:bg/>
+      <dgm:whole/>
+    </dgm:dataModel>
+  </dgm:clrData>
+  <dgm:layoutNode name="linear">
+    <dgm:varLst>
+      <dgm:animLvl val="lvl"/>
+      <dgm:resizeHandles val="exact"/>
+    </dgm:varLst>
+    <dgm:alg type="lin">
+      <dgm:param type="linDir" val="fromT"/>
+      <dgm:param type="vertAlign" val="mid"/>
+    </dgm:alg>
+    <dgm:shape xmlns:r="http://schemas.openxmlformats.org/officeDocument/2006/relationships" r:blip="">
+      <dgm:adjLst/>
+    </dgm:shape>
+    <dgm:presOf/>
+    <dgm:constrLst>
+      <dgm:constr type="w" for="ch" forName="parentText" refType="w"/>
+      <dgm:constr type="h" for="ch" forName="parentText" refType="primFontSz" refFor="ch" refForName="parentText" fact="0.52"/>
+      <dgm:constr type="w" for="ch" forName="childText" refType="w"/>
+      <dgm:constr type="h" for="ch" forName="childText" refType="primFontSz" refFor="ch" refForName="parentText" fact="0.46"/>
+      <dgm:constr type="h" for="ch" forName="parentText" op="equ"/>
+      <dgm:constr type="primFontSz" for="ch" forName="parentText" op="equ" val="65"/>
+      <dgm:constr type="primFontSz" for="ch" forName="childText" refType="primFontSz" refFor="ch" refForName="parentText" op="equ"/>
+      <dgm:constr type="h" for="ch" forName="spacer" refType="primFontSz" refFor="ch" refForName="parentText" fact="0.08"/>
+    </dgm:constrLst>
+    <dgm:ruleLst>
+      <dgm:rule type="primFontSz" for="ch" forName="parentText" val="5" fact="NaN" max="NaN"/>
+    </dgm:ruleLst>
+    <dgm:forEach name="Name0" axis="ch" ptType="node">
+      <dgm:layoutNode name="parentText" styleLbl="node1">
+        <dgm:varLst>
+          <dgm:chMax val="0"/>
+          <dgm:bulletEnabled val="1"/>
+        </dgm:varLst>
+        <dgm:alg type="tx">
+          <dgm:param type="parTxLTRAlign" val="l"/>
+          <dgm:param type="parTxRTLAlign" val="r"/>
+        </dgm:alg>
+        <dgm:shape xmlns:r="http://schemas.openxmlformats.org/officeDocument/2006/relationships" type="roundRect" r:blip="">
+          <dgm:adjLst/>
+        </dgm:shape>
+        <dgm:presOf axis="self"/>
+        <dgm:constrLst>
+          <dgm:constr type="tMarg" refType="primFontSz" fact="0.3"/>
+          <dgm:constr type="bMarg" refType="primFontSz" fact="0.3"/>
+          <dgm:constr type="lMarg" refType="primFontSz" fact="0.3"/>
+          <dgm:constr type="rMarg" refType="primFontSz" fact="0.3"/>
+        </dgm:constrLst>
+        <dgm:ruleLst>
+          <dgm:rule type="h" val="INF" fact="NaN" max="NaN"/>
+        </dgm:ruleLst>
+      </dgm:layoutNode>
+      <dgm:choose name="Name1">
+        <dgm:if name="Name2" axis="ch" ptType="node" func="cnt" op="gte" val="1">
+          <dgm:layoutNode name="childText" styleLbl="revTx">
+            <dgm:varLst>
+              <dgm:bulletEnabled val="1"/>
+            </dgm:varLst>
+            <dgm:alg type="tx">
+              <dgm:param type="stBulletLvl" val="1"/>
+              <dgm:param type="lnSpAfChP" val="20"/>
+            </dgm:alg>
+            <dgm:shape xmlns:r="http://schemas.openxmlformats.org/officeDocument/2006/relationships" type="rect" r:blip="">
+              <dgm:adjLst/>
+            </dgm:shape>
+            <dgm:presOf axis="des" ptType="node"/>
+            <dgm:constrLst>
+              <dgm:constr type="tMarg" refType="primFontSz" fact="0.1"/>
+              <dgm:constr type="bMarg" refType="primFontSz" fact="0.1"/>
+              <dgm:constr type="lMarg" refType="w" fact="0.09"/>
+            </dgm:constrLst>
+            <dgm:ruleLst>
+              <dgm:rule type="h" val="INF" fact="NaN" max="NaN"/>
+            </dgm:ruleLst>
+          </dgm:layoutNode>
+        </dgm:if>
+        <dgm:else name="Name3">
+          <dgm:choose name="Name4">
+            <dgm:if name="Name5" axis="par ch" ptType="doc node" func="cnt" op="gte" val="2">
+              <dgm:forEach name="Name6" axis="followSib" ptType="sibTrans" cnt="1">
+                <dgm:layoutNode name="spacer">
+                  <dgm:alg type="sp"/>
+                  <dgm:shape xmlns:r="http://schemas.openxmlformats.org/officeDocument/2006/relationships" r:blip="">
+                    <dgm:adjLst/>
+                  </dgm:shape>
+                  <dgm:presOf/>
+                  <dgm:constrLst/>
+                  <dgm:ruleLst/>
+                </dgm:layoutNode>
+              </dgm:forEach>
+            </dgm:if>
+            <dgm:else name="Name7"/>
+          </dgm:choose>
+        </dgm:else>
+      </dgm:choose>
+    </dgm:forEach>
+  </dgm:layoutNode>
+</dgm:layoutDef>
+</file>
+
+<file path=ppt/diagrams/layout2.xml><?xml version="1.0" encoding="utf-8"?>
+<dgm:layoutDef xmlns:dgm="http://schemas.openxmlformats.org/drawingml/2006/diagram" xmlns:a="http://schemas.openxmlformats.org/drawingml/2006/main" uniqueId="urn:microsoft.com/office/officeart/2005/8/layout/matrix3">
+  <dgm:title val=""/>
+  <dgm:desc val=""/>
+  <dgm:catLst>
+    <dgm:cat type="matrix" pri="1000"/>
+    <dgm:cat type="convert" pri="18000"/>
+  </dgm:catLst>
+  <dgm:sampData>
+    <dgm:dataModel>
+      <dgm:ptLst>
+        <dgm:pt modelId="0" type="doc"/>
+        <dgm:pt modelId="1">
+          <dgm:prSet phldr="1"/>
+        </dgm:pt>
+        <dgm:pt modelId="2">
+          <dgm:prSet phldr="1"/>
+        </dgm:pt>
+        <dgm:pt modelId="3">
+          <dgm:prSet phldr="1"/>
+        </dgm:pt>
+        <dgm:pt modelId="4">
+          <dgm:prSet phldr="1"/>
+        </dgm:pt>
+      </dgm:ptLst>
+      <dgm:cxnLst>
+        <dgm:cxn modelId="5" srcId="0" destId="1" srcOrd="0" destOrd="0"/>
+        <dgm:cxn modelId="6" srcId="0" destId="2" srcOrd="1" destOrd="0"/>
+        <dgm:cxn modelId="7" srcId="0" destId="3" srcOrd="0" destOrd="0"/>
+        <dgm:cxn modelId="8" srcId="0" destId="4" srcOrd="1" destOrd="0"/>
+      </dgm:cxnLst>
+      <dgm:bg/>
+      <dgm:whole/>
+    </dgm:dataModel>
+  </dgm:sampData>
+  <dgm:styleData useDef="1">
+    <dgm:dataModel>
+      <dgm:ptLst/>
+      <dgm:bg/>
+      <dgm:whole/>
+    </dgm:dataModel>
+  </dgm:styleData>
+  <dgm:clrData useDef="1">
+    <dgm:dataModel>
+      <dgm:ptLst/>
+      <dgm:bg/>
+      <dgm:whole/>
+    </dgm:dataModel>
+  </dgm:clrData>
+  <dgm:layoutNode name="matrix">
+    <dgm:varLst>
+      <dgm:chMax val="1"/>
+      <dgm:dir/>
+      <dgm:resizeHandles val="exact"/>
+    </dgm:varLst>
+    <dgm:alg type="composite">
+      <dgm:param type="ar" val="1"/>
+    </dgm:alg>
+    <dgm:shape xmlns:r="http://schemas.openxmlformats.org/officeDocument/2006/relationships" r:blip="">
+      <dgm:adjLst/>
+    </dgm:shape>
+    <dgm:presOf/>
+    <dgm:choose name="Name0">
+      <dgm:if name="Name1" func="var" arg="dir" op="equ" val="norm">
+        <dgm:constrLst>
+          <dgm:constr type="w" for="ch" forName="diamond" refType="w"/>
+          <dgm:constr type="h" for="ch" forName="diamond" refType="h"/>
+          <dgm:constr type="w" for="ch" forName="quad1" refType="w" fact="0.39"/>
+          <dgm:constr type="h" for="ch" forName="quad1" refType="h" fact="0.39"/>
+          <dgm:constr type="ctrX" for="ch" forName="quad1" refType="w" fact="0.29"/>
+          <dgm:constr type="ctrY" for="ch" forName="quad1" refType="h" fact="0.29"/>
+          <dgm:constr type="w" for="ch" forName="quad2" refType="w" fact="0.39"/>
+          <dgm:constr type="h" for="ch" forName="quad2" refType="h" fact="0.39"/>
+          <dgm:constr type="ctrX" for="ch" forName="quad2" refType="w" fact="0.71"/>
+          <dgm:constr type="ctrY" for="ch" forName="quad2" refType="h" fact="0.29"/>
+          <dgm:constr type="w" for="ch" forName="quad3" refType="w" fact="0.39"/>
+          <dgm:constr type="h" for="ch" forName="quad3" refType="h" fact="0.39"/>
+          <dgm:constr type="ctrX" for="ch" forName="quad3" refType="w" fact="0.29"/>
+          <dgm:constr type="ctrY" for="ch" forName="quad3" refType="h" fact="0.71"/>
+          <dgm:constr type="w" for="ch" forName="quad4" refType="w" fact="0.39"/>
+          <dgm:constr type="h" for="ch" forName="quad4" refType="h" fact="0.39"/>
+          <dgm:constr type="ctrX" for="ch" forName="quad4" refType="w" fact="0.71"/>
+          <dgm:constr type="ctrY" for="ch" forName="quad4" refType="h" fact="0.71"/>
+          <dgm:constr type="primFontSz" for="des" ptType="node" op="equ" val="65"/>
+        </dgm:constrLst>
+      </dgm:if>
+      <dgm:else name="Name2">
+        <dgm:constrLst>
+          <dgm:constr type="w" for="ch" forName="diamond" refType="w"/>
+          <dgm:constr type="h" for="ch" forName="diamond" refType="h"/>
+          <dgm:constr type="w" for="ch" forName="quad1" refType="w" fact="0.39"/>
+          <dgm:constr type="h" for="ch" forName="quad1" refType="h" fact="0.39"/>
+          <dgm:constr type="ctrX" for="ch" forName="quad1" refType="w" fact="0.71"/>
+          <dgm:constr type="ctrY" for="ch" forName="quad1" refType="h" fact="0.29"/>
+          <dgm:constr type="w" for="ch" forName="quad2" refType="w" fact="0.39"/>
+          <dgm:constr type="h" for="ch" forName="quad2" refType="h" fact="0.39"/>
+          <dgm:constr type="ctrX" for="ch" forName="quad2" refType="w" fact="0.29"/>
+          <dgm:constr type="ctrY" for="ch" forName="quad2" refType="h" fact="0.29"/>
+          <dgm:constr type="w" for="ch" forName="quad3" refType="w" fact="0.39"/>
+          <dgm:constr type="h" for="ch" forName="quad3" refType="h" fact="0.39"/>
+          <dgm:constr type="ctrX" for="ch" forName="quad3" refType="w" fact="0.71"/>
+          <dgm:constr type="ctrY" for="ch" forName="quad3" refType="h" fact="0.71"/>
+          <dgm:constr type="w" for="ch" forName="quad4" refType="w" fact="0.39"/>
+          <dgm:constr type="h" for="ch" forName="quad4" refType="h" fact="0.39"/>
+          <dgm:constr type="ctrX" for="ch" forName="quad4" refType="w" fact="0.29"/>
+          <dgm:constr type="ctrY" for="ch" forName="quad4" refType="h" fact="0.71"/>
+          <dgm:constr type="primFontSz" for="des" ptType="node" op="equ" val="65"/>
+        </dgm:constrLst>
+      </dgm:else>
+    </dgm:choose>
+    <dgm:ruleLst/>
+    <dgm:choose name="Name3">
+      <dgm:if name="Name4" axis="ch" ptType="node" func="cnt" op="gte" val="1">
+        <dgm:layoutNode name="diamond" styleLbl="bgShp">
+          <dgm:alg type="sp"/>
+          <dgm:shape xmlns:r="http://schemas.openxmlformats.org/officeDocument/2006/relationships" type="diamond" r:blip="">
+            <dgm:adjLst/>
+          </dgm:shape>
+          <dgm:presOf/>
+          <dgm:constrLst>
+            <dgm:constr type="w" refType="h" op="equ"/>
+          </dgm:constrLst>
+          <dgm:ruleLst/>
+        </dgm:layoutNode>
+        <dgm:layoutNode name="quad1">
+          <dgm:varLst>
+            <dgm:chMax val="0"/>
+            <dgm:chPref val="0"/>
+            <dgm:bulletEnabled val="1"/>
+          </dgm:varLst>
+          <dgm:alg type="tx"/>
+          <dgm:shape xmlns:r="http://schemas.openxmlformats.org/officeDocument/2006/relationships" type="roundRect" r:blip="">
+            <dgm:adjLst/>
+          </dgm:shape>
+          <dgm:presOf axis="ch desOrSelf" ptType="node node" st="1 1" cnt="1 0"/>
+          <dgm:constrLst>
+            <dgm:constr type="w" refType="h" op="equ"/>
+            <dgm:constr type="tMarg" refType="primFontSz" fact="0.3"/>
+            <dgm:constr type="bMarg" refType="primFontSz" fact="0.3"/>
+            <dgm:constr type="lMarg" refType="primFontSz" fact="0.3"/>
+            <dgm:constr type="rMarg" refType="primFontSz" fact="0.3"/>
+          </dgm:constrLst>
+          <dgm:ruleLst>
+            <dgm:rule type="primFontSz" val="5" fact="NaN" max="NaN"/>
+          </dgm:ruleLst>
+        </dgm:layoutNode>
+        <dgm:layoutNode name="quad2">
+          <dgm:varLst>
+            <dgm:chMax val="0"/>
+            <dgm:chPref val="0"/>
+            <dgm:bulletEnabled val="1"/>
+          </dgm:varLst>
+          <dgm:alg type="tx"/>
+          <dgm:shape xmlns:r="http://schemas.openxmlformats.org/officeDocument/2006/relationships" type="roundRect" r:blip="">
+            <dgm:adjLst/>
+          </dgm:shape>
+          <dgm:presOf axis="ch desOrSelf" ptType="node node" st="2 1" cnt="1 0"/>
+          <dgm:constrLst>
+            <dgm:constr type="w" refType="h" op="equ"/>
+            <dgm:constr type="tMarg" refType="primFontSz" fact="0.3"/>
+            <dgm:constr type="bMarg" refType="primFontSz" fact="0.3"/>
+            <dgm:constr type="lMarg" refType="primFontSz" fact="0.3"/>
+            <dgm:constr type="rMarg" refType="primFontSz" fact="0.3"/>
+          </dgm:constrLst>
+          <dgm:ruleLst>
+            <dgm:rule type="primFontSz" val="5" fact="NaN" max="NaN"/>
+          </dgm:ruleLst>
+        </dgm:layoutNode>
+        <dgm:layoutNode name="quad3">
+          <dgm:varLst>
+            <dgm:chMax val="0"/>
+            <dgm:chPref val="0"/>
+            <dgm:bulletEnabled val="1"/>
+          </dgm:varLst>
+          <dgm:alg type="tx"/>
+          <dgm:shape xmlns:r="http://schemas.openxmlformats.org/officeDocument/2006/relationships" type="roundRect" r:blip="">
+            <dgm:adjLst/>
+          </dgm:shape>
+          <dgm:presOf axis="ch desOrSelf" ptType="node node" st="3 1" cnt="1 0"/>
+          <dgm:constrLst>
+            <dgm:constr type="w" refType="h" op="equ"/>
+            <dgm:constr type="tMarg" refType="primFontSz" fact="0.3"/>
+            <dgm:constr type="bMarg" refType="primFontSz" fact="0.3"/>
+            <dgm:constr type="lMarg" refType="primFontSz" fact="0.3"/>
+            <dgm:constr type="rMarg" refType="primFontSz" fact="0.3"/>
+          </dgm:constrLst>
+          <dgm:ruleLst>
+            <dgm:rule type="primFontSz" val="5" fact="NaN" max="NaN"/>
+          </dgm:ruleLst>
+        </dgm:layoutNode>
+        <dgm:layoutNode name="quad4">
+          <dgm:varLst>
+            <dgm:chMax val="0"/>
+            <dgm:chPref val="0"/>
+            <dgm:bulletEnabled val="1"/>
+          </dgm:varLst>
+          <dgm:alg type="tx"/>
+          <dgm:shape xmlns:r="http://schemas.openxmlformats.org/officeDocument/2006/relationships" type="roundRect" r:blip="">
+            <dgm:adjLst/>
+          </dgm:shape>
+          <dgm:presOf axis="ch desOrSelf" ptType="node node" st="4 1" cnt="1 0"/>
+          <dgm:constrLst>
+            <dgm:constr type="w" refType="h" op="equ"/>
+            <dgm:constr type="tMarg" refType="primFontSz" fact="0.3"/>
+            <dgm:constr type="bMarg" refType="primFontSz" fact="0.3"/>
+            <dgm:constr type="lMarg" refType="primFontSz" fact="0.3"/>
+            <dgm:constr type="rMarg" refType="primFontSz" fact="0.3"/>
+          </dgm:constrLst>
+          <dgm:ruleLst>
+            <dgm:rule type="primFontSz" val="5" fact="NaN" max="NaN"/>
+          </dgm:ruleLst>
+        </dgm:layoutNode>
+      </dgm:if>
+      <dgm:else name="Name5"/>
+    </dgm:choose>
+  </dgm:layoutNode>
+</dgm:layoutDef>
+</file>
+
+<file path=ppt/diagrams/quickStyle1.xml><?xml version="1.0" encoding="utf-8"?>
+<dgm:styleDef xmlns:dgm="http://schemas.openxmlformats.org/drawingml/2006/diagram" xmlns:a="http://schemas.openxmlformats.org/drawingml/2006/main" uniqueId="urn:microsoft.com/office/officeart/2005/8/quickstyle/simple1">
+  <dgm:title val=""/>
+  <dgm:desc val=""/>
+  <dgm:catLst>
+    <dgm:cat type="simple" pri="10100"/>
+  </dgm:catLst>
+  <dgm:scene3d>
+    <a:camera prst="orthographicFront"/>
+    <a:lightRig rig="threePt" dir="t"/>
+  </dgm:scene3d>
+  <dgm:styleLbl name="node0">
+    <dgm:scene3d>
+      <a:camera prst="orthographicFront"/>
+      <a:lightRig rig="threePt" dir="t"/>
+    </dgm:scene3d>
+    <dgm:sp3d/>
+    <dgm:txPr/>
+    <dgm:style>
+      <a:lnRef idx="2">
+        <a:scrgbClr r="0" g="0" b="0"/>
+      </a:lnRef>
+      <a:fillRef idx="1">
+        <a:scrgbClr r="0" g="0" b="0"/>
+      </a:fillRef>
+      <a:effectRef idx="0">
+        <a:scrgbClr r="0" g="0" b="0"/>
+      </a:effectRef>
+      <a:fontRef idx="minor">
+        <a:schemeClr val="lt1"/>
+      </a:fontRef>
+    </dgm:style>
+  </dgm:styleLbl>
+  <dgm:styleLbl name="lnNode1">
+    <dgm:scene3d>
+      <a:camera prst="orthographicFront"/>
+      <a:lightRig rig="threePt" dir="t"/>
+    </dgm:scene3d>
+    <dgm:sp3d/>
+    <dgm:txPr/>
+    <dgm:style>
+      <a:lnRef idx="2">
+        <a:scrgbClr r="0" g="0" b="0"/>
+      </a:lnRef>
+      <a:fillRef idx="1">
+        <a:scrgbClr r="0" g="0" b="0"/>
+      </a:fillRef>
+      <a:effectRef idx="0">
+        <a:scrgbClr r="0" g="0" b="0"/>
+      </a:effectRef>
+      <a:fontRef idx="minor">
+        <a:schemeClr val="lt1"/>
+      </a:fontRef>
+    </dgm:style>
+  </dgm:styleLbl>
+  <dgm:styleLbl name="vennNode1">
+    <dgm:scene3d>
+      <a:camera prst="orthographicFront"/>
+      <a:lightRig rig="threePt" dir="t"/>
+    </dgm:scene3d>
+    <dgm:sp3d/>
+    <dgm:txPr/>
+    <dgm:style>
+      <a:lnRef idx="2">
+        <a:scrgbClr r="0" g="0" b="0"/>
+      </a:lnRef>
+      <a:fillRef idx="1">
+        <a:scrgbClr r="0" g="0" b="0"/>
+      </a:fillRef>
+      <a:effectRef idx="0">
+        <a:scrgbClr r="0" g="0" b="0"/>
+      </a:effectRef>
+      <a:fontRef idx="minor">
+        <a:schemeClr val="tx1"/>
+      </a:fontRef>
+    </dgm:style>
+  </dgm:styleLbl>
+  <dgm:styleLbl name="alignNode1">
+    <dgm:scene3d>
+      <a:camera prst="orthographicFront"/>
+      <a:lightRig rig="threePt" dir="t"/>
+    </dgm:scene3d>
+    <dgm:sp3d/>
+    <dgm:txPr/>
+    <dgm:style>
+      <a:lnRef idx="2">
+        <a:scrgbClr r="0" g="0" b="0"/>
+      </a:lnRef>
+      <a:fillRef idx="1">
+        <a:scrgbClr r="0" g="0" b="0"/>
+      </a:fillRef>
+      <a:effectRef idx="0">
+        <a:scrgbClr r="0" g="0" b="0"/>
+      </a:effectRef>
+      <a:fontRef idx="minor">
+        <a:schemeClr val="lt1"/>
+      </a:fontRef>
+    </dgm:style>
+  </dgm:styleLbl>
+  <dgm:styleLbl name="node1">
+    <dgm:scene3d>
+      <a:camera prst="orthographicFront"/>
+      <a:lightRig rig="threePt" dir="t"/>
+    </dgm:scene3d>
+    <dgm:sp3d/>
+    <dgm:txPr/>
+    <dgm:style>
+      <a:lnRef idx="2">
+        <a:scrgbClr r="0" g="0" b="0"/>
+      </a:lnRef>
+      <a:fillRef idx="1">
+        <a:scrgbClr r="0" g="0" b="0"/>
+      </a:fillRef>
+      <a:effectRef idx="0">
+        <a:scrgbClr r="0" g="0" b="0"/>
+      </a:effectRef>
+      <a:fontRef idx="minor">
+        <a:schemeClr val="lt1"/>
+      </a:fontRef>
+    </dgm:style>
+  </dgm:styleLbl>
+  <dgm:styleLbl name="node2">
+    <dgm:scene3d>
+      <a:camera prst="orthographicFront"/>
+      <a:lightRig rig="threePt" dir="t"/>
+    </dgm:scene3d>
+    <dgm:sp3d/>
+    <dgm:txPr/>
+    <dgm:style>
+      <a:lnRef idx="2">
+        <a:scrgbClr r="0" g="0" b="0"/>
+      </a:lnRef>
+      <a:fillRef idx="1">
+        <a:scrgbClr r="0" g="0" b="0"/>
+      </a:fillRef>
+      <a:effectRef idx="0">
+        <a:scrgbClr r="0" g="0" b="0"/>
+      </a:effectRef>
+      <a:fontRef idx="minor">
+        <a:schemeClr val="lt1"/>
+      </a:fontRef>
+    </dgm:style>
+  </dgm:styleLbl>
+  <dgm:styleLbl name="node3">
+    <dgm:scene3d>
+      <a:camera prst="orthographicFront"/>
+      <a:lightRig rig="threePt" dir="t"/>
+    </dgm:scene3d>
+    <dgm:sp3d/>
+    <dgm:txPr/>
+    <dgm:style>
+      <a:lnRef idx="2">
+        <a:scrgbClr r="0" g="0" b="0"/>
+      </a:lnRef>
+      <a:fillRef idx="1">
+        <a:scrgbClr r="0" g="0" b="0"/>
+      </a:fillRef>
+      <a:effectRef idx="0">
+        <a:scrgbClr r="0" g="0" b="0"/>
+      </a:effectRef>
+      <a:fontRef idx="minor">
+        <a:schemeClr val="lt1"/>
+      </a:fontRef>
+    </dgm:style>
+  </dgm:styleLbl>
+  <dgm:styleLbl name="node4">
+    <dgm:scene3d>
+      <a:camera prst="orthographicFront"/>
+      <a:lightRig rig="threePt" dir="t"/>
+    </dgm:scene3d>
+    <dgm:sp3d/>
+    <dgm:txPr/>
+    <dgm:style>
+      <a:lnRef idx="2">
+        <a:scrgbClr r="0" g="0" b="0"/>
+      </a:lnRef>
+      <a:fillRef idx="1">
+        <a:scrgbClr r="0" g="0" b="0"/>
+      </a:fillRef>
+      <a:effectRef idx="0">
+        <a:scrgbClr r="0" g="0" b="0"/>
+      </a:effectRef>
+      <a:fontRef idx="minor">
+        <a:schemeClr val="lt1"/>
+      </a:fontRef>
+    </dgm:style>
+  </dgm:styleLbl>
+  <dgm:styleLbl name="fgImgPlace1">
+    <dgm:scene3d>
+      <a:camera prst="orthographicFront"/>
+      <a:lightRig rig="threePt" dir="t"/>
+    </dgm:scene3d>
+    <dgm:sp3d/>
+    <dgm:txPr/>
+    <dgm:style>
+      <a:lnRef idx="2">
+        <a:scrgbClr r="0" g="0" b="0"/>
+      </a:lnRef>
+      <a:fillRef idx="1">
+        <a:scrgbClr r="0" g="0" b="0"/>
+      </a:fillRef>
+      <a:effectRef idx="0">
+        <a:scrgbClr r="0" g="0" b="0"/>
+      </a:effectRef>
+      <a:fontRef idx="minor"/>
+    </dgm:style>
+  </dgm:styleLbl>
+  <dgm:styleLbl name="alignImgPlace1">
+    <dgm:scene3d>
+      <a:camera prst="orthographicFront"/>
+      <a:lightRig rig="threePt" dir="t"/>
+    </dgm:scene3d>
+    <dgm:sp3d/>
+    <dgm:txPr/>
+    <dgm:style>
+      <a:lnRef idx="2">
+        <a:scrgbClr r="0" g="0" b="0"/>
+      </a:lnRef>
+      <a:fillRef idx="1">
+        <a:scrgbClr r="0" g="0" b="0"/>
+      </a:fillRef>
+      <a:effectRef idx="0">
+        <a:scrgbClr r="0" g="0" b="0"/>
+      </a:effectRef>
+      <a:fontRef idx="minor"/>
+    </dgm:style>
+  </dgm:styleLbl>
+  <dgm:styleLbl name="bgImgPlace1">
+    <dgm:scene3d>
+      <a:camera prst="orthographicFront"/>
+      <a:lightRig rig="threePt" dir="t"/>
+    </dgm:scene3d>
+    <dgm:sp3d/>
+    <dgm:txPr/>
+    <dgm:style>
+      <a:lnRef idx="2">
+        <a:scrgbClr r="0" g="0" b="0"/>
+      </a:lnRef>
+      <a:fillRef idx="1">
+        <a:scrgbClr r="0" g="0" b="0"/>
+      </a:fillRef>
+      <a:effectRef idx="0">
+        <a:scrgbClr r="0" g="0" b="0"/>
+      </a:effectRef>
+      <a:fontRef idx="minor"/>
+    </dgm:style>
+  </dgm:styleLbl>
+  <dgm:styleLbl name="sibTrans2D1">
+    <dgm:scene3d>
+      <a:camera prst="orthographicFront"/>
+      <a:lightRig rig="threePt" dir="t"/>
+    </dgm:scene3d>
+    <dgm:sp3d/>
+    <dgm:txPr/>
+    <dgm:style>
+      <a:lnRef idx="0">
+        <a:scrgbClr r="0" g="0" b="0"/>
+      </a:lnRef>
+      <a:fillRef idx="1">
+        <a:scrgbClr r="0" g="0" b="0"/>
+      </a:fillRef>
+      <a:effectRef idx="0">
+        <a:scrgbClr r="0" g="0" b="0"/>
+      </a:effectRef>
+      <a:fontRef idx="minor">
+        <a:schemeClr val="lt1"/>
+      </a:fontRef>
+    </dgm:style>
+  </dgm:styleLbl>
+  <dgm:styleLbl name="fgSibTrans2D1">
+    <dgm:scene3d>
+      <a:camera prst="orthographicFront"/>
+      <a:lightRig rig="threePt" dir="t"/>
+    </dgm:scene3d>
+    <dgm:sp3d/>
+    <dgm:txPr/>
+    <dgm:style>
+      <a:lnRef idx="0">
+        <a:scrgbClr r="0" g="0" b="0"/>
+      </a:lnRef>
+      <a:fillRef idx="1">
+        <a:scrgbClr r="0" g="0" b="0"/>
+      </a:fillRef>
+      <a:effectRef idx="0">
+        <a:scrgbClr r="0" g="0" b="0"/>
+      </a:effectRef>
+      <a:fontRef idx="minor">
+        <a:schemeClr val="lt1"/>
+      </a:fontRef>
+    </dgm:style>
+  </dgm:styleLbl>
+  <dgm:styleLbl name="bgSibTrans2D1">
+    <dgm:scene3d>
+      <a:camera prst="orthographicFront"/>
+      <a:lightRig rig="threePt" dir="t"/>
+    </dgm:scene3d>
+    <dgm:sp3d/>
+    <dgm:txPr/>
+    <dgm:style>
+      <a:lnRef idx="0">
+        <a:scrgbClr r="0" g="0" b="0"/>
+      </a:lnRef>
+      <a:fillRef idx="1">
+        <a:scrgbClr r="0" g="0" b="0"/>
+      </a:fillRef>
+      <a:effectRef idx="0">
+        <a:scrgbClr r="0" g="0" b="0"/>
+      </a:effectRef>
+      <a:fontRef idx="minor">
+        <a:schemeClr val="lt1"/>
+      </a:fontRef>
+    </dgm:style>
+  </dgm:styleLbl>
+  <dgm:styleLbl name="sibTrans1D1">
+    <dgm:scene3d>
+      <a:camera prst="orthographicFront"/>
+      <a:lightRig rig="threePt" dir="t"/>
+    </dgm:scene3d>
+    <dgm:sp3d/>
+    <dgm:txPr/>
+    <dgm:style>
+      <a:lnRef idx="1">
+        <a:scrgbClr r="0" g="0" b="0"/>
+      </a:lnRef>
+      <a:fillRef idx="0">
+        <a:scrgbClr r="0" g="0" b="0"/>
+      </a:fillRef>
+      <a:effectRef idx="0">
+        <a:scrgbClr r="0" g="0" b="0"/>
+      </a:effectRef>
+      <a:fontRef idx="minor"/>
+    </dgm:style>
+  </dgm:styleLbl>
+  <dgm:styleLbl name="callout">
+    <dgm:scene3d>
+      <a:camera prst="orthographicFront"/>
+      <a:lightRig rig="threePt" dir="t"/>
+    </dgm:scene3d>
+    <dgm:sp3d/>
+    <dgm:txPr/>
+    <dgm:style>
+      <a:lnRef idx="2">
+        <a:scrgbClr r="0" g="0" b="0"/>
+      </a:lnRef>
+      <a:fillRef idx="1">
+        <a:scrgbClr r="0" g="0" b="0"/>
+      </a:fillRef>
+      <a:effectRef idx="0">
+        <a:scrgbClr r="0" g="0" b="0"/>
+      </a:effectRef>
+      <a:fontRef idx="minor"/>
+    </dgm:style>
+  </dgm:styleLbl>
+  <dgm:styleLbl name="asst0">
+    <dgm:scene3d>
+      <a:camera prst="orthographicFront"/>
+      <a:lightRig rig="threePt" dir="t"/>
+    </dgm:scene3d>
+    <dgm:sp3d/>
+    <dgm:txPr/>
+    <dgm:style>
+      <a:lnRef idx="2">
+        <a:scrgbClr r="0" g="0" b="0"/>
+      </a:lnRef>
+      <a:fillRef idx="1">
+        <a:scrgbClr r="0" g="0" b="0"/>
+      </a:fillRef>
+      <a:effectRef idx="0">
+        <a:scrgbClr r="0" g="0" b="0"/>
+      </a:effectRef>
+      <a:fontRef idx="minor">
+        <a:schemeClr val="lt1"/>
+      </a:fontRef>
+    </dgm:style>
+  </dgm:styleLbl>
+  <dgm:styleLbl name="asst1">
+    <dgm:scene3d>
+      <a:camera prst="orthographicFront"/>
+      <a:lightRig rig="threePt" dir="t"/>
+    </dgm:scene3d>
+    <dgm:sp3d/>
+    <dgm:txPr/>
+    <dgm:style>
+      <a:lnRef idx="2">
+        <a:scrgbClr r="0" g="0" b="0"/>
+      </a:lnRef>
+      <a:fillRef idx="1">
+        <a:scrgbClr r="0" g="0" b="0"/>
+      </a:fillRef>
+      <a:effectRef idx="0">
+        <a:scrgbClr r="0" g="0" b="0"/>
+      </a:effectRef>
+      <a:fontRef idx="minor">
+        <a:schemeClr val="lt1"/>
+      </a:fontRef>
+    </dgm:style>
+  </dgm:styleLbl>
+  <dgm:styleLbl name="asst2">
+    <dgm:scene3d>
+      <a:camera prst="orthographicFront"/>
+      <a:lightRig rig="threePt" dir="t"/>
+    </dgm:scene3d>
+    <dgm:sp3d/>
+    <dgm:txPr/>
+    <dgm:style>
+      <a:lnRef idx="2">
+        <a:scrgbClr r="0" g="0" b="0"/>
+      </a:lnRef>
+      <a:fillRef idx="1">
+        <a:scrgbClr r="0" g="0" b="0"/>
+      </a:fillRef>
+      <a:effectRef idx="0">
+        <a:scrgbClr r="0" g="0" b="0"/>
+      </a:effectRef>
+      <a:fontRef idx="minor">
+        <a:schemeClr val="lt1"/>
+      </a:fontRef>
+    </dgm:style>
+  </dgm:styleLbl>
+  <dgm:styleLbl name="asst3">
+    <dgm:scene3d>
+      <a:camera prst="orthographicFront"/>
+      <a:lightRig rig="threePt" dir="t"/>
+    </dgm:scene3d>
+    <dgm:sp3d/>
+    <dgm:txPr/>
+    <dgm:style>
+      <a:lnRef idx="2">
+        <a:scrgbClr r="0" g="0" b="0"/>
+      </a:lnRef>
+      <a:fillRef idx="1">
+        <a:scrgbClr r="0" g="0" b="0"/>
+      </a:fillRef>
+      <a:effectRef idx="0">
+        <a:scrgbClr r="0" g="0" b="0"/>
+      </a:effectRef>
+      <a:fontRef idx="minor">
+        <a:schemeClr val="lt1"/>
+      </a:fontRef>
+    </dgm:style>
+  </dgm:styleLbl>
+  <dgm:styleLbl name="asst4">
+    <dgm:scene3d>
+      <a:camera prst="orthographicFront"/>
+      <a:lightRig rig="threePt" dir="t"/>
+    </dgm:scene3d>
+    <dgm:sp3d/>
+    <dgm:txPr/>
+    <dgm:style>
+      <a:lnRef idx="2">
+        <a:scrgbClr r="0" g="0" b="0"/>
+      </a:lnRef>
+      <a:fillRef idx="1">
+        <a:scrgbClr r="0" g="0" b="0"/>
+      </a:fillRef>
+      <a:effectRef idx="0">
+        <a:scrgbClr r="0" g="0" b="0"/>
+      </a:effectRef>
+      <a:fontRef idx="minor">
+        <a:schemeClr val="lt1"/>
+      </a:fontRef>
+    </dgm:style>
+  </dgm:styleLbl>
+  <dgm:styleLbl name="parChTrans2D1">
+    <dgm:scene3d>
+      <a:camera prst="orthographicFront"/>
+      <a:lightRig rig="threePt" dir="t"/>
+    </dgm:scene3d>
+    <dgm:sp3d/>
+    <dgm:txPr/>
+    <dgm:style>
+      <a:lnRef idx="2">
+        <a:scrgbClr r="0" g="0" b="0"/>
+      </a:lnRef>
+      <a:fillRef idx="1">
+        <a:scrgbClr r="0" g="0" b="0"/>
+      </a:fillRef>
+      <a:effectRef idx="0">
+        <a:scrgbClr r="0" g="0" b="0"/>
+      </a:effectRef>
+      <a:fontRef idx="minor">
+        <a:schemeClr val="lt1"/>
+      </a:fontRef>
+    </dgm:style>
+  </dgm:styleLbl>
+  <dgm:styleLbl name="parChTrans2D2">
+    <dgm:scene3d>
+      <a:camera prst="orthographicFront"/>
+      <a:lightRig rig="threePt" dir="t"/>
+    </dgm:scene3d>
+    <dgm:sp3d/>
+    <dgm:txPr/>
+    <dgm:style>
+      <a:lnRef idx="2">
+        <a:scrgbClr r="0" g="0" b="0"/>
+      </a:lnRef>
+      <a:fillRef idx="1">
+        <a:scrgbClr r="0" g="0" b="0"/>
+      </a:fillRef>
+      <a:effectRef idx="0">
+        <a:scrgbClr r="0" g="0" b="0"/>
+      </a:effectRef>
+      <a:fontRef idx="minor">
+        <a:schemeClr val="lt1"/>
+      </a:fontRef>
+    </dgm:style>
+  </dgm:styleLbl>
+  <dgm:styleLbl name="parChTrans2D3">
+    <dgm:scene3d>
+      <a:camera prst="orthographicFront"/>
+      <a:lightRig rig="threePt" dir="t"/>
+    </dgm:scene3d>
+    <dgm:sp3d/>
+    <dgm:txPr/>
+    <dgm:style>
+      <a:lnRef idx="2">
+        <a:scrgbClr r="0" g="0" b="0"/>
+      </a:lnRef>
+      <a:fillRef idx="1">
+        <a:scrgbClr r="0" g="0" b="0"/>
+      </a:fillRef>
+      <a:effectRef idx="0">
+        <a:scrgbClr r="0" g="0" b="0"/>
+      </a:effectRef>
+      <a:fontRef idx="minor">
+        <a:schemeClr val="lt1"/>
+      </a:fontRef>
+    </dgm:style>
+  </dgm:styleLbl>
+  <dgm:styleLbl name="parChTrans2D4">
+    <dgm:scene3d>
+      <a:camera prst="orthographicFront"/>
+      <a:lightRig rig="threePt" dir="t"/>
+    </dgm:scene3d>
+    <dgm:sp3d/>
+    <dgm:txPr/>
+    <dgm:style>
+      <a:lnRef idx="2">
+        <a:scrgbClr r="0" g="0" b="0"/>
+      </a:lnRef>
+      <a:fillRef idx="1">
+        <a:scrgbClr r="0" g="0" b="0"/>
+      </a:fillRef>
+      <a:effectRef idx="0">
+        <a:scrgbClr r="0" g="0" b="0"/>
+      </a:effectRef>
+      <a:fontRef idx="minor">
+        <a:schemeClr val="lt1"/>
+      </a:fontRef>
+    </dgm:style>
+  </dgm:styleLbl>
+  <dgm:styleLbl name="parChTrans1D1">
+    <dgm:scene3d>
+      <a:camera prst="orthographicFront"/>
+      <a:lightRig rig="threePt" dir="t"/>
+    </dgm:scene3d>
+    <dgm:sp3d/>
+    <dgm:txPr/>
+    <dgm:style>
+      <a:lnRef idx="2">
+        <a:scrgbClr r="0" g="0" b="0"/>
+      </a:lnRef>
+      <a:fillRef idx="0">
+        <a:scrgbClr r="0" g="0" b="0"/>
+      </a:fillRef>
+      <a:effectRef idx="0">
+        <a:scrgbClr r="0" g="0" b="0"/>
+      </a:effectRef>
+      <a:fontRef idx="minor"/>
+    </dgm:style>
+  </dgm:styleLbl>
+  <dgm:styleLbl name="parChTrans1D2">
+    <dgm:scene3d>
+      <a:camera prst="orthographicFront"/>
+      <a:lightRig rig="threePt" dir="t"/>
+    </dgm:scene3d>
+    <dgm:sp3d/>
+    <dgm:txPr/>
+    <dgm:style>
+      <a:lnRef idx="2">
+        <a:scrgbClr r="0" g="0" b="0"/>
+      </a:lnRef>
+      <a:fillRef idx="0">
+        <a:scrgbClr r="0" g="0" b="0"/>
+      </a:fillRef>
+      <a:effectRef idx="0">
+        <a:scrgbClr r="0" g="0" b="0"/>
+      </a:effectRef>
+      <a:fontRef idx="minor"/>
+    </dgm:style>
+  </dgm:styleLbl>
+  <dgm:styleLbl name="parChTrans1D3">
+    <dgm:scene3d>
+      <a:camera prst="orthographicFront"/>
+      <a:lightRig rig="threePt" dir="t"/>
+    </dgm:scene3d>
+    <dgm:sp3d/>
+    <dgm:txPr/>
+    <dgm:style>
+      <a:lnRef idx="2">
+        <a:scrgbClr r="0" g="0" b="0"/>
+      </a:lnRef>
+      <a:fillRef idx="0">
+        <a:scrgbClr r="0" g="0" b="0"/>
+      </a:fillRef>
+      <a:effectRef idx="0">
+        <a:scrgbClr r="0" g="0" b="0"/>
+      </a:effectRef>
+      <a:fontRef idx="minor"/>
+    </dgm:style>
+  </dgm:styleLbl>
+  <dgm:styleLbl name="parChTrans1D4">
+    <dgm:scene3d>
+      <a:camera prst="orthographicFront"/>
+      <a:lightRig rig="threePt" dir="t"/>
+    </dgm:scene3d>
+    <dgm:sp3d/>
+    <dgm:txPr/>
+    <dgm:style>
+      <a:lnRef idx="2">
+        <a:scrgbClr r="0" g="0" b="0"/>
+      </a:lnRef>
+      <a:fillRef idx="0">
+        <a:scrgbClr r="0" g="0" b="0"/>
+      </a:fillRef>
+      <a:effectRef idx="0">
+        <a:scrgbClr r="0" g="0" b="0"/>
+      </a:effectRef>
+      <a:fontRef idx="minor"/>
+    </dgm:style>
+  </dgm:styleLbl>
+  <dgm:styleLbl name="fgAcc1">
+    <dgm:scene3d>
+      <a:camera prst="orthographicFront"/>
+      <a:lightRig rig="threePt" dir="t"/>
+    </dgm:scene3d>
+    <dgm:sp3d/>
+    <dgm:txPr/>
+    <dgm:style>
+      <a:lnRef idx="2">
+        <a:scrgbClr r="0" g="0" b="0"/>
+      </a:lnRef>
+      <a:fillRef idx="1">
+        <a:scrgbClr r="0" g="0" b="0"/>
+      </a:fillRef>
+      <a:effectRef idx="0">
+        <a:scrgbClr r="0" g="0" b="0"/>
+      </a:effectRef>
+      <a:fontRef idx="minor"/>
+    </dgm:style>
+  </dgm:styleLbl>
+  <dgm:styleLbl name="conFgAcc1">
+    <dgm:scene3d>
+      <a:camera prst="orthographicFront"/>
+      <a:lightRig rig="threePt" dir="t"/>
+    </dgm:scene3d>
+    <dgm:sp3d/>
+    <dgm:txPr/>
+    <dgm:style>
+      <a:lnRef idx="2">
+        <a:scrgbClr r="0" g="0" b="0"/>
+      </a:lnRef>
+      <a:fillRef idx="1">
+        <a:scrgbClr r="0" g="0" b="0"/>
+      </a:fillRef>
+      <a:effectRef idx="0">
+        <a:scrgbClr r="0" g="0" b="0"/>
+      </a:effectRef>
+      <a:fontRef idx="minor"/>
+    </dgm:style>
+  </dgm:styleLbl>
+  <dgm:styleLbl name="alignAcc1">
+    <dgm:scene3d>
+      <a:camera prst="orthographicFront"/>
+      <a:lightRig rig="threePt" dir="t"/>
+    </dgm:scene3d>
+    <dgm:sp3d/>
+    <dgm:txPr/>
+    <dgm:style>
+      <a:lnRef idx="2">
+        <a:scrgbClr r="0" g="0" b="0"/>
+      </a:lnRef>
+      <a:fillRef idx="1">
+        <a:scrgbClr r="0" g="0" b="0"/>
+      </a:fillRef>
+      <a:effectRef idx="0">
+        <a:scrgbClr r="0" g="0" b="0"/>
+      </a:effectRef>
+      <a:fontRef idx="minor"/>
+    </dgm:style>
+  </dgm:styleLbl>
+  <dgm:styleLbl name="trAlignAcc1">
+    <dgm:scene3d>
+      <a:camera prst="orthographicFront"/>
+      <a:lightRig rig="threePt" dir="t"/>
+    </dgm:scene3d>
+    <dgm:sp3d/>
+    <dgm:txPr/>
+    <dgm:style>
+      <a:lnRef idx="1">
+        <a:scrgbClr r="0" g="0" b="0"/>
+      </a:lnRef>
+      <a:fillRef idx="1">
+        <a:scrgbClr r="0" g="0" b="0"/>
+      </a:fillRef>
+      <a:effectRef idx="0">
+        <a:scrgbClr r="0" g="0" b="0"/>
+      </a:effectRef>
+      <a:fontRef idx="minor"/>
+    </dgm:style>
+  </dgm:styleLbl>
+  <dgm:styleLbl name="bgAcc1">
+    <dgm:scene3d>
+      <a:camera prst="orthographicFront"/>
+      <a:lightRig rig="threePt" dir="t"/>
+    </dgm:scene3d>
+    <dgm:sp3d/>
+    <dgm:txPr/>
+    <dgm:style>
+      <a:lnRef idx="2">
+        <a:scrgbClr r="0" g="0" b="0"/>
+      </a:lnRef>
+      <a:fillRef idx="1">
+        <a:scrgbClr r="0" g="0" b="0"/>
+      </a:fillRef>
+      <a:effectRef idx="0">
+        <a:scrgbClr r="0" g="0" b="0"/>
+      </a:effectRef>
+      <a:fontRef idx="minor"/>
+    </dgm:style>
+  </dgm:styleLbl>
+  <dgm:styleLbl name="solidFgAcc1">
+    <dgm:scene3d>
+      <a:camera prst="orthographicFront"/>
+      <a:lightRig rig="threePt" dir="t"/>
+    </dgm:scene3d>
+    <dgm:sp3d/>
+    <dgm:txPr/>
+    <dgm:style>
+      <a:lnRef idx="2">
+        <a:scrgbClr r="0" g="0" b="0"/>
+      </a:lnRef>
+      <a:fillRef idx="1">
+        <a:scrgbClr r="0" g="0" b="0"/>
+      </a:fillRef>
+      <a:effectRef idx="0">
+        <a:scrgbClr r="0" g="0" b="0"/>
+      </a:effectRef>
+      <a:fontRef idx="minor"/>
+    </dgm:style>
+  </dgm:styleLbl>
+  <dgm:styleLbl name="solidAlignAcc1">
+    <dgm:scene3d>
+      <a:camera prst="orthographicFront"/>
+      <a:lightRig rig="threePt" dir="t"/>
+    </dgm:scene3d>
+    <dgm:sp3d/>
+    <dgm:txPr/>
+    <dgm:style>
+      <a:lnRef idx="2">
+        <a:scrgbClr r="0" g="0" b="0"/>
+      </a:lnRef>
+      <a:fillRef idx="1">
+        <a:scrgbClr r="0" g="0" b="0"/>
+      </a:fillRef>
+      <a:effectRef idx="0">
+        <a:scrgbClr r="0" g="0" b="0"/>
+      </a:effectRef>
+      <a:fontRef idx="minor"/>
+    </dgm:style>
+  </dgm:styleLbl>
+  <dgm:styleLbl name="solidBgAcc1">
+    <dgm:scene3d>
+      <a:camera prst="orthographicFront"/>
+      <a:lightRig rig="threePt" dir="t"/>
+    </dgm:scene3d>
+    <dgm:sp3d/>
+    <dgm:txPr/>
+    <dgm:style>
+      <a:lnRef idx="2">
+        <a:scrgbClr r="0" g="0" b="0"/>
+      </a:lnRef>
+      <a:fillRef idx="1">
+        <a:scrgbClr r="0" g="0" b="0"/>
+      </a:fillRef>
+      <a:effectRef idx="0">
+        <a:scrgbClr r="0" g="0" b="0"/>
+      </a:effectRef>
+      <a:fontRef idx="minor"/>
+    </dgm:style>
+  </dgm:styleLbl>
+  <dgm:styleLbl name="fgAccFollowNode1">
+    <dgm:scene3d>
+      <a:camera prst="orthographicFront"/>
+      <a:lightRig rig="threePt" dir="t"/>
+    </dgm:scene3d>
+    <dgm:sp3d/>
+    <dgm:txPr/>
+    <dgm:style>
+      <a:lnRef idx="2">
+        <a:scrgbClr r="0" g="0" b="0"/>
+      </a:lnRef>
+      <a:fillRef idx="1">
+        <a:scrgbClr r="0" g="0" b="0"/>
+      </a:fillRef>
+      <a:effectRef idx="0">
+        <a:scrgbClr r="0" g="0" b="0"/>
+      </a:effectRef>
+      <a:fontRef idx="minor"/>
+    </dgm:style>
+  </dgm:styleLbl>
+  <dgm:styleLbl name="alignAccFollowNode1">
+    <dgm:scene3d>
+      <a:camera prst="orthographicFront"/>
+      <a:lightRig rig="threePt" dir="t"/>
+    </dgm:scene3d>
+    <dgm:sp3d/>
+    <dgm:txPr/>
+    <dgm:style>
+      <a:lnRef idx="2">
+        <a:scrgbClr r="0" g="0" b="0"/>
+      </a:lnRef>
+      <a:fillRef idx="1">
+        <a:scrgbClr r="0" g="0" b="0"/>
+      </a:fillRef>
+      <a:effectRef idx="0">
+        <a:scrgbClr r="0" g="0" b="0"/>
+      </a:effectRef>
+      <a:fontRef idx="minor"/>
+    </dgm:style>
+  </dgm:styleLbl>
+  <dgm:styleLbl name="bgAccFollowNode1">
+    <dgm:scene3d>
+      <a:camera prst="orthographicFront"/>
+      <a:lightRig rig="threePt" dir="t"/>
+    </dgm:scene3d>
+    <dgm:sp3d/>
+    <dgm:txPr/>
+    <dgm:style>
+      <a:lnRef idx="2">
+        <a:scrgbClr r="0" g="0" b="0"/>
+      </a:lnRef>
+      <a:fillRef idx="1">
+        <a:scrgbClr r="0" g="0" b="0"/>
+      </a:fillRef>
+      <a:effectRef idx="0">
+        <a:scrgbClr r="0" g="0" b="0"/>
+      </a:effectRef>
+      <a:fontRef idx="minor"/>
+    </dgm:style>
+  </dgm:styleLbl>
+  <dgm:styleLbl name="fgAcc0">
+    <dgm:scene3d>
+      <a:camera prst="orthographicFront"/>
+      <a:lightRig rig="threePt" dir="t"/>
+    </dgm:scene3d>
+    <dgm:sp3d/>
+    <dgm:txPr/>
+    <dgm:style>
+      <a:lnRef idx="2">
+        <a:scrgbClr r="0" g="0" b="0"/>
+      </a:lnRef>
+      <a:fillRef idx="1">
+        <a:scrgbClr r="0" g="0" b="0"/>
+      </a:fillRef>
+      <a:effectRef idx="0">
+        <a:scrgbClr r="0" g="0" b="0"/>
+      </a:effectRef>
+      <a:fontRef idx="minor"/>
+    </dgm:style>
+  </dgm:styleLbl>
+  <dgm:styleLbl name="fgAcc2">
+    <dgm:scene3d>
+      <a:camera prst="orthographicFront"/>
+      <a:lightRig rig="threePt" dir="t"/>
+    </dgm:scene3d>
+    <dgm:sp3d/>
+    <dgm:txPr/>
+    <dgm:style>
+      <a:lnRef idx="2">
+        <a:scrgbClr r="0" g="0" b="0"/>
+      </a:lnRef>
+      <a:fillRef idx="1">
+        <a:scrgbClr r="0" g="0" b="0"/>
+      </a:fillRef>
+      <a:effectRef idx="0">
+        <a:scrgbClr r="0" g="0" b="0"/>
+      </a:effectRef>
+      <a:fontRef idx="minor"/>
+    </dgm:style>
+  </dgm:styleLbl>
+  <dgm:styleLbl name="fgAcc3">
+    <dgm:scene3d>
+      <a:camera prst="orthographicFront"/>
+      <a:lightRig rig="threePt" dir="t"/>
+    </dgm:scene3d>
+    <dgm:sp3d/>
+    <dgm:txPr/>
+    <dgm:style>
+      <a:lnRef idx="2">
+        <a:scrgbClr r="0" g="0" b="0"/>
+      </a:lnRef>
+      <a:fillRef idx="1">
+        <a:scrgbClr r="0" g="0" b="0"/>
+      </a:fillRef>
+      <a:effectRef idx="0">
+        <a:scrgbClr r="0" g="0" b="0"/>
+      </a:effectRef>
+      <a:fontRef idx="minor"/>
+    </dgm:style>
+  </dgm:styleLbl>
+  <dgm:styleLbl name="fgAcc4">
+    <dgm:scene3d>
+      <a:camera prst="orthographicFront"/>
+      <a:lightRig rig="threePt" dir="t"/>
+    </dgm:scene3d>
+    <dgm:sp3d/>
+    <dgm:txPr/>
+    <dgm:style>
+      <a:lnRef idx="2">
+        <a:scrgbClr r="0" g="0" b="0"/>
+      </a:lnRef>
+      <a:fillRef idx="1">
+        <a:scrgbClr r="0" g="0" b="0"/>
+      </a:fillRef>
+      <a:effectRef idx="0">
+        <a:scrgbClr r="0" g="0" b="0"/>
+      </a:effectRef>
+      <a:fontRef idx="minor"/>
+    </dgm:style>
+  </dgm:styleLbl>
+  <dgm:styleLbl name="bgShp">
+    <dgm:scene3d>
+      <a:camera prst="orthographicFront"/>
+      <a:lightRig rig="threePt" dir="t"/>
+    </dgm:scene3d>
+    <dgm:sp3d/>
+    <dgm:txPr/>
+    <dgm:style>
+      <a:lnRef idx="0">
+        <a:scrgbClr r="0" g="0" b="0"/>
+      </a:lnRef>
+      <a:fillRef idx="1">
+        <a:scrgbClr r="0" g="0" b="0"/>
+      </a:fillRef>
+      <a:effectRef idx="0">
+        <a:scrgbClr r="0" g="0" b="0"/>
+      </a:effectRef>
+      <a:fontRef idx="minor"/>
+    </dgm:style>
+  </dgm:styleLbl>
+  <dgm:styleLbl name="dkBgShp">
+    <dgm:scene3d>
+      <a:camera prst="orthographicFront"/>
+      <a:lightRig rig="threePt" dir="t"/>
+    </dgm:scene3d>
+    <dgm:sp3d/>
+    <dgm:txPr/>
+    <dgm:style>
+      <a:lnRef idx="0">
+        <a:scrgbClr r="0" g="0" b="0"/>
+      </a:lnRef>
+      <a:fillRef idx="1">
+        <a:scrgbClr r="0" g="0" b="0"/>
+      </a:fillRef>
+      <a:effectRef idx="0">
+        <a:scrgbClr r="0" g="0" b="0"/>
+      </a:effectRef>
+      <a:fontRef idx="minor"/>
+    </dgm:style>
+  </dgm:styleLbl>
+  <dgm:styleLbl name="trBgShp">
+    <dgm:scene3d>
+      <a:camera prst="orthographicFront"/>
+      <a:lightRig rig="threePt" dir="t"/>
+    </dgm:scene3d>
+    <dgm:sp3d/>
+    <dgm:txPr/>
+    <dgm:style>
+      <a:lnRef idx="0">
+        <a:scrgbClr r="0" g="0" b="0"/>
+      </a:lnRef>
+      <a:fillRef idx="1">
+        <a:scrgbClr r="0" g="0" b="0"/>
+      </a:fillRef>
+      <a:effectRef idx="0">
+        <a:scrgbClr r="0" g="0" b="0"/>
+      </a:effectRef>
+      <a:fontRef idx="minor"/>
+    </dgm:style>
+  </dgm:styleLbl>
+  <dgm:styleLbl name="fgShp">
+    <dgm:scene3d>
+      <a:camera prst="orthographicFront"/>
+      <a:lightRig rig="threePt" dir="t"/>
+    </dgm:scene3d>
+    <dgm:sp3d/>
+    <dgm:txPr/>
+    <dgm:style>
+      <a:lnRef idx="2">
+        <a:scrgbClr r="0" g="0" b="0"/>
+      </a:lnRef>
+      <a:fillRef idx="1">
+        <a:scrgbClr r="0" g="0" b="0"/>
+      </a:fillRef>
+      <a:effectRef idx="0">
+        <a:scrgbClr r="0" g="0" b="0"/>
+      </a:effectRef>
+      <a:fontRef idx="minor"/>
+    </dgm:style>
+  </dgm:styleLbl>
+  <dgm:styleLbl name="revTx">
+    <dgm:scene3d>
+      <a:camera prst="orthographicFront"/>
+      <a:lightRig rig="threePt" dir="t"/>
+    </dgm:scene3d>
+    <dgm:sp3d/>
+    <dgm:txPr/>
+    <dgm:style>
+      <a:lnRef idx="0">
+        <a:scrgbClr r="0" g="0" b="0"/>
+      </a:lnRef>
+      <a:fillRef idx="0">
+        <a:scrgbClr r="0" g="0" b="0"/>
+      </a:fillRef>
+      <a:effectRef idx="0">
+        <a:scrgbClr r="0" g="0" b="0"/>
+      </a:effectRef>
+      <a:fontRef idx="minor"/>
+    </dgm:style>
+  </dgm:styleLbl>
+</dgm:styleDef>
+</file>
+
+<file path=ppt/diagrams/quickStyle2.xml><?xml version="1.0" encoding="utf-8"?>
+<dgm:styleDef xmlns:dgm="http://schemas.openxmlformats.org/drawingml/2006/diagram" xmlns:a="http://schemas.openxmlformats.org/drawingml/2006/main" uniqueId="urn:microsoft.com/office/officeart/2005/8/quickstyle/simple1">
+  <dgm:title val=""/>
+  <dgm:desc val=""/>
+  <dgm:catLst>
+    <dgm:cat type="simple" pri="10100"/>
+  </dgm:catLst>
+  <dgm:scene3d>
+    <a:camera prst="orthographicFront"/>
+    <a:lightRig rig="threePt" dir="t"/>
+  </dgm:scene3d>
+  <dgm:styleLbl name="node0">
+    <dgm:scene3d>
+      <a:camera prst="orthographicFront"/>
+      <a:lightRig rig="threePt" dir="t"/>
+    </dgm:scene3d>
+    <dgm:sp3d/>
+    <dgm:txPr/>
+    <dgm:style>
+      <a:lnRef idx="2">
+        <a:scrgbClr r="0" g="0" b="0"/>
+      </a:lnRef>
+      <a:fillRef idx="1">
+        <a:scrgbClr r="0" g="0" b="0"/>
+      </a:fillRef>
+      <a:effectRef idx="0">
+        <a:scrgbClr r="0" g="0" b="0"/>
+      </a:effectRef>
+      <a:fontRef idx="minor">
+        <a:schemeClr val="lt1"/>
+      </a:fontRef>
+    </dgm:style>
+  </dgm:styleLbl>
+  <dgm:styleLbl name="lnNode1">
+    <dgm:scene3d>
+      <a:camera prst="orthographicFront"/>
+      <a:lightRig rig="threePt" dir="t"/>
+    </dgm:scene3d>
+    <dgm:sp3d/>
+    <dgm:txPr/>
+    <dgm:style>
+      <a:lnRef idx="2">
+        <a:scrgbClr r="0" g="0" b="0"/>
+      </a:lnRef>
+      <a:fillRef idx="1">
+        <a:scrgbClr r="0" g="0" b="0"/>
+      </a:fillRef>
+      <a:effectRef idx="0">
+        <a:scrgbClr r="0" g="0" b="0"/>
+      </a:effectRef>
+      <a:fontRef idx="minor">
+        <a:schemeClr val="lt1"/>
+      </a:fontRef>
+    </dgm:style>
+  </dgm:styleLbl>
+  <dgm:styleLbl name="vennNode1">
+    <dgm:scene3d>
+      <a:camera prst="orthographicFront"/>
+      <a:lightRig rig="threePt" dir="t"/>
+    </dgm:scene3d>
+    <dgm:sp3d/>
+    <dgm:txPr/>
+    <dgm:style>
+      <a:lnRef idx="2">
+        <a:scrgbClr r="0" g="0" b="0"/>
+      </a:lnRef>
+      <a:fillRef idx="1">
+        <a:scrgbClr r="0" g="0" b="0"/>
+      </a:fillRef>
+      <a:effectRef idx="0">
+        <a:scrgbClr r="0" g="0" b="0"/>
+      </a:effectRef>
+      <a:fontRef idx="minor">
+        <a:schemeClr val="tx1"/>
+      </a:fontRef>
+    </dgm:style>
+  </dgm:styleLbl>
+  <dgm:styleLbl name="alignNode1">
+    <dgm:scene3d>
+      <a:camera prst="orthographicFront"/>
+      <a:lightRig rig="threePt" dir="t"/>
+    </dgm:scene3d>
+    <dgm:sp3d/>
+    <dgm:txPr/>
+    <dgm:style>
+      <a:lnRef idx="2">
+        <a:scrgbClr r="0" g="0" b="0"/>
+      </a:lnRef>
+      <a:fillRef idx="1">
+        <a:scrgbClr r="0" g="0" b="0"/>
+      </a:fillRef>
+      <a:effectRef idx="0">
+        <a:scrgbClr r="0" g="0" b="0"/>
+      </a:effectRef>
+      <a:fontRef idx="minor">
+        <a:schemeClr val="lt1"/>
+      </a:fontRef>
+    </dgm:style>
+  </dgm:styleLbl>
+  <dgm:styleLbl name="node1">
+    <dgm:scene3d>
+      <a:camera prst="orthographicFront"/>
+      <a:lightRig rig="threePt" dir="t"/>
+    </dgm:scene3d>
+    <dgm:sp3d/>
+    <dgm:txPr/>
+    <dgm:style>
+      <a:lnRef idx="2">
+        <a:scrgbClr r="0" g="0" b="0"/>
+      </a:lnRef>
+      <a:fillRef idx="1">
+        <a:scrgbClr r="0" g="0" b="0"/>
+      </a:fillRef>
+      <a:effectRef idx="0">
+        <a:scrgbClr r="0" g="0" b="0"/>
+      </a:effectRef>
+      <a:fontRef idx="minor">
+        <a:schemeClr val="lt1"/>
+      </a:fontRef>
+    </dgm:style>
+  </dgm:styleLbl>
+  <dgm:styleLbl name="node2">
+    <dgm:scene3d>
+      <a:camera prst="orthographicFront"/>
+      <a:lightRig rig="threePt" dir="t"/>
+    </dgm:scene3d>
+    <dgm:sp3d/>
+    <dgm:txPr/>
+    <dgm:style>
+      <a:lnRef idx="2">
+        <a:scrgbClr r="0" g="0" b="0"/>
+      </a:lnRef>
+      <a:fillRef idx="1">
+        <a:scrgbClr r="0" g="0" b="0"/>
+      </a:fillRef>
+      <a:effectRef idx="0">
+        <a:scrgbClr r="0" g="0" b="0"/>
+      </a:effectRef>
+      <a:fontRef idx="minor">
+        <a:schemeClr val="lt1"/>
+      </a:fontRef>
+    </dgm:style>
+  </dgm:styleLbl>
+  <dgm:styleLbl name="node3">
+    <dgm:scene3d>
+      <a:camera prst="orthographicFront"/>
+      <a:lightRig rig="threePt" dir="t"/>
+    </dgm:scene3d>
+    <dgm:sp3d/>
+    <dgm:txPr/>
+    <dgm:style>
+      <a:lnRef idx="2">
+        <a:scrgbClr r="0" g="0" b="0"/>
+      </a:lnRef>
+      <a:fillRef idx="1">
+        <a:scrgbClr r="0" g="0" b="0"/>
+      </a:fillRef>
+      <a:effectRef idx="0">
+        <a:scrgbClr r="0" g="0" b="0"/>
+      </a:effectRef>
+      <a:fontRef idx="minor">
+        <a:schemeClr val="lt1"/>
+      </a:fontRef>
+    </dgm:style>
+  </dgm:styleLbl>
+  <dgm:styleLbl name="node4">
+    <dgm:scene3d>
+      <a:camera prst="orthographicFront"/>
+      <a:lightRig rig="threePt" dir="t"/>
+    </dgm:scene3d>
+    <dgm:sp3d/>
+    <dgm:txPr/>
+    <dgm:style>
+      <a:lnRef idx="2">
+        <a:scrgbClr r="0" g="0" b="0"/>
+      </a:lnRef>
+      <a:fillRef idx="1">
+        <a:scrgbClr r="0" g="0" b="0"/>
+      </a:fillRef>
+      <a:effectRef idx="0">
+        <a:scrgbClr r="0" g="0" b="0"/>
+      </a:effectRef>
+      <a:fontRef idx="minor">
+        <a:schemeClr val="lt1"/>
+      </a:fontRef>
+    </dgm:style>
+  </dgm:styleLbl>
+  <dgm:styleLbl name="fgImgPlace1">
+    <dgm:scene3d>
+      <a:camera prst="orthographicFront"/>
+      <a:lightRig rig="threePt" dir="t"/>
+    </dgm:scene3d>
+    <dgm:sp3d/>
+    <dgm:txPr/>
+    <dgm:style>
+      <a:lnRef idx="2">
+        <a:scrgbClr r="0" g="0" b="0"/>
+      </a:lnRef>
+      <a:fillRef idx="1">
+        <a:scrgbClr r="0" g="0" b="0"/>
+      </a:fillRef>
+      <a:effectRef idx="0">
+        <a:scrgbClr r="0" g="0" b="0"/>
+      </a:effectRef>
+      <a:fontRef idx="minor"/>
+    </dgm:style>
+  </dgm:styleLbl>
+  <dgm:styleLbl name="alignImgPlace1">
+    <dgm:scene3d>
+      <a:camera prst="orthographicFront"/>
+      <a:lightRig rig="threePt" dir="t"/>
+    </dgm:scene3d>
+    <dgm:sp3d/>
+    <dgm:txPr/>
+    <dgm:style>
+      <a:lnRef idx="2">
+        <a:scrgbClr r="0" g="0" b="0"/>
+      </a:lnRef>
+      <a:fillRef idx="1">
+        <a:scrgbClr r="0" g="0" b="0"/>
+      </a:fillRef>
+      <a:effectRef idx="0">
+        <a:scrgbClr r="0" g="0" b="0"/>
+      </a:effectRef>
+      <a:fontRef idx="minor"/>
+    </dgm:style>
+  </dgm:styleLbl>
+  <dgm:styleLbl name="bgImgPlace1">
+    <dgm:scene3d>
+      <a:camera prst="orthographicFront"/>
+      <a:lightRig rig="threePt" dir="t"/>
+    </dgm:scene3d>
+    <dgm:sp3d/>
+    <dgm:txPr/>
+    <dgm:style>
+      <a:lnRef idx="2">
+        <a:scrgbClr r="0" g="0" b="0"/>
+      </a:lnRef>
+      <a:fillRef idx="1">
+        <a:scrgbClr r="0" g="0" b="0"/>
+      </a:fillRef>
+      <a:effectRef idx="0">
+        <a:scrgbClr r="0" g="0" b="0"/>
+      </a:effectRef>
+      <a:fontRef idx="minor"/>
+    </dgm:style>
+  </dgm:styleLbl>
+  <dgm:styleLbl name="sibTrans2D1">
+    <dgm:scene3d>
+      <a:camera prst="orthographicFront"/>
+      <a:lightRig rig="threePt" dir="t"/>
+    </dgm:scene3d>
+    <dgm:sp3d/>
+    <dgm:txPr/>
+    <dgm:style>
+      <a:lnRef idx="0">
+        <a:scrgbClr r="0" g="0" b="0"/>
+      </a:lnRef>
+      <a:fillRef idx="1">
+        <a:scrgbClr r="0" g="0" b="0"/>
+      </a:fillRef>
+      <a:effectRef idx="0">
+        <a:scrgbClr r="0" g="0" b="0"/>
+      </a:effectRef>
+      <a:fontRef idx="minor">
+        <a:schemeClr val="lt1"/>
+      </a:fontRef>
+    </dgm:style>
+  </dgm:styleLbl>
+  <dgm:styleLbl name="fgSibTrans2D1">
+    <dgm:scene3d>
+      <a:camera prst="orthographicFront"/>
+      <a:lightRig rig="threePt" dir="t"/>
+    </dgm:scene3d>
+    <dgm:sp3d/>
+    <dgm:txPr/>
+    <dgm:style>
+      <a:lnRef idx="0">
+        <a:scrgbClr r="0" g="0" b="0"/>
+      </a:lnRef>
+      <a:fillRef idx="1">
+        <a:scrgbClr r="0" g="0" b="0"/>
+      </a:fillRef>
+      <a:effectRef idx="0">
+        <a:scrgbClr r="0" g="0" b="0"/>
+      </a:effectRef>
+      <a:fontRef idx="minor">
+        <a:schemeClr val="lt1"/>
+      </a:fontRef>
+    </dgm:style>
+  </dgm:styleLbl>
+  <dgm:styleLbl name="bgSibTrans2D1">
+    <dgm:scene3d>
+      <a:camera prst="orthographicFront"/>
+      <a:lightRig rig="threePt" dir="t"/>
+    </dgm:scene3d>
+    <dgm:sp3d/>
+    <dgm:txPr/>
+    <dgm:style>
+      <a:lnRef idx="0">
+        <a:scrgbClr r="0" g="0" b="0"/>
+      </a:lnRef>
+      <a:fillRef idx="1">
+        <a:scrgbClr r="0" g="0" b="0"/>
+      </a:fillRef>
+      <a:effectRef idx="0">
+        <a:scrgbClr r="0" g="0" b="0"/>
+      </a:effectRef>
+      <a:fontRef idx="minor">
+        <a:schemeClr val="lt1"/>
+      </a:fontRef>
+    </dgm:style>
+  </dgm:styleLbl>
+  <dgm:styleLbl name="sibTrans1D1">
+    <dgm:scene3d>
+      <a:camera prst="orthographicFront"/>
+      <a:lightRig rig="threePt" dir="t"/>
+    </dgm:scene3d>
+    <dgm:sp3d/>
+    <dgm:txPr/>
+    <dgm:style>
+      <a:lnRef idx="1">
+        <a:scrgbClr r="0" g="0" b="0"/>
+      </a:lnRef>
+      <a:fillRef idx="0">
+        <a:scrgbClr r="0" g="0" b="0"/>
+      </a:fillRef>
+      <a:effectRef idx="0">
+        <a:scrgbClr r="0" g="0" b="0"/>
+      </a:effectRef>
+      <a:fontRef idx="minor"/>
+    </dgm:style>
+  </dgm:styleLbl>
+  <dgm:styleLbl name="callout">
+    <dgm:scene3d>
+      <a:camera prst="orthographicFront"/>
+      <a:lightRig rig="threePt" dir="t"/>
+    </dgm:scene3d>
+    <dgm:sp3d/>
+    <dgm:txPr/>
+    <dgm:style>
+      <a:lnRef idx="2">
+        <a:scrgbClr r="0" g="0" b="0"/>
+      </a:lnRef>
+      <a:fillRef idx="1">
+        <a:scrgbClr r="0" g="0" b="0"/>
+      </a:fillRef>
+      <a:effectRef idx="0">
+        <a:scrgbClr r="0" g="0" b="0"/>
+      </a:effectRef>
+      <a:fontRef idx="minor"/>
+    </dgm:style>
+  </dgm:styleLbl>
+  <dgm:styleLbl name="asst0">
+    <dgm:scene3d>
+      <a:camera prst="orthographicFront"/>
+      <a:lightRig rig="threePt" dir="t"/>
+    </dgm:scene3d>
+    <dgm:sp3d/>
+    <dgm:txPr/>
+    <dgm:style>
+      <a:lnRef idx="2">
+        <a:scrgbClr r="0" g="0" b="0"/>
+      </a:lnRef>
+      <a:fillRef idx="1">
+        <a:scrgbClr r="0" g="0" b="0"/>
+      </a:fillRef>
+      <a:effectRef idx="0">
+        <a:scrgbClr r="0" g="0" b="0"/>
+      </a:effectRef>
+      <a:fontRef idx="minor">
+        <a:schemeClr val="lt1"/>
+      </a:fontRef>
+    </dgm:style>
+  </dgm:styleLbl>
+  <dgm:styleLbl name="asst1">
+    <dgm:scene3d>
+      <a:camera prst="orthographicFront"/>
+      <a:lightRig rig="threePt" dir="t"/>
+    </dgm:scene3d>
+    <dgm:sp3d/>
+    <dgm:txPr/>
+    <dgm:style>
+      <a:lnRef idx="2">
+        <a:scrgbClr r="0" g="0" b="0"/>
+      </a:lnRef>
+      <a:fillRef idx="1">
+        <a:scrgbClr r="0" g="0" b="0"/>
+      </a:fillRef>
+      <a:effectRef idx="0">
+        <a:scrgbClr r="0" g="0" b="0"/>
+      </a:effectRef>
+      <a:fontRef idx="minor">
+        <a:schemeClr val="lt1"/>
+      </a:fontRef>
+    </dgm:style>
+  </dgm:styleLbl>
+  <dgm:styleLbl name="asst2">
+    <dgm:scene3d>
+      <a:camera prst="orthographicFront"/>
+      <a:lightRig rig="threePt" dir="t"/>
+    </dgm:scene3d>
+    <dgm:sp3d/>
+    <dgm:txPr/>
+    <dgm:style>
+      <a:lnRef idx="2">
+        <a:scrgbClr r="0" g="0" b="0"/>
+      </a:lnRef>
+      <a:fillRef idx="1">
+        <a:scrgbClr r="0" g="0" b="0"/>
+      </a:fillRef>
+      <a:effectRef idx="0">
+        <a:scrgbClr r="0" g="0" b="0"/>
+      </a:effectRef>
+      <a:fontRef idx="minor">
+        <a:schemeClr val="lt1"/>
+      </a:fontRef>
+    </dgm:style>
+  </dgm:styleLbl>
+  <dgm:styleLbl name="asst3">
+    <dgm:scene3d>
+      <a:camera prst="orthographicFront"/>
+      <a:lightRig rig="threePt" dir="t"/>
+    </dgm:scene3d>
+    <dgm:sp3d/>
+    <dgm:txPr/>
+    <dgm:style>
+      <a:lnRef idx="2">
+        <a:scrgbClr r="0" g="0" b="0"/>
+      </a:lnRef>
+      <a:fillRef idx="1">
+        <a:scrgbClr r="0" g="0" b="0"/>
+      </a:fillRef>
+      <a:effectRef idx="0">
+        <a:scrgbClr r="0" g="0" b="0"/>
+      </a:effectRef>
+      <a:fontRef idx="minor">
+        <a:schemeClr val="lt1"/>
+      </a:fontRef>
+    </dgm:style>
+  </dgm:styleLbl>
+  <dgm:styleLbl name="asst4">
+    <dgm:scene3d>
+      <a:camera prst="orthographicFront"/>
+      <a:lightRig rig="threePt" dir="t"/>
+    </dgm:scene3d>
+    <dgm:sp3d/>
+    <dgm:txPr/>
+    <dgm:style>
+      <a:lnRef idx="2">
+        <a:scrgbClr r="0" g="0" b="0"/>
+      </a:lnRef>
+      <a:fillRef idx="1">
+        <a:scrgbClr r="0" g="0" b="0"/>
+      </a:fillRef>
+      <a:effectRef idx="0">
+        <a:scrgbClr r="0" g="0" b="0"/>
+      </a:effectRef>
+      <a:fontRef idx="minor">
+        <a:schemeClr val="lt1"/>
+      </a:fontRef>
+    </dgm:style>
+  </dgm:styleLbl>
+  <dgm:styleLbl name="parChTrans2D1">
+    <dgm:scene3d>
+      <a:camera prst="orthographicFront"/>
+      <a:lightRig rig="threePt" dir="t"/>
+    </dgm:scene3d>
+    <dgm:sp3d/>
+    <dgm:txPr/>
+    <dgm:style>
+      <a:lnRef idx="2">
+        <a:scrgbClr r="0" g="0" b="0"/>
+      </a:lnRef>
+      <a:fillRef idx="1">
+        <a:scrgbClr r="0" g="0" b="0"/>
+      </a:fillRef>
+      <a:effectRef idx="0">
+        <a:scrgbClr r="0" g="0" b="0"/>
+      </a:effectRef>
+      <a:fontRef idx="minor">
+        <a:schemeClr val="lt1"/>
+      </a:fontRef>
+    </dgm:style>
+  </dgm:styleLbl>
+  <dgm:styleLbl name="parChTrans2D2">
+    <dgm:scene3d>
+      <a:camera prst="orthographicFront"/>
+      <a:lightRig rig="threePt" dir="t"/>
+    </dgm:scene3d>
+    <dgm:sp3d/>
+    <dgm:txPr/>
+    <dgm:style>
+      <a:lnRef idx="2">
+        <a:scrgbClr r="0" g="0" b="0"/>
+      </a:lnRef>
+      <a:fillRef idx="1">
+        <a:scrgbClr r="0" g="0" b="0"/>
+      </a:fillRef>
+      <a:effectRef idx="0">
+        <a:scrgbClr r="0" g="0" b="0"/>
+      </a:effectRef>
+      <a:fontRef idx="minor">
+        <a:schemeClr val="lt1"/>
+      </a:fontRef>
+    </dgm:style>
+  </dgm:styleLbl>
+  <dgm:styleLbl name="parChTrans2D3">
+    <dgm:scene3d>
+      <a:camera prst="orthographicFront"/>
+      <a:lightRig rig="threePt" dir="t"/>
+    </dgm:scene3d>
+    <dgm:sp3d/>
+    <dgm:txPr/>
+    <dgm:style>
+      <a:lnRef idx="2">
+        <a:scrgbClr r="0" g="0" b="0"/>
+      </a:lnRef>
+      <a:fillRef idx="1">
+        <a:scrgbClr r="0" g="0" b="0"/>
+      </a:fillRef>
+      <a:effectRef idx="0">
+        <a:scrgbClr r="0" g="0" b="0"/>
+      </a:effectRef>
+      <a:fontRef idx="minor">
+        <a:schemeClr val="lt1"/>
+      </a:fontRef>
+    </dgm:style>
+  </dgm:styleLbl>
+  <dgm:styleLbl name="parChTrans2D4">
+    <dgm:scene3d>
+      <a:camera prst="orthographicFront"/>
+      <a:lightRig rig="threePt" dir="t"/>
+    </dgm:scene3d>
+    <dgm:sp3d/>
+    <dgm:txPr/>
+    <dgm:style>
+      <a:lnRef idx="2">
+        <a:scrgbClr r="0" g="0" b="0"/>
+      </a:lnRef>
+      <a:fillRef idx="1">
+        <a:scrgbClr r="0" g="0" b="0"/>
+      </a:fillRef>
+      <a:effectRef idx="0">
+        <a:scrgbClr r="0" g="0" b="0"/>
+      </a:effectRef>
+      <a:fontRef idx="minor">
+        <a:schemeClr val="lt1"/>
+      </a:fontRef>
+    </dgm:style>
+  </dgm:styleLbl>
+  <dgm:styleLbl name="parChTrans1D1">
+    <dgm:scene3d>
+      <a:camera prst="orthographicFront"/>
+      <a:lightRig rig="threePt" dir="t"/>
+    </dgm:scene3d>
+    <dgm:sp3d/>
+    <dgm:txPr/>
+    <dgm:style>
+      <a:lnRef idx="2">
+        <a:scrgbClr r="0" g="0" b="0"/>
+      </a:lnRef>
+      <a:fillRef idx="0">
+        <a:scrgbClr r="0" g="0" b="0"/>
+      </a:fillRef>
+      <a:effectRef idx="0">
+        <a:scrgbClr r="0" g="0" b="0"/>
+      </a:effectRef>
+      <a:fontRef idx="minor"/>
+    </dgm:style>
+  </dgm:styleLbl>
+  <dgm:styleLbl name="parChTrans1D2">
+    <dgm:scene3d>
+      <a:camera prst="orthographicFront"/>
+      <a:lightRig rig="threePt" dir="t"/>
+    </dgm:scene3d>
+    <dgm:sp3d/>
+    <dgm:txPr/>
+    <dgm:style>
+      <a:lnRef idx="2">
+        <a:scrgbClr r="0" g="0" b="0"/>
+      </a:lnRef>
+      <a:fillRef idx="0">
+        <a:scrgbClr r="0" g="0" b="0"/>
+      </a:fillRef>
+      <a:effectRef idx="0">
+        <a:scrgbClr r="0" g="0" b="0"/>
+      </a:effectRef>
+      <a:fontRef idx="minor"/>
+    </dgm:style>
+  </dgm:styleLbl>
+  <dgm:styleLbl name="parChTrans1D3">
+    <dgm:scene3d>
+      <a:camera prst="orthographicFront"/>
+      <a:lightRig rig="threePt" dir="t"/>
+    </dgm:scene3d>
+    <dgm:sp3d/>
+    <dgm:txPr/>
+    <dgm:style>
+      <a:lnRef idx="2">
+        <a:scrgbClr r="0" g="0" b="0"/>
+      </a:lnRef>
+      <a:fillRef idx="0">
+        <a:scrgbClr r="0" g="0" b="0"/>
+      </a:fillRef>
+      <a:effectRef idx="0">
+        <a:scrgbClr r="0" g="0" b="0"/>
+      </a:effectRef>
+      <a:fontRef idx="minor"/>
+    </dgm:style>
+  </dgm:styleLbl>
+  <dgm:styleLbl name="parChTrans1D4">
+    <dgm:scene3d>
+      <a:camera prst="orthographicFront"/>
+      <a:lightRig rig="threePt" dir="t"/>
+    </dgm:scene3d>
+    <dgm:sp3d/>
+    <dgm:txPr/>
+    <dgm:style>
+      <a:lnRef idx="2">
+        <a:scrgbClr r="0" g="0" b="0"/>
+      </a:lnRef>
+      <a:fillRef idx="0">
+        <a:scrgbClr r="0" g="0" b="0"/>
+      </a:fillRef>
+      <a:effectRef idx="0">
+        <a:scrgbClr r="0" g="0" b="0"/>
+      </a:effectRef>
+      <a:fontRef idx="minor"/>
+    </dgm:style>
+  </dgm:styleLbl>
+  <dgm:styleLbl name="fgAcc1">
+    <dgm:scene3d>
+      <a:camera prst="orthographicFront"/>
+      <a:lightRig rig="threePt" dir="t"/>
+    </dgm:scene3d>
+    <dgm:sp3d/>
+    <dgm:txPr/>
+    <dgm:style>
+      <a:lnRef idx="2">
+        <a:scrgbClr r="0" g="0" b="0"/>
+      </a:lnRef>
+      <a:fillRef idx="1">
+        <a:scrgbClr r="0" g="0" b="0"/>
+      </a:fillRef>
+      <a:effectRef idx="0">
+        <a:scrgbClr r="0" g="0" b="0"/>
+      </a:effectRef>
+      <a:fontRef idx="minor"/>
+    </dgm:style>
+  </dgm:styleLbl>
+  <dgm:styleLbl name="conFgAcc1">
+    <dgm:scene3d>
+      <a:camera prst="orthographicFront"/>
+      <a:lightRig rig="threePt" dir="t"/>
+    </dgm:scene3d>
+    <dgm:sp3d/>
+    <dgm:txPr/>
+    <dgm:style>
+      <a:lnRef idx="2">
+        <a:scrgbClr r="0" g="0" b="0"/>
+      </a:lnRef>
+      <a:fillRef idx="1">
+        <a:scrgbClr r="0" g="0" b="0"/>
+      </a:fillRef>
+      <a:effectRef idx="0">
+        <a:scrgbClr r="0" g="0" b="0"/>
+      </a:effectRef>
+      <a:fontRef idx="minor"/>
+    </dgm:style>
+  </dgm:styleLbl>
+  <dgm:styleLbl name="alignAcc1">
+    <dgm:scene3d>
+      <a:camera prst="orthographicFront"/>
+      <a:lightRig rig="threePt" dir="t"/>
+    </dgm:scene3d>
+    <dgm:sp3d/>
+    <dgm:txPr/>
+    <dgm:style>
+      <a:lnRef idx="2">
+        <a:scrgbClr r="0" g="0" b="0"/>
+      </a:lnRef>
+      <a:fillRef idx="1">
+        <a:scrgbClr r="0" g="0" b="0"/>
+      </a:fillRef>
+      <a:effectRef idx="0">
+        <a:scrgbClr r="0" g="0" b="0"/>
+      </a:effectRef>
+      <a:fontRef idx="minor"/>
+    </dgm:style>
+  </dgm:styleLbl>
+  <dgm:styleLbl name="trAlignAcc1">
+    <dgm:scene3d>
+      <a:camera prst="orthographicFront"/>
+      <a:lightRig rig="threePt" dir="t"/>
+    </dgm:scene3d>
+    <dgm:sp3d/>
+    <dgm:txPr/>
+    <dgm:style>
+      <a:lnRef idx="1">
+        <a:scrgbClr r="0" g="0" b="0"/>
+      </a:lnRef>
+      <a:fillRef idx="1">
+        <a:scrgbClr r="0" g="0" b="0"/>
+      </a:fillRef>
+      <a:effectRef idx="0">
+        <a:scrgbClr r="0" g="0" b="0"/>
+      </a:effectRef>
+      <a:fontRef idx="minor"/>
+    </dgm:style>
+  </dgm:styleLbl>
+  <dgm:styleLbl name="bgAcc1">
+    <dgm:scene3d>
+      <a:camera prst="orthographicFront"/>
+      <a:lightRig rig="threePt" dir="t"/>
+    </dgm:scene3d>
+    <dgm:sp3d/>
+    <dgm:txPr/>
+    <dgm:style>
+      <a:lnRef idx="2">
+        <a:scrgbClr r="0" g="0" b="0"/>
+      </a:lnRef>
+      <a:fillRef idx="1">
+        <a:scrgbClr r="0" g="0" b="0"/>
+      </a:fillRef>
+      <a:effectRef idx="0">
+        <a:scrgbClr r="0" g="0" b="0"/>
+      </a:effectRef>
+      <a:fontRef idx="minor"/>
+    </dgm:style>
+  </dgm:styleLbl>
+  <dgm:styleLbl name="solidFgAcc1">
+    <dgm:scene3d>
+      <a:camera prst="orthographicFront"/>
+      <a:lightRig rig="threePt" dir="t"/>
+    </dgm:scene3d>
+    <dgm:sp3d/>
+    <dgm:txPr/>
+    <dgm:style>
+      <a:lnRef idx="2">
+        <a:scrgbClr r="0" g="0" b="0"/>
+      </a:lnRef>
+      <a:fillRef idx="1">
+        <a:scrgbClr r="0" g="0" b="0"/>
+      </a:fillRef>
+      <a:effectRef idx="0">
+        <a:scrgbClr r="0" g="0" b="0"/>
+      </a:effectRef>
+      <a:fontRef idx="minor"/>
+    </dgm:style>
+  </dgm:styleLbl>
+  <dgm:styleLbl name="solidAlignAcc1">
+    <dgm:scene3d>
+      <a:camera prst="orthographicFront"/>
+      <a:lightRig rig="threePt" dir="t"/>
+    </dgm:scene3d>
+    <dgm:sp3d/>
+    <dgm:txPr/>
+    <dgm:style>
+      <a:lnRef idx="2">
+        <a:scrgbClr r="0" g="0" b="0"/>
+      </a:lnRef>
+      <a:fillRef idx="1">
+        <a:scrgbClr r="0" g="0" b="0"/>
+      </a:fillRef>
+      <a:effectRef idx="0">
+        <a:scrgbClr r="0" g="0" b="0"/>
+      </a:effectRef>
+      <a:fontRef idx="minor"/>
+    </dgm:style>
+  </dgm:styleLbl>
+  <dgm:styleLbl name="solidBgAcc1">
+    <dgm:scene3d>
+      <a:camera prst="orthographicFront"/>
+      <a:lightRig rig="threePt" dir="t"/>
+    </dgm:scene3d>
+    <dgm:sp3d/>
+    <dgm:txPr/>
+    <dgm:style>
+      <a:lnRef idx="2">
+        <a:scrgbClr r="0" g="0" b="0"/>
+      </a:lnRef>
+      <a:fillRef idx="1">
+        <a:scrgbClr r="0" g="0" b="0"/>
+      </a:fillRef>
+      <a:effectRef idx="0">
+        <a:scrgbClr r="0" g="0" b="0"/>
+      </a:effectRef>
+      <a:fontRef idx="minor"/>
+    </dgm:style>
+  </dgm:styleLbl>
+  <dgm:styleLbl name="fgAccFollowNode1">
+    <dgm:scene3d>
+      <a:camera prst="orthographicFront"/>
+      <a:lightRig rig="threePt" dir="t"/>
+    </dgm:scene3d>
+    <dgm:sp3d/>
+    <dgm:txPr/>
+    <dgm:style>
+      <a:lnRef idx="2">
+        <a:scrgbClr r="0" g="0" b="0"/>
+      </a:lnRef>
+      <a:fillRef idx="1">
+        <a:scrgbClr r="0" g="0" b="0"/>
+      </a:fillRef>
+      <a:effectRef idx="0">
+        <a:scrgbClr r="0" g="0" b="0"/>
+      </a:effectRef>
+      <a:fontRef idx="minor"/>
+    </dgm:style>
+  </dgm:styleLbl>
+  <dgm:styleLbl name="alignAccFollowNode1">
+    <dgm:scene3d>
+      <a:camera prst="orthographicFront"/>
+      <a:lightRig rig="threePt" dir="t"/>
+    </dgm:scene3d>
+    <dgm:sp3d/>
+    <dgm:txPr/>
+    <dgm:style>
+      <a:lnRef idx="2">
+        <a:scrgbClr r="0" g="0" b="0"/>
+      </a:lnRef>
+      <a:fillRef idx="1">
+        <a:scrgbClr r="0" g="0" b="0"/>
+      </a:fillRef>
+      <a:effectRef idx="0">
+        <a:scrgbClr r="0" g="0" b="0"/>
+      </a:effectRef>
+      <a:fontRef idx="minor"/>
+    </dgm:style>
+  </dgm:styleLbl>
+  <dgm:styleLbl name="bgAccFollowNode1">
+    <dgm:scene3d>
+      <a:camera prst="orthographicFront"/>
+      <a:lightRig rig="threePt" dir="t"/>
+    </dgm:scene3d>
+    <dgm:sp3d/>
+    <dgm:txPr/>
+    <dgm:style>
+      <a:lnRef idx="2">
+        <a:scrgbClr r="0" g="0" b="0"/>
+      </a:lnRef>
+      <a:fillRef idx="1">
+        <a:scrgbClr r="0" g="0" b="0"/>
+      </a:fillRef>
+      <a:effectRef idx="0">
+        <a:scrgbClr r="0" g="0" b="0"/>
+      </a:effectRef>
+      <a:fontRef idx="minor"/>
+    </dgm:style>
+  </dgm:styleLbl>
+  <dgm:styleLbl name="fgAcc0">
+    <dgm:scene3d>
+      <a:camera prst="orthographicFront"/>
+      <a:lightRig rig="threePt" dir="t"/>
+    </dgm:scene3d>
+    <dgm:sp3d/>
+    <dgm:txPr/>
+    <dgm:style>
+      <a:lnRef idx="2">
+        <a:scrgbClr r="0" g="0" b="0"/>
+      </a:lnRef>
+      <a:fillRef idx="1">
+        <a:scrgbClr r="0" g="0" b="0"/>
+      </a:fillRef>
+      <a:effectRef idx="0">
+        <a:scrgbClr r="0" g="0" b="0"/>
+      </a:effectRef>
+      <a:fontRef idx="minor"/>
+    </dgm:style>
+  </dgm:styleLbl>
+  <dgm:styleLbl name="fgAcc2">
+    <dgm:scene3d>
+      <a:camera prst="orthographicFront"/>
+      <a:lightRig rig="threePt" dir="t"/>
+    </dgm:scene3d>
+    <dgm:sp3d/>
+    <dgm:txPr/>
+    <dgm:style>
+      <a:lnRef idx="2">
+        <a:scrgbClr r="0" g="0" b="0"/>
+      </a:lnRef>
+      <a:fillRef idx="1">
+        <a:scrgbClr r="0" g="0" b="0"/>
+      </a:fillRef>
+      <a:effectRef idx="0">
+        <a:scrgbClr r="0" g="0" b="0"/>
+      </a:effectRef>
+      <a:fontRef idx="minor"/>
+    </dgm:style>
+  </dgm:styleLbl>
+  <dgm:styleLbl name="fgAcc3">
+    <dgm:scene3d>
+      <a:camera prst="orthographicFront"/>
+      <a:lightRig rig="threePt" dir="t"/>
+    </dgm:scene3d>
+    <dgm:sp3d/>
+    <dgm:txPr/>
+    <dgm:style>
+      <a:lnRef idx="2">
+        <a:scrgbClr r="0" g="0" b="0"/>
+      </a:lnRef>
+      <a:fillRef idx="1">
+        <a:scrgbClr r="0" g="0" b="0"/>
+      </a:fillRef>
+      <a:effectRef idx="0">
+        <a:scrgbClr r="0" g="0" b="0"/>
+      </a:effectRef>
+      <a:fontRef idx="minor"/>
+    </dgm:style>
+  </dgm:styleLbl>
+  <dgm:styleLbl name="fgAcc4">
+    <dgm:scene3d>
+      <a:camera prst="orthographicFront"/>
+      <a:lightRig rig="threePt" dir="t"/>
+    </dgm:scene3d>
+    <dgm:sp3d/>
+    <dgm:txPr/>
+    <dgm:style>
+      <a:lnRef idx="2">
+        <a:scrgbClr r="0" g="0" b="0"/>
+      </a:lnRef>
+      <a:fillRef idx="1">
+        <a:scrgbClr r="0" g="0" b="0"/>
+      </a:fillRef>
+      <a:effectRef idx="0">
+        <a:scrgbClr r="0" g="0" b="0"/>
+      </a:effectRef>
+      <a:fontRef idx="minor"/>
+    </dgm:style>
+  </dgm:styleLbl>
+  <dgm:styleLbl name="bgShp">
+    <dgm:scene3d>
+      <a:camera prst="orthographicFront"/>
+      <a:lightRig rig="threePt" dir="t"/>
+    </dgm:scene3d>
+    <dgm:sp3d/>
+    <dgm:txPr/>
+    <dgm:style>
+      <a:lnRef idx="0">
+        <a:scrgbClr r="0" g="0" b="0"/>
+      </a:lnRef>
+      <a:fillRef idx="1">
+        <a:scrgbClr r="0" g="0" b="0"/>
+      </a:fillRef>
+      <a:effectRef idx="0">
+        <a:scrgbClr r="0" g="0" b="0"/>
+      </a:effectRef>
+      <a:fontRef idx="minor"/>
+    </dgm:style>
+  </dgm:styleLbl>
+  <dgm:styleLbl name="dkBgShp">
+    <dgm:scene3d>
+      <a:camera prst="orthographicFront"/>
+      <a:lightRig rig="threePt" dir="t"/>
+    </dgm:scene3d>
+    <dgm:sp3d/>
+    <dgm:txPr/>
+    <dgm:style>
+      <a:lnRef idx="0">
+        <a:scrgbClr r="0" g="0" b="0"/>
+      </a:lnRef>
+      <a:fillRef idx="1">
+        <a:scrgbClr r="0" g="0" b="0"/>
+      </a:fillRef>
+      <a:effectRef idx="0">
+        <a:scrgbClr r="0" g="0" b="0"/>
+      </a:effectRef>
+      <a:fontRef idx="minor"/>
+    </dgm:style>
+  </dgm:styleLbl>
+  <dgm:styleLbl name="trBgShp">
+    <dgm:scene3d>
+      <a:camera prst="orthographicFront"/>
+      <a:lightRig rig="threePt" dir="t"/>
+    </dgm:scene3d>
+    <dgm:sp3d/>
+    <dgm:txPr/>
+    <dgm:style>
+      <a:lnRef idx="0">
+        <a:scrgbClr r="0" g="0" b="0"/>
+      </a:lnRef>
+      <a:fillRef idx="1">
+        <a:scrgbClr r="0" g="0" b="0"/>
+      </a:fillRef>
+      <a:effectRef idx="0">
+        <a:scrgbClr r="0" g="0" b="0"/>
+      </a:effectRef>
+      <a:fontRef idx="minor"/>
+    </dgm:style>
+  </dgm:styleLbl>
+  <dgm:styleLbl name="fgShp">
+    <dgm:scene3d>
+      <a:camera prst="orthographicFront"/>
+      <a:lightRig rig="threePt" dir="t"/>
+    </dgm:scene3d>
+    <dgm:sp3d/>
+    <dgm:txPr/>
+    <dgm:style>
+      <a:lnRef idx="2">
+        <a:scrgbClr r="0" g="0" b="0"/>
+      </a:lnRef>
+      <a:fillRef idx="1">
+        <a:scrgbClr r="0" g="0" b="0"/>
+      </a:fillRef>
+      <a:effectRef idx="0">
+        <a:scrgbClr r="0" g="0" b="0"/>
+      </a:effectRef>
+      <a:fontRef idx="minor"/>
+    </dgm:style>
+  </dgm:styleLbl>
+  <dgm:styleLbl name="revTx">
+    <dgm:scene3d>
+      <a:camera prst="orthographicFront"/>
+      <a:lightRig rig="threePt" dir="t"/>
+    </dgm:scene3d>
+    <dgm:sp3d/>
+    <dgm:txPr/>
+    <dgm:style>
+      <a:lnRef idx="0">
+        <a:scrgbClr r="0" g="0" b="0"/>
+      </a:lnRef>
+      <a:fillRef idx="0">
+        <a:scrgbClr r="0" g="0" b="0"/>
+      </a:fillRef>
+      <a:effectRef idx="0">
+        <a:scrgbClr r="0" g="0" b="0"/>
+      </a:effectRef>
+      <a:fontRef idx="minor"/>
+    </dgm:style>
+  </dgm:styleLbl>
+</dgm:styleDef>
 </file>
 
 <file path=ppt/notesMasters/notesMaster1.xml><?xml version="1.0" encoding="utf-8"?>
@@ -3771,8 +9378,8 @@
         </p:nvSpPr>
         <p:spPr>
           <a:xfrm>
-            <a:off x="9036543" y="1476147"/>
-            <a:ext cx="2945907" cy="2846070"/>
+            <a:off x="8943759" y="1518082"/>
+            <a:ext cx="3398609" cy="2910667"/>
           </a:xfrm>
         </p:spPr>
         <p:txBody>
@@ -3784,41 +9391,31 @@
             <a:pPr algn="l"/>
             <a:r>
               <a:rPr lang="en-US" sz="3400" b="1" kern="1200" dirty="0">
-                <a:latin typeface="+mj-lt"/>
-                <a:ea typeface="+mj-ea"/>
-                <a:cs typeface="+mj-cs"/>
+                <a:latin typeface="Bahnschrift" panose="020B0502040204020203" pitchFamily="34" charset="0"/>
               </a:rPr>
               <a:t>Gestion </a:t>
             </a:r>
             <a:r>
               <a:rPr lang="en-US" sz="3400" b="1" kern="1200" dirty="0" err="1">
-                <a:latin typeface="+mj-lt"/>
-                <a:ea typeface="+mj-ea"/>
-                <a:cs typeface="+mj-cs"/>
+                <a:latin typeface="Bahnschrift" panose="020B0502040204020203" pitchFamily="34" charset="0"/>
               </a:rPr>
               <a:t>informatique</a:t>
             </a:r>
             <a:r>
               <a:rPr lang="en-US" sz="3400" b="1" kern="1200" dirty="0">
-                <a:latin typeface="+mj-lt"/>
-                <a:ea typeface="+mj-ea"/>
-                <a:cs typeface="+mj-cs"/>
+                <a:latin typeface="Bahnschrift" panose="020B0502040204020203" pitchFamily="34" charset="0"/>
               </a:rPr>
               <a:t> d’un </a:t>
             </a:r>
             <a:r>
               <a:rPr lang="en-US" sz="3400" b="1" kern="1200" dirty="0" err="1">
-                <a:latin typeface="+mj-lt"/>
-                <a:ea typeface="+mj-ea"/>
-                <a:cs typeface="+mj-cs"/>
+                <a:latin typeface="Bahnschrift" panose="020B0502040204020203" pitchFamily="34" charset="0"/>
               </a:rPr>
               <a:t>emploi</a:t>
             </a:r>
             <a:r>
               <a:rPr lang="en-US" sz="3400" b="1" kern="1200" dirty="0">
-                <a:latin typeface="+mj-lt"/>
-                <a:ea typeface="+mj-ea"/>
-                <a:cs typeface="+mj-cs"/>
+                <a:latin typeface="Bahnschrift" panose="020B0502040204020203" pitchFamily="34" charset="0"/>
               </a:rPr>
               <a:t> du temps</a:t>
             </a:r>
@@ -4130,7 +9727,9 @@
               </a:spcAft>
             </a:pPr>
             <a:r>
-              <a:rPr lang="fr-FR" sz="1600" dirty="0"/>
+              <a:rPr lang="fr-FR" sz="1600" dirty="0">
+                <a:latin typeface="Bahnschrift" panose="020B0502040204020203" pitchFamily="34" charset="0"/>
+              </a:rPr>
               <a:t>AYLLON Jorge</a:t>
             </a:r>
           </a:p>
@@ -4141,7 +9740,9 @@
               </a:spcAft>
             </a:pPr>
             <a:r>
-              <a:rPr lang="fr-FR" sz="1600" dirty="0"/>
+              <a:rPr lang="fr-FR" sz="1600" dirty="0">
+                <a:latin typeface="Bahnschrift" panose="020B0502040204020203" pitchFamily="34" charset="0"/>
+              </a:rPr>
               <a:t>BEAUJOIS Théo</a:t>
             </a:r>
           </a:p>
@@ -4152,7 +9753,9 @@
               </a:spcAft>
             </a:pPr>
             <a:r>
-              <a:rPr lang="fr-FR" sz="1600" dirty="0"/>
+              <a:rPr lang="fr-FR" sz="1600" dirty="0">
+                <a:latin typeface="Bahnschrift" panose="020B0502040204020203" pitchFamily="34" charset="0"/>
+              </a:rPr>
               <a:t>WANG David</a:t>
             </a:r>
           </a:p>
@@ -4163,7 +9766,9 @@
               </a:spcAft>
             </a:pPr>
             <a:r>
-              <a:rPr lang="fr-FR" sz="1600" dirty="0"/>
+              <a:rPr lang="fr-FR" sz="1600" dirty="0">
+                <a:latin typeface="Bahnschrift" panose="020B0502040204020203" pitchFamily="34" charset="0"/>
+              </a:rPr>
               <a:t>ING 3 TD10</a:t>
             </a:r>
           </a:p>
@@ -4201,10 +9806,689 @@
       </p:grpSpPr>
       <p:sp>
         <p:nvSpPr>
+          <p:cNvPr id="4" name="Espace réservé du numéro de diapositive 3">
+            <a:extLst>
+              <a:ext uri="{FF2B5EF4-FFF2-40B4-BE49-F238E27FC236}">
+                <a16:creationId xmlns:a16="http://schemas.microsoft.com/office/drawing/2014/main" id="{5FD9AE7D-6320-468D-AF8A-9B4A84DDFC31}"/>
+              </a:ext>
+            </a:extLst>
+          </p:cNvPr>
+          <p:cNvSpPr>
+            <a:spLocks noGrp="1"/>
+          </p:cNvSpPr>
+          <p:nvPr>
+            <p:ph type="sldNum" sz="quarter" idx="12"/>
+          </p:nvPr>
+        </p:nvSpPr>
+        <p:spPr/>
+        <p:txBody>
+          <a:bodyPr/>
+          <a:lstStyle/>
+          <a:p>
+            <a:fld id="{34019804-9289-4BBC-AA3C-DA6C70866F0C}" type="slidenum">
+              <a:rPr lang="fr-FR" smtClean="0"/>
+              <a:t>10</a:t>
+            </a:fld>
+            <a:endParaRPr lang="fr-FR"/>
+          </a:p>
+        </p:txBody>
+      </p:sp>
+      <p:pic>
+        <p:nvPicPr>
+          <p:cNvPr id="5" name="Image 4">
+            <a:extLst>
+              <a:ext uri="{FF2B5EF4-FFF2-40B4-BE49-F238E27FC236}">
+                <a16:creationId xmlns:a16="http://schemas.microsoft.com/office/drawing/2014/main" id="{AF6A38D3-1D8F-4805-8CBC-D33D3C703529}"/>
+              </a:ext>
+            </a:extLst>
+          </p:cNvPr>
+          <p:cNvPicPr>
+            <a:picLocks noChangeAspect="1"/>
+          </p:cNvPicPr>
+          <p:nvPr/>
+        </p:nvPicPr>
+        <p:blipFill>
+          <a:blip r:embed="rId2"/>
+          <a:stretch>
+            <a:fillRect/>
+          </a:stretch>
+        </p:blipFill>
+        <p:spPr>
+          <a:xfrm>
+            <a:off x="607056" y="571501"/>
+            <a:ext cx="3703823" cy="2533650"/>
+          </a:xfrm>
+          <a:prstGeom prst="rect">
+            <a:avLst/>
+          </a:prstGeom>
+        </p:spPr>
+      </p:pic>
+      <p:pic>
+        <p:nvPicPr>
+          <p:cNvPr id="6" name="Image 5">
+            <a:extLst>
+              <a:ext uri="{FF2B5EF4-FFF2-40B4-BE49-F238E27FC236}">
+                <a16:creationId xmlns:a16="http://schemas.microsoft.com/office/drawing/2014/main" id="{A7574675-2C9C-4AB6-85F9-EBBA4C07DE47}"/>
+              </a:ext>
+            </a:extLst>
+          </p:cNvPr>
+          <p:cNvPicPr>
+            <a:picLocks noChangeAspect="1"/>
+          </p:cNvPicPr>
+          <p:nvPr/>
+        </p:nvPicPr>
+        <p:blipFill>
+          <a:blip r:embed="rId3"/>
+          <a:stretch>
+            <a:fillRect/>
+          </a:stretch>
+        </p:blipFill>
+        <p:spPr>
+          <a:xfrm>
+            <a:off x="4667489" y="2630338"/>
+            <a:ext cx="6572011" cy="3726012"/>
+          </a:xfrm>
+          <a:prstGeom prst="rect">
+            <a:avLst/>
+          </a:prstGeom>
+        </p:spPr>
+      </p:pic>
+      <p:sp>
+        <p:nvSpPr>
+          <p:cNvPr id="7" name="ZoneTexte 6">
+            <a:extLst>
+              <a:ext uri="{FF2B5EF4-FFF2-40B4-BE49-F238E27FC236}">
+                <a16:creationId xmlns:a16="http://schemas.microsoft.com/office/drawing/2014/main" id="{4D42E301-BDA3-4B72-A59D-0BC985CDF18C}"/>
+              </a:ext>
+            </a:extLst>
+          </p:cNvPr>
+          <p:cNvSpPr txBox="1"/>
+          <p:nvPr/>
+        </p:nvSpPr>
+        <p:spPr>
+          <a:xfrm>
+            <a:off x="4632294" y="151557"/>
+            <a:ext cx="2927412" cy="584775"/>
+          </a:xfrm>
+          <a:prstGeom prst="rect">
+            <a:avLst/>
+          </a:prstGeom>
+          <a:noFill/>
+        </p:spPr>
+        <p:txBody>
+          <a:bodyPr wrap="square" rtlCol="0">
+            <a:spAutoFit/>
+          </a:bodyPr>
+          <a:lstStyle/>
+          <a:p>
+            <a:r>
+              <a:rPr lang="fr-FR" sz="3200" dirty="0"/>
+              <a:t>MISE A JOUR</a:t>
+            </a:r>
+          </a:p>
+        </p:txBody>
+      </p:sp>
+      <p:cxnSp>
+        <p:nvCxnSpPr>
+          <p:cNvPr id="9" name="Connecteur droit 8">
+            <a:extLst>
+              <a:ext uri="{FF2B5EF4-FFF2-40B4-BE49-F238E27FC236}">
+                <a16:creationId xmlns:a16="http://schemas.microsoft.com/office/drawing/2014/main" id="{7B40A185-E61B-4454-BFEF-DA810C597EA9}"/>
+              </a:ext>
+            </a:extLst>
+          </p:cNvPr>
+          <p:cNvCxnSpPr/>
+          <p:nvPr/>
+        </p:nvCxnSpPr>
+        <p:spPr>
+          <a:xfrm flipH="1" flipV="1">
+            <a:off x="7519386" y="2254928"/>
+            <a:ext cx="506028" cy="2121763"/>
+          </a:xfrm>
+          <a:prstGeom prst="line">
+            <a:avLst/>
+          </a:prstGeom>
+        </p:spPr>
+        <p:style>
+          <a:lnRef idx="1">
+            <a:schemeClr val="accent1"/>
+          </a:lnRef>
+          <a:fillRef idx="0">
+            <a:schemeClr val="accent1"/>
+          </a:fillRef>
+          <a:effectRef idx="0">
+            <a:schemeClr val="accent1"/>
+          </a:effectRef>
+          <a:fontRef idx="minor">
+            <a:schemeClr val="tx1"/>
+          </a:fontRef>
+        </p:style>
+      </p:cxnSp>
+      <p:sp>
+        <p:nvSpPr>
+          <p:cNvPr id="10" name="Rectangle 9">
+            <a:extLst>
+              <a:ext uri="{FF2B5EF4-FFF2-40B4-BE49-F238E27FC236}">
+                <a16:creationId xmlns:a16="http://schemas.microsoft.com/office/drawing/2014/main" id="{9D4FA1BB-A531-47B0-AD77-E9C5E028BD9C}"/>
+              </a:ext>
+            </a:extLst>
+          </p:cNvPr>
+          <p:cNvSpPr/>
+          <p:nvPr/>
+        </p:nvSpPr>
+        <p:spPr>
+          <a:xfrm>
+            <a:off x="6409678" y="1251751"/>
+            <a:ext cx="2171700" cy="834501"/>
+          </a:xfrm>
+          <a:prstGeom prst="rect">
+            <a:avLst/>
+          </a:prstGeom>
+          <a:ln>
+            <a:solidFill>
+              <a:schemeClr val="accent1">
+                <a:lumMod val="75000"/>
+              </a:schemeClr>
+            </a:solidFill>
+          </a:ln>
+        </p:spPr>
+        <p:style>
+          <a:lnRef idx="2">
+            <a:schemeClr val="accent6"/>
+          </a:lnRef>
+          <a:fillRef idx="1">
+            <a:schemeClr val="lt1"/>
+          </a:fillRef>
+          <a:effectRef idx="0">
+            <a:schemeClr val="accent6"/>
+          </a:effectRef>
+          <a:fontRef idx="minor">
+            <a:schemeClr val="dk1"/>
+          </a:fontRef>
+        </p:style>
+        <p:txBody>
+          <a:bodyPr rtlCol="0" anchor="ctr"/>
+          <a:lstStyle/>
+          <a:p>
+            <a:pPr algn="ctr"/>
+            <a:endParaRPr lang="fr-FR"/>
+          </a:p>
+        </p:txBody>
+      </p:sp>
+      <p:sp>
+        <p:nvSpPr>
+          <p:cNvPr id="11" name="ZoneTexte 10">
+            <a:extLst>
+              <a:ext uri="{FF2B5EF4-FFF2-40B4-BE49-F238E27FC236}">
+                <a16:creationId xmlns:a16="http://schemas.microsoft.com/office/drawing/2014/main" id="{3739738D-BBF4-4359-8245-27BB71A78F12}"/>
+              </a:ext>
+            </a:extLst>
+          </p:cNvPr>
+          <p:cNvSpPr txBox="1"/>
+          <p:nvPr/>
+        </p:nvSpPr>
+        <p:spPr>
+          <a:xfrm>
+            <a:off x="6870761" y="1516205"/>
+            <a:ext cx="1130423" cy="380599"/>
+          </a:xfrm>
+          <a:prstGeom prst="rect">
+            <a:avLst/>
+          </a:prstGeom>
+          <a:noFill/>
+        </p:spPr>
+        <p:txBody>
+          <a:bodyPr wrap="square" rtlCol="0">
+            <a:spAutoFit/>
+          </a:bodyPr>
+          <a:lstStyle/>
+          <a:p>
+            <a:r>
+              <a:rPr lang="fr-FR" dirty="0" err="1"/>
+              <a:t>JDialog</a:t>
+            </a:r>
+            <a:endParaRPr lang="fr-FR" dirty="0"/>
+          </a:p>
+        </p:txBody>
+      </p:sp>
+      <p:cxnSp>
+        <p:nvCxnSpPr>
+          <p:cNvPr id="13" name="Connecteur droit 12">
+            <a:extLst>
+              <a:ext uri="{FF2B5EF4-FFF2-40B4-BE49-F238E27FC236}">
+                <a16:creationId xmlns:a16="http://schemas.microsoft.com/office/drawing/2014/main" id="{605A75A2-3D5A-4364-A191-1584AB307A15}"/>
+              </a:ext>
+            </a:extLst>
+          </p:cNvPr>
+          <p:cNvCxnSpPr/>
+          <p:nvPr/>
+        </p:nvCxnSpPr>
+        <p:spPr>
+          <a:xfrm>
+            <a:off x="3506680" y="5442012"/>
+            <a:ext cx="1160809" cy="106532"/>
+          </a:xfrm>
+          <a:prstGeom prst="line">
+            <a:avLst/>
+          </a:prstGeom>
+        </p:spPr>
+        <p:style>
+          <a:lnRef idx="1">
+            <a:schemeClr val="accent1"/>
+          </a:lnRef>
+          <a:fillRef idx="0">
+            <a:schemeClr val="accent1"/>
+          </a:fillRef>
+          <a:effectRef idx="0">
+            <a:schemeClr val="accent1"/>
+          </a:effectRef>
+          <a:fontRef idx="minor">
+            <a:schemeClr val="tx1"/>
+          </a:fontRef>
+        </p:style>
+      </p:cxnSp>
+      <p:sp>
+        <p:nvSpPr>
+          <p:cNvPr id="14" name="Rectangle 13">
+            <a:extLst>
+              <a:ext uri="{FF2B5EF4-FFF2-40B4-BE49-F238E27FC236}">
+                <a16:creationId xmlns:a16="http://schemas.microsoft.com/office/drawing/2014/main" id="{B1C7C397-0689-4AC5-A7F2-D68D657A445F}"/>
+              </a:ext>
+            </a:extLst>
+          </p:cNvPr>
+          <p:cNvSpPr/>
+          <p:nvPr/>
+        </p:nvSpPr>
+        <p:spPr>
+          <a:xfrm>
+            <a:off x="1669002" y="4687410"/>
+            <a:ext cx="1615736" cy="754602"/>
+          </a:xfrm>
+          <a:prstGeom prst="rect">
+            <a:avLst/>
+          </a:prstGeom>
+          <a:ln>
+            <a:solidFill>
+              <a:schemeClr val="accent1">
+                <a:lumMod val="75000"/>
+              </a:schemeClr>
+            </a:solidFill>
+          </a:ln>
+        </p:spPr>
+        <p:style>
+          <a:lnRef idx="2">
+            <a:schemeClr val="accent6"/>
+          </a:lnRef>
+          <a:fillRef idx="1">
+            <a:schemeClr val="lt1"/>
+          </a:fillRef>
+          <a:effectRef idx="0">
+            <a:schemeClr val="accent6"/>
+          </a:effectRef>
+          <a:fontRef idx="minor">
+            <a:schemeClr val="dk1"/>
+          </a:fontRef>
+        </p:style>
+        <p:txBody>
+          <a:bodyPr rtlCol="0" anchor="ctr"/>
+          <a:lstStyle/>
+          <a:p>
+            <a:pPr algn="ctr"/>
+            <a:endParaRPr lang="fr-FR"/>
+          </a:p>
+        </p:txBody>
+      </p:sp>
+      <p:sp>
+        <p:nvSpPr>
+          <p:cNvPr id="15" name="ZoneTexte 14">
+            <a:extLst>
+              <a:ext uri="{FF2B5EF4-FFF2-40B4-BE49-F238E27FC236}">
+                <a16:creationId xmlns:a16="http://schemas.microsoft.com/office/drawing/2014/main" id="{F5F82586-9284-4AB3-ACED-86882EE63FBA}"/>
+              </a:ext>
+            </a:extLst>
+          </p:cNvPr>
+          <p:cNvSpPr txBox="1"/>
+          <p:nvPr/>
+        </p:nvSpPr>
+        <p:spPr>
+          <a:xfrm>
+            <a:off x="2082738" y="4874411"/>
+            <a:ext cx="1130423" cy="380599"/>
+          </a:xfrm>
+          <a:prstGeom prst="rect">
+            <a:avLst/>
+          </a:prstGeom>
+          <a:noFill/>
+        </p:spPr>
+        <p:txBody>
+          <a:bodyPr wrap="square" rtlCol="0">
+            <a:spAutoFit/>
+          </a:bodyPr>
+          <a:lstStyle/>
+          <a:p>
+            <a:r>
+              <a:rPr lang="fr-FR" dirty="0" err="1"/>
+              <a:t>JPanel</a:t>
+            </a:r>
+            <a:endParaRPr lang="fr-FR" dirty="0"/>
+          </a:p>
+        </p:txBody>
+      </p:sp>
+    </p:spTree>
+    <p:extLst>
+      <p:ext uri="{BB962C8B-B14F-4D97-AF65-F5344CB8AC3E}">
+        <p14:creationId xmlns:p14="http://schemas.microsoft.com/office/powerpoint/2010/main" val="2226954326"/>
+      </p:ext>
+    </p:extLst>
+  </p:cSld>
+  <p:clrMapOvr>
+    <a:masterClrMapping/>
+  </p:clrMapOvr>
+</p:sld>
+</file>
+
+<file path=ppt/slides/slide11.xml><?xml version="1.0" encoding="utf-8"?>
+<p:sld xmlns:a="http://schemas.openxmlformats.org/drawingml/2006/main" xmlns:r="http://schemas.openxmlformats.org/officeDocument/2006/relationships" xmlns:p="http://schemas.openxmlformats.org/presentationml/2006/main">
+  <p:cSld>
+    <p:spTree>
+      <p:nvGrpSpPr>
+        <p:cNvPr id="1" name=""/>
+        <p:cNvGrpSpPr/>
+        <p:nvPr/>
+      </p:nvGrpSpPr>
+      <p:grpSpPr>
+        <a:xfrm>
+          <a:off x="0" y="0"/>
+          <a:ext cx="0" cy="0"/>
+          <a:chOff x="0" y="0"/>
+          <a:chExt cx="0" cy="0"/>
+        </a:xfrm>
+      </p:grpSpPr>
+      <p:sp>
+        <p:nvSpPr>
+          <p:cNvPr id="4" name="Espace réservé du numéro de diapositive 3">
+            <a:extLst>
+              <a:ext uri="{FF2B5EF4-FFF2-40B4-BE49-F238E27FC236}">
+                <a16:creationId xmlns:a16="http://schemas.microsoft.com/office/drawing/2014/main" id="{F9F6582E-CD0A-416B-BD4C-0D0443AFF45B}"/>
+              </a:ext>
+            </a:extLst>
+          </p:cNvPr>
+          <p:cNvSpPr>
+            <a:spLocks noGrp="1"/>
+          </p:cNvSpPr>
+          <p:nvPr>
+            <p:ph type="sldNum" sz="quarter" idx="12"/>
+          </p:nvPr>
+        </p:nvSpPr>
+        <p:spPr/>
+        <p:txBody>
+          <a:bodyPr/>
+          <a:lstStyle/>
+          <a:p>
+            <a:fld id="{34019804-9289-4BBC-AA3C-DA6C70866F0C}" type="slidenum">
+              <a:rPr lang="fr-FR" smtClean="0"/>
+              <a:t>11</a:t>
+            </a:fld>
+            <a:endParaRPr lang="fr-FR"/>
+          </a:p>
+        </p:txBody>
+      </p:sp>
+      <p:pic>
+        <p:nvPicPr>
+          <p:cNvPr id="5" name="Image 4">
+            <a:extLst>
+              <a:ext uri="{FF2B5EF4-FFF2-40B4-BE49-F238E27FC236}">
+                <a16:creationId xmlns:a16="http://schemas.microsoft.com/office/drawing/2014/main" id="{7BED9861-55C3-49C3-949D-AAEDC2182E22}"/>
+              </a:ext>
+            </a:extLst>
+          </p:cNvPr>
+          <p:cNvPicPr>
+            <a:picLocks noChangeAspect="1"/>
+          </p:cNvPicPr>
+          <p:nvPr/>
+        </p:nvPicPr>
+        <p:blipFill>
+          <a:blip r:embed="rId2"/>
+          <a:stretch>
+            <a:fillRect/>
+          </a:stretch>
+        </p:blipFill>
+        <p:spPr>
+          <a:xfrm>
+            <a:off x="342167" y="395025"/>
+            <a:ext cx="4391759" cy="3020354"/>
+          </a:xfrm>
+          <a:prstGeom prst="rect">
+            <a:avLst/>
+          </a:prstGeom>
+        </p:spPr>
+      </p:pic>
+      <p:pic>
+        <p:nvPicPr>
+          <p:cNvPr id="6" name="Image 5">
+            <a:extLst>
+              <a:ext uri="{FF2B5EF4-FFF2-40B4-BE49-F238E27FC236}">
+                <a16:creationId xmlns:a16="http://schemas.microsoft.com/office/drawing/2014/main" id="{770BE223-D193-4DD2-B6B1-2DF6ACD4A4B1}"/>
+              </a:ext>
+            </a:extLst>
+          </p:cNvPr>
+          <p:cNvPicPr>
+            <a:picLocks noChangeAspect="1"/>
+          </p:cNvPicPr>
+          <p:nvPr/>
+        </p:nvPicPr>
+        <p:blipFill>
+          <a:blip r:embed="rId3"/>
+          <a:stretch>
+            <a:fillRect/>
+          </a:stretch>
+        </p:blipFill>
+        <p:spPr>
+          <a:xfrm>
+            <a:off x="6060097" y="2332432"/>
+            <a:ext cx="5101005" cy="4144567"/>
+          </a:xfrm>
+          <a:prstGeom prst="rect">
+            <a:avLst/>
+          </a:prstGeom>
+        </p:spPr>
+      </p:pic>
+      <p:sp>
+        <p:nvSpPr>
+          <p:cNvPr id="7" name="ZoneTexte 6">
+            <a:extLst>
+              <a:ext uri="{FF2B5EF4-FFF2-40B4-BE49-F238E27FC236}">
+                <a16:creationId xmlns:a16="http://schemas.microsoft.com/office/drawing/2014/main" id="{C49F4E87-7B34-43FD-A0AA-3A802F59C000}"/>
+              </a:ext>
+            </a:extLst>
+          </p:cNvPr>
+          <p:cNvSpPr txBox="1"/>
+          <p:nvPr/>
+        </p:nvSpPr>
+        <p:spPr>
+          <a:xfrm>
+            <a:off x="7009290" y="819203"/>
+            <a:ext cx="2765024" cy="584775"/>
+          </a:xfrm>
+          <a:prstGeom prst="rect">
+            <a:avLst/>
+          </a:prstGeom>
+          <a:noFill/>
+        </p:spPr>
+        <p:txBody>
+          <a:bodyPr wrap="square" rtlCol="0">
+            <a:spAutoFit/>
+          </a:bodyPr>
+          <a:lstStyle/>
+          <a:p>
+            <a:r>
+              <a:rPr lang="fr-FR" sz="3200" dirty="0">
+                <a:latin typeface="Bahnschrift" panose="020B0502040204020203" pitchFamily="34" charset="0"/>
+              </a:rPr>
+              <a:t>REPORTING</a:t>
+            </a:r>
+          </a:p>
+        </p:txBody>
+      </p:sp>
+      <p:cxnSp>
+        <p:nvCxnSpPr>
+          <p:cNvPr id="9" name="Connecteur droit 8">
+            <a:extLst>
+              <a:ext uri="{FF2B5EF4-FFF2-40B4-BE49-F238E27FC236}">
+                <a16:creationId xmlns:a16="http://schemas.microsoft.com/office/drawing/2014/main" id="{1A057650-8632-4FC7-A5E5-B54E7B1D9053}"/>
+              </a:ext>
+            </a:extLst>
+          </p:cNvPr>
+          <p:cNvCxnSpPr/>
+          <p:nvPr/>
+        </p:nvCxnSpPr>
+        <p:spPr>
+          <a:xfrm>
+            <a:off x="4199138" y="5548544"/>
+            <a:ext cx="2885243" cy="0"/>
+          </a:xfrm>
+          <a:prstGeom prst="line">
+            <a:avLst/>
+          </a:prstGeom>
+        </p:spPr>
+        <p:style>
+          <a:lnRef idx="1">
+            <a:schemeClr val="accent1"/>
+          </a:lnRef>
+          <a:fillRef idx="0">
+            <a:schemeClr val="accent1"/>
+          </a:fillRef>
+          <a:effectRef idx="0">
+            <a:schemeClr val="accent1"/>
+          </a:effectRef>
+          <a:fontRef idx="minor">
+            <a:schemeClr val="tx1"/>
+          </a:fontRef>
+        </p:style>
+      </p:cxnSp>
+      <p:sp>
+        <p:nvSpPr>
+          <p:cNvPr id="10" name="Rectangle 9">
+            <a:extLst>
+              <a:ext uri="{FF2B5EF4-FFF2-40B4-BE49-F238E27FC236}">
+                <a16:creationId xmlns:a16="http://schemas.microsoft.com/office/drawing/2014/main" id="{4C2974F2-33B4-4F85-A34B-45AAAD5DB8F0}"/>
+              </a:ext>
+            </a:extLst>
+          </p:cNvPr>
+          <p:cNvSpPr/>
+          <p:nvPr/>
+        </p:nvSpPr>
+        <p:spPr>
+          <a:xfrm>
+            <a:off x="2059619" y="4989250"/>
+            <a:ext cx="1944210" cy="914400"/>
+          </a:xfrm>
+          <a:prstGeom prst="rect">
+            <a:avLst/>
+          </a:prstGeom>
+          <a:ln>
+            <a:solidFill>
+              <a:schemeClr val="accent1">
+                <a:lumMod val="75000"/>
+              </a:schemeClr>
+            </a:solidFill>
+          </a:ln>
+        </p:spPr>
+        <p:style>
+          <a:lnRef idx="2">
+            <a:schemeClr val="accent6"/>
+          </a:lnRef>
+          <a:fillRef idx="1">
+            <a:schemeClr val="lt1"/>
+          </a:fillRef>
+          <a:effectRef idx="0">
+            <a:schemeClr val="accent6"/>
+          </a:effectRef>
+          <a:fontRef idx="minor">
+            <a:schemeClr val="dk1"/>
+          </a:fontRef>
+        </p:style>
+        <p:txBody>
+          <a:bodyPr rtlCol="0" anchor="ctr"/>
+          <a:lstStyle/>
+          <a:p>
+            <a:pPr algn="ctr"/>
+            <a:endParaRPr lang="fr-FR"/>
+          </a:p>
+        </p:txBody>
+      </p:sp>
+      <p:sp>
+        <p:nvSpPr>
+          <p:cNvPr id="11" name="ZoneTexte 10">
+            <a:extLst>
+              <a:ext uri="{FF2B5EF4-FFF2-40B4-BE49-F238E27FC236}">
+                <a16:creationId xmlns:a16="http://schemas.microsoft.com/office/drawing/2014/main" id="{C279D4D6-E191-4A4A-9D60-0F2115875ADA}"/>
+              </a:ext>
+            </a:extLst>
+          </p:cNvPr>
+          <p:cNvSpPr txBox="1"/>
+          <p:nvPr/>
+        </p:nvSpPr>
+        <p:spPr>
+          <a:xfrm>
+            <a:off x="2322435" y="5256150"/>
+            <a:ext cx="1290777" cy="369332"/>
+          </a:xfrm>
+          <a:prstGeom prst="rect">
+            <a:avLst/>
+          </a:prstGeom>
+          <a:noFill/>
+        </p:spPr>
+        <p:txBody>
+          <a:bodyPr wrap="square" rtlCol="0">
+            <a:spAutoFit/>
+          </a:bodyPr>
+          <a:lstStyle/>
+          <a:p>
+            <a:r>
+              <a:rPr lang="fr-FR" dirty="0" err="1"/>
+              <a:t>JFreeChart</a:t>
+            </a:r>
+            <a:endParaRPr lang="fr-FR" dirty="0"/>
+          </a:p>
+        </p:txBody>
+      </p:sp>
+    </p:spTree>
+    <p:extLst>
+      <p:ext uri="{BB962C8B-B14F-4D97-AF65-F5344CB8AC3E}">
+        <p14:creationId xmlns:p14="http://schemas.microsoft.com/office/powerpoint/2010/main" val="765369998"/>
+      </p:ext>
+    </p:extLst>
+  </p:cSld>
+  <p:clrMapOvr>
+    <a:masterClrMapping/>
+  </p:clrMapOvr>
+</p:sld>
+</file>
+
+<file path=ppt/slides/slide12.xml><?xml version="1.0" encoding="utf-8"?>
+<p:sld xmlns:a="http://schemas.openxmlformats.org/drawingml/2006/main" xmlns:r="http://schemas.openxmlformats.org/officeDocument/2006/relationships" xmlns:p="http://schemas.openxmlformats.org/presentationml/2006/main">
+  <p:cSld>
+    <p:spTree>
+      <p:nvGrpSpPr>
+        <p:cNvPr id="1" name=""/>
+        <p:cNvGrpSpPr/>
+        <p:nvPr/>
+      </p:nvGrpSpPr>
+      <p:grpSpPr>
+        <a:xfrm>
+          <a:off x="0" y="0"/>
+          <a:ext cx="0" cy="0"/>
+          <a:chOff x="0" y="0"/>
+          <a:chExt cx="0" cy="0"/>
+        </a:xfrm>
+      </p:grpSpPr>
+      <p:sp>
+        <p:nvSpPr>
           <p:cNvPr id="2" name="Titre 1">
             <a:extLst>
               <a:ext uri="{FF2B5EF4-FFF2-40B4-BE49-F238E27FC236}">
-                <a16:creationId xmlns:a16="http://schemas.microsoft.com/office/drawing/2014/main" id="{3AB85C1C-A29E-4B38-B9AF-D0A23BB44C7D}"/>
+                <a16:creationId xmlns:a16="http://schemas.microsoft.com/office/drawing/2014/main" id="{7A845F41-CD09-4F52-9A79-7615F984CA51}"/>
               </a:ext>
             </a:extLst>
           </p:cNvPr>
@@ -4222,7 +10506,124 @@
           <a:p>
             <a:pPr algn="ctr"/>
             <a:r>
-              <a:rPr lang="fr-FR" dirty="0"/>
+              <a:rPr lang="fr-FR" dirty="0">
+                <a:latin typeface="Bahnschrift" panose="020B0502040204020203" pitchFamily="34" charset="0"/>
+              </a:rPr>
+              <a:t>Versionning GIT</a:t>
+            </a:r>
+          </a:p>
+        </p:txBody>
+      </p:sp>
+      <p:sp>
+        <p:nvSpPr>
+          <p:cNvPr id="3" name="Espace réservé du contenu 2">
+            <a:extLst>
+              <a:ext uri="{FF2B5EF4-FFF2-40B4-BE49-F238E27FC236}">
+                <a16:creationId xmlns:a16="http://schemas.microsoft.com/office/drawing/2014/main" id="{C26AAE68-0F10-47ED-A5E3-D78C60B4C462}"/>
+              </a:ext>
+            </a:extLst>
+          </p:cNvPr>
+          <p:cNvSpPr>
+            <a:spLocks noGrp="1"/>
+          </p:cNvSpPr>
+          <p:nvPr>
+            <p:ph idx="1"/>
+          </p:nvPr>
+        </p:nvSpPr>
+        <p:spPr/>
+        <p:txBody>
+          <a:bodyPr/>
+          <a:lstStyle/>
+          <a:p>
+            <a:endParaRPr lang="fr-FR"/>
+          </a:p>
+        </p:txBody>
+      </p:sp>
+      <p:sp>
+        <p:nvSpPr>
+          <p:cNvPr id="4" name="Espace réservé du numéro de diapositive 3">
+            <a:extLst>
+              <a:ext uri="{FF2B5EF4-FFF2-40B4-BE49-F238E27FC236}">
+                <a16:creationId xmlns:a16="http://schemas.microsoft.com/office/drawing/2014/main" id="{36E81925-A54E-4BD5-BA05-7684DFD38052}"/>
+              </a:ext>
+            </a:extLst>
+          </p:cNvPr>
+          <p:cNvSpPr>
+            <a:spLocks noGrp="1"/>
+          </p:cNvSpPr>
+          <p:nvPr>
+            <p:ph type="sldNum" sz="quarter" idx="12"/>
+          </p:nvPr>
+        </p:nvSpPr>
+        <p:spPr/>
+        <p:txBody>
+          <a:bodyPr/>
+          <a:lstStyle/>
+          <a:p>
+            <a:fld id="{34019804-9289-4BBC-AA3C-DA6C70866F0C}" type="slidenum">
+              <a:rPr lang="fr-FR" smtClean="0"/>
+              <a:t>12</a:t>
+            </a:fld>
+            <a:endParaRPr lang="fr-FR"/>
+          </a:p>
+        </p:txBody>
+      </p:sp>
+    </p:spTree>
+    <p:extLst>
+      <p:ext uri="{BB962C8B-B14F-4D97-AF65-F5344CB8AC3E}">
+        <p14:creationId xmlns:p14="http://schemas.microsoft.com/office/powerpoint/2010/main" val="3190798979"/>
+      </p:ext>
+    </p:extLst>
+  </p:cSld>
+  <p:clrMapOvr>
+    <a:masterClrMapping/>
+  </p:clrMapOvr>
+</p:sld>
+</file>
+
+<file path=ppt/slides/slide13.xml><?xml version="1.0" encoding="utf-8"?>
+<p:sld xmlns:a="http://schemas.openxmlformats.org/drawingml/2006/main" xmlns:r="http://schemas.openxmlformats.org/officeDocument/2006/relationships" xmlns:p="http://schemas.openxmlformats.org/presentationml/2006/main">
+  <p:cSld>
+    <p:spTree>
+      <p:nvGrpSpPr>
+        <p:cNvPr id="1" name=""/>
+        <p:cNvGrpSpPr/>
+        <p:nvPr/>
+      </p:nvGrpSpPr>
+      <p:grpSpPr>
+        <a:xfrm>
+          <a:off x="0" y="0"/>
+          <a:ext cx="0" cy="0"/>
+          <a:chOff x="0" y="0"/>
+          <a:chExt cx="0" cy="0"/>
+        </a:xfrm>
+      </p:grpSpPr>
+      <p:sp>
+        <p:nvSpPr>
+          <p:cNvPr id="2" name="Titre 1">
+            <a:extLst>
+              <a:ext uri="{FF2B5EF4-FFF2-40B4-BE49-F238E27FC236}">
+                <a16:creationId xmlns:a16="http://schemas.microsoft.com/office/drawing/2014/main" id="{3AB85C1C-A29E-4B38-B9AF-D0A23BB44C7D}"/>
+              </a:ext>
+            </a:extLst>
+          </p:cNvPr>
+          <p:cNvSpPr>
+            <a:spLocks noGrp="1"/>
+          </p:cNvSpPr>
+          <p:nvPr>
+            <p:ph type="title"/>
+          </p:nvPr>
+        </p:nvSpPr>
+        <p:spPr/>
+        <p:txBody>
+          <a:bodyPr/>
+          <a:lstStyle/>
+          <a:p>
+            <a:pPr algn="ctr"/>
+            <a:r>
+              <a:rPr lang="fr-FR" dirty="0">
+                <a:latin typeface="Bahnschrift" panose="020B0502040204020203" pitchFamily="34" charset="0"/>
+              </a:rPr>
               <a:t>Bilan individuel</a:t>
             </a:r>
           </a:p>
@@ -4383,7 +10784,7 @@
           <a:p>
             <a:fld id="{34019804-9289-4BBC-AA3C-DA6C70866F0C}" type="slidenum">
               <a:rPr lang="fr-FR" smtClean="0"/>
-              <a:t>10</a:t>
+              <a:t>13</a:t>
             </a:fld>
             <a:endParaRPr lang="fr-FR"/>
           </a:p>
@@ -4402,7 +10803,159 @@
 </p:sld>
 </file>
 
-<file path=ppt/slides/slide11.xml><?xml version="1.0" encoding="utf-8"?>
+<file path=ppt/slides/slide14.xml><?xml version="1.0" encoding="utf-8"?>
+<p:sld xmlns:a="http://schemas.openxmlformats.org/drawingml/2006/main" xmlns:r="http://schemas.openxmlformats.org/officeDocument/2006/relationships" xmlns:p="http://schemas.openxmlformats.org/presentationml/2006/main">
+  <p:cSld>
+    <p:bg>
+      <p:bgPr>
+        <a:solidFill>
+          <a:schemeClr val="bg1"/>
+        </a:solidFill>
+        <a:effectLst/>
+      </p:bgPr>
+    </p:bg>
+    <p:spTree>
+      <p:nvGrpSpPr>
+        <p:cNvPr id="1" name=""/>
+        <p:cNvGrpSpPr/>
+        <p:nvPr/>
+      </p:nvGrpSpPr>
+      <p:grpSpPr>
+        <a:xfrm>
+          <a:off x="0" y="0"/>
+          <a:ext cx="0" cy="0"/>
+          <a:chOff x="0" y="0"/>
+          <a:chExt cx="0" cy="0"/>
+        </a:xfrm>
+      </p:grpSpPr>
+      <p:sp>
+        <p:nvSpPr>
+          <p:cNvPr id="2" name="Titre 1">
+            <a:extLst>
+              <a:ext uri="{FF2B5EF4-FFF2-40B4-BE49-F238E27FC236}">
+                <a16:creationId xmlns:a16="http://schemas.microsoft.com/office/drawing/2014/main" id="{D61309B3-B1BA-4BBB-AD1C-2CD711AE1B7A}"/>
+              </a:ext>
+            </a:extLst>
+          </p:cNvPr>
+          <p:cNvSpPr>
+            <a:spLocks noGrp="1"/>
+          </p:cNvSpPr>
+          <p:nvPr>
+            <p:ph type="title"/>
+          </p:nvPr>
+        </p:nvSpPr>
+        <p:spPr>
+          <a:xfrm>
+            <a:off x="838200" y="620392"/>
+            <a:ext cx="3374136" cy="5504688"/>
+          </a:xfrm>
+        </p:spPr>
+        <p:txBody>
+          <a:bodyPr>
+            <a:normAutofit/>
+          </a:bodyPr>
+          <a:lstStyle/>
+          <a:p>
+            <a:r>
+              <a:rPr lang="fr-FR" dirty="0">
+                <a:latin typeface="Bahnschrift" panose="020B0502040204020203" pitchFamily="34" charset="0"/>
+              </a:rPr>
+              <a:t>Bilan collectif</a:t>
+            </a:r>
+          </a:p>
+        </p:txBody>
+      </p:sp>
+      <p:sp>
+        <p:nvSpPr>
+          <p:cNvPr id="4" name="Espace réservé du numéro de diapositive 3">
+            <a:extLst>
+              <a:ext uri="{FF2B5EF4-FFF2-40B4-BE49-F238E27FC236}">
+                <a16:creationId xmlns:a16="http://schemas.microsoft.com/office/drawing/2014/main" id="{4AAF1A6A-CB57-4440-99F0-DEDC0E20B470}"/>
+              </a:ext>
+            </a:extLst>
+          </p:cNvPr>
+          <p:cNvSpPr>
+            <a:spLocks noGrp="1"/>
+          </p:cNvSpPr>
+          <p:nvPr>
+            <p:ph type="sldNum" sz="quarter" idx="12"/>
+          </p:nvPr>
+        </p:nvSpPr>
+        <p:spPr>
+          <a:xfrm>
+            <a:off x="8610600" y="6356350"/>
+            <a:ext cx="2743200" cy="365125"/>
+          </a:xfrm>
+        </p:spPr>
+        <p:txBody>
+          <a:bodyPr>
+            <a:normAutofit/>
+          </a:bodyPr>
+          <a:lstStyle/>
+          <a:p>
+            <a:pPr>
+              <a:spcAft>
+                <a:spcPts val="600"/>
+              </a:spcAft>
+            </a:pPr>
+            <a:fld id="{34019804-9289-4BBC-AA3C-DA6C70866F0C}" type="slidenum">
+              <a:rPr lang="fr-FR" smtClean="0"/>
+              <a:pPr>
+                <a:spcAft>
+                  <a:spcPts val="600"/>
+                </a:spcAft>
+              </a:pPr>
+              <a:t>14</a:t>
+            </a:fld>
+            <a:endParaRPr lang="fr-FR"/>
+          </a:p>
+        </p:txBody>
+      </p:sp>
+      <p:graphicFrame>
+        <p:nvGraphicFramePr>
+          <p:cNvPr id="6" name="Espace réservé du contenu 2">
+            <a:extLst>
+              <a:ext uri="{FF2B5EF4-FFF2-40B4-BE49-F238E27FC236}">
+                <a16:creationId xmlns:a16="http://schemas.microsoft.com/office/drawing/2014/main" id="{7C7BE957-8587-493F-BE0C-3CDADDE62987}"/>
+              </a:ext>
+            </a:extLst>
+          </p:cNvPr>
+          <p:cNvGraphicFramePr>
+            <a:graphicFrameLocks noGrp="1"/>
+          </p:cNvGraphicFramePr>
+          <p:nvPr>
+            <p:ph idx="1"/>
+            <p:extLst>
+              <p:ext uri="{D42A27DB-BD31-4B8C-83A1-F6EECF244321}">
+                <p14:modId xmlns:p14="http://schemas.microsoft.com/office/powerpoint/2010/main" val="860048841"/>
+              </p:ext>
+            </p:extLst>
+          </p:nvPr>
+        </p:nvGraphicFramePr>
+        <p:xfrm>
+          <a:off x="5093208" y="620392"/>
+          <a:ext cx="6263640" cy="5504688"/>
+        </p:xfrm>
+        <a:graphic>
+          <a:graphicData uri="http://schemas.openxmlformats.org/drawingml/2006/diagram">
+            <dgm:relIds xmlns:dgm="http://schemas.openxmlformats.org/drawingml/2006/diagram" xmlns:r="http://schemas.openxmlformats.org/officeDocument/2006/relationships" r:dm="rId2" r:lo="rId3" r:qs="rId4" r:cs="rId5"/>
+          </a:graphicData>
+        </a:graphic>
+      </p:graphicFrame>
+    </p:spTree>
+    <p:extLst>
+      <p:ext uri="{BB962C8B-B14F-4D97-AF65-F5344CB8AC3E}">
+        <p14:creationId xmlns:p14="http://schemas.microsoft.com/office/powerpoint/2010/main" val="3212153657"/>
+      </p:ext>
+    </p:extLst>
+  </p:cSld>
+  <p:clrMapOvr>
+    <a:masterClrMapping/>
+  </p:clrMapOvr>
+</p:sld>
+</file>
+
+<file path=ppt/slides/slide15.xml><?xml version="1.0" encoding="utf-8"?>
 <p:sld xmlns:a="http://schemas.openxmlformats.org/drawingml/2006/main" xmlns:r="http://schemas.openxmlformats.org/officeDocument/2006/relationships" xmlns:p="http://schemas.openxmlformats.org/presentationml/2006/main">
   <p:cSld>
     <p:spTree>
@@ -4424,7 +10977,7 @@
           <p:cNvPr id="2" name="Titre 1">
             <a:extLst>
               <a:ext uri="{FF2B5EF4-FFF2-40B4-BE49-F238E27FC236}">
-                <a16:creationId xmlns:a16="http://schemas.microsoft.com/office/drawing/2014/main" id="{D61309B3-B1BA-4BBB-AD1C-2CD711AE1B7A}"/>
+                <a16:creationId xmlns:a16="http://schemas.microsoft.com/office/drawing/2014/main" id="{20B61059-76D6-4149-BCCF-CA19682D4C88}"/>
               </a:ext>
             </a:extLst>
           </p:cNvPr>
@@ -4442,8 +10995,10 @@
           <a:p>
             <a:pPr algn="ctr"/>
             <a:r>
-              <a:rPr lang="fr-FR" dirty="0"/>
-              <a:t>Bilan collectif</a:t>
+              <a:rPr lang="fr-FR" dirty="0">
+                <a:latin typeface="Bahnschrift" panose="020B0502040204020203" pitchFamily="34" charset="0"/>
+              </a:rPr>
+              <a:t>Sources</a:t>
             </a:r>
           </a:p>
         </p:txBody>
@@ -4453,7 +11008,7 @@
           <p:cNvPr id="3" name="Espace réservé du contenu 2">
             <a:extLst>
               <a:ext uri="{FF2B5EF4-FFF2-40B4-BE49-F238E27FC236}">
-                <a16:creationId xmlns:a16="http://schemas.microsoft.com/office/drawing/2014/main" id="{595D5B2F-3BFD-43DB-98EC-4C52E1CD09DD}"/>
+                <a16:creationId xmlns:a16="http://schemas.microsoft.com/office/drawing/2014/main" id="{A0926B53-9D5D-4061-A971-CF3F0A24B508}"/>
               </a:ext>
             </a:extLst>
           </p:cNvPr>
@@ -4469,7 +11024,118 @@
           <a:bodyPr/>
           <a:lstStyle/>
           <a:p>
-            <a:endParaRPr lang="fr-FR"/>
+            <a:r>
+              <a:rPr lang="fr-FR" sz="1200" dirty="0">
+                <a:hlinkClick r:id="rId2"/>
+              </a:rPr>
+              <a:t>https://openclassrooms.com/fr/courses/26832-apprenez-a-programmer-en-java/25552-structurez-mieux-votre-code-avec-le-pattern-mvc</a:t>
+            </a:r>
+            <a:endParaRPr lang="fr-FR" sz="1200" dirty="0"/>
+          </a:p>
+          <a:p>
+            <a:r>
+              <a:rPr lang="fr-FR" sz="1200" dirty="0">
+                <a:hlinkClick r:id="rId3"/>
+              </a:rPr>
+              <a:t>https://openclassrooms.com/fr/courses/26832-apprenez-a-programmer-en-java/26830-liez-vos-tables-avec-des-objets-java-le-pattern-dao</a:t>
+            </a:r>
+            <a:endParaRPr lang="fr-FR" sz="1200" dirty="0"/>
+          </a:p>
+          <a:p>
+            <a:r>
+              <a:rPr lang="fr-FR" sz="1200" dirty="0">
+                <a:hlinkClick r:id="rId4" tooltip="https://stackoverflow.com/questions/4128872/how-to-get-the-name-of-the-day-from-java-sql-timestamp-object"/>
+              </a:rPr>
+              <a:t>https://stackoverflow.com/questions/4128872/how-to-get-the-name-of-the-day-from-java-sql-timestamp-object</a:t>
+            </a:r>
+            <a:endParaRPr lang="fr-FR" sz="1200" dirty="0"/>
+          </a:p>
+          <a:p>
+            <a:r>
+              <a:rPr lang="fr-FR" sz="1200" dirty="0">
+                <a:hlinkClick r:id="rId5"/>
+              </a:rPr>
+              <a:t>https://cyrille-herby.developpez.com/tutoriels/java/mapper-sa-base-donnees-avec-pattern-dao/</a:t>
+            </a:r>
+            <a:endParaRPr lang="fr-FR" sz="1200" dirty="0"/>
+          </a:p>
+          <a:p>
+            <a:r>
+              <a:rPr lang="fr-FR" sz="1200" dirty="0">
+                <a:hlinkClick r:id="rId6"/>
+              </a:rPr>
+              <a:t>https://pedago-ece.campusonline.me/pluginfile.php/233754/mod_resource/content/1/JFreeChart.pdf</a:t>
+            </a:r>
+            <a:endParaRPr lang="fr-FR" sz="1200" dirty="0"/>
+          </a:p>
+          <a:p>
+            <a:r>
+              <a:rPr lang="fr-FR" sz="1200" dirty="0">
+                <a:hlinkClick r:id="rId7"/>
+              </a:rPr>
+              <a:t>https://stackoverflow.com/questions/31189811/how-to-get-date-value-from-jspinner</a:t>
+            </a:r>
+            <a:endParaRPr lang="fr-FR" sz="1200" dirty="0"/>
+          </a:p>
+          <a:p>
+            <a:r>
+              <a:rPr lang="fr-FR" sz="1200" dirty="0">
+                <a:hlinkClick r:id="rId8"/>
+              </a:rPr>
+              <a:t>https://examples.javacodegeeks.com/core-java/util/date/java-util-date-to-java-sql-date/</a:t>
+            </a:r>
+            <a:endParaRPr lang="fr-FR" sz="1200" dirty="0"/>
+          </a:p>
+          <a:p>
+            <a:r>
+              <a:rPr lang="fr-FR" sz="1200" dirty="0">
+                <a:hlinkClick r:id="rId9"/>
+              </a:rPr>
+              <a:t>https://stackoverflow.com/questions/7350893/click-event-on-jtable-java</a:t>
+            </a:r>
+            <a:endParaRPr lang="fr-FR" sz="1200" dirty="0"/>
+          </a:p>
+          <a:p>
+            <a:r>
+              <a:rPr lang="fr-FR" sz="1200" dirty="0">
+                <a:hlinkClick r:id="rId10"/>
+              </a:rPr>
+              <a:t>https://javanepal.wordpress.com/2010/06/30/adding-jlabel-in-jtable/</a:t>
+            </a:r>
+            <a:endParaRPr lang="fr-FR" sz="1200" dirty="0"/>
+          </a:p>
+          <a:p>
+            <a:r>
+              <a:rPr lang="fr-FR" sz="1200" dirty="0">
+                <a:hlinkClick r:id="rId11"/>
+              </a:rPr>
+              <a:t>https://www.programmez.com/content/jtable-mettre-un-jlabel-et-un-jbutton</a:t>
+            </a:r>
+            <a:endParaRPr lang="fr-FR" sz="1200" dirty="0"/>
+          </a:p>
+          <a:p>
+            <a:r>
+              <a:rPr lang="fr-FR" sz="1200" dirty="0">
+                <a:hlinkClick r:id="rId12"/>
+              </a:rPr>
+              <a:t>https://koor.fr/Java/TutorialSwing/swing_JToolBar.wp</a:t>
+            </a:r>
+            <a:endParaRPr lang="fr-FR" sz="1200" dirty="0"/>
+          </a:p>
+          <a:p>
+            <a:r>
+              <a:rPr lang="fr-FR" sz="1200" dirty="0">
+                <a:hlinkClick r:id="rId13"/>
+              </a:rPr>
+              <a:t>https://www.flaticon.com/home</a:t>
+            </a:r>
+            <a:endParaRPr lang="fr-FR" sz="1200" dirty="0"/>
+          </a:p>
+          <a:p>
+            <a:endParaRPr lang="fr-FR" sz="1200" dirty="0"/>
+          </a:p>
+          <a:p>
+            <a:endParaRPr lang="fr-FR" dirty="0"/>
           </a:p>
         </p:txBody>
       </p:sp>
@@ -4478,7 +11144,7 @@
           <p:cNvPr id="4" name="Espace réservé du numéro de diapositive 3">
             <a:extLst>
               <a:ext uri="{FF2B5EF4-FFF2-40B4-BE49-F238E27FC236}">
-                <a16:creationId xmlns:a16="http://schemas.microsoft.com/office/drawing/2014/main" id="{4AAF1A6A-CB57-4440-99F0-DEDC0E20B470}"/>
+                <a16:creationId xmlns:a16="http://schemas.microsoft.com/office/drawing/2014/main" id="{8AF6E026-F932-4D27-AF98-323782830E80}"/>
               </a:ext>
             </a:extLst>
           </p:cNvPr>
@@ -4496,219 +11162,7 @@
           <a:p>
             <a:fld id="{34019804-9289-4BBC-AA3C-DA6C70866F0C}" type="slidenum">
               <a:rPr lang="fr-FR" smtClean="0"/>
-              <a:t>11</a:t>
-            </a:fld>
-            <a:endParaRPr lang="fr-FR"/>
-          </a:p>
-        </p:txBody>
-      </p:sp>
-    </p:spTree>
-    <p:extLst>
-      <p:ext uri="{BB962C8B-B14F-4D97-AF65-F5344CB8AC3E}">
-        <p14:creationId xmlns:p14="http://schemas.microsoft.com/office/powerpoint/2010/main" val="3212153657"/>
-      </p:ext>
-    </p:extLst>
-  </p:cSld>
-  <p:clrMapOvr>
-    <a:masterClrMapping/>
-  </p:clrMapOvr>
-</p:sld>
-</file>
-
-<file path=ppt/slides/slide12.xml><?xml version="1.0" encoding="utf-8"?>
-<p:sld xmlns:a="http://schemas.openxmlformats.org/drawingml/2006/main" xmlns:r="http://schemas.openxmlformats.org/officeDocument/2006/relationships" xmlns:p="http://schemas.openxmlformats.org/presentationml/2006/main">
-  <p:cSld>
-    <p:spTree>
-      <p:nvGrpSpPr>
-        <p:cNvPr id="1" name=""/>
-        <p:cNvGrpSpPr/>
-        <p:nvPr/>
-      </p:nvGrpSpPr>
-      <p:grpSpPr>
-        <a:xfrm>
-          <a:off x="0" y="0"/>
-          <a:ext cx="0" cy="0"/>
-          <a:chOff x="0" y="0"/>
-          <a:chExt cx="0" cy="0"/>
-        </a:xfrm>
-      </p:grpSpPr>
-      <p:sp>
-        <p:nvSpPr>
-          <p:cNvPr id="2" name="Titre 1">
-            <a:extLst>
-              <a:ext uri="{FF2B5EF4-FFF2-40B4-BE49-F238E27FC236}">
-                <a16:creationId xmlns:a16="http://schemas.microsoft.com/office/drawing/2014/main" id="{20B61059-76D6-4149-BCCF-CA19682D4C88}"/>
-              </a:ext>
-            </a:extLst>
-          </p:cNvPr>
-          <p:cNvSpPr>
-            <a:spLocks noGrp="1"/>
-          </p:cNvSpPr>
-          <p:nvPr>
-            <p:ph type="title"/>
-          </p:nvPr>
-        </p:nvSpPr>
-        <p:spPr/>
-        <p:txBody>
-          <a:bodyPr/>
-          <a:lstStyle/>
-          <a:p>
-            <a:pPr algn="ctr"/>
-            <a:r>
-              <a:rPr lang="fr-FR" dirty="0"/>
-              <a:t>Sources</a:t>
-            </a:r>
-          </a:p>
-        </p:txBody>
-      </p:sp>
-      <p:sp>
-        <p:nvSpPr>
-          <p:cNvPr id="3" name="Espace réservé du contenu 2">
-            <a:extLst>
-              <a:ext uri="{FF2B5EF4-FFF2-40B4-BE49-F238E27FC236}">
-                <a16:creationId xmlns:a16="http://schemas.microsoft.com/office/drawing/2014/main" id="{A0926B53-9D5D-4061-A971-CF3F0A24B508}"/>
-              </a:ext>
-            </a:extLst>
-          </p:cNvPr>
-          <p:cNvSpPr>
-            <a:spLocks noGrp="1"/>
-          </p:cNvSpPr>
-          <p:nvPr>
-            <p:ph idx="1"/>
-          </p:nvPr>
-        </p:nvSpPr>
-        <p:spPr/>
-        <p:txBody>
-          <a:bodyPr/>
-          <a:lstStyle/>
-          <a:p>
-            <a:r>
-              <a:rPr lang="fr-FR" sz="1200" dirty="0">
-                <a:hlinkClick r:id="rId2"/>
-              </a:rPr>
-              <a:t>https://openclassrooms.com/fr/courses/26832-apprenez-a-programmer-en-java/25552-structurez-mieux-votre-code-avec-le-pattern-mvc</a:t>
-            </a:r>
-            <a:endParaRPr lang="fr-FR" sz="1200" dirty="0"/>
-          </a:p>
-          <a:p>
-            <a:r>
-              <a:rPr lang="fr-FR" sz="1200" dirty="0">
-                <a:hlinkClick r:id="rId3"/>
-              </a:rPr>
-              <a:t>https://openclassrooms.com/fr/courses/26832-apprenez-a-programmer-en-java/26830-liez-vos-tables-avec-des-objets-java-le-pattern-dao</a:t>
-            </a:r>
-            <a:endParaRPr lang="fr-FR" sz="1200" dirty="0"/>
-          </a:p>
-          <a:p>
-            <a:r>
-              <a:rPr lang="fr-FR" sz="1200" dirty="0">
-                <a:hlinkClick r:id="rId4"/>
-              </a:rPr>
-              <a:t>https://cyrille-herby.developpez.com/tutoriels/java/mapper-sa-base-donnees-avec-pattern-dao/</a:t>
-            </a:r>
-            <a:endParaRPr lang="fr-FR" sz="1200" dirty="0"/>
-          </a:p>
-          <a:p>
-            <a:r>
-              <a:rPr lang="fr-FR" sz="1200" dirty="0">
-                <a:hlinkClick r:id="rId5"/>
-              </a:rPr>
-              <a:t>https://pedago-ece.campusonline.me/pluginfile.php/233754/mod_resource/content/1/JFreeChart.pdf</a:t>
-            </a:r>
-            <a:endParaRPr lang="fr-FR" sz="1200" dirty="0"/>
-          </a:p>
-          <a:p>
-            <a:r>
-              <a:rPr lang="fr-FR" sz="1200" dirty="0">
-                <a:hlinkClick r:id="rId6"/>
-              </a:rPr>
-              <a:t>https://stackoverflow.com/questions/31189811/how-to-get-date-value-from-jspinner</a:t>
-            </a:r>
-            <a:endParaRPr lang="fr-FR" sz="1200" dirty="0"/>
-          </a:p>
-          <a:p>
-            <a:r>
-              <a:rPr lang="fr-FR" sz="1200" dirty="0">
-                <a:hlinkClick r:id="rId7"/>
-              </a:rPr>
-              <a:t>https://examples.javacodegeeks.com/core-java/util/date/java-util-date-to-java-sql-date/</a:t>
-            </a:r>
-            <a:endParaRPr lang="fr-FR" sz="1200" dirty="0"/>
-          </a:p>
-          <a:p>
-            <a:r>
-              <a:rPr lang="fr-FR" sz="1200" dirty="0">
-                <a:hlinkClick r:id="rId8"/>
-              </a:rPr>
-              <a:t>https://stackoverflow.com/questions/7350893/click-event-on-jtable-java</a:t>
-            </a:r>
-            <a:endParaRPr lang="fr-FR" sz="1200" dirty="0"/>
-          </a:p>
-          <a:p>
-            <a:r>
-              <a:rPr lang="fr-FR" sz="1200" dirty="0">
-                <a:hlinkClick r:id="rId9"/>
-              </a:rPr>
-              <a:t>https://javanepal.wordpress.com/2010/06/30/adding-jlabel-in-jtable/</a:t>
-            </a:r>
-            <a:endParaRPr lang="fr-FR" sz="1200" dirty="0"/>
-          </a:p>
-          <a:p>
-            <a:r>
-              <a:rPr lang="fr-FR" sz="1200" dirty="0">
-                <a:hlinkClick r:id="rId10"/>
-              </a:rPr>
-              <a:t>https://www.programmez.com/content/jtable-mettre-un-jlabel-et-un-jbutton</a:t>
-            </a:r>
-            <a:endParaRPr lang="fr-FR" sz="1200" dirty="0"/>
-          </a:p>
-          <a:p>
-            <a:r>
-              <a:rPr lang="fr-FR" sz="1200" dirty="0">
-                <a:hlinkClick r:id="rId11"/>
-              </a:rPr>
-              <a:t>https://koor.fr/Java/TutorialSwing/swing_JToolBar.wp</a:t>
-            </a:r>
-            <a:endParaRPr lang="fr-FR" sz="1200" dirty="0"/>
-          </a:p>
-          <a:p>
-            <a:r>
-              <a:rPr lang="fr-FR" sz="1200" dirty="0">
-                <a:hlinkClick r:id="rId12"/>
-              </a:rPr>
-              <a:t>https://www.flaticon.com/home</a:t>
-            </a:r>
-            <a:endParaRPr lang="fr-FR" sz="1200" dirty="0"/>
-          </a:p>
-          <a:p>
-            <a:endParaRPr lang="fr-FR" dirty="0"/>
-          </a:p>
-        </p:txBody>
-      </p:sp>
-      <p:sp>
-        <p:nvSpPr>
-          <p:cNvPr id="4" name="Espace réservé du numéro de diapositive 3">
-            <a:extLst>
-              <a:ext uri="{FF2B5EF4-FFF2-40B4-BE49-F238E27FC236}">
-                <a16:creationId xmlns:a16="http://schemas.microsoft.com/office/drawing/2014/main" id="{8AF6E026-F932-4D27-AF98-323782830E80}"/>
-              </a:ext>
-            </a:extLst>
-          </p:cNvPr>
-          <p:cNvSpPr>
-            <a:spLocks noGrp="1"/>
-          </p:cNvSpPr>
-          <p:nvPr>
-            <p:ph type="sldNum" sz="quarter" idx="12"/>
-          </p:nvPr>
-        </p:nvSpPr>
-        <p:spPr/>
-        <p:txBody>
-          <a:bodyPr/>
-          <a:lstStyle/>
-          <a:p>
-            <a:fld id="{34019804-9289-4BBC-AA3C-DA6C70866F0C}" type="slidenum">
-              <a:rPr lang="fr-FR" smtClean="0"/>
-              <a:t>12</a:t>
+              <a:t>15</a:t>
             </a:fld>
             <a:endParaRPr lang="fr-FR"/>
           </a:p>
@@ -4754,69 +11208,6 @@
       </p:grpSpPr>
       <p:sp>
         <p:nvSpPr>
-          <p:cNvPr id="9" name="Rectangle 8">
-            <a:extLst>
-              <a:ext uri="{FF2B5EF4-FFF2-40B4-BE49-F238E27FC236}">
-                <a16:creationId xmlns:a16="http://schemas.microsoft.com/office/drawing/2014/main" id="{2B566528-1B12-4246-9431-5C2D7D081168}"/>
-              </a:ext>
-              <a:ext uri="{C183D7F6-B498-43B3-948B-1728B52AA6E4}">
-                <adec:decorative xmlns:adec="http://schemas.microsoft.com/office/drawing/2017/decorative" val="1"/>
-              </a:ext>
-            </a:extLst>
-          </p:cNvPr>
-          <p:cNvSpPr>
-            <a:spLocks noGrp="1" noRot="1" noChangeAspect="1" noMove="1" noResize="1" noEditPoints="1" noAdjustHandles="1" noChangeArrowheads="1" noChangeShapeType="1" noTextEdit="1"/>
-          </p:cNvSpPr>
-          <p:nvPr>
-            <p:extLst>
-              <p:ext uri="{386F3935-93C4-4BCD-93E2-E3B085C9AB24}">
-                <p16:designElem xmlns:p16="http://schemas.microsoft.com/office/powerpoint/2015/main" val="1"/>
-              </p:ext>
-            </p:extLst>
-          </p:nvPr>
-        </p:nvSpPr>
-        <p:spPr>
-          <a:xfrm>
-            <a:off x="0" y="0"/>
-            <a:ext cx="12192000" cy="6858000"/>
-          </a:xfrm>
-          <a:prstGeom prst="rect">
-            <a:avLst/>
-          </a:prstGeom>
-          <a:solidFill>
-            <a:schemeClr val="bg1"/>
-          </a:solidFill>
-          <a:ln>
-            <a:noFill/>
-          </a:ln>
-        </p:spPr>
-        <p:style>
-          <a:lnRef idx="2">
-            <a:schemeClr val="accent1">
-              <a:shade val="50000"/>
-            </a:schemeClr>
-          </a:lnRef>
-          <a:fillRef idx="1">
-            <a:schemeClr val="accent1"/>
-          </a:fillRef>
-          <a:effectRef idx="0">
-            <a:schemeClr val="accent1"/>
-          </a:effectRef>
-          <a:fontRef idx="minor">
-            <a:schemeClr val="lt1"/>
-          </a:fontRef>
-        </p:style>
-        <p:txBody>
-          <a:bodyPr rtlCol="0" anchor="ctr"/>
-          <a:lstStyle/>
-          <a:p>
-            <a:pPr algn="ctr"/>
-            <a:endParaRPr lang="en-US" dirty="0"/>
-          </a:p>
-        </p:txBody>
-      </p:sp>
-      <p:sp>
-        <p:nvSpPr>
           <p:cNvPr id="2" name="Titre 1">
             <a:extLst>
               <a:ext uri="{FF2B5EF4-FFF2-40B4-BE49-F238E27FC236}">
@@ -4833,8 +11224,8 @@
         </p:nvSpPr>
         <p:spPr>
           <a:xfrm>
-            <a:off x="643467" y="321734"/>
-            <a:ext cx="10905066" cy="1135737"/>
+            <a:off x="838200" y="620392"/>
+            <a:ext cx="3374136" cy="5504688"/>
           </a:xfrm>
         </p:spPr>
         <p:txBody>
@@ -4843,311 +11234,12 @@
           </a:bodyPr>
           <a:lstStyle/>
           <a:p>
-            <a:pPr algn="ctr"/>
             <a:r>
-              <a:rPr lang="fr-FR" sz="3600" dirty="0"/>
+              <a:rPr lang="fr-FR" dirty="0">
+                <a:latin typeface="Bahnschrift" panose="020B0502040204020203" pitchFamily="34" charset="0"/>
+              </a:rPr>
               <a:t>SOMMAIRE</a:t>
             </a:r>
-          </a:p>
-        </p:txBody>
-      </p:sp>
-      <p:sp>
-        <p:nvSpPr>
-          <p:cNvPr id="3" name="Espace réservé du contenu 2">
-            <a:extLst>
-              <a:ext uri="{FF2B5EF4-FFF2-40B4-BE49-F238E27FC236}">
-                <a16:creationId xmlns:a16="http://schemas.microsoft.com/office/drawing/2014/main" id="{442AEB99-AD57-4DAD-90AF-DA6A6B31E57C}"/>
-              </a:ext>
-            </a:extLst>
-          </p:cNvPr>
-          <p:cNvSpPr>
-            <a:spLocks noGrp="1"/>
-          </p:cNvSpPr>
-          <p:nvPr>
-            <p:ph idx="1"/>
-          </p:nvPr>
-        </p:nvSpPr>
-        <p:spPr>
-          <a:xfrm>
-            <a:off x="643467" y="1782981"/>
-            <a:ext cx="10905066" cy="4393982"/>
-          </a:xfrm>
-        </p:spPr>
-        <p:txBody>
-          <a:bodyPr>
-            <a:normAutofit/>
-          </a:bodyPr>
-          <a:lstStyle/>
-          <a:p>
-            <a:endParaRPr lang="fr-FR" sz="2000"/>
-          </a:p>
-        </p:txBody>
-      </p:sp>
-      <p:sp>
-        <p:nvSpPr>
-          <p:cNvPr id="11" name="Rectangle 10">
-            <a:extLst>
-              <a:ext uri="{FF2B5EF4-FFF2-40B4-BE49-F238E27FC236}">
-                <a16:creationId xmlns:a16="http://schemas.microsoft.com/office/drawing/2014/main" id="{2E80C965-DB6D-4F81-9E9E-B027384D0BD6}"/>
-              </a:ext>
-              <a:ext uri="{C183D7F6-B498-43B3-948B-1728B52AA6E4}">
-                <adec:decorative xmlns:adec="http://schemas.microsoft.com/office/drawing/2017/decorative" val="1"/>
-              </a:ext>
-            </a:extLst>
-          </p:cNvPr>
-          <p:cNvSpPr>
-            <a:spLocks noGrp="1" noRot="1" noChangeAspect="1" noMove="1" noResize="1" noEditPoints="1" noAdjustHandles="1" noChangeArrowheads="1" noChangeShapeType="1" noTextEdit="1"/>
-          </p:cNvSpPr>
-          <p:nvPr>
-            <p:extLst>
-              <p:ext uri="{386F3935-93C4-4BCD-93E2-E3B085C9AB24}">
-                <p16:designElem xmlns:p16="http://schemas.microsoft.com/office/powerpoint/2015/main" val="1"/>
-              </p:ext>
-            </p:extLst>
-          </p:nvPr>
-        </p:nvSpPr>
-        <p:spPr>
-          <a:xfrm rot="2700000">
-            <a:off x="11052629" y="2120024"/>
-            <a:ext cx="645368" cy="645368"/>
-          </a:xfrm>
-          <a:prstGeom prst="rect">
-            <a:avLst/>
-          </a:prstGeom>
-          <a:solidFill>
-            <a:schemeClr val="accent4">
-              <a:alpha val="30000"/>
-            </a:schemeClr>
-          </a:solidFill>
-          <a:ln>
-            <a:noFill/>
-          </a:ln>
-        </p:spPr>
-        <p:style>
-          <a:lnRef idx="2">
-            <a:schemeClr val="accent1">
-              <a:shade val="50000"/>
-            </a:schemeClr>
-          </a:lnRef>
-          <a:fillRef idx="1">
-            <a:schemeClr val="accent1"/>
-          </a:fillRef>
-          <a:effectRef idx="0">
-            <a:schemeClr val="accent1"/>
-          </a:effectRef>
-          <a:fontRef idx="minor">
-            <a:schemeClr val="lt1"/>
-          </a:fontRef>
-        </p:style>
-        <p:txBody>
-          <a:bodyPr rtlCol="0" anchor="ctr"/>
-          <a:lstStyle/>
-          <a:p>
-            <a:pPr algn="ctr"/>
-            <a:endParaRPr lang="en-US"/>
-          </a:p>
-        </p:txBody>
-      </p:sp>
-      <p:sp>
-        <p:nvSpPr>
-          <p:cNvPr id="13" name="Isosceles Triangle 12">
-            <a:extLst>
-              <a:ext uri="{FF2B5EF4-FFF2-40B4-BE49-F238E27FC236}">
-                <a16:creationId xmlns:a16="http://schemas.microsoft.com/office/drawing/2014/main" id="{A580F890-B085-4E95-96AA-55AEBEC5CE6E}"/>
-              </a:ext>
-              <a:ext uri="{C183D7F6-B498-43B3-948B-1728B52AA6E4}">
-                <adec:decorative xmlns:adec="http://schemas.microsoft.com/office/drawing/2017/decorative" val="1"/>
-              </a:ext>
-            </a:extLst>
-          </p:cNvPr>
-          <p:cNvSpPr>
-            <a:spLocks noGrp="1" noRot="1" noChangeAspect="1" noMove="1" noResize="1" noEditPoints="1" noAdjustHandles="1" noChangeArrowheads="1" noChangeShapeType="1" noTextEdit="1"/>
-          </p:cNvSpPr>
-          <p:nvPr>
-            <p:extLst>
-              <p:ext uri="{386F3935-93C4-4BCD-93E2-E3B085C9AB24}">
-                <p16:designElem xmlns:p16="http://schemas.microsoft.com/office/powerpoint/2015/main" val="1"/>
-              </p:ext>
-            </p:extLst>
-          </p:nvPr>
-        </p:nvSpPr>
-        <p:spPr>
-          <a:xfrm rot="16200000">
-            <a:off x="10289068" y="1343027"/>
-            <a:ext cx="2532832" cy="1273032"/>
-          </a:xfrm>
-          <a:prstGeom prst="triangle">
-            <a:avLst>
-              <a:gd name="adj" fmla="val 50000"/>
-            </a:avLst>
-          </a:prstGeom>
-          <a:solidFill>
-            <a:schemeClr val="accent4">
-              <a:alpha val="30000"/>
-            </a:schemeClr>
-          </a:solidFill>
-          <a:ln>
-            <a:noFill/>
-          </a:ln>
-        </p:spPr>
-        <p:style>
-          <a:lnRef idx="2">
-            <a:schemeClr val="accent1">
-              <a:shade val="50000"/>
-            </a:schemeClr>
-          </a:lnRef>
-          <a:fillRef idx="1">
-            <a:schemeClr val="accent1"/>
-          </a:fillRef>
-          <a:effectRef idx="0">
-            <a:schemeClr val="accent1"/>
-          </a:effectRef>
-          <a:fontRef idx="minor">
-            <a:schemeClr val="lt1"/>
-          </a:fontRef>
-        </p:style>
-        <p:txBody>
-          <a:bodyPr rtlCol="0" anchor="ctr"/>
-          <a:lstStyle/>
-          <a:p>
-            <a:pPr algn="ctr"/>
-            <a:endParaRPr lang="en-US"/>
-          </a:p>
-        </p:txBody>
-      </p:sp>
-      <p:sp>
-        <p:nvSpPr>
-          <p:cNvPr id="15" name="Isosceles Triangle 14">
-            <a:extLst>
-              <a:ext uri="{FF2B5EF4-FFF2-40B4-BE49-F238E27FC236}">
-                <a16:creationId xmlns:a16="http://schemas.microsoft.com/office/drawing/2014/main" id="{D3F51FEB-38FB-4F6C-9F7B-2F2AFAB65463}"/>
-              </a:ext>
-              <a:ext uri="{C183D7F6-B498-43B3-948B-1728B52AA6E4}">
-                <adec:decorative xmlns:adec="http://schemas.microsoft.com/office/drawing/2017/decorative" val="1"/>
-              </a:ext>
-            </a:extLst>
-          </p:cNvPr>
-          <p:cNvSpPr>
-            <a:spLocks noGrp="1" noRot="1" noChangeAspect="1" noMove="1" noResize="1" noEditPoints="1" noAdjustHandles="1" noChangeArrowheads="1" noChangeShapeType="1" noTextEdit="1"/>
-          </p:cNvSpPr>
-          <p:nvPr>
-            <p:extLst>
-              <p:ext uri="{386F3935-93C4-4BCD-93E2-E3B085C9AB24}">
-                <p16:designElem xmlns:p16="http://schemas.microsoft.com/office/powerpoint/2015/main" val="1"/>
-              </p:ext>
-            </p:extLst>
-          </p:nvPr>
-        </p:nvSpPr>
-        <p:spPr>
-          <a:xfrm rot="5400000">
-            <a:off x="-501760" y="5103257"/>
-            <a:ext cx="2017580" cy="1014060"/>
-          </a:xfrm>
-          <a:prstGeom prst="triangle">
-            <a:avLst>
-              <a:gd name="adj" fmla="val 50000"/>
-            </a:avLst>
-          </a:prstGeom>
-          <a:solidFill>
-            <a:schemeClr val="accent1">
-              <a:alpha val="30000"/>
-            </a:schemeClr>
-          </a:solidFill>
-          <a:ln>
-            <a:noFill/>
-          </a:ln>
-        </p:spPr>
-        <p:style>
-          <a:lnRef idx="2">
-            <a:schemeClr val="accent1">
-              <a:shade val="50000"/>
-            </a:schemeClr>
-          </a:lnRef>
-          <a:fillRef idx="1">
-            <a:schemeClr val="accent1"/>
-          </a:fillRef>
-          <a:effectRef idx="0">
-            <a:schemeClr val="accent1"/>
-          </a:effectRef>
-          <a:fontRef idx="minor">
-            <a:schemeClr val="lt1"/>
-          </a:fontRef>
-        </p:style>
-        <p:txBody>
-          <a:bodyPr wrap="square" rtlCol="0" anchor="ctr">
-            <a:noAutofit/>
-          </a:bodyPr>
-          <a:lstStyle/>
-          <a:p>
-            <a:pPr algn="ctr"/>
-            <a:endParaRPr lang="en-US"/>
-          </a:p>
-        </p:txBody>
-      </p:sp>
-      <p:sp>
-        <p:nvSpPr>
-          <p:cNvPr id="17" name="Rectangle 16">
-            <a:extLst>
-              <a:ext uri="{FF2B5EF4-FFF2-40B4-BE49-F238E27FC236}">
-                <a16:creationId xmlns:a16="http://schemas.microsoft.com/office/drawing/2014/main" id="{1E547BA6-BAE0-43BB-A7CA-60F69CE252F0}"/>
-              </a:ext>
-              <a:ext uri="{C183D7F6-B498-43B3-948B-1728B52AA6E4}">
-                <adec:decorative xmlns:adec="http://schemas.microsoft.com/office/drawing/2017/decorative" val="1"/>
-              </a:ext>
-            </a:extLst>
-          </p:cNvPr>
-          <p:cNvSpPr>
-            <a:spLocks noGrp="1" noRot="1" noChangeAspect="1" noMove="1" noResize="1" noEditPoints="1" noAdjustHandles="1" noChangeArrowheads="1" noChangeShapeType="1" noTextEdit="1"/>
-          </p:cNvSpPr>
-          <p:nvPr>
-            <p:extLst>
-              <p:ext uri="{386F3935-93C4-4BCD-93E2-E3B085C9AB24}">
-                <p16:designElem xmlns:p16="http://schemas.microsoft.com/office/powerpoint/2015/main" val="1"/>
-              </p:ext>
-            </p:extLst>
-          </p:nvPr>
-        </p:nvSpPr>
-        <p:spPr>
-          <a:xfrm rot="2700000">
-            <a:off x="427916" y="5728708"/>
-            <a:ext cx="485578" cy="485578"/>
-          </a:xfrm>
-          <a:prstGeom prst="rect">
-            <a:avLst/>
-          </a:prstGeom>
-          <a:solidFill>
-            <a:schemeClr val="accent1">
-              <a:alpha val="30000"/>
-            </a:schemeClr>
-          </a:solidFill>
-          <a:ln>
-            <a:noFill/>
-          </a:ln>
-        </p:spPr>
-        <p:style>
-          <a:lnRef idx="2">
-            <a:schemeClr val="accent1">
-              <a:shade val="50000"/>
-            </a:schemeClr>
-          </a:lnRef>
-          <a:fillRef idx="1">
-            <a:schemeClr val="accent1"/>
-          </a:fillRef>
-          <a:effectRef idx="0">
-            <a:schemeClr val="accent1"/>
-          </a:effectRef>
-          <a:fontRef idx="minor">
-            <a:schemeClr val="lt1"/>
-          </a:fontRef>
-        </p:style>
-        <p:txBody>
-          <a:bodyPr wrap="square" rtlCol="0" anchor="ctr">
-            <a:noAutofit/>
-          </a:bodyPr>
-          <a:lstStyle/>
-          <a:p>
-            <a:pPr algn="ctr"/>
-            <a:endParaRPr lang="en-US"/>
           </a:p>
         </p:txBody>
       </p:sp>
@@ -5169,7 +11261,7 @@
         </p:nvSpPr>
         <p:spPr>
           <a:xfrm>
-            <a:off x="8805333" y="6356350"/>
+            <a:off x="8610600" y="6356350"/>
             <a:ext cx="2743200" cy="365125"/>
           </a:xfrm>
         </p:spPr>
@@ -5197,6 +11289,37 @@
           </a:p>
         </p:txBody>
       </p:sp>
+      <p:graphicFrame>
+        <p:nvGraphicFramePr>
+          <p:cNvPr id="26" name="Espace réservé du contenu 2">
+            <a:extLst>
+              <a:ext uri="{FF2B5EF4-FFF2-40B4-BE49-F238E27FC236}">
+                <a16:creationId xmlns:a16="http://schemas.microsoft.com/office/drawing/2014/main" id="{044A2080-96EE-4017-A526-8EAEC02EB247}"/>
+              </a:ext>
+            </a:extLst>
+          </p:cNvPr>
+          <p:cNvGraphicFramePr>
+            <a:graphicFrameLocks noGrp="1"/>
+          </p:cNvGraphicFramePr>
+          <p:nvPr>
+            <p:ph idx="1"/>
+            <p:extLst>
+              <p:ext uri="{D42A27DB-BD31-4B8C-83A1-F6EECF244321}">
+                <p14:modId xmlns:p14="http://schemas.microsoft.com/office/powerpoint/2010/main" val="2259383233"/>
+              </p:ext>
+            </p:extLst>
+          </p:nvPr>
+        </p:nvGraphicFramePr>
+        <p:xfrm>
+          <a:off x="4454652" y="620392"/>
+          <a:ext cx="6899148" cy="5915530"/>
+        </p:xfrm>
+        <a:graphic>
+          <a:graphicData uri="http://schemas.openxmlformats.org/drawingml/2006/diagram">
+            <dgm:relIds xmlns:dgm="http://schemas.openxmlformats.org/drawingml/2006/diagram" xmlns:r="http://schemas.openxmlformats.org/officeDocument/2006/relationships" r:dm="rId2" r:lo="rId3" r:qs="rId4" r:cs="rId5"/>
+          </a:graphicData>
+        </a:graphic>
+      </p:graphicFrame>
     </p:spTree>
     <p:extLst>
       <p:ext uri="{BB962C8B-B14F-4D97-AF65-F5344CB8AC3E}">
@@ -5250,7 +11373,9 @@
           <a:p>
             <a:pPr algn="ctr"/>
             <a:r>
-              <a:rPr lang="fr-FR" dirty="0"/>
+              <a:rPr lang="fr-FR" dirty="0">
+                <a:latin typeface="Bahnschrift" panose="020B0502040204020203" pitchFamily="34" charset="0"/>
+              </a:rPr>
               <a:t>Répartition des tâches</a:t>
             </a:r>
           </a:p>
@@ -5701,7 +11826,9 @@
           <a:p>
             <a:pPr algn="ctr"/>
             <a:r>
-              <a:rPr lang="fr-FR" dirty="0"/>
+              <a:rPr lang="fr-FR" dirty="0">
+                <a:latin typeface="Bahnschrift" panose="020B0502040204020203" pitchFamily="34" charset="0"/>
+              </a:rPr>
               <a:t>Diagramme de classe</a:t>
             </a:r>
           </a:p>
@@ -6141,37 +12268,46 @@
           <a:p>
             <a:pPr algn="ctr"/>
             <a:r>
-              <a:rPr lang="fr-FR" dirty="0"/>
+              <a:rPr lang="fr-FR" dirty="0">
+                <a:latin typeface="Bahnschrift" panose="020B0502040204020203" pitchFamily="34" charset="0"/>
+              </a:rPr>
               <a:t>Design de la maquette</a:t>
             </a:r>
           </a:p>
         </p:txBody>
       </p:sp>
-      <p:sp>
-        <p:nvSpPr>
-          <p:cNvPr id="3" name="Espace réservé du contenu 2">
-            <a:extLst>
-              <a:ext uri="{FF2B5EF4-FFF2-40B4-BE49-F238E27FC236}">
-                <a16:creationId xmlns:a16="http://schemas.microsoft.com/office/drawing/2014/main" id="{AF476C8E-CF24-4575-AD88-AD46F16E260C}"/>
-              </a:ext>
-            </a:extLst>
-          </p:cNvPr>
-          <p:cNvSpPr>
-            <a:spLocks noGrp="1"/>
-          </p:cNvSpPr>
+      <p:pic>
+        <p:nvPicPr>
+          <p:cNvPr id="5" name="Espace réservé du contenu 4">
+            <a:extLst>
+              <a:ext uri="{FF2B5EF4-FFF2-40B4-BE49-F238E27FC236}">
+                <a16:creationId xmlns:a16="http://schemas.microsoft.com/office/drawing/2014/main" id="{3C04B162-64B5-4790-AF39-29E591D686CC}"/>
+              </a:ext>
+            </a:extLst>
+          </p:cNvPr>
+          <p:cNvPicPr>
+            <a:picLocks noGrp="1" noChangeAspect="1"/>
+          </p:cNvPicPr>
           <p:nvPr>
             <p:ph idx="1"/>
           </p:nvPr>
-        </p:nvSpPr>
-        <p:spPr/>
-        <p:txBody>
-          <a:bodyPr/>
-          <a:lstStyle/>
-          <a:p>
-            <a:endParaRPr lang="fr-FR"/>
-          </a:p>
-        </p:txBody>
-      </p:sp>
+        </p:nvPicPr>
+        <p:blipFill>
+          <a:blip r:embed="rId2"/>
+          <a:stretch>
+            <a:fillRect/>
+          </a:stretch>
+        </p:blipFill>
+        <p:spPr>
+          <a:xfrm>
+            <a:off x="2953680" y="1825625"/>
+            <a:ext cx="6284639" cy="4351338"/>
+          </a:xfrm>
+          <a:prstGeom prst="rect">
+            <a:avLst/>
+          </a:prstGeom>
+        </p:spPr>
+      </p:pic>
       <p:sp>
         <p:nvSpPr>
           <p:cNvPr id="4" name="Espace réservé du numéro de diapositive 3">
@@ -6198,6 +12334,41 @@
               <a:t>8</a:t>
             </a:fld>
             <a:endParaRPr lang="fr-FR"/>
+          </a:p>
+        </p:txBody>
+      </p:sp>
+      <p:sp>
+        <p:nvSpPr>
+          <p:cNvPr id="6" name="ZoneTexte 5">
+            <a:extLst>
+              <a:ext uri="{FF2B5EF4-FFF2-40B4-BE49-F238E27FC236}">
+                <a16:creationId xmlns:a16="http://schemas.microsoft.com/office/drawing/2014/main" id="{884DD2EC-93AB-4D54-9B68-295BC25959E8}"/>
+              </a:ext>
+            </a:extLst>
+          </p:cNvPr>
+          <p:cNvSpPr txBox="1"/>
+          <p:nvPr/>
+        </p:nvSpPr>
+        <p:spPr>
+          <a:xfrm>
+            <a:off x="5600700" y="6352143"/>
+            <a:ext cx="1685925" cy="369332"/>
+          </a:xfrm>
+          <a:prstGeom prst="rect">
+            <a:avLst/>
+          </a:prstGeom>
+          <a:noFill/>
+        </p:spPr>
+        <p:txBody>
+          <a:bodyPr wrap="square" rtlCol="0">
+            <a:spAutoFit/>
+          </a:bodyPr>
+          <a:lstStyle/>
+          <a:p>
+            <a:r>
+              <a:rPr lang="fr-FR" dirty="0"/>
+              <a:t>STORYBOARD</a:t>
+            </a:r>
           </a:p>
         </p:txBody>
       </p:sp>
@@ -6233,68 +12404,10 @@
       </p:grpSpPr>
       <p:sp>
         <p:nvSpPr>
-          <p:cNvPr id="2" name="Titre 1">
-            <a:extLst>
-              <a:ext uri="{FF2B5EF4-FFF2-40B4-BE49-F238E27FC236}">
-                <a16:creationId xmlns:a16="http://schemas.microsoft.com/office/drawing/2014/main" id="{7A845F41-CD09-4F52-9A79-7615F984CA51}"/>
-              </a:ext>
-            </a:extLst>
-          </p:cNvPr>
-          <p:cNvSpPr>
-            <a:spLocks noGrp="1"/>
-          </p:cNvSpPr>
-          <p:nvPr>
-            <p:ph type="title"/>
-          </p:nvPr>
-        </p:nvSpPr>
-        <p:spPr/>
-        <p:txBody>
-          <a:bodyPr/>
-          <a:lstStyle/>
-          <a:p>
-            <a:pPr algn="ctr"/>
-            <a:r>
-              <a:rPr lang="fr-FR" dirty="0" err="1"/>
-              <a:t>Versionning</a:t>
-            </a:r>
-            <a:r>
-              <a:rPr lang="fr-FR" dirty="0"/>
-              <a:t> GIT</a:t>
-            </a:r>
-          </a:p>
-        </p:txBody>
-      </p:sp>
-      <p:sp>
-        <p:nvSpPr>
-          <p:cNvPr id="3" name="Espace réservé du contenu 2">
-            <a:extLst>
-              <a:ext uri="{FF2B5EF4-FFF2-40B4-BE49-F238E27FC236}">
-                <a16:creationId xmlns:a16="http://schemas.microsoft.com/office/drawing/2014/main" id="{C26AAE68-0F10-47ED-A5E3-D78C60B4C462}"/>
-              </a:ext>
-            </a:extLst>
-          </p:cNvPr>
-          <p:cNvSpPr>
-            <a:spLocks noGrp="1"/>
-          </p:cNvSpPr>
-          <p:nvPr>
-            <p:ph idx="1"/>
-          </p:nvPr>
-        </p:nvSpPr>
-        <p:spPr/>
-        <p:txBody>
-          <a:bodyPr/>
-          <a:lstStyle/>
-          <a:p>
-            <a:endParaRPr lang="fr-FR"/>
-          </a:p>
-        </p:txBody>
-      </p:sp>
-      <p:sp>
-        <p:nvSpPr>
           <p:cNvPr id="4" name="Espace réservé du numéro de diapositive 3">
             <a:extLst>
               <a:ext uri="{FF2B5EF4-FFF2-40B4-BE49-F238E27FC236}">
-                <a16:creationId xmlns:a16="http://schemas.microsoft.com/office/drawing/2014/main" id="{36E81925-A54E-4BD5-BA05-7684DFD38052}"/>
+                <a16:creationId xmlns:a16="http://schemas.microsoft.com/office/drawing/2014/main" id="{11B2BC67-D15B-477A-8F5E-2D45F700E380}"/>
               </a:ext>
             </a:extLst>
           </p:cNvPr>
@@ -6318,10 +12431,1054 @@
           </a:p>
         </p:txBody>
       </p:sp>
+      <p:pic>
+        <p:nvPicPr>
+          <p:cNvPr id="5" name="Image 4">
+            <a:extLst>
+              <a:ext uri="{FF2B5EF4-FFF2-40B4-BE49-F238E27FC236}">
+                <a16:creationId xmlns:a16="http://schemas.microsoft.com/office/drawing/2014/main" id="{D129C338-38D5-4895-8631-3CF108D1F471}"/>
+              </a:ext>
+            </a:extLst>
+          </p:cNvPr>
+          <p:cNvPicPr>
+            <a:picLocks noChangeAspect="1"/>
+          </p:cNvPicPr>
+          <p:nvPr/>
+        </p:nvPicPr>
+        <p:blipFill>
+          <a:blip r:embed="rId2"/>
+          <a:stretch>
+            <a:fillRect/>
+          </a:stretch>
+        </p:blipFill>
+        <p:spPr>
+          <a:xfrm>
+            <a:off x="390525" y="448022"/>
+            <a:ext cx="4753211" cy="3238153"/>
+          </a:xfrm>
+          <a:prstGeom prst="rect">
+            <a:avLst/>
+          </a:prstGeom>
+        </p:spPr>
+      </p:pic>
+      <p:pic>
+        <p:nvPicPr>
+          <p:cNvPr id="6" name="Image 5">
+            <a:extLst>
+              <a:ext uri="{FF2B5EF4-FFF2-40B4-BE49-F238E27FC236}">
+                <a16:creationId xmlns:a16="http://schemas.microsoft.com/office/drawing/2014/main" id="{569CB1DF-0892-4674-857A-A4D2BA7EB0C9}"/>
+              </a:ext>
+            </a:extLst>
+          </p:cNvPr>
+          <p:cNvPicPr>
+            <a:picLocks noChangeAspect="1"/>
+          </p:cNvPicPr>
+          <p:nvPr/>
+        </p:nvPicPr>
+        <p:blipFill>
+          <a:blip r:embed="rId3"/>
+          <a:stretch>
+            <a:fillRect/>
+          </a:stretch>
+        </p:blipFill>
+        <p:spPr>
+          <a:xfrm>
+            <a:off x="5400675" y="2868836"/>
+            <a:ext cx="6143625" cy="3487514"/>
+          </a:xfrm>
+          <a:prstGeom prst="rect">
+            <a:avLst/>
+          </a:prstGeom>
+        </p:spPr>
+      </p:pic>
+      <p:sp>
+        <p:nvSpPr>
+          <p:cNvPr id="7" name="ZoneTexte 6">
+            <a:extLst>
+              <a:ext uri="{FF2B5EF4-FFF2-40B4-BE49-F238E27FC236}">
+                <a16:creationId xmlns:a16="http://schemas.microsoft.com/office/drawing/2014/main" id="{7123B905-F26D-4104-BFD8-C5B3DAE46389}"/>
+              </a:ext>
+            </a:extLst>
+          </p:cNvPr>
+          <p:cNvSpPr txBox="1"/>
+          <p:nvPr/>
+        </p:nvSpPr>
+        <p:spPr>
+          <a:xfrm>
+            <a:off x="7933308" y="280914"/>
+            <a:ext cx="1941990" cy="523220"/>
+          </a:xfrm>
+          <a:prstGeom prst="rect">
+            <a:avLst/>
+          </a:prstGeom>
+          <a:noFill/>
+        </p:spPr>
+        <p:txBody>
+          <a:bodyPr wrap="square" rtlCol="0">
+            <a:spAutoFit/>
+          </a:bodyPr>
+          <a:lstStyle/>
+          <a:p>
+            <a:r>
+              <a:rPr lang="fr-FR" sz="2800" dirty="0"/>
+              <a:t>RECHERCHE</a:t>
+            </a:r>
+          </a:p>
+        </p:txBody>
+      </p:sp>
+      <p:cxnSp>
+        <p:nvCxnSpPr>
+          <p:cNvPr id="9" name="Connecteur droit 8">
+            <a:extLst>
+              <a:ext uri="{FF2B5EF4-FFF2-40B4-BE49-F238E27FC236}">
+                <a16:creationId xmlns:a16="http://schemas.microsoft.com/office/drawing/2014/main" id="{ED738836-39D8-4CDD-A404-A93EA7EAEF70}"/>
+              </a:ext>
+            </a:extLst>
+          </p:cNvPr>
+          <p:cNvCxnSpPr/>
+          <p:nvPr/>
+        </p:nvCxnSpPr>
+        <p:spPr>
+          <a:xfrm flipV="1">
+            <a:off x="6096000" y="1752600"/>
+            <a:ext cx="209550" cy="1323975"/>
+          </a:xfrm>
+          <a:prstGeom prst="line">
+            <a:avLst/>
+          </a:prstGeom>
+        </p:spPr>
+        <p:style>
+          <a:lnRef idx="1">
+            <a:schemeClr val="accent1"/>
+          </a:lnRef>
+          <a:fillRef idx="0">
+            <a:schemeClr val="accent1"/>
+          </a:fillRef>
+          <a:effectRef idx="0">
+            <a:schemeClr val="accent1"/>
+          </a:effectRef>
+          <a:fontRef idx="minor">
+            <a:schemeClr val="tx1"/>
+          </a:fontRef>
+        </p:style>
+      </p:cxnSp>
+      <p:cxnSp>
+        <p:nvCxnSpPr>
+          <p:cNvPr id="11" name="Connecteur droit 10">
+            <a:extLst>
+              <a:ext uri="{FF2B5EF4-FFF2-40B4-BE49-F238E27FC236}">
+                <a16:creationId xmlns:a16="http://schemas.microsoft.com/office/drawing/2014/main" id="{31F540A2-24A4-4FCF-A7F5-D57A0472788E}"/>
+              </a:ext>
+            </a:extLst>
+          </p:cNvPr>
+          <p:cNvCxnSpPr/>
+          <p:nvPr/>
+        </p:nvCxnSpPr>
+        <p:spPr>
+          <a:xfrm flipH="1">
+            <a:off x="2982897" y="3524435"/>
+            <a:ext cx="2494625" cy="541538"/>
+          </a:xfrm>
+          <a:prstGeom prst="line">
+            <a:avLst/>
+          </a:prstGeom>
+        </p:spPr>
+        <p:style>
+          <a:lnRef idx="1">
+            <a:schemeClr val="accent1"/>
+          </a:lnRef>
+          <a:fillRef idx="0">
+            <a:schemeClr val="accent1"/>
+          </a:fillRef>
+          <a:effectRef idx="0">
+            <a:schemeClr val="accent1"/>
+          </a:effectRef>
+          <a:fontRef idx="minor">
+            <a:schemeClr val="tx1"/>
+          </a:fontRef>
+        </p:style>
+      </p:cxnSp>
+      <p:cxnSp>
+        <p:nvCxnSpPr>
+          <p:cNvPr id="13" name="Connecteur droit 12">
+            <a:extLst>
+              <a:ext uri="{FF2B5EF4-FFF2-40B4-BE49-F238E27FC236}">
+                <a16:creationId xmlns:a16="http://schemas.microsoft.com/office/drawing/2014/main" id="{3EFD91D9-1DBB-4882-B607-93AE17A2103D}"/>
+              </a:ext>
+            </a:extLst>
+          </p:cNvPr>
+          <p:cNvCxnSpPr/>
+          <p:nvPr/>
+        </p:nvCxnSpPr>
+        <p:spPr>
+          <a:xfrm flipH="1">
+            <a:off x="4110361" y="4838330"/>
+            <a:ext cx="1695635" cy="514905"/>
+          </a:xfrm>
+          <a:prstGeom prst="line">
+            <a:avLst/>
+          </a:prstGeom>
+        </p:spPr>
+        <p:style>
+          <a:lnRef idx="1">
+            <a:schemeClr val="accent1"/>
+          </a:lnRef>
+          <a:fillRef idx="0">
+            <a:schemeClr val="accent1"/>
+          </a:fillRef>
+          <a:effectRef idx="0">
+            <a:schemeClr val="accent1"/>
+          </a:effectRef>
+          <a:fontRef idx="minor">
+            <a:schemeClr val="tx1"/>
+          </a:fontRef>
+        </p:style>
+      </p:cxnSp>
+      <p:cxnSp>
+        <p:nvCxnSpPr>
+          <p:cNvPr id="15" name="Connecteur droit 14">
+            <a:extLst>
+              <a:ext uri="{FF2B5EF4-FFF2-40B4-BE49-F238E27FC236}">
+                <a16:creationId xmlns:a16="http://schemas.microsoft.com/office/drawing/2014/main" id="{0307B59F-AFF1-4D5D-AD6E-B6D5590B37BB}"/>
+              </a:ext>
+            </a:extLst>
+          </p:cNvPr>
+          <p:cNvCxnSpPr/>
+          <p:nvPr/>
+        </p:nvCxnSpPr>
+        <p:spPr>
+          <a:xfrm flipV="1">
+            <a:off x="10191565" y="2157274"/>
+            <a:ext cx="390618" cy="1528901"/>
+          </a:xfrm>
+          <a:prstGeom prst="line">
+            <a:avLst/>
+          </a:prstGeom>
+        </p:spPr>
+        <p:style>
+          <a:lnRef idx="1">
+            <a:schemeClr val="accent1"/>
+          </a:lnRef>
+          <a:fillRef idx="0">
+            <a:schemeClr val="accent1"/>
+          </a:fillRef>
+          <a:effectRef idx="0">
+            <a:schemeClr val="accent1"/>
+          </a:effectRef>
+          <a:fontRef idx="minor">
+            <a:schemeClr val="tx1"/>
+          </a:fontRef>
+        </p:style>
+      </p:cxnSp>
+      <p:cxnSp>
+        <p:nvCxnSpPr>
+          <p:cNvPr id="17" name="Connecteur droit 16">
+            <a:extLst>
+              <a:ext uri="{FF2B5EF4-FFF2-40B4-BE49-F238E27FC236}">
+                <a16:creationId xmlns:a16="http://schemas.microsoft.com/office/drawing/2014/main" id="{9D7B7BB2-BCCB-4B73-B758-835501149F8B}"/>
+              </a:ext>
+            </a:extLst>
+          </p:cNvPr>
+          <p:cNvCxnSpPr/>
+          <p:nvPr/>
+        </p:nvCxnSpPr>
+        <p:spPr>
+          <a:xfrm flipV="1">
+            <a:off x="8753383" y="2547891"/>
+            <a:ext cx="301840" cy="1138284"/>
+          </a:xfrm>
+          <a:prstGeom prst="line">
+            <a:avLst/>
+          </a:prstGeom>
+        </p:spPr>
+        <p:style>
+          <a:lnRef idx="1">
+            <a:schemeClr val="accent1"/>
+          </a:lnRef>
+          <a:fillRef idx="0">
+            <a:schemeClr val="accent1"/>
+          </a:fillRef>
+          <a:effectRef idx="0">
+            <a:schemeClr val="accent1"/>
+          </a:effectRef>
+          <a:fontRef idx="minor">
+            <a:schemeClr val="tx1"/>
+          </a:fontRef>
+        </p:style>
+      </p:cxnSp>
+      <p:cxnSp>
+        <p:nvCxnSpPr>
+          <p:cNvPr id="19" name="Connecteur droit 18">
+            <a:extLst>
+              <a:ext uri="{FF2B5EF4-FFF2-40B4-BE49-F238E27FC236}">
+                <a16:creationId xmlns:a16="http://schemas.microsoft.com/office/drawing/2014/main" id="{F381F1B3-F44C-47FB-9F8B-F646B365E7E1}"/>
+              </a:ext>
+            </a:extLst>
+          </p:cNvPr>
+          <p:cNvCxnSpPr/>
+          <p:nvPr/>
+        </p:nvCxnSpPr>
+        <p:spPr>
+          <a:xfrm flipV="1">
+            <a:off x="7679184" y="2290439"/>
+            <a:ext cx="177554" cy="1395736"/>
+          </a:xfrm>
+          <a:prstGeom prst="line">
+            <a:avLst/>
+          </a:prstGeom>
+        </p:spPr>
+        <p:style>
+          <a:lnRef idx="1">
+            <a:schemeClr val="accent1"/>
+          </a:lnRef>
+          <a:fillRef idx="0">
+            <a:schemeClr val="accent1"/>
+          </a:fillRef>
+          <a:effectRef idx="0">
+            <a:schemeClr val="accent1"/>
+          </a:effectRef>
+          <a:fontRef idx="minor">
+            <a:schemeClr val="tx1"/>
+          </a:fontRef>
+        </p:style>
+      </p:cxnSp>
+      <p:cxnSp>
+        <p:nvCxnSpPr>
+          <p:cNvPr id="21" name="Connecteur droit 20">
+            <a:extLst>
+              <a:ext uri="{FF2B5EF4-FFF2-40B4-BE49-F238E27FC236}">
+                <a16:creationId xmlns:a16="http://schemas.microsoft.com/office/drawing/2014/main" id="{CFE34DD5-C8A5-4B3E-A256-95908E55F8B9}"/>
+              </a:ext>
+            </a:extLst>
+          </p:cNvPr>
+          <p:cNvCxnSpPr/>
+          <p:nvPr/>
+        </p:nvCxnSpPr>
+        <p:spPr>
+          <a:xfrm>
+            <a:off x="7537142" y="6285390"/>
+            <a:ext cx="463858" cy="346229"/>
+          </a:xfrm>
+          <a:prstGeom prst="line">
+            <a:avLst/>
+          </a:prstGeom>
+        </p:spPr>
+        <p:style>
+          <a:lnRef idx="1">
+            <a:schemeClr val="accent1"/>
+          </a:lnRef>
+          <a:fillRef idx="0">
+            <a:schemeClr val="accent1"/>
+          </a:fillRef>
+          <a:effectRef idx="0">
+            <a:schemeClr val="accent1"/>
+          </a:effectRef>
+          <a:fontRef idx="minor">
+            <a:schemeClr val="tx1"/>
+          </a:fontRef>
+        </p:style>
+      </p:cxnSp>
+      <p:sp>
+        <p:nvSpPr>
+          <p:cNvPr id="23" name="Rectangle 22">
+            <a:extLst>
+              <a:ext uri="{FF2B5EF4-FFF2-40B4-BE49-F238E27FC236}">
+                <a16:creationId xmlns:a16="http://schemas.microsoft.com/office/drawing/2014/main" id="{DEBD12AF-3B59-470D-BCA2-3DE106C901FE}"/>
+              </a:ext>
+            </a:extLst>
+          </p:cNvPr>
+          <p:cNvSpPr/>
+          <p:nvPr/>
+        </p:nvSpPr>
+        <p:spPr>
+          <a:xfrm>
+            <a:off x="5575177" y="1074198"/>
+            <a:ext cx="1473089" cy="585926"/>
+          </a:xfrm>
+          <a:prstGeom prst="rect">
+            <a:avLst/>
+          </a:prstGeom>
+          <a:ln>
+            <a:solidFill>
+              <a:schemeClr val="accent1">
+                <a:lumMod val="75000"/>
+              </a:schemeClr>
+            </a:solidFill>
+          </a:ln>
+        </p:spPr>
+        <p:style>
+          <a:lnRef idx="2">
+            <a:schemeClr val="accent6"/>
+          </a:lnRef>
+          <a:fillRef idx="1">
+            <a:schemeClr val="lt1"/>
+          </a:fillRef>
+          <a:effectRef idx="0">
+            <a:schemeClr val="accent6"/>
+          </a:effectRef>
+          <a:fontRef idx="minor">
+            <a:schemeClr val="dk1"/>
+          </a:fontRef>
+        </p:style>
+        <p:txBody>
+          <a:bodyPr rtlCol="0" anchor="ctr"/>
+          <a:lstStyle/>
+          <a:p>
+            <a:pPr algn="ctr"/>
+            <a:endParaRPr lang="fr-FR"/>
+          </a:p>
+        </p:txBody>
+      </p:sp>
+      <p:sp>
+        <p:nvSpPr>
+          <p:cNvPr id="24" name="Rectangle 23">
+            <a:extLst>
+              <a:ext uri="{FF2B5EF4-FFF2-40B4-BE49-F238E27FC236}">
+                <a16:creationId xmlns:a16="http://schemas.microsoft.com/office/drawing/2014/main" id="{E82E9351-FF13-4D49-832D-D84AF0B78762}"/>
+              </a:ext>
+            </a:extLst>
+          </p:cNvPr>
+          <p:cNvSpPr/>
+          <p:nvPr/>
+        </p:nvSpPr>
+        <p:spPr>
+          <a:xfrm>
+            <a:off x="1381338" y="3826276"/>
+            <a:ext cx="1473089" cy="585926"/>
+          </a:xfrm>
+          <a:prstGeom prst="rect">
+            <a:avLst/>
+          </a:prstGeom>
+          <a:ln>
+            <a:solidFill>
+              <a:schemeClr val="accent1">
+                <a:lumMod val="75000"/>
+              </a:schemeClr>
+            </a:solidFill>
+          </a:ln>
+        </p:spPr>
+        <p:style>
+          <a:lnRef idx="2">
+            <a:schemeClr val="accent6"/>
+          </a:lnRef>
+          <a:fillRef idx="1">
+            <a:schemeClr val="lt1"/>
+          </a:fillRef>
+          <a:effectRef idx="0">
+            <a:schemeClr val="accent6"/>
+          </a:effectRef>
+          <a:fontRef idx="minor">
+            <a:schemeClr val="dk1"/>
+          </a:fontRef>
+        </p:style>
+        <p:txBody>
+          <a:bodyPr rtlCol="0" anchor="ctr"/>
+          <a:lstStyle/>
+          <a:p>
+            <a:pPr algn="ctr"/>
+            <a:endParaRPr lang="fr-FR"/>
+          </a:p>
+        </p:txBody>
+      </p:sp>
+      <p:sp>
+        <p:nvSpPr>
+          <p:cNvPr id="25" name="Rectangle 24">
+            <a:extLst>
+              <a:ext uri="{FF2B5EF4-FFF2-40B4-BE49-F238E27FC236}">
+                <a16:creationId xmlns:a16="http://schemas.microsoft.com/office/drawing/2014/main" id="{E47FC1B7-80E0-459E-AC23-AA129FF7F898}"/>
+              </a:ext>
+            </a:extLst>
+          </p:cNvPr>
+          <p:cNvSpPr/>
+          <p:nvPr/>
+        </p:nvSpPr>
+        <p:spPr>
+          <a:xfrm>
+            <a:off x="2545885" y="5095782"/>
+            <a:ext cx="1473089" cy="585926"/>
+          </a:xfrm>
+          <a:prstGeom prst="rect">
+            <a:avLst/>
+          </a:prstGeom>
+          <a:ln>
+            <a:solidFill>
+              <a:schemeClr val="accent1">
+                <a:lumMod val="75000"/>
+              </a:schemeClr>
+            </a:solidFill>
+          </a:ln>
+        </p:spPr>
+        <p:style>
+          <a:lnRef idx="2">
+            <a:schemeClr val="accent6"/>
+          </a:lnRef>
+          <a:fillRef idx="1">
+            <a:schemeClr val="lt1"/>
+          </a:fillRef>
+          <a:effectRef idx="0">
+            <a:schemeClr val="accent6"/>
+          </a:effectRef>
+          <a:fontRef idx="minor">
+            <a:schemeClr val="dk1"/>
+          </a:fontRef>
+        </p:style>
+        <p:txBody>
+          <a:bodyPr rtlCol="0" anchor="ctr"/>
+          <a:lstStyle/>
+          <a:p>
+            <a:pPr algn="ctr"/>
+            <a:endParaRPr lang="fr-FR"/>
+          </a:p>
+        </p:txBody>
+      </p:sp>
+      <p:sp>
+        <p:nvSpPr>
+          <p:cNvPr id="26" name="Rectangle 25">
+            <a:extLst>
+              <a:ext uri="{FF2B5EF4-FFF2-40B4-BE49-F238E27FC236}">
+                <a16:creationId xmlns:a16="http://schemas.microsoft.com/office/drawing/2014/main" id="{E2C5456C-DECB-4021-940B-47BEAA892D6B}"/>
+              </a:ext>
+            </a:extLst>
+          </p:cNvPr>
+          <p:cNvSpPr/>
+          <p:nvPr/>
+        </p:nvSpPr>
+        <p:spPr>
+          <a:xfrm>
+            <a:off x="7297100" y="1784478"/>
+            <a:ext cx="1119275" cy="433526"/>
+          </a:xfrm>
+          <a:prstGeom prst="rect">
+            <a:avLst/>
+          </a:prstGeom>
+          <a:ln>
+            <a:solidFill>
+              <a:schemeClr val="accent1">
+                <a:lumMod val="75000"/>
+              </a:schemeClr>
+            </a:solidFill>
+          </a:ln>
+        </p:spPr>
+        <p:style>
+          <a:lnRef idx="2">
+            <a:schemeClr val="accent6"/>
+          </a:lnRef>
+          <a:fillRef idx="1">
+            <a:schemeClr val="lt1"/>
+          </a:fillRef>
+          <a:effectRef idx="0">
+            <a:schemeClr val="accent6"/>
+          </a:effectRef>
+          <a:fontRef idx="minor">
+            <a:schemeClr val="dk1"/>
+          </a:fontRef>
+        </p:style>
+        <p:txBody>
+          <a:bodyPr rtlCol="0" anchor="ctr"/>
+          <a:lstStyle/>
+          <a:p>
+            <a:pPr algn="ctr"/>
+            <a:endParaRPr lang="fr-FR"/>
+          </a:p>
+        </p:txBody>
+      </p:sp>
+      <p:sp>
+        <p:nvSpPr>
+          <p:cNvPr id="27" name="Rectangle 26">
+            <a:extLst>
+              <a:ext uri="{FF2B5EF4-FFF2-40B4-BE49-F238E27FC236}">
+                <a16:creationId xmlns:a16="http://schemas.microsoft.com/office/drawing/2014/main" id="{D376947A-97D5-47E7-958A-C6DED1907DDB}"/>
+              </a:ext>
+            </a:extLst>
+          </p:cNvPr>
+          <p:cNvSpPr/>
+          <p:nvPr/>
+        </p:nvSpPr>
+        <p:spPr>
+          <a:xfrm>
+            <a:off x="8653139" y="1997090"/>
+            <a:ext cx="1152617" cy="433526"/>
+          </a:xfrm>
+          <a:prstGeom prst="rect">
+            <a:avLst/>
+          </a:prstGeom>
+          <a:ln>
+            <a:solidFill>
+              <a:schemeClr val="accent1">
+                <a:lumMod val="75000"/>
+              </a:schemeClr>
+            </a:solidFill>
+          </a:ln>
+        </p:spPr>
+        <p:style>
+          <a:lnRef idx="2">
+            <a:schemeClr val="accent6"/>
+          </a:lnRef>
+          <a:fillRef idx="1">
+            <a:schemeClr val="lt1"/>
+          </a:fillRef>
+          <a:effectRef idx="0">
+            <a:schemeClr val="accent6"/>
+          </a:effectRef>
+          <a:fontRef idx="minor">
+            <a:schemeClr val="dk1"/>
+          </a:fontRef>
+        </p:style>
+        <p:txBody>
+          <a:bodyPr rtlCol="0" anchor="ctr"/>
+          <a:lstStyle/>
+          <a:p>
+            <a:pPr algn="ctr"/>
+            <a:endParaRPr lang="fr-FR"/>
+          </a:p>
+        </p:txBody>
+      </p:sp>
+      <p:sp>
+        <p:nvSpPr>
+          <p:cNvPr id="28" name="Rectangle 27">
+            <a:extLst>
+              <a:ext uri="{FF2B5EF4-FFF2-40B4-BE49-F238E27FC236}">
+                <a16:creationId xmlns:a16="http://schemas.microsoft.com/office/drawing/2014/main" id="{71020894-AEB8-475A-BF4F-4038C9BC0E5E}"/>
+              </a:ext>
+            </a:extLst>
+          </p:cNvPr>
+          <p:cNvSpPr/>
+          <p:nvPr/>
+        </p:nvSpPr>
+        <p:spPr>
+          <a:xfrm>
+            <a:off x="10191565" y="1563564"/>
+            <a:ext cx="1170373" cy="433526"/>
+          </a:xfrm>
+          <a:prstGeom prst="rect">
+            <a:avLst/>
+          </a:prstGeom>
+          <a:ln>
+            <a:solidFill>
+              <a:schemeClr val="accent1">
+                <a:lumMod val="75000"/>
+              </a:schemeClr>
+            </a:solidFill>
+          </a:ln>
+        </p:spPr>
+        <p:style>
+          <a:lnRef idx="2">
+            <a:schemeClr val="accent6"/>
+          </a:lnRef>
+          <a:fillRef idx="1">
+            <a:schemeClr val="lt1"/>
+          </a:fillRef>
+          <a:effectRef idx="0">
+            <a:schemeClr val="accent6"/>
+          </a:effectRef>
+          <a:fontRef idx="minor">
+            <a:schemeClr val="dk1"/>
+          </a:fontRef>
+        </p:style>
+        <p:txBody>
+          <a:bodyPr rtlCol="0" anchor="ctr"/>
+          <a:lstStyle/>
+          <a:p>
+            <a:pPr algn="ctr"/>
+            <a:endParaRPr lang="fr-FR"/>
+          </a:p>
+        </p:txBody>
+      </p:sp>
+      <p:sp>
+        <p:nvSpPr>
+          <p:cNvPr id="29" name="Rectangle 28">
+            <a:extLst>
+              <a:ext uri="{FF2B5EF4-FFF2-40B4-BE49-F238E27FC236}">
+                <a16:creationId xmlns:a16="http://schemas.microsoft.com/office/drawing/2014/main" id="{4302F890-BC29-4A16-A084-DED7D38DF6BF}"/>
+              </a:ext>
+            </a:extLst>
+          </p:cNvPr>
+          <p:cNvSpPr/>
+          <p:nvPr/>
+        </p:nvSpPr>
+        <p:spPr>
+          <a:xfrm>
+            <a:off x="8062012" y="6315337"/>
+            <a:ext cx="1320689" cy="526002"/>
+          </a:xfrm>
+          <a:prstGeom prst="rect">
+            <a:avLst/>
+          </a:prstGeom>
+          <a:ln>
+            <a:solidFill>
+              <a:schemeClr val="accent1">
+                <a:lumMod val="75000"/>
+              </a:schemeClr>
+            </a:solidFill>
+          </a:ln>
+        </p:spPr>
+        <p:style>
+          <a:lnRef idx="2">
+            <a:schemeClr val="accent6"/>
+          </a:lnRef>
+          <a:fillRef idx="1">
+            <a:schemeClr val="lt1"/>
+          </a:fillRef>
+          <a:effectRef idx="0">
+            <a:schemeClr val="accent6"/>
+          </a:effectRef>
+          <a:fontRef idx="minor">
+            <a:schemeClr val="dk1"/>
+          </a:fontRef>
+        </p:style>
+        <p:txBody>
+          <a:bodyPr rtlCol="0" anchor="ctr"/>
+          <a:lstStyle/>
+          <a:p>
+            <a:pPr algn="ctr"/>
+            <a:endParaRPr lang="fr-FR"/>
+          </a:p>
+        </p:txBody>
+      </p:sp>
+      <p:sp>
+        <p:nvSpPr>
+          <p:cNvPr id="30" name="ZoneTexte 29">
+            <a:extLst>
+              <a:ext uri="{FF2B5EF4-FFF2-40B4-BE49-F238E27FC236}">
+                <a16:creationId xmlns:a16="http://schemas.microsoft.com/office/drawing/2014/main" id="{45D6E101-A481-4C04-8E0E-13C5B52C9EE4}"/>
+              </a:ext>
+            </a:extLst>
+          </p:cNvPr>
+          <p:cNvSpPr txBox="1"/>
+          <p:nvPr/>
+        </p:nvSpPr>
+        <p:spPr>
+          <a:xfrm>
+            <a:off x="5740338" y="1152891"/>
+            <a:ext cx="1130423" cy="307777"/>
+          </a:xfrm>
+          <a:prstGeom prst="rect">
+            <a:avLst/>
+          </a:prstGeom>
+          <a:noFill/>
+        </p:spPr>
+        <p:txBody>
+          <a:bodyPr wrap="square" rtlCol="0">
+            <a:spAutoFit/>
+          </a:bodyPr>
+          <a:lstStyle/>
+          <a:p>
+            <a:r>
+              <a:rPr lang="fr-FR" sz="1400" dirty="0" err="1"/>
+              <a:t>ImageIcon</a:t>
+            </a:r>
+            <a:endParaRPr lang="fr-FR" sz="1400" dirty="0"/>
+          </a:p>
+        </p:txBody>
+      </p:sp>
+      <p:sp>
+        <p:nvSpPr>
+          <p:cNvPr id="31" name="ZoneTexte 30">
+            <a:extLst>
+              <a:ext uri="{FF2B5EF4-FFF2-40B4-BE49-F238E27FC236}">
+                <a16:creationId xmlns:a16="http://schemas.microsoft.com/office/drawing/2014/main" id="{8FD29D54-F301-43A5-97E7-22053D0B8099}"/>
+              </a:ext>
+            </a:extLst>
+          </p:cNvPr>
+          <p:cNvSpPr txBox="1"/>
+          <p:nvPr/>
+        </p:nvSpPr>
+        <p:spPr>
+          <a:xfrm>
+            <a:off x="1552670" y="3928939"/>
+            <a:ext cx="1130423" cy="307777"/>
+          </a:xfrm>
+          <a:prstGeom prst="rect">
+            <a:avLst/>
+          </a:prstGeom>
+          <a:noFill/>
+        </p:spPr>
+        <p:txBody>
+          <a:bodyPr wrap="square" rtlCol="0">
+            <a:spAutoFit/>
+          </a:bodyPr>
+          <a:lstStyle/>
+          <a:p>
+            <a:r>
+              <a:rPr lang="fr-FR" sz="1400" dirty="0" err="1"/>
+              <a:t>JTabbedPane</a:t>
+            </a:r>
+            <a:endParaRPr lang="fr-FR" sz="1400" dirty="0"/>
+          </a:p>
+        </p:txBody>
+      </p:sp>
+      <p:sp>
+        <p:nvSpPr>
+          <p:cNvPr id="32" name="ZoneTexte 31">
+            <a:extLst>
+              <a:ext uri="{FF2B5EF4-FFF2-40B4-BE49-F238E27FC236}">
+                <a16:creationId xmlns:a16="http://schemas.microsoft.com/office/drawing/2014/main" id="{FDEDE5BE-EB1E-408B-8FD3-7BE4FA313FC1}"/>
+              </a:ext>
+            </a:extLst>
+          </p:cNvPr>
+          <p:cNvSpPr txBox="1"/>
+          <p:nvPr/>
+        </p:nvSpPr>
+        <p:spPr>
+          <a:xfrm>
+            <a:off x="2830125" y="5198445"/>
+            <a:ext cx="1130423" cy="380599"/>
+          </a:xfrm>
+          <a:prstGeom prst="rect">
+            <a:avLst/>
+          </a:prstGeom>
+          <a:noFill/>
+        </p:spPr>
+        <p:txBody>
+          <a:bodyPr wrap="square" rtlCol="0">
+            <a:spAutoFit/>
+          </a:bodyPr>
+          <a:lstStyle/>
+          <a:p>
+            <a:r>
+              <a:rPr lang="fr-FR" dirty="0" err="1"/>
+              <a:t>JTable</a:t>
+            </a:r>
+            <a:endParaRPr lang="fr-FR" dirty="0"/>
+          </a:p>
+        </p:txBody>
+      </p:sp>
+      <p:sp>
+        <p:nvSpPr>
+          <p:cNvPr id="33" name="ZoneTexte 32">
+            <a:extLst>
+              <a:ext uri="{FF2B5EF4-FFF2-40B4-BE49-F238E27FC236}">
+                <a16:creationId xmlns:a16="http://schemas.microsoft.com/office/drawing/2014/main" id="{6E6D7138-E5DD-4B24-92AA-172CD1729C96}"/>
+              </a:ext>
+            </a:extLst>
+          </p:cNvPr>
+          <p:cNvSpPr txBox="1"/>
+          <p:nvPr/>
+        </p:nvSpPr>
+        <p:spPr>
+          <a:xfrm>
+            <a:off x="7305788" y="1816737"/>
+            <a:ext cx="1130423" cy="307777"/>
+          </a:xfrm>
+          <a:prstGeom prst="rect">
+            <a:avLst/>
+          </a:prstGeom>
+          <a:noFill/>
+        </p:spPr>
+        <p:txBody>
+          <a:bodyPr wrap="square" rtlCol="0">
+            <a:spAutoFit/>
+          </a:bodyPr>
+          <a:lstStyle/>
+          <a:p>
+            <a:pPr algn="ctr"/>
+            <a:r>
+              <a:rPr lang="fr-FR" sz="1400" dirty="0" err="1"/>
+              <a:t>JradioButton</a:t>
+            </a:r>
+            <a:endParaRPr lang="fr-FR" sz="1400" dirty="0"/>
+          </a:p>
+        </p:txBody>
+      </p:sp>
+      <p:sp>
+        <p:nvSpPr>
+          <p:cNvPr id="34" name="ZoneTexte 33">
+            <a:extLst>
+              <a:ext uri="{FF2B5EF4-FFF2-40B4-BE49-F238E27FC236}">
+                <a16:creationId xmlns:a16="http://schemas.microsoft.com/office/drawing/2014/main" id="{A717CD22-9F15-4C45-A86F-46B4717A9795}"/>
+              </a:ext>
+            </a:extLst>
+          </p:cNvPr>
+          <p:cNvSpPr txBox="1"/>
+          <p:nvPr/>
+        </p:nvSpPr>
+        <p:spPr>
+          <a:xfrm>
+            <a:off x="8679567" y="2015169"/>
+            <a:ext cx="1130423" cy="380599"/>
+          </a:xfrm>
+          <a:prstGeom prst="rect">
+            <a:avLst/>
+          </a:prstGeom>
+          <a:noFill/>
+        </p:spPr>
+        <p:txBody>
+          <a:bodyPr wrap="square" rtlCol="0">
+            <a:spAutoFit/>
+          </a:bodyPr>
+          <a:lstStyle/>
+          <a:p>
+            <a:r>
+              <a:rPr lang="fr-FR" dirty="0" err="1"/>
+              <a:t>JTextField</a:t>
+            </a:r>
+            <a:endParaRPr lang="fr-FR" dirty="0"/>
+          </a:p>
+        </p:txBody>
+      </p:sp>
+      <p:sp>
+        <p:nvSpPr>
+          <p:cNvPr id="35" name="ZoneTexte 34">
+            <a:extLst>
+              <a:ext uri="{FF2B5EF4-FFF2-40B4-BE49-F238E27FC236}">
+                <a16:creationId xmlns:a16="http://schemas.microsoft.com/office/drawing/2014/main" id="{4B5DB5C1-F189-47FE-82AB-2859196B16B8}"/>
+              </a:ext>
+            </a:extLst>
+          </p:cNvPr>
+          <p:cNvSpPr txBox="1"/>
+          <p:nvPr/>
+        </p:nvSpPr>
+        <p:spPr>
+          <a:xfrm>
+            <a:off x="10231515" y="1590027"/>
+            <a:ext cx="1130423" cy="380599"/>
+          </a:xfrm>
+          <a:prstGeom prst="rect">
+            <a:avLst/>
+          </a:prstGeom>
+          <a:noFill/>
+        </p:spPr>
+        <p:txBody>
+          <a:bodyPr wrap="square" rtlCol="0">
+            <a:spAutoFit/>
+          </a:bodyPr>
+          <a:lstStyle/>
+          <a:p>
+            <a:r>
+              <a:rPr lang="fr-FR" dirty="0" err="1"/>
+              <a:t>JButton</a:t>
+            </a:r>
+            <a:endParaRPr lang="fr-FR" dirty="0"/>
+          </a:p>
+        </p:txBody>
+      </p:sp>
+      <p:sp>
+        <p:nvSpPr>
+          <p:cNvPr id="36" name="ZoneTexte 35">
+            <a:extLst>
+              <a:ext uri="{FF2B5EF4-FFF2-40B4-BE49-F238E27FC236}">
+                <a16:creationId xmlns:a16="http://schemas.microsoft.com/office/drawing/2014/main" id="{BCD8D56F-441B-4D67-95C7-28F4274A63DB}"/>
+              </a:ext>
+            </a:extLst>
+          </p:cNvPr>
+          <p:cNvSpPr txBox="1"/>
+          <p:nvPr/>
+        </p:nvSpPr>
+        <p:spPr>
+          <a:xfrm>
+            <a:off x="8173975" y="6413971"/>
+            <a:ext cx="1130423" cy="380599"/>
+          </a:xfrm>
+          <a:prstGeom prst="rect">
+            <a:avLst/>
+          </a:prstGeom>
+          <a:noFill/>
+        </p:spPr>
+        <p:txBody>
+          <a:bodyPr wrap="square" rtlCol="0">
+            <a:spAutoFit/>
+          </a:bodyPr>
+          <a:lstStyle/>
+          <a:p>
+            <a:r>
+              <a:rPr lang="fr-FR" dirty="0" err="1"/>
+              <a:t>JLabel</a:t>
+            </a:r>
+            <a:endParaRPr lang="fr-FR" dirty="0"/>
+          </a:p>
+        </p:txBody>
+      </p:sp>
+      <p:sp>
+        <p:nvSpPr>
+          <p:cNvPr id="37" name="Rectangle 36">
+            <a:extLst>
+              <a:ext uri="{FF2B5EF4-FFF2-40B4-BE49-F238E27FC236}">
+                <a16:creationId xmlns:a16="http://schemas.microsoft.com/office/drawing/2014/main" id="{74161CDD-32B3-40E6-8AB6-FF1C98B1265E}"/>
+              </a:ext>
+            </a:extLst>
+          </p:cNvPr>
+          <p:cNvSpPr/>
+          <p:nvPr/>
+        </p:nvSpPr>
+        <p:spPr>
+          <a:xfrm>
+            <a:off x="9382701" y="4696287"/>
+            <a:ext cx="1979237" cy="502158"/>
+          </a:xfrm>
+          <a:prstGeom prst="rect">
+            <a:avLst/>
+          </a:prstGeom>
+          <a:ln>
+            <a:solidFill>
+              <a:schemeClr val="accent1">
+                <a:lumMod val="75000"/>
+              </a:schemeClr>
+            </a:solidFill>
+          </a:ln>
+        </p:spPr>
+        <p:style>
+          <a:lnRef idx="2">
+            <a:schemeClr val="accent6"/>
+          </a:lnRef>
+          <a:fillRef idx="1">
+            <a:schemeClr val="lt1"/>
+          </a:fillRef>
+          <a:effectRef idx="0">
+            <a:schemeClr val="accent6"/>
+          </a:effectRef>
+          <a:fontRef idx="minor">
+            <a:schemeClr val="dk1"/>
+          </a:fontRef>
+        </p:style>
+        <p:txBody>
+          <a:bodyPr rtlCol="0" anchor="ctr"/>
+          <a:lstStyle/>
+          <a:p>
+            <a:pPr algn="ctr"/>
+            <a:endParaRPr lang="fr-FR"/>
+          </a:p>
+        </p:txBody>
+      </p:sp>
+      <p:sp>
+        <p:nvSpPr>
+          <p:cNvPr id="38" name="ZoneTexte 37">
+            <a:extLst>
+              <a:ext uri="{FF2B5EF4-FFF2-40B4-BE49-F238E27FC236}">
+                <a16:creationId xmlns:a16="http://schemas.microsoft.com/office/drawing/2014/main" id="{B7ADC262-64F0-4F17-9B00-EA0D61E49B2D}"/>
+              </a:ext>
+            </a:extLst>
+          </p:cNvPr>
+          <p:cNvSpPr txBox="1"/>
+          <p:nvPr/>
+        </p:nvSpPr>
+        <p:spPr>
+          <a:xfrm>
+            <a:off x="9646328" y="4765181"/>
+            <a:ext cx="1450759" cy="307777"/>
+          </a:xfrm>
+          <a:prstGeom prst="rect">
+            <a:avLst/>
+          </a:prstGeom>
+          <a:noFill/>
+        </p:spPr>
+        <p:txBody>
+          <a:bodyPr wrap="square" rtlCol="0">
+            <a:spAutoFit/>
+          </a:bodyPr>
+          <a:lstStyle/>
+          <a:p>
+            <a:r>
+              <a:rPr lang="fr-FR" sz="1400" dirty="0" err="1"/>
+              <a:t>BorderLayout</a:t>
+            </a:r>
+            <a:endParaRPr lang="fr-FR" sz="1400" dirty="0"/>
+          </a:p>
+        </p:txBody>
+      </p:sp>
     </p:spTree>
     <p:extLst>
       <p:ext uri="{BB962C8B-B14F-4D97-AF65-F5344CB8AC3E}">
-        <p14:creationId xmlns:p14="http://schemas.microsoft.com/office/powerpoint/2010/main" val="3190798979"/>
+        <p14:creationId xmlns:p14="http://schemas.microsoft.com/office/powerpoint/2010/main" val="3408844590"/>
       </p:ext>
     </p:extLst>
   </p:cSld>

--- a/ppt_projet_java.pptx
+++ b/ppt_projet_java.pptx
@@ -11044,7 +11044,16 @@
           <a:p>
             <a:r>
               <a:rPr lang="fr-FR" sz="1200" dirty="0">
-                <a:hlinkClick r:id="rId4" tooltip="https://stackoverflow.com/questions/4128872/how-to-get-the-name-of-the-day-from-java-sql-timestamp-object"/>
+                <a:hlinkClick r:id="rId4"/>
+              </a:rPr>
+              <a:t>https://stackoverflow.com/questions/3213045/centering-text-in-a-jtextarea-or-jtextpane-horizontal-text-alignment</a:t>
+            </a:r>
+            <a:endParaRPr lang="fr-FR" sz="1200" dirty="0"/>
+          </a:p>
+          <a:p>
+            <a:r>
+              <a:rPr lang="fr-FR" sz="1200" dirty="0">
+                <a:hlinkClick r:id="rId5" tooltip="https://stackoverflow.com/questions/4128872/how-to-get-the-name-of-the-day-from-java-sql-timestamp-object"/>
               </a:rPr>
               <a:t>https://stackoverflow.com/questions/4128872/how-to-get-the-name-of-the-day-from-java-sql-timestamp-object</a:t>
             </a:r>
@@ -11053,7 +11062,22 @@
           <a:p>
             <a:r>
               <a:rPr lang="fr-FR" sz="1200" dirty="0">
-                <a:hlinkClick r:id="rId5"/>
+                <a:hlinkClick r:id="rId6"/>
+              </a:rPr>
+              <a:t>https://pedago-ece.campusonline.me/pluginfile.php/233754/mod_resource/content/1/JFreeChart</a:t>
+            </a:r>
+            <a:r>
+              <a:rPr lang="fr-FR" sz="1200">
+                <a:hlinkClick r:id="rId6"/>
+              </a:rPr>
+              <a:t>.pdf</a:t>
+            </a:r>
+            <a:endParaRPr lang="fr-FR" sz="1200" dirty="0"/>
+          </a:p>
+          <a:p>
+            <a:r>
+              <a:rPr lang="fr-FR" sz="1200" dirty="0">
+                <a:hlinkClick r:id="rId7"/>
               </a:rPr>
               <a:t>https://cyrille-herby.developpez.com/tutoriels/java/mapper-sa-base-donnees-avec-pattern-dao/</a:t>
             </a:r>
@@ -11062,16 +11086,7 @@
           <a:p>
             <a:r>
               <a:rPr lang="fr-FR" sz="1200" dirty="0">
-                <a:hlinkClick r:id="rId6"/>
-              </a:rPr>
-              <a:t>https://pedago-ece.campusonline.me/pluginfile.php/233754/mod_resource/content/1/JFreeChart.pdf</a:t>
-            </a:r>
-            <a:endParaRPr lang="fr-FR" sz="1200" dirty="0"/>
-          </a:p>
-          <a:p>
-            <a:r>
-              <a:rPr lang="fr-FR" sz="1200" dirty="0">
-                <a:hlinkClick r:id="rId7"/>
+                <a:hlinkClick r:id="rId8"/>
               </a:rPr>
               <a:t>https://stackoverflow.com/questions/31189811/how-to-get-date-value-from-jspinner</a:t>
             </a:r>
@@ -11080,7 +11095,7 @@
           <a:p>
             <a:r>
               <a:rPr lang="fr-FR" sz="1200" dirty="0">
-                <a:hlinkClick r:id="rId8"/>
+                <a:hlinkClick r:id="rId9"/>
               </a:rPr>
               <a:t>https://examples.javacodegeeks.com/core-java/util/date/java-util-date-to-java-sql-date/</a:t>
             </a:r>
@@ -11089,7 +11104,7 @@
           <a:p>
             <a:r>
               <a:rPr lang="fr-FR" sz="1200" dirty="0">
-                <a:hlinkClick r:id="rId9"/>
+                <a:hlinkClick r:id="rId10"/>
               </a:rPr>
               <a:t>https://stackoverflow.com/questions/7350893/click-event-on-jtable-java</a:t>
             </a:r>
@@ -11098,7 +11113,7 @@
           <a:p>
             <a:r>
               <a:rPr lang="fr-FR" sz="1200" dirty="0">
-                <a:hlinkClick r:id="rId10"/>
+                <a:hlinkClick r:id="rId11"/>
               </a:rPr>
               <a:t>https://javanepal.wordpress.com/2010/06/30/adding-jlabel-in-jtable/</a:t>
             </a:r>
@@ -11107,7 +11122,7 @@
           <a:p>
             <a:r>
               <a:rPr lang="fr-FR" sz="1200" dirty="0">
-                <a:hlinkClick r:id="rId11"/>
+                <a:hlinkClick r:id="rId12"/>
               </a:rPr>
               <a:t>https://www.programmez.com/content/jtable-mettre-un-jlabel-et-un-jbutton</a:t>
             </a:r>
@@ -11116,7 +11131,7 @@
           <a:p>
             <a:r>
               <a:rPr lang="fr-FR" sz="1200" dirty="0">
-                <a:hlinkClick r:id="rId12"/>
+                <a:hlinkClick r:id="rId13"/>
               </a:rPr>
               <a:t>https://koor.fr/Java/TutorialSwing/swing_JToolBar.wp</a:t>
             </a:r>
@@ -11125,7 +11140,7 @@
           <a:p>
             <a:r>
               <a:rPr lang="fr-FR" sz="1200" dirty="0">
-                <a:hlinkClick r:id="rId13"/>
+                <a:hlinkClick r:id="rId14"/>
               </a:rPr>
               <a:t>https://www.flaticon.com/home</a:t>
             </a:r>

--- a/ppt_projet_java.pptx
+++ b/ppt_projet_java.pptx
@@ -121,6 +121,11 @@
       </a:defRPr>
     </a:lvl9pPr>
   </p:defaultTextStyle>
+  <p:extLst>
+    <p:ext uri="{EFAFB233-063F-42B5-8137-9DF3F51BA10A}">
+      <p15:sldGuideLst xmlns:p15="http://schemas.microsoft.com/office/powerpoint/2012/main"/>
+    </p:ext>
+  </p:extLst>
 </p:presentation>
 </file>
 
@@ -11954,35 +11959,48 @@
           <a:bodyPr/>
           <a:lstStyle/>
           <a:p>
-            <a:endParaRPr lang="fr-FR"/>
+            <a:r>
+              <a:rPr lang="fr-FR" dirty="0"/>
+              <a:t>Modèle</a:t>
+            </a:r>
           </a:p>
         </p:txBody>
       </p:sp>
-      <p:sp>
-        <p:nvSpPr>
-          <p:cNvPr id="3" name="Espace réservé du contenu 2">
-            <a:extLst>
-              <a:ext uri="{FF2B5EF4-FFF2-40B4-BE49-F238E27FC236}">
-                <a16:creationId xmlns:a16="http://schemas.microsoft.com/office/drawing/2014/main" id="{AEF7DCBD-778E-4FC4-8CF4-19AAB1D4DC24}"/>
-              </a:ext>
-            </a:extLst>
-          </p:cNvPr>
-          <p:cNvSpPr>
-            <a:spLocks noGrp="1"/>
-          </p:cNvSpPr>
+      <p:pic>
+        <p:nvPicPr>
+          <p:cNvPr id="6" name="Espace réservé du contenu 5">
+            <a:extLst>
+              <a:ext uri="{FF2B5EF4-FFF2-40B4-BE49-F238E27FC236}">
+                <a16:creationId xmlns:a16="http://schemas.microsoft.com/office/drawing/2014/main" id="{572CBFD8-F793-4CD6-BC94-9382E5A70A33}"/>
+              </a:ext>
+            </a:extLst>
+          </p:cNvPr>
+          <p:cNvPicPr>
+            <a:picLocks noGrp="1" noChangeAspect="1"/>
+          </p:cNvPicPr>
           <p:nvPr>
             <p:ph idx="1"/>
           </p:nvPr>
-        </p:nvSpPr>
-        <p:spPr/>
-        <p:txBody>
-          <a:bodyPr/>
-          <a:lstStyle/>
-          <a:p>
-            <a:endParaRPr lang="fr-FR"/>
-          </a:p>
-        </p:txBody>
-      </p:sp>
+        </p:nvPicPr>
+        <p:blipFill>
+          <a:blip r:embed="rId2">
+            <a:extLst>
+              <a:ext uri="{28A0092B-C50C-407E-A947-70E740481C1C}">
+                <a14:useLocalDpi xmlns:a14="http://schemas.microsoft.com/office/drawing/2010/main" val="0"/>
+              </a:ext>
+            </a:extLst>
+          </a:blip>
+          <a:stretch>
+            <a:fillRect/>
+          </a:stretch>
+        </p:blipFill>
+        <p:spPr>
+          <a:xfrm>
+            <a:off x="2156070" y="1825625"/>
+            <a:ext cx="7879859" cy="4351338"/>
+          </a:xfrm>
+        </p:spPr>
+      </p:pic>
       <p:sp>
         <p:nvSpPr>
           <p:cNvPr id="4" name="Espace réservé du numéro de diapositive 3">
@@ -12063,35 +12081,48 @@
           <a:bodyPr/>
           <a:lstStyle/>
           <a:p>
-            <a:endParaRPr lang="fr-FR"/>
+            <a:r>
+              <a:rPr lang="fr-FR" dirty="0"/>
+              <a:t>Vue</a:t>
+            </a:r>
           </a:p>
         </p:txBody>
       </p:sp>
-      <p:sp>
-        <p:nvSpPr>
-          <p:cNvPr id="3" name="Espace réservé du contenu 2">
-            <a:extLst>
-              <a:ext uri="{FF2B5EF4-FFF2-40B4-BE49-F238E27FC236}">
-                <a16:creationId xmlns:a16="http://schemas.microsoft.com/office/drawing/2014/main" id="{04915310-4BE3-42DB-806A-959D817217BF}"/>
-              </a:ext>
-            </a:extLst>
-          </p:cNvPr>
-          <p:cNvSpPr>
-            <a:spLocks noGrp="1"/>
-          </p:cNvSpPr>
+      <p:pic>
+        <p:nvPicPr>
+          <p:cNvPr id="6" name="Espace réservé du contenu 5">
+            <a:extLst>
+              <a:ext uri="{FF2B5EF4-FFF2-40B4-BE49-F238E27FC236}">
+                <a16:creationId xmlns:a16="http://schemas.microsoft.com/office/drawing/2014/main" id="{E6BF8F83-2081-42CB-9396-4EF5965E7F8E}"/>
+              </a:ext>
+            </a:extLst>
+          </p:cNvPr>
+          <p:cNvPicPr>
+            <a:picLocks noGrp="1" noChangeAspect="1"/>
+          </p:cNvPicPr>
           <p:nvPr>
             <p:ph idx="1"/>
           </p:nvPr>
-        </p:nvSpPr>
-        <p:spPr/>
-        <p:txBody>
-          <a:bodyPr/>
-          <a:lstStyle/>
-          <a:p>
-            <a:endParaRPr lang="fr-FR"/>
-          </a:p>
-        </p:txBody>
-      </p:sp>
+        </p:nvPicPr>
+        <p:blipFill>
+          <a:blip r:embed="rId2">
+            <a:extLst>
+              <a:ext uri="{28A0092B-C50C-407E-A947-70E740481C1C}">
+                <a14:useLocalDpi xmlns:a14="http://schemas.microsoft.com/office/drawing/2010/main" val="0"/>
+              </a:ext>
+            </a:extLst>
+          </a:blip>
+          <a:stretch>
+            <a:fillRect/>
+          </a:stretch>
+        </p:blipFill>
+        <p:spPr>
+          <a:xfrm>
+            <a:off x="1801419" y="1825625"/>
+            <a:ext cx="8589162" cy="4351338"/>
+          </a:xfrm>
+        </p:spPr>
+      </p:pic>
       <p:sp>
         <p:nvSpPr>
           <p:cNvPr id="4" name="Espace réservé du numéro de diapositive 3">
@@ -12172,35 +12203,48 @@
           <a:bodyPr/>
           <a:lstStyle/>
           <a:p>
-            <a:endParaRPr lang="fr-FR"/>
+            <a:r>
+              <a:rPr lang="fr-FR" dirty="0"/>
+              <a:t>Contrôleur</a:t>
+            </a:r>
           </a:p>
         </p:txBody>
       </p:sp>
-      <p:sp>
-        <p:nvSpPr>
-          <p:cNvPr id="3" name="Espace réservé du contenu 2">
-            <a:extLst>
-              <a:ext uri="{FF2B5EF4-FFF2-40B4-BE49-F238E27FC236}">
-                <a16:creationId xmlns:a16="http://schemas.microsoft.com/office/drawing/2014/main" id="{305E99F0-275C-4CE1-877E-9FD3261B85DF}"/>
-              </a:ext>
-            </a:extLst>
-          </p:cNvPr>
-          <p:cNvSpPr>
-            <a:spLocks noGrp="1"/>
-          </p:cNvSpPr>
+      <p:pic>
+        <p:nvPicPr>
+          <p:cNvPr id="6" name="Espace réservé du contenu 5">
+            <a:extLst>
+              <a:ext uri="{FF2B5EF4-FFF2-40B4-BE49-F238E27FC236}">
+                <a16:creationId xmlns:a16="http://schemas.microsoft.com/office/drawing/2014/main" id="{2856FF6A-514B-446E-8EE3-0D6EC4C9D6B1}"/>
+              </a:ext>
+            </a:extLst>
+          </p:cNvPr>
+          <p:cNvPicPr>
+            <a:picLocks noGrp="1" noChangeAspect="1"/>
+          </p:cNvPicPr>
           <p:nvPr>
             <p:ph idx="1"/>
           </p:nvPr>
-        </p:nvSpPr>
-        <p:spPr/>
-        <p:txBody>
-          <a:bodyPr/>
-          <a:lstStyle/>
-          <a:p>
-            <a:endParaRPr lang="fr-FR"/>
-          </a:p>
-        </p:txBody>
-      </p:sp>
+        </p:nvPicPr>
+        <p:blipFill>
+          <a:blip r:embed="rId2">
+            <a:extLst>
+              <a:ext uri="{28A0092B-C50C-407E-A947-70E740481C1C}">
+                <a14:useLocalDpi xmlns:a14="http://schemas.microsoft.com/office/drawing/2010/main" val="0"/>
+              </a:ext>
+            </a:extLst>
+          </a:blip>
+          <a:stretch>
+            <a:fillRect/>
+          </a:stretch>
+        </p:blipFill>
+        <p:spPr>
+          <a:xfrm>
+            <a:off x="838200" y="2500646"/>
+            <a:ext cx="10515600" cy="3001296"/>
+          </a:xfrm>
+        </p:spPr>
+      </p:pic>
       <p:sp>
         <p:nvSpPr>
           <p:cNvPr id="4" name="Espace réservé du numéro de diapositive 3">

--- a/ppt_projet_java.pptx
+++ b/ppt_projet_java.pptx
@@ -10540,7 +10540,13 @@
           <a:bodyPr/>
           <a:lstStyle/>
           <a:p>
-            <a:endParaRPr lang="fr-FR"/>
+            <a:r>
+              <a:rPr lang="fr-FR" dirty="0">
+                <a:hlinkClick r:id="rId2"/>
+              </a:rPr>
+              <a:t>https://github.com/noahghost/Java-Project</a:t>
+            </a:r>
+            <a:endParaRPr lang="fr-FR" dirty="0"/>
           </a:p>
         </p:txBody>
       </p:sp>
@@ -11854,31 +11860,41 @@
           </a:p>
         </p:txBody>
       </p:sp>
-      <p:sp>
-        <p:nvSpPr>
-          <p:cNvPr id="3" name="Espace réservé du contenu 2">
-            <a:extLst>
-              <a:ext uri="{FF2B5EF4-FFF2-40B4-BE49-F238E27FC236}">
-                <a16:creationId xmlns:a16="http://schemas.microsoft.com/office/drawing/2014/main" id="{8DE0F868-4786-4B2A-B883-CAF31C902810}"/>
-              </a:ext>
-            </a:extLst>
-          </p:cNvPr>
-          <p:cNvSpPr>
-            <a:spLocks noGrp="1"/>
-          </p:cNvSpPr>
+      <p:pic>
+        <p:nvPicPr>
+          <p:cNvPr id="6" name="Espace réservé du contenu 5">
+            <a:extLst>
+              <a:ext uri="{FF2B5EF4-FFF2-40B4-BE49-F238E27FC236}">
+                <a16:creationId xmlns:a16="http://schemas.microsoft.com/office/drawing/2014/main" id="{F5733C4A-4ABB-448A-91EA-34A9D47BA084}"/>
+              </a:ext>
+            </a:extLst>
+          </p:cNvPr>
+          <p:cNvPicPr>
+            <a:picLocks noGrp="1" noChangeAspect="1"/>
+          </p:cNvPicPr>
           <p:nvPr>
             <p:ph idx="1"/>
           </p:nvPr>
-        </p:nvSpPr>
-        <p:spPr/>
-        <p:txBody>
-          <a:bodyPr/>
-          <a:lstStyle/>
-          <a:p>
-            <a:endParaRPr lang="fr-FR"/>
-          </a:p>
-        </p:txBody>
-      </p:sp>
+        </p:nvPicPr>
+        <p:blipFill>
+          <a:blip r:embed="rId2">
+            <a:extLst>
+              <a:ext uri="{28A0092B-C50C-407E-A947-70E740481C1C}">
+                <a14:useLocalDpi xmlns:a14="http://schemas.microsoft.com/office/drawing/2010/main" val="0"/>
+              </a:ext>
+            </a:extLst>
+          </a:blip>
+          <a:stretch>
+            <a:fillRect/>
+          </a:stretch>
+        </p:blipFill>
+        <p:spPr>
+          <a:xfrm>
+            <a:off x="2385612" y="1825625"/>
+            <a:ext cx="7420776" cy="4351338"/>
+          </a:xfrm>
+        </p:spPr>
+      </p:pic>
       <p:sp>
         <p:nvSpPr>
           <p:cNvPr id="4" name="Espace réservé du numéro de diapositive 3">
